--- a/poster.pptx
+++ b/poster.pptx
@@ -5,8 +5,7 @@
     <p:sldMasterId id="2147483660" r:id="rId1"/>
   </p:sldMasterIdLst>
   <p:sldIdLst>
-    <p:sldId id="256" r:id="rId2"/>
-    <p:sldId id="257" r:id="rId3"/>
+    <p:sldId id="257" r:id="rId2"/>
   </p:sldIdLst>
   <p:sldSz cx="30267275" cy="42794238"/>
   <p:notesSz cx="6858000" cy="9144000"/>
@@ -2956,5080 +2955,6 @@
 </file>
 
 <file path=ppt/slides/slide1.xml><?xml version="1.0" encoding="utf-8"?>
-<p:sld xmlns:a="http://schemas.openxmlformats.org/drawingml/2006/main" xmlns:r="http://schemas.openxmlformats.org/officeDocument/2006/relationships" xmlns:p="http://schemas.openxmlformats.org/presentationml/2006/main">
-  <p:cSld>
-    <p:spTree>
-      <p:nvGrpSpPr>
-        <p:cNvPr id="1" name=""/>
-        <p:cNvGrpSpPr/>
-        <p:nvPr/>
-      </p:nvGrpSpPr>
-      <p:grpSpPr>
-        <a:xfrm>
-          <a:off x="0" y="0"/>
-          <a:ext cx="0" cy="0"/>
-          <a:chOff x="0" y="0"/>
-          <a:chExt cx="0" cy="0"/>
-        </a:xfrm>
-      </p:grpSpPr>
-      <p:sp>
-        <p:nvSpPr>
-          <p:cNvPr id="8" name="Rectangle 7">
-            <a:extLst>
-              <a:ext uri="{FF2B5EF4-FFF2-40B4-BE49-F238E27FC236}">
-                <a16:creationId xmlns:a16="http://schemas.microsoft.com/office/drawing/2014/main" id="{98C2B6FF-A6EE-417E-AAC8-2B73D992E5B1}"/>
-              </a:ext>
-            </a:extLst>
-          </p:cNvPr>
-          <p:cNvSpPr/>
-          <p:nvPr/>
-        </p:nvSpPr>
-        <p:spPr>
-          <a:xfrm>
-            <a:off x="18663609" y="38187944"/>
-            <a:ext cx="10169410" cy="3841545"/>
-          </a:xfrm>
-          <a:prstGeom prst="rect">
-            <a:avLst/>
-          </a:prstGeom>
-          <a:solidFill>
-            <a:schemeClr val="accent4">
-              <a:lumMod val="20000"/>
-              <a:lumOff val="80000"/>
-            </a:schemeClr>
-          </a:solidFill>
-          <a:ln>
-            <a:noFill/>
-          </a:ln>
-        </p:spPr>
-        <p:style>
-          <a:lnRef idx="2">
-            <a:schemeClr val="accent1">
-              <a:shade val="50000"/>
-            </a:schemeClr>
-          </a:lnRef>
-          <a:fillRef idx="1">
-            <a:schemeClr val="accent1"/>
-          </a:fillRef>
-          <a:effectRef idx="0">
-            <a:schemeClr val="accent1"/>
-          </a:effectRef>
-          <a:fontRef idx="minor">
-            <a:schemeClr val="lt1"/>
-          </a:fontRef>
-        </p:style>
-        <p:txBody>
-          <a:bodyPr lIns="457200" tIns="91440" rIns="457200" bIns="91440" rtlCol="0" anchor="ctr"/>
-          <a:lstStyle/>
-          <a:p>
-            <a:pPr algn="just"/>
-            <a:r>
-              <a:rPr lang="en-US" sz="5400" b="1" dirty="0">
-                <a:solidFill>
-                  <a:schemeClr val="tx1"/>
-                </a:solidFill>
-                <a:latin typeface="Helvetica" panose="020B0604020202020204" pitchFamily="34" charset="0"/>
-                <a:cs typeface="Helvetica" panose="020B0604020202020204" pitchFamily="34" charset="0"/>
-              </a:rPr>
-              <a:t>Contact</a:t>
-            </a:r>
-          </a:p>
-          <a:p>
-            <a:pPr algn="just"/>
-            <a:r>
-              <a:rPr lang="en-US" sz="4400" dirty="0">
-                <a:solidFill>
-                  <a:schemeClr val="tx1"/>
-                </a:solidFill>
-                <a:latin typeface="Helvetica" panose="020B0604020202020204" pitchFamily="34" charset="0"/>
-                <a:cs typeface="Helvetica" panose="020B0604020202020204" pitchFamily="34" charset="0"/>
-              </a:rPr>
-              <a:t>Matteo Francia</a:t>
-            </a:r>
-          </a:p>
-          <a:p>
-            <a:pPr algn="just"/>
-            <a:r>
-              <a:rPr lang="en-US" sz="4400" dirty="0">
-                <a:solidFill>
-                  <a:schemeClr val="tx1"/>
-                </a:solidFill>
-                <a:latin typeface="Helvetica" panose="020B0604020202020204" pitchFamily="34" charset="0"/>
-                <a:cs typeface="Helvetica" panose="020B0604020202020204" pitchFamily="34" charset="0"/>
-              </a:rPr>
-              <a:t>Assistant Professor</a:t>
-            </a:r>
-          </a:p>
-          <a:p>
-            <a:pPr algn="just"/>
-            <a:r>
-              <a:rPr lang="en-US" sz="4400" dirty="0">
-                <a:latin typeface="Helvetica" panose="020B0604020202020204" pitchFamily="34" charset="0"/>
-                <a:cs typeface="Helvetica" panose="020B0604020202020204" pitchFamily="34" charset="0"/>
-                <a:hlinkClick r:id="rId2"/>
-              </a:rPr>
-              <a:t>m.francia@unibo.it</a:t>
-            </a:r>
-            <a:r>
-              <a:rPr lang="en-US" sz="4400" dirty="0">
-                <a:latin typeface="Helvetica" panose="020B0604020202020204" pitchFamily="34" charset="0"/>
-                <a:cs typeface="Helvetica" panose="020B0604020202020204" pitchFamily="34" charset="0"/>
-              </a:rPr>
-              <a:t> </a:t>
-            </a:r>
-            <a:endParaRPr lang="en-US" sz="4400" dirty="0">
-              <a:solidFill>
-                <a:schemeClr val="tx1"/>
-              </a:solidFill>
-              <a:latin typeface="Helvetica" panose="020B0604020202020204" pitchFamily="34" charset="0"/>
-              <a:cs typeface="Helvetica" panose="020B0604020202020204" pitchFamily="34" charset="0"/>
-            </a:endParaRPr>
-          </a:p>
-        </p:txBody>
-      </p:sp>
-      <p:pic>
-        <p:nvPicPr>
-          <p:cNvPr id="18" name="Picture 17">
-            <a:extLst>
-              <a:ext uri="{FF2B5EF4-FFF2-40B4-BE49-F238E27FC236}">
-                <a16:creationId xmlns:a16="http://schemas.microsoft.com/office/drawing/2014/main" id="{6C18ED98-22E0-424A-BE64-580500B89BBD}"/>
-              </a:ext>
-            </a:extLst>
-          </p:cNvPr>
-          <p:cNvPicPr>
-            <a:picLocks noChangeAspect="1"/>
-          </p:cNvPicPr>
-          <p:nvPr/>
-        </p:nvPicPr>
-        <p:blipFill>
-          <a:blip r:embed="rId3">
-            <a:extLst>
-              <a:ext uri="{28A0092B-C50C-407E-A947-70E740481C1C}">
-                <a14:useLocalDpi xmlns:a14="http://schemas.microsoft.com/office/drawing/2010/main" val="0"/>
-              </a:ext>
-            </a:extLst>
-          </a:blip>
-          <a:stretch>
-            <a:fillRect/>
-          </a:stretch>
-        </p:blipFill>
-        <p:spPr>
-          <a:xfrm>
-            <a:off x="25308087" y="38454645"/>
-            <a:ext cx="3280201" cy="3280201"/>
-          </a:xfrm>
-          <a:prstGeom prst="rect">
-            <a:avLst/>
-          </a:prstGeom>
-        </p:spPr>
-      </p:pic>
-      <p:sp>
-        <p:nvSpPr>
-          <p:cNvPr id="5" name="Title 4">
-            <a:extLst>
-              <a:ext uri="{FF2B5EF4-FFF2-40B4-BE49-F238E27FC236}">
-                <a16:creationId xmlns:a16="http://schemas.microsoft.com/office/drawing/2014/main" id="{F10B3199-C8EF-418D-AE0E-9316F24D31D9}"/>
-              </a:ext>
-            </a:extLst>
-          </p:cNvPr>
-          <p:cNvSpPr>
-            <a:spLocks noGrp="1"/>
-          </p:cNvSpPr>
-          <p:nvPr>
-            <p:ph type="ctrTitle"/>
-          </p:nvPr>
-        </p:nvSpPr>
-        <p:spPr>
-          <a:xfrm>
-            <a:off x="990070" y="672354"/>
-            <a:ext cx="23468078" cy="5096435"/>
-          </a:xfrm>
-        </p:spPr>
-        <p:txBody>
-          <a:bodyPr>
-            <a:noAutofit/>
-          </a:bodyPr>
-          <a:lstStyle/>
-          <a:p>
-            <a:r>
-              <a:rPr lang="en-US" sz="8000" b="1" dirty="0">
-                <a:latin typeface="Helvetica" panose="020B0604020202020204" pitchFamily="34" charset="0"/>
-                <a:cs typeface="Helvetica" panose="020B0604020202020204" pitchFamily="34" charset="0"/>
-              </a:rPr>
-              <a:t>Colossal Trajectory Mining</a:t>
-            </a:r>
-            <a:br>
-              <a:rPr lang="en-US" sz="8000" b="1" dirty="0">
-                <a:latin typeface="Helvetica" panose="020B0604020202020204" pitchFamily="34" charset="0"/>
-                <a:cs typeface="Helvetica" panose="020B0604020202020204" pitchFamily="34" charset="0"/>
-              </a:rPr>
-            </a:br>
-            <a:r>
-              <a:rPr lang="en-US" sz="8000" b="1" dirty="0">
-                <a:latin typeface="Helvetica" panose="020B0604020202020204" pitchFamily="34" charset="0"/>
-                <a:cs typeface="Helvetica" panose="020B0604020202020204" pitchFamily="34" charset="0"/>
-              </a:rPr>
-              <a:t>Semantic Co-movement Pattern Mining</a:t>
-            </a:r>
-            <a:br>
-              <a:rPr lang="en-US" sz="8000" b="1" dirty="0">
-                <a:latin typeface="Helvetica" panose="020B0604020202020204" pitchFamily="34" charset="0"/>
-                <a:cs typeface="Helvetica" panose="020B0604020202020204" pitchFamily="34" charset="0"/>
-              </a:rPr>
-            </a:br>
-            <a:r>
-              <a:rPr lang="en-US" sz="6000" dirty="0">
-                <a:latin typeface="Helvetica" panose="020B0604020202020204" pitchFamily="34" charset="0"/>
-                <a:cs typeface="Helvetica" panose="020B0604020202020204" pitchFamily="34" charset="0"/>
-              </a:rPr>
-              <a:t>Chiara </a:t>
-            </a:r>
-            <a:r>
-              <a:rPr lang="en-US" sz="6000" dirty="0" err="1">
-                <a:latin typeface="Helvetica" panose="020B0604020202020204" pitchFamily="34" charset="0"/>
-                <a:cs typeface="Helvetica" panose="020B0604020202020204" pitchFamily="34" charset="0"/>
-              </a:rPr>
-              <a:t>Forresi</a:t>
-            </a:r>
-            <a:r>
-              <a:rPr lang="en-US" sz="6000" dirty="0">
-                <a:latin typeface="Helvetica" panose="020B0604020202020204" pitchFamily="34" charset="0"/>
-                <a:cs typeface="Helvetica" panose="020B0604020202020204" pitchFamily="34" charset="0"/>
-              </a:rPr>
-              <a:t>, </a:t>
-            </a:r>
-            <a:r>
-              <a:rPr lang="en-US" sz="6000" u="sng" dirty="0">
-                <a:latin typeface="Helvetica" panose="020B0604020202020204" pitchFamily="34" charset="0"/>
-                <a:cs typeface="Helvetica" panose="020B0604020202020204" pitchFamily="34" charset="0"/>
-              </a:rPr>
-              <a:t>Matteo Francia</a:t>
-            </a:r>
-            <a:r>
-              <a:rPr lang="en-US" sz="6000" dirty="0">
-                <a:latin typeface="Helvetica" panose="020B0604020202020204" pitchFamily="34" charset="0"/>
-                <a:cs typeface="Helvetica" panose="020B0604020202020204" pitchFamily="34" charset="0"/>
-              </a:rPr>
-              <a:t>*, Enrico Gallinucci,</a:t>
-            </a:r>
-            <a:br>
-              <a:rPr lang="en-US" sz="6000" dirty="0">
-                <a:latin typeface="Helvetica" panose="020B0604020202020204" pitchFamily="34" charset="0"/>
-                <a:cs typeface="Helvetica" panose="020B0604020202020204" pitchFamily="34" charset="0"/>
-              </a:rPr>
-            </a:br>
-            <a:r>
-              <a:rPr lang="en-US" sz="6000" dirty="0">
-                <a:latin typeface="Helvetica" panose="020B0604020202020204" pitchFamily="34" charset="0"/>
-                <a:cs typeface="Helvetica" panose="020B0604020202020204" pitchFamily="34" charset="0"/>
-              </a:rPr>
-              <a:t>Matteo Golfarelli, </a:t>
-            </a:r>
-            <a:r>
-              <a:rPr lang="en-US" sz="6000" dirty="0" err="1">
-                <a:latin typeface="Helvetica" panose="020B0604020202020204" pitchFamily="34" charset="0"/>
-                <a:cs typeface="Helvetica" panose="020B0604020202020204" pitchFamily="34" charset="0"/>
-              </a:rPr>
-              <a:t>Manuele</a:t>
-            </a:r>
-            <a:r>
-              <a:rPr lang="en-US" sz="6000" dirty="0">
-                <a:latin typeface="Helvetica" panose="020B0604020202020204" pitchFamily="34" charset="0"/>
-                <a:cs typeface="Helvetica" panose="020B0604020202020204" pitchFamily="34" charset="0"/>
-              </a:rPr>
-              <a:t> </a:t>
-            </a:r>
-            <a:r>
-              <a:rPr lang="en-US" sz="6000" dirty="0" err="1">
-                <a:latin typeface="Helvetica" panose="020B0604020202020204" pitchFamily="34" charset="0"/>
-                <a:cs typeface="Helvetica" panose="020B0604020202020204" pitchFamily="34" charset="0"/>
-              </a:rPr>
-              <a:t>Pasini</a:t>
-            </a:r>
-            <a:br>
-              <a:rPr lang="en-US" sz="8000" dirty="0">
-                <a:latin typeface="Helvetica" panose="020B0604020202020204" pitchFamily="34" charset="0"/>
-                <a:cs typeface="Helvetica" panose="020B0604020202020204" pitchFamily="34" charset="0"/>
-              </a:rPr>
-            </a:br>
-            <a:r>
-              <a:rPr lang="en-US" sz="5000" dirty="0">
-                <a:latin typeface="Helvetica" panose="020B0604020202020204" pitchFamily="34" charset="0"/>
-                <a:cs typeface="Helvetica" panose="020B0604020202020204" pitchFamily="34" charset="0"/>
-              </a:rPr>
-              <a:t>DISI – University of Bologna, Italy</a:t>
-            </a:r>
-          </a:p>
-        </p:txBody>
-      </p:sp>
-      <p:pic>
-        <p:nvPicPr>
-          <p:cNvPr id="7" name="Picture 6">
-            <a:extLst>
-              <a:ext uri="{FF2B5EF4-FFF2-40B4-BE49-F238E27FC236}">
-                <a16:creationId xmlns:a16="http://schemas.microsoft.com/office/drawing/2014/main" id="{61FDA799-6C5B-43CA-8374-0879997BC29C}"/>
-              </a:ext>
-            </a:extLst>
-          </p:cNvPr>
-          <p:cNvPicPr>
-            <a:picLocks noChangeAspect="1"/>
-          </p:cNvPicPr>
-          <p:nvPr/>
-        </p:nvPicPr>
-        <p:blipFill>
-          <a:blip r:embed="rId4">
-            <a:extLst>
-              <a:ext uri="{28A0092B-C50C-407E-A947-70E740481C1C}">
-                <a14:useLocalDpi xmlns:a14="http://schemas.microsoft.com/office/drawing/2010/main" val="0"/>
-              </a:ext>
-            </a:extLst>
-          </a:blip>
-          <a:stretch>
-            <a:fillRect/>
-          </a:stretch>
-        </p:blipFill>
-        <p:spPr>
-          <a:xfrm>
-            <a:off x="24458148" y="907677"/>
-            <a:ext cx="4625788" cy="4625788"/>
-          </a:xfrm>
-          <a:prstGeom prst="rect">
-            <a:avLst/>
-          </a:prstGeom>
-        </p:spPr>
-      </p:pic>
-      <mc:AlternateContent xmlns:mc="http://schemas.openxmlformats.org/markup-compatibility/2006" xmlns:a14="http://schemas.microsoft.com/office/drawing/2010/main">
-        <mc:Choice Requires="a14">
-          <p:sp>
-            <p:nvSpPr>
-              <p:cNvPr id="9" name="Rectangle 8">
-                <a:extLst>
-                  <a:ext uri="{FF2B5EF4-FFF2-40B4-BE49-F238E27FC236}">
-                    <a16:creationId xmlns:a16="http://schemas.microsoft.com/office/drawing/2014/main" id="{639A1C1A-439F-482A-9B57-5A9E99AC19FD}"/>
-                  </a:ext>
-                </a:extLst>
-              </p:cNvPr>
-              <p:cNvSpPr/>
-              <p:nvPr/>
-            </p:nvSpPr>
-            <p:spPr>
-              <a:xfrm>
-                <a:off x="1443557" y="12978573"/>
-                <a:ext cx="16742989" cy="6437195"/>
-              </a:xfrm>
-              <a:prstGeom prst="rect">
-                <a:avLst/>
-              </a:prstGeom>
-              <a:solidFill>
-                <a:schemeClr val="accent6">
-                  <a:lumMod val="20000"/>
-                  <a:lumOff val="80000"/>
-                </a:schemeClr>
-              </a:solidFill>
-              <a:ln>
-                <a:noFill/>
-              </a:ln>
-            </p:spPr>
-            <p:style>
-              <a:lnRef idx="2">
-                <a:schemeClr val="accent1">
-                  <a:shade val="50000"/>
-                </a:schemeClr>
-              </a:lnRef>
-              <a:fillRef idx="1">
-                <a:schemeClr val="accent1"/>
-              </a:fillRef>
-              <a:effectRef idx="0">
-                <a:schemeClr val="accent1"/>
-              </a:effectRef>
-              <a:fontRef idx="minor">
-                <a:schemeClr val="lt1"/>
-              </a:fontRef>
-            </p:style>
-            <p:txBody>
-              <a:bodyPr lIns="457200" tIns="91440" rIns="457200" bIns="91440" rtlCol="0" anchor="ctr"/>
-              <a:lstStyle/>
-              <a:p>
-                <a:pPr marR="0" algn="just">
-                  <a:spcBef>
-                    <a:spcPts val="0"/>
-                  </a:spcBef>
-                  <a:spcAft>
-                    <a:spcPts val="0"/>
-                  </a:spcAft>
-                </a:pPr>
-                <a:r>
-                  <a:rPr lang="en-US" sz="5000" b="0" dirty="0">
-                    <a:solidFill>
-                      <a:schemeClr val="tx1"/>
-                    </a:solidFill>
-                    <a:effectLst/>
-                    <a:latin typeface="Helvetica" panose="020B0604020202020204" pitchFamily="34" charset="0"/>
-                    <a:cs typeface="Helvetica" panose="020B0604020202020204" pitchFamily="34" charset="0"/>
-                  </a:rPr>
-                  <a:t>Milan has 88 districts (NIL) with over </a:t>
-                </a:r>
-                <a14:m>
-                  <m:oMath xmlns:m="http://schemas.openxmlformats.org/officeDocument/2006/math">
-                    <m:r>
-                      <a:rPr lang="en-US" sz="5000" b="0" i="1" smtClean="0">
-                        <a:solidFill>
-                          <a:schemeClr val="tx1"/>
-                        </a:solidFill>
-                        <a:effectLst/>
-                        <a:latin typeface="Cambria Math" panose="02040503050406030204" pitchFamily="18" charset="0"/>
-                        <a:cs typeface="Helvetica" panose="020B0604020202020204" pitchFamily="34" charset="0"/>
-                      </a:rPr>
-                      <m:t>3⋅</m:t>
-                    </m:r>
-                    <m:sSup>
-                      <m:sSupPr>
-                        <m:ctrlPr>
-                          <a:rPr lang="en-US" sz="5000" b="0" i="1" smtClean="0">
-                            <a:solidFill>
-                              <a:schemeClr val="tx1"/>
-                            </a:solidFill>
-                            <a:effectLst/>
-                            <a:latin typeface="Cambria Math" panose="02040503050406030204" pitchFamily="18" charset="0"/>
-                            <a:cs typeface="Helvetica" panose="020B0604020202020204" pitchFamily="34" charset="0"/>
-                          </a:rPr>
-                        </m:ctrlPr>
-                      </m:sSupPr>
-                      <m:e>
-                        <m:r>
-                          <a:rPr lang="en-US" sz="5000" b="0" i="1" smtClean="0">
-                            <a:solidFill>
-                              <a:schemeClr val="tx1"/>
-                            </a:solidFill>
-                            <a:effectLst/>
-                            <a:latin typeface="Cambria Math" panose="02040503050406030204" pitchFamily="18" charset="0"/>
-                            <a:cs typeface="Helvetica" panose="020B0604020202020204" pitchFamily="34" charset="0"/>
-                          </a:rPr>
-                          <m:t>10</m:t>
-                        </m:r>
-                      </m:e>
-                      <m:sup>
-                        <m:r>
-                          <a:rPr lang="en-US" sz="5000" b="0" i="1" smtClean="0">
-                            <a:solidFill>
-                              <a:schemeClr val="tx1"/>
-                            </a:solidFill>
-                            <a:effectLst/>
-                            <a:latin typeface="Cambria Math" panose="02040503050406030204" pitchFamily="18" charset="0"/>
-                            <a:cs typeface="Helvetica" panose="020B0604020202020204" pitchFamily="34" charset="0"/>
-                          </a:rPr>
-                          <m:t>6</m:t>
-                        </m:r>
-                      </m:sup>
-                    </m:sSup>
-                  </m:oMath>
-                </a14:m>
-                <a:r>
-                  <a:rPr lang="en-US" sz="5000" b="0" dirty="0">
-                    <a:solidFill>
-                      <a:schemeClr val="tx1"/>
-                    </a:solidFill>
-                    <a:effectLst/>
-                    <a:latin typeface="Helvetica" panose="020B0604020202020204" pitchFamily="34" charset="0"/>
-                    <a:cs typeface="Helvetica" panose="020B0604020202020204" pitchFamily="34" charset="0"/>
-                  </a:rPr>
-                  <a:t> inhabitants (i.e., potential MOs)</a:t>
-                </a:r>
-              </a:p>
-              <a:p>
-                <a:pPr marR="0" algn="just">
-                  <a:spcBef>
-                    <a:spcPts val="0"/>
-                  </a:spcBef>
-                  <a:spcAft>
-                    <a:spcPts val="0"/>
-                  </a:spcAft>
-                </a:pPr>
-                <a:endParaRPr lang="en-US" sz="5000" b="0" dirty="0">
-                  <a:solidFill>
-                    <a:schemeClr val="tx1"/>
-                  </a:solidFill>
-                  <a:effectLst/>
-                  <a:latin typeface="Helvetica" panose="020B0604020202020204" pitchFamily="34" charset="0"/>
-                  <a:cs typeface="Helvetica" panose="020B0604020202020204" pitchFamily="34" charset="0"/>
-                </a:endParaRPr>
-              </a:p>
-              <a:p>
-                <a:pPr marL="1143000" lvl="1" indent="-685800">
-                  <a:buFont typeface="Wingdings" panose="05000000000000000000" pitchFamily="2" charset="2"/>
-                  <a:buChar char="§"/>
-                </a:pPr>
-                <a:r>
-                  <a:rPr lang="en-US" sz="5000" b="1" dirty="0">
-                    <a:solidFill>
-                      <a:schemeClr val="tx1"/>
-                    </a:solidFill>
-                    <a:effectLst/>
-                    <a:latin typeface="Helvetica" panose="020B0604020202020204" pitchFamily="34" charset="0"/>
-                    <a:cs typeface="Helvetica" panose="020B0604020202020204" pitchFamily="34" charset="0"/>
-                  </a:rPr>
-                  <a:t>Coarse-grained</a:t>
-                </a:r>
-                <a:r>
-                  <a:rPr lang="en-US" sz="5000" b="0" dirty="0">
-                    <a:solidFill>
-                      <a:schemeClr val="tx1"/>
-                    </a:solidFill>
-                    <a:effectLst/>
-                    <a:latin typeface="Helvetica" panose="020B0604020202020204" pitchFamily="34" charset="0"/>
-                    <a:cs typeface="Helvetica" panose="020B0604020202020204" pitchFamily="34" charset="0"/>
-                  </a:rPr>
-                  <a:t>: finding groups of 100 people given a NIL with 16K residents could require to enumerate </a:t>
-                </a:r>
-                <a14:m>
-                  <m:oMath xmlns:m="http://schemas.openxmlformats.org/officeDocument/2006/math">
-                    <m:d>
-                      <m:dPr>
-                        <m:ctrlPr>
-                          <a:rPr lang="pt-BR" sz="5000" i="1">
-                            <a:solidFill>
-                              <a:schemeClr val="tx1"/>
-                            </a:solidFill>
-                            <a:latin typeface="Cambria Math" panose="02040503050406030204" pitchFamily="18" charset="0"/>
-                            <a:cs typeface="Helvetica" panose="020B0604020202020204" pitchFamily="34" charset="0"/>
-                          </a:rPr>
-                        </m:ctrlPr>
-                      </m:dPr>
-                      <m:e>
-                        <m:f>
-                          <m:fPr>
-                            <m:type m:val="noBar"/>
-                            <m:ctrlPr>
-                              <a:rPr lang="pt-BR" sz="5000" i="1">
-                                <a:solidFill>
-                                  <a:schemeClr val="tx1"/>
-                                </a:solidFill>
-                                <a:latin typeface="Cambria Math" panose="02040503050406030204" pitchFamily="18" charset="0"/>
-                                <a:cs typeface="Helvetica" panose="020B0604020202020204" pitchFamily="34" charset="0"/>
-                              </a:rPr>
-                            </m:ctrlPr>
-                          </m:fPr>
-                          <m:num>
-                            <m:r>
-                              <a:rPr lang="en-US" sz="5000" b="0" i="1" smtClean="0">
-                                <a:solidFill>
-                                  <a:schemeClr val="tx1"/>
-                                </a:solidFill>
-                                <a:latin typeface="Cambria Math" panose="02040503050406030204" pitchFamily="18" charset="0"/>
-                                <a:cs typeface="Helvetica" panose="020B0604020202020204" pitchFamily="34" charset="0"/>
-                              </a:rPr>
-                              <m:t>16000</m:t>
-                            </m:r>
-                          </m:num>
-                          <m:den>
-                            <m:r>
-                              <a:rPr lang="en-US" sz="5000" i="1">
-                                <a:solidFill>
-                                  <a:schemeClr val="tx1"/>
-                                </a:solidFill>
-                                <a:latin typeface="Cambria Math" panose="02040503050406030204" pitchFamily="18" charset="0"/>
-                                <a:cs typeface="Helvetica" panose="020B0604020202020204" pitchFamily="34" charset="0"/>
-                              </a:rPr>
-                              <m:t>100</m:t>
-                            </m:r>
-                          </m:den>
-                        </m:f>
-                      </m:e>
-                    </m:d>
-                  </m:oMath>
-                </a14:m>
-                <a:r>
-                  <a:rPr lang="en-US" sz="5000" b="0" dirty="0">
-                    <a:solidFill>
-                      <a:schemeClr val="tx1"/>
-                    </a:solidFill>
-                    <a:effectLst/>
-                    <a:latin typeface="Helvetica" panose="020B0604020202020204" pitchFamily="34" charset="0"/>
-                    <a:cs typeface="Helvetica" panose="020B0604020202020204" pitchFamily="34" charset="0"/>
-                  </a:rPr>
-                  <a:t> groups! </a:t>
-                </a:r>
-              </a:p>
-              <a:p>
-                <a:pPr marL="1143000" lvl="1" indent="-685800">
-                  <a:buFont typeface="Wingdings" panose="05000000000000000000" pitchFamily="2" charset="2"/>
-                  <a:buChar char="§"/>
-                </a:pPr>
-                <a:r>
-                  <a:rPr lang="en-US" sz="5000" b="1" dirty="0">
-                    <a:solidFill>
-                      <a:schemeClr val="tx1"/>
-                    </a:solidFill>
-                    <a:effectLst/>
-                    <a:latin typeface="Helvetica" panose="020B0604020202020204" pitchFamily="34" charset="0"/>
-                    <a:cs typeface="Helvetica" panose="020B0604020202020204" pitchFamily="34" charset="0"/>
-                  </a:rPr>
-                  <a:t>Semantic features</a:t>
-                </a:r>
-                <a:r>
-                  <a:rPr lang="en-US" sz="5000" b="0" dirty="0">
-                    <a:solidFill>
-                      <a:schemeClr val="tx1"/>
-                    </a:solidFill>
-                    <a:effectLst/>
-                    <a:latin typeface="Helvetica" panose="020B0604020202020204" pitchFamily="34" charset="0"/>
-                    <a:cs typeface="Helvetica" panose="020B0604020202020204" pitchFamily="34" charset="0"/>
-                  </a:rPr>
-                  <a:t>: how do people move within the districts at different time of the day?</a:t>
-                </a:r>
-              </a:p>
-            </p:txBody>
-          </p:sp>
-        </mc:Choice>
-        <mc:Fallback xmlns="">
-          <p:sp>
-            <p:nvSpPr>
-              <p:cNvPr id="9" name="Rectangle 8">
-                <a:extLst>
-                  <a:ext uri="{FF2B5EF4-FFF2-40B4-BE49-F238E27FC236}">
-                    <a16:creationId xmlns:a16="http://schemas.microsoft.com/office/drawing/2014/main" id="{639A1C1A-439F-482A-9B57-5A9E99AC19FD}"/>
-                  </a:ext>
-                </a:extLst>
-              </p:cNvPr>
-              <p:cNvSpPr>
-                <a:spLocks noRot="1" noChangeAspect="1" noMove="1" noResize="1" noEditPoints="1" noAdjustHandles="1" noChangeArrowheads="1" noChangeShapeType="1" noTextEdit="1"/>
-              </p:cNvSpPr>
-              <p:nvPr/>
-            </p:nvSpPr>
-            <p:spPr>
-              <a:xfrm>
-                <a:off x="1443557" y="12978573"/>
-                <a:ext cx="16742989" cy="6437195"/>
-              </a:xfrm>
-              <a:prstGeom prst="rect">
-                <a:avLst/>
-              </a:prstGeom>
-              <a:blipFill>
-                <a:blip r:embed="rId5"/>
-                <a:stretch>
-                  <a:fillRect t="-1610" b="-4545"/>
-                </a:stretch>
-              </a:blipFill>
-              <a:ln>
-                <a:noFill/>
-              </a:ln>
-            </p:spPr>
-            <p:txBody>
-              <a:bodyPr/>
-              <a:lstStyle/>
-              <a:p>
-                <a:r>
-                  <a:rPr lang="en-US">
-                    <a:noFill/>
-                  </a:rPr>
-                  <a:t> </a:t>
-                </a:r>
-              </a:p>
-            </p:txBody>
-          </p:sp>
-        </mc:Fallback>
-      </mc:AlternateContent>
-      <p:sp>
-        <p:nvSpPr>
-          <p:cNvPr id="12" name="Rectangle 11">
-            <a:extLst>
-              <a:ext uri="{FF2B5EF4-FFF2-40B4-BE49-F238E27FC236}">
-                <a16:creationId xmlns:a16="http://schemas.microsoft.com/office/drawing/2014/main" id="{E1A83621-33D4-4C75-AAF5-492D64D630B4}"/>
-              </a:ext>
-            </a:extLst>
-          </p:cNvPr>
-          <p:cNvSpPr/>
-          <p:nvPr/>
-        </p:nvSpPr>
-        <p:spPr>
-          <a:xfrm>
-            <a:off x="1443558" y="6730217"/>
-            <a:ext cx="27524082" cy="5623233"/>
-          </a:xfrm>
-          <a:prstGeom prst="rect">
-            <a:avLst/>
-          </a:prstGeom>
-          <a:solidFill>
-            <a:schemeClr val="accent5">
-              <a:lumMod val="20000"/>
-              <a:lumOff val="80000"/>
-            </a:schemeClr>
-          </a:solidFill>
-          <a:ln>
-            <a:noFill/>
-          </a:ln>
-        </p:spPr>
-        <p:style>
-          <a:lnRef idx="2">
-            <a:schemeClr val="accent1">
-              <a:shade val="50000"/>
-            </a:schemeClr>
-          </a:lnRef>
-          <a:fillRef idx="1">
-            <a:schemeClr val="accent1"/>
-          </a:fillRef>
-          <a:effectRef idx="0">
-            <a:schemeClr val="accent1"/>
-          </a:effectRef>
-          <a:fontRef idx="minor">
-            <a:schemeClr val="lt1"/>
-          </a:fontRef>
-        </p:style>
-        <p:txBody>
-          <a:bodyPr lIns="457200" tIns="91440" rIns="457200" bIns="91440" rtlCol="0" anchor="ctr"/>
-          <a:lstStyle/>
-          <a:p>
-            <a:r>
-              <a:rPr lang="en-US" sz="5000" b="0" dirty="0" err="1">
-                <a:solidFill>
-                  <a:schemeClr val="tx1"/>
-                </a:solidFill>
-                <a:effectLst/>
-                <a:latin typeface="Helvetica" panose="020B0604020202020204" pitchFamily="34" charset="0"/>
-                <a:cs typeface="Helvetica" panose="020B0604020202020204" pitchFamily="34" charset="0"/>
-              </a:rPr>
-              <a:t>Spatio</a:t>
-            </a:r>
-            <a:r>
-              <a:rPr lang="en-US" sz="5000" b="0" dirty="0">
-                <a:solidFill>
-                  <a:schemeClr val="tx1"/>
-                </a:solidFill>
-                <a:effectLst/>
-                <a:latin typeface="Helvetica" panose="020B0604020202020204" pitchFamily="34" charset="0"/>
-                <a:cs typeface="Helvetica" panose="020B0604020202020204" pitchFamily="34" charset="0"/>
-              </a:rPr>
-              <a:t>-temporal mobility patterns are at the core of urban planning applications</a:t>
-            </a:r>
-          </a:p>
-          <a:p>
-            <a:r>
-              <a:rPr lang="en-US" sz="5000" b="0" dirty="0">
-                <a:solidFill>
-                  <a:schemeClr val="tx1"/>
-                </a:solidFill>
-                <a:effectLst/>
-                <a:latin typeface="Helvetica" panose="020B0604020202020204" pitchFamily="34" charset="0"/>
-                <a:cs typeface="Helvetica" panose="020B0604020202020204" pitchFamily="34" charset="0"/>
-              </a:rPr>
-              <a:t> </a:t>
-            </a:r>
-          </a:p>
-          <a:p>
-            <a:pPr marL="685800" indent="-685800">
-              <a:buFont typeface="Wingdings" panose="05000000000000000000" pitchFamily="2" charset="2"/>
-              <a:buChar char="§"/>
-            </a:pPr>
-            <a:r>
-              <a:rPr lang="en-US" sz="5000" b="0" dirty="0">
-                <a:solidFill>
-                  <a:schemeClr val="tx1"/>
-                </a:solidFill>
-                <a:effectLst/>
-                <a:latin typeface="Helvetica" panose="020B0604020202020204" pitchFamily="34" charset="0"/>
-                <a:cs typeface="Helvetica" panose="020B0604020202020204" pitchFamily="34" charset="0"/>
-              </a:rPr>
-              <a:t>Mobility patterns can be defined depending on spatiotemporal constraints</a:t>
-            </a:r>
-            <a:br>
-              <a:rPr lang="en-US" sz="5000" b="0" dirty="0">
-                <a:solidFill>
-                  <a:schemeClr val="tx1"/>
-                </a:solidFill>
-                <a:effectLst/>
-                <a:latin typeface="Helvetica" panose="020B0604020202020204" pitchFamily="34" charset="0"/>
-                <a:cs typeface="Helvetica" panose="020B0604020202020204" pitchFamily="34" charset="0"/>
-              </a:rPr>
-            </a:br>
-            <a:r>
-              <a:rPr lang="en-US" sz="5000" b="0" dirty="0">
-                <a:solidFill>
-                  <a:schemeClr val="tx1"/>
-                </a:solidFill>
-                <a:effectLst/>
-                <a:latin typeface="Helvetica" panose="020B0604020202020204" pitchFamily="34" charset="0"/>
-                <a:cs typeface="Helvetica" panose="020B0604020202020204" pitchFamily="34" charset="0"/>
-              </a:rPr>
-              <a:t>(co-location, flow, swarm, convoy)</a:t>
-            </a:r>
-          </a:p>
-          <a:p>
-            <a:pPr marL="685800" indent="-685800">
-              <a:buFont typeface="Wingdings" panose="05000000000000000000" pitchFamily="2" charset="2"/>
-              <a:buChar char="§"/>
-            </a:pPr>
-            <a:r>
-              <a:rPr lang="en-US" sz="5000" b="0" dirty="0">
-                <a:solidFill>
-                  <a:schemeClr val="tx1"/>
-                </a:solidFill>
-                <a:effectLst/>
-                <a:latin typeface="Helvetica" panose="020B0604020202020204" pitchFamily="34" charset="0"/>
-                <a:cs typeface="Helvetica" panose="020B0604020202020204" pitchFamily="34" charset="0"/>
-              </a:rPr>
-              <a:t>Existing approaches extract </a:t>
-            </a:r>
-            <a:r>
-              <a:rPr lang="en-US" sz="5000" b="1" dirty="0">
-                <a:solidFill>
-                  <a:schemeClr val="tx1"/>
-                </a:solidFill>
-                <a:effectLst/>
-                <a:latin typeface="Helvetica" panose="020B0604020202020204" pitchFamily="34" charset="0"/>
-                <a:cs typeface="Helvetica" panose="020B0604020202020204" pitchFamily="34" charset="0"/>
-              </a:rPr>
-              <a:t>small</a:t>
-            </a:r>
-            <a:r>
-              <a:rPr lang="en-US" sz="5000" b="0" dirty="0">
-                <a:solidFill>
-                  <a:schemeClr val="tx1"/>
-                </a:solidFill>
-                <a:effectLst/>
-                <a:latin typeface="Helvetica" panose="020B0604020202020204" pitchFamily="34" charset="0"/>
-                <a:cs typeface="Helvetica" panose="020B0604020202020204" pitchFamily="34" charset="0"/>
-              </a:rPr>
-              <a:t> groups of objects sharing </a:t>
-            </a:r>
-            <a:r>
-              <a:rPr lang="en-US" sz="5000" b="1" dirty="0">
-                <a:solidFill>
-                  <a:schemeClr val="tx1"/>
-                </a:solidFill>
-                <a:effectLst/>
-                <a:latin typeface="Helvetica" panose="020B0604020202020204" pitchFamily="34" charset="0"/>
-                <a:cs typeface="Helvetica" panose="020B0604020202020204" pitchFamily="34" charset="0"/>
-              </a:rPr>
-              <a:t>fine-grained</a:t>
-            </a:r>
-            <a:r>
-              <a:rPr lang="en-US" sz="5000" b="0" dirty="0">
-                <a:solidFill>
-                  <a:schemeClr val="tx1"/>
-                </a:solidFill>
-                <a:effectLst/>
-                <a:latin typeface="Helvetica" panose="020B0604020202020204" pitchFamily="34" charset="0"/>
-                <a:cs typeface="Helvetica" panose="020B0604020202020204" pitchFamily="34" charset="0"/>
-              </a:rPr>
-              <a:t> paths</a:t>
-            </a:r>
-          </a:p>
-          <a:p>
-            <a:pPr marL="1600200" lvl="2" indent="-685800">
-              <a:buFont typeface="Wingdings" panose="05000000000000000000" pitchFamily="2" charset="2"/>
-              <a:buChar char="§"/>
-            </a:pPr>
-            <a:r>
-              <a:rPr lang="en-US" sz="5000" b="0" dirty="0">
-                <a:solidFill>
-                  <a:schemeClr val="tx1"/>
-                </a:solidFill>
-                <a:effectLst/>
-                <a:latin typeface="Helvetica" panose="020B0604020202020204" pitchFamily="34" charset="0"/>
-                <a:cs typeface="Helvetica" panose="020B0604020202020204" pitchFamily="34" charset="0"/>
-              </a:rPr>
-              <a:t>Many approaches for single patterns</a:t>
-            </a:r>
-          </a:p>
-          <a:p>
-            <a:pPr marL="1600200" lvl="2" indent="-685800">
-              <a:buFont typeface="Wingdings" panose="05000000000000000000" pitchFamily="2" charset="2"/>
-              <a:buChar char="§"/>
-            </a:pPr>
-            <a:r>
-              <a:rPr lang="en-US" sz="5000" b="0" dirty="0">
-                <a:solidFill>
-                  <a:schemeClr val="tx1"/>
-                </a:solidFill>
-                <a:effectLst/>
-                <a:latin typeface="Helvetica" panose="020B0604020202020204" pitchFamily="34" charset="0"/>
-                <a:cs typeface="Helvetica" panose="020B0604020202020204" pitchFamily="34" charset="0"/>
-              </a:rPr>
-              <a:t>One approach (SPARE) manages the four types of co-movement patterns</a:t>
-            </a:r>
-          </a:p>
-        </p:txBody>
-      </p:sp>
-      <p:sp>
-        <p:nvSpPr>
-          <p:cNvPr id="55" name="Rectangle 54">
-            <a:extLst>
-              <a:ext uri="{FF2B5EF4-FFF2-40B4-BE49-F238E27FC236}">
-                <a16:creationId xmlns:a16="http://schemas.microsoft.com/office/drawing/2014/main" id="{607331FF-F3A3-4A8E-8F8E-34EFC5C56271}"/>
-              </a:ext>
-            </a:extLst>
-          </p:cNvPr>
-          <p:cNvSpPr/>
-          <p:nvPr/>
-        </p:nvSpPr>
-        <p:spPr>
-          <a:xfrm>
-            <a:off x="1443557" y="40350331"/>
-            <a:ext cx="16742988" cy="1679157"/>
-          </a:xfrm>
-          <a:prstGeom prst="rect">
-            <a:avLst/>
-          </a:prstGeom>
-          <a:solidFill>
-            <a:srgbClr val="DEEBF7"/>
-          </a:solidFill>
-          <a:ln>
-            <a:noFill/>
-          </a:ln>
-        </p:spPr>
-        <p:style>
-          <a:lnRef idx="2">
-            <a:schemeClr val="accent1">
-              <a:shade val="50000"/>
-            </a:schemeClr>
-          </a:lnRef>
-          <a:fillRef idx="1">
-            <a:schemeClr val="accent1"/>
-          </a:fillRef>
-          <a:effectRef idx="0">
-            <a:schemeClr val="accent1"/>
-          </a:effectRef>
-          <a:fontRef idx="minor">
-            <a:schemeClr val="lt1"/>
-          </a:fontRef>
-        </p:style>
-        <p:txBody>
-          <a:bodyPr lIns="182880" tIns="91440" rIns="182880" bIns="91440" rtlCol="0" anchor="ctr"/>
-          <a:lstStyle/>
-          <a:p>
-            <a:pPr marR="0">
-              <a:spcBef>
-                <a:spcPts val="0"/>
-              </a:spcBef>
-              <a:spcAft>
-                <a:spcPts val="0"/>
-              </a:spcAft>
-            </a:pPr>
-            <a:r>
-              <a:rPr lang="en-US" sz="3200" b="1" dirty="0">
-                <a:solidFill>
-                  <a:schemeClr val="tx1"/>
-                </a:solidFill>
-                <a:effectLst/>
-                <a:latin typeface="Helvetica" panose="020B0604020202020204" pitchFamily="34" charset="0"/>
-                <a:ea typeface="Calibri" panose="020F0502020204030204" pitchFamily="34" charset="0"/>
-                <a:cs typeface="Helvetica" panose="020B0604020202020204" pitchFamily="34" charset="0"/>
-              </a:rPr>
-              <a:t>References</a:t>
-            </a:r>
-          </a:p>
-          <a:p>
-            <a:pPr marL="571500" marR="0" indent="-571500">
-              <a:spcBef>
-                <a:spcPts val="0"/>
-              </a:spcBef>
-              <a:spcAft>
-                <a:spcPts val="0"/>
-              </a:spcAft>
-              <a:buFont typeface="Wingdings" panose="05000000000000000000" pitchFamily="2" charset="2"/>
-              <a:buChar char="§"/>
-            </a:pPr>
-            <a:r>
-              <a:rPr lang="en-US" sz="3200" dirty="0">
-                <a:solidFill>
-                  <a:schemeClr val="tx1"/>
-                </a:solidFill>
-                <a:latin typeface="Helvetica" panose="020B0604020202020204" pitchFamily="34" charset="0"/>
-                <a:cs typeface="Helvetica" panose="020B0604020202020204" pitchFamily="34" charset="0"/>
-              </a:rPr>
-              <a:t>Francia Matteo et al. “Colossal Trajectory Mining: A unifying approach to mine behavioral mobility patterns.” </a:t>
-            </a:r>
-            <a:r>
-              <a:rPr lang="en-US" sz="3200" b="1" dirty="0">
-                <a:solidFill>
-                  <a:schemeClr val="tx1"/>
-                </a:solidFill>
-                <a:latin typeface="Helvetica" panose="020B0604020202020204" pitchFamily="34" charset="0"/>
-                <a:cs typeface="Helvetica" panose="020B0604020202020204" pitchFamily="34" charset="0"/>
-              </a:rPr>
-              <a:t>Expert Systems with Applications</a:t>
-            </a:r>
-            <a:r>
-              <a:rPr lang="en-US" sz="3200" dirty="0">
-                <a:solidFill>
-                  <a:schemeClr val="tx1"/>
-                </a:solidFill>
-                <a:latin typeface="Helvetica" panose="020B0604020202020204" pitchFamily="34" charset="0"/>
-                <a:cs typeface="Helvetica" panose="020B0604020202020204" pitchFamily="34" charset="0"/>
-              </a:rPr>
-              <a:t> 238 (2024): 122055.</a:t>
-            </a:r>
-            <a:endParaRPr lang="en-US" sz="3200" dirty="0">
-              <a:solidFill>
-                <a:schemeClr val="tx1"/>
-              </a:solidFill>
-              <a:effectLst/>
-              <a:latin typeface="Helvetica" panose="020B0604020202020204" pitchFamily="34" charset="0"/>
-              <a:ea typeface="Times New Roman" panose="02020603050405020304" pitchFamily="18" charset="0"/>
-              <a:cs typeface="Helvetica" panose="020B0604020202020204" pitchFamily="34" charset="0"/>
-            </a:endParaRPr>
-          </a:p>
-        </p:txBody>
-      </p:sp>
-      <p:sp>
-        <p:nvSpPr>
-          <p:cNvPr id="210" name="Rectangle 209">
-            <a:extLst>
-              <a:ext uri="{FF2B5EF4-FFF2-40B4-BE49-F238E27FC236}">
-                <a16:creationId xmlns:a16="http://schemas.microsoft.com/office/drawing/2014/main" id="{AE370290-59F4-418E-8B9C-44411897A9FB}"/>
-              </a:ext>
-            </a:extLst>
-          </p:cNvPr>
-          <p:cNvSpPr/>
-          <p:nvPr/>
-        </p:nvSpPr>
-        <p:spPr>
-          <a:xfrm>
-            <a:off x="1443557" y="20040890"/>
-            <a:ext cx="16742989" cy="12265419"/>
-          </a:xfrm>
-          <a:prstGeom prst="rect">
-            <a:avLst/>
-          </a:prstGeom>
-          <a:solidFill>
-            <a:schemeClr val="accent5">
-              <a:lumMod val="20000"/>
-              <a:lumOff val="80000"/>
-            </a:schemeClr>
-          </a:solidFill>
-          <a:ln>
-            <a:noFill/>
-          </a:ln>
-        </p:spPr>
-        <p:style>
-          <a:lnRef idx="2">
-            <a:schemeClr val="accent1">
-              <a:shade val="50000"/>
-            </a:schemeClr>
-          </a:lnRef>
-          <a:fillRef idx="1">
-            <a:schemeClr val="accent1"/>
-          </a:fillRef>
-          <a:effectRef idx="0">
-            <a:schemeClr val="accent1"/>
-          </a:effectRef>
-          <a:fontRef idx="minor">
-            <a:schemeClr val="lt1"/>
-          </a:fontRef>
-        </p:style>
-        <p:txBody>
-          <a:bodyPr lIns="457200" tIns="91440" rIns="457200" bIns="91440" rtlCol="0" anchor="ctr"/>
-          <a:lstStyle/>
-          <a:p>
-            <a:pPr algn="just"/>
-            <a:r>
-              <a:rPr lang="en-US" sz="5000" dirty="0">
-                <a:solidFill>
-                  <a:schemeClr val="tx1"/>
-                </a:solidFill>
-                <a:latin typeface="Helvetica" panose="020B0604020202020204" pitchFamily="34" charset="0"/>
-                <a:cs typeface="Helvetica" panose="020B0604020202020204" pitchFamily="34" charset="0"/>
-              </a:rPr>
-              <a:t> Rather than enumerating groups of MOs and computing the similarity of their trajectories...</a:t>
-            </a:r>
-          </a:p>
-          <a:p>
-            <a:pPr algn="just"/>
-            <a:endParaRPr lang="en-US" sz="5000" dirty="0">
-              <a:solidFill>
-                <a:schemeClr val="tx1"/>
-              </a:solidFill>
-              <a:latin typeface="Helvetica" panose="020B0604020202020204" pitchFamily="34" charset="0"/>
-              <a:cs typeface="Helvetica" panose="020B0604020202020204" pitchFamily="34" charset="0"/>
-            </a:endParaRPr>
-          </a:p>
-          <a:p>
-            <a:pPr marL="571500" indent="-571500" algn="just">
-              <a:buFont typeface="Wingdings" panose="05000000000000000000" pitchFamily="2" charset="2"/>
-              <a:buChar char="§"/>
-            </a:pPr>
-            <a:r>
-              <a:rPr lang="en-US" sz="5000" b="1" dirty="0">
-                <a:solidFill>
-                  <a:schemeClr val="tx1"/>
-                </a:solidFill>
-                <a:latin typeface="Helvetica" panose="020B0604020202020204" pitchFamily="34" charset="0"/>
-                <a:cs typeface="Helvetica" panose="020B0604020202020204" pitchFamily="34" charset="0"/>
-              </a:rPr>
-              <a:t>Map</a:t>
-            </a:r>
-            <a:r>
-              <a:rPr lang="en-US" sz="5000" dirty="0">
-                <a:solidFill>
-                  <a:schemeClr val="tx1"/>
-                </a:solidFill>
-                <a:latin typeface="Helvetica" panose="020B0604020202020204" pitchFamily="34" charset="0"/>
-                <a:cs typeface="Helvetica" panose="020B0604020202020204" pitchFamily="34" charset="0"/>
-              </a:rPr>
-              <a:t> trajectories into a multidimensional tessellation</a:t>
-            </a:r>
-          </a:p>
-          <a:p>
-            <a:pPr marL="1485900" lvl="2" indent="-571500" algn="just">
-              <a:buFont typeface="Wingdings" panose="05000000000000000000" pitchFamily="2" charset="2"/>
-              <a:buChar char="§"/>
-            </a:pPr>
-            <a:r>
-              <a:rPr lang="en-US" sz="5000" dirty="0">
-                <a:solidFill>
-                  <a:schemeClr val="tx1"/>
-                </a:solidFill>
-                <a:latin typeface="Helvetica" panose="020B0604020202020204" pitchFamily="34" charset="0"/>
-                <a:cs typeface="Helvetica" panose="020B0604020202020204" pitchFamily="34" charset="0"/>
-              </a:rPr>
-              <a:t>Tessellation defines the granularity of the analysis</a:t>
-            </a:r>
-          </a:p>
-          <a:p>
-            <a:pPr marL="1485900" lvl="2" indent="-571500" algn="just">
-              <a:buFont typeface="Wingdings" panose="05000000000000000000" pitchFamily="2" charset="2"/>
-              <a:buChar char="§"/>
-            </a:pPr>
-            <a:r>
-              <a:rPr lang="en-US" sz="5000" dirty="0">
-                <a:solidFill>
-                  <a:schemeClr val="tx1"/>
-                </a:solidFill>
-                <a:latin typeface="Helvetica" panose="020B0604020202020204" pitchFamily="34" charset="0"/>
-                <a:cs typeface="Helvetica" panose="020B0604020202020204" pitchFamily="34" charset="0"/>
-              </a:rPr>
-              <a:t>We can </a:t>
-            </a:r>
-            <a:r>
-              <a:rPr lang="en-US" sz="5000" b="1" dirty="0">
-                <a:solidFill>
-                  <a:schemeClr val="tx1"/>
-                </a:solidFill>
-                <a:latin typeface="Helvetica" panose="020B0604020202020204" pitchFamily="34" charset="0"/>
-                <a:cs typeface="Helvetica" panose="020B0604020202020204" pitchFamily="34" charset="0"/>
-              </a:rPr>
-              <a:t>consider semantic dimensions</a:t>
-            </a:r>
-            <a:r>
-              <a:rPr lang="en-US" sz="5000" dirty="0">
-                <a:solidFill>
-                  <a:schemeClr val="tx1"/>
-                </a:solidFill>
-                <a:latin typeface="Helvetica" panose="020B0604020202020204" pitchFamily="34" charset="0"/>
-                <a:cs typeface="Helvetica" panose="020B0604020202020204" pitchFamily="34" charset="0"/>
-              </a:rPr>
-              <a:t> (e.g., means of transport, activity, time of the day)</a:t>
-            </a:r>
-          </a:p>
-          <a:p>
-            <a:pPr marL="571500" indent="-571500" algn="just">
-              <a:buFont typeface="Wingdings" panose="05000000000000000000" pitchFamily="2" charset="2"/>
-              <a:buChar char="§"/>
-            </a:pPr>
-            <a:r>
-              <a:rPr lang="en-US" sz="5000" b="1" dirty="0">
-                <a:solidFill>
-                  <a:schemeClr val="tx1"/>
-                </a:solidFill>
-                <a:latin typeface="Helvetica" panose="020B0604020202020204" pitchFamily="34" charset="0"/>
-                <a:cs typeface="Helvetica" panose="020B0604020202020204" pitchFamily="34" charset="0"/>
-              </a:rPr>
-              <a:t>Create a transactional dataset </a:t>
-            </a:r>
-            <a:r>
-              <a:rPr lang="en-US" sz="5000" dirty="0">
-                <a:solidFill>
-                  <a:schemeClr val="tx1"/>
-                </a:solidFill>
-                <a:latin typeface="Helvetica" panose="020B0604020202020204" pitchFamily="34" charset="0"/>
-                <a:cs typeface="Helvetica" panose="020B0604020202020204" pitchFamily="34" charset="0"/>
-              </a:rPr>
-              <a:t>(1 transaction=1 tile)</a:t>
-            </a:r>
-          </a:p>
-          <a:p>
-            <a:pPr marL="571500" indent="-571500" algn="just">
-              <a:buFont typeface="Wingdings" panose="05000000000000000000" pitchFamily="2" charset="2"/>
-              <a:buChar char="§"/>
-            </a:pPr>
-            <a:r>
-              <a:rPr lang="en-US" sz="5000" b="1" dirty="0">
-                <a:solidFill>
-                  <a:schemeClr val="tx1"/>
-                </a:solidFill>
-                <a:latin typeface="Helvetica" panose="020B0604020202020204" pitchFamily="34" charset="0"/>
-                <a:cs typeface="Helvetica" panose="020B0604020202020204" pitchFamily="34" charset="0"/>
-              </a:rPr>
-              <a:t>Mine the co-movement patterns</a:t>
-            </a:r>
-          </a:p>
-          <a:p>
-            <a:pPr marL="1485900" lvl="2" indent="-571500" algn="just">
-              <a:buFont typeface="Wingdings" panose="05000000000000000000" pitchFamily="2" charset="2"/>
-              <a:buChar char="§"/>
-            </a:pPr>
-            <a:r>
-              <a:rPr lang="en-US" sz="5000" dirty="0">
-                <a:solidFill>
-                  <a:schemeClr val="tx1"/>
-                </a:solidFill>
-                <a:latin typeface="Helvetica" panose="020B0604020202020204" pitchFamily="34" charset="0"/>
-                <a:cs typeface="Helvetica" panose="020B0604020202020204" pitchFamily="34" charset="0"/>
-              </a:rPr>
-              <a:t>Bread-first row-enumeration approach: high parallelism plus early pruning through constraints</a:t>
-            </a:r>
-          </a:p>
-          <a:p>
-            <a:pPr marL="1485900" lvl="2" indent="-571500" algn="just">
-              <a:buFont typeface="Wingdings" panose="05000000000000000000" pitchFamily="2" charset="2"/>
-              <a:buChar char="§"/>
-            </a:pPr>
-            <a:r>
-              <a:rPr lang="en-US" sz="5000" b="1" dirty="0">
-                <a:solidFill>
-                  <a:schemeClr val="tx1"/>
-                </a:solidFill>
-                <a:latin typeface="Helvetica" panose="020B0604020202020204" pitchFamily="34" charset="0"/>
-                <a:cs typeface="Helvetica" panose="020B0604020202020204" pitchFamily="34" charset="0"/>
-              </a:rPr>
-              <a:t>Colossal</a:t>
-            </a:r>
-            <a:r>
-              <a:rPr lang="en-US" sz="5000" dirty="0">
-                <a:solidFill>
-                  <a:schemeClr val="tx1"/>
-                </a:solidFill>
-                <a:latin typeface="Helvetica" panose="020B0604020202020204" pitchFamily="34" charset="0"/>
-                <a:cs typeface="Helvetica" panose="020B0604020202020204" pitchFamily="34" charset="0"/>
-              </a:rPr>
-              <a:t>: by combining the tessellation's tiles (and not the MOs), CTM is highly efficient when #transactions (tiles) &lt;&lt; items (#MOs)</a:t>
-            </a:r>
-          </a:p>
-          <a:p>
-            <a:pPr marL="1485900" lvl="2" indent="-571500" algn="just">
-              <a:buFont typeface="Wingdings" panose="05000000000000000000" pitchFamily="2" charset="2"/>
-              <a:buChar char="§"/>
-            </a:pPr>
-            <a:r>
-              <a:rPr lang="en-US" sz="5000" dirty="0">
-                <a:solidFill>
-                  <a:schemeClr val="tx1"/>
-                </a:solidFill>
-                <a:latin typeface="Helvetica" panose="020B0604020202020204" pitchFamily="34" charset="0"/>
-                <a:cs typeface="Helvetica" panose="020B0604020202020204" pitchFamily="34" charset="0"/>
-              </a:rPr>
-              <a:t>Mine different pattern types depending on </a:t>
-            </a:r>
-            <a:r>
-              <a:rPr lang="en-US" sz="5000" dirty="0" err="1">
-                <a:solidFill>
-                  <a:schemeClr val="tx1"/>
-                </a:solidFill>
-                <a:latin typeface="Helvetica" panose="020B0604020202020204" pitchFamily="34" charset="0"/>
-                <a:cs typeface="Helvetica" panose="020B0604020202020204" pitchFamily="34" charset="0"/>
-              </a:rPr>
-              <a:t>spatio</a:t>
-            </a:r>
-            <a:r>
-              <a:rPr lang="en-US" sz="5000" dirty="0">
-                <a:solidFill>
-                  <a:schemeClr val="tx1"/>
-                </a:solidFill>
-                <a:latin typeface="Helvetica" panose="020B0604020202020204" pitchFamily="34" charset="0"/>
-                <a:cs typeface="Helvetica" panose="020B0604020202020204" pitchFamily="34" charset="0"/>
-              </a:rPr>
-              <a:t>-temporal constraints</a:t>
-            </a:r>
-          </a:p>
-        </p:txBody>
-      </p:sp>
-      <p:pic>
-        <p:nvPicPr>
-          <p:cNvPr id="80" name="Picture 79">
-            <a:extLst>
-              <a:ext uri="{FF2B5EF4-FFF2-40B4-BE49-F238E27FC236}">
-                <a16:creationId xmlns:a16="http://schemas.microsoft.com/office/drawing/2014/main" id="{C9532CAD-BEF5-4AC4-B160-B7CCEB8D2A7F}"/>
-              </a:ext>
-            </a:extLst>
-          </p:cNvPr>
-          <p:cNvPicPr>
-            <a:picLocks noChangeAspect="1"/>
-          </p:cNvPicPr>
-          <p:nvPr/>
-        </p:nvPicPr>
-        <p:blipFill>
-          <a:blip r:embed="rId6"/>
-          <a:stretch>
-            <a:fillRect/>
-          </a:stretch>
-        </p:blipFill>
-        <p:spPr>
-          <a:xfrm>
-            <a:off x="1553145" y="32593880"/>
-            <a:ext cx="16523813" cy="3307554"/>
-          </a:xfrm>
-          <a:prstGeom prst="rect">
-            <a:avLst/>
-          </a:prstGeom>
-        </p:spPr>
-      </p:pic>
-      <p:grpSp>
-        <p:nvGrpSpPr>
-          <p:cNvPr id="254" name="Group 253">
-            <a:extLst>
-              <a:ext uri="{FF2B5EF4-FFF2-40B4-BE49-F238E27FC236}">
-                <a16:creationId xmlns:a16="http://schemas.microsoft.com/office/drawing/2014/main" id="{D8005C45-F440-4DA7-AA4A-BB164CBE5D2B}"/>
-              </a:ext>
-            </a:extLst>
-          </p:cNvPr>
-          <p:cNvGrpSpPr/>
-          <p:nvPr/>
-        </p:nvGrpSpPr>
-        <p:grpSpPr>
-          <a:xfrm>
-            <a:off x="4730346" y="36040926"/>
-            <a:ext cx="10169410" cy="4169913"/>
-            <a:chOff x="4295697" y="36000049"/>
-            <a:chExt cx="9101100" cy="3572604"/>
-          </a:xfrm>
-        </p:grpSpPr>
-        <p:pic>
-          <p:nvPicPr>
-            <p:cNvPr id="251" name="Picture 250">
-              <a:extLst>
-                <a:ext uri="{FF2B5EF4-FFF2-40B4-BE49-F238E27FC236}">
-                  <a16:creationId xmlns:a16="http://schemas.microsoft.com/office/drawing/2014/main" id="{1F010457-3B00-4327-9262-DFB55EF2F065}"/>
-                </a:ext>
-              </a:extLst>
-            </p:cNvPr>
-            <p:cNvPicPr>
-              <a:picLocks noChangeAspect="1"/>
-            </p:cNvPicPr>
-            <p:nvPr/>
-          </p:nvPicPr>
-          <p:blipFill>
-            <a:blip r:embed="rId7"/>
-            <a:stretch>
-              <a:fillRect/>
-            </a:stretch>
-          </p:blipFill>
-          <p:spPr>
-            <a:xfrm>
-              <a:off x="4295697" y="36000049"/>
-              <a:ext cx="9101100" cy="3148669"/>
-            </a:xfrm>
-            <a:prstGeom prst="rect">
-              <a:avLst/>
-            </a:prstGeom>
-          </p:spPr>
-        </p:pic>
-        <p:pic>
-          <p:nvPicPr>
-            <p:cNvPr id="253" name="Picture 252">
-              <a:extLst>
-                <a:ext uri="{FF2B5EF4-FFF2-40B4-BE49-F238E27FC236}">
-                  <a16:creationId xmlns:a16="http://schemas.microsoft.com/office/drawing/2014/main" id="{291CC0ED-772B-44F9-BE90-FBE843581F75}"/>
-                </a:ext>
-              </a:extLst>
-            </p:cNvPr>
-            <p:cNvPicPr>
-              <a:picLocks noChangeAspect="1"/>
-            </p:cNvPicPr>
-            <p:nvPr/>
-          </p:nvPicPr>
-          <p:blipFill>
-            <a:blip r:embed="rId8"/>
-            <a:stretch>
-              <a:fillRect/>
-            </a:stretch>
-          </p:blipFill>
-          <p:spPr>
-            <a:xfrm>
-              <a:off x="5082397" y="39083107"/>
-              <a:ext cx="8288904" cy="489546"/>
-            </a:xfrm>
-            <a:prstGeom prst="rect">
-              <a:avLst/>
-            </a:prstGeom>
-          </p:spPr>
-        </p:pic>
-      </p:grpSp>
-      <p:grpSp>
-        <p:nvGrpSpPr>
-          <p:cNvPr id="260" name="Group 259">
-            <a:extLst>
-              <a:ext uri="{FF2B5EF4-FFF2-40B4-BE49-F238E27FC236}">
-                <a16:creationId xmlns:a16="http://schemas.microsoft.com/office/drawing/2014/main" id="{80FB0483-E1E5-4C71-9CA5-443872364DE9}"/>
-              </a:ext>
-            </a:extLst>
-          </p:cNvPr>
-          <p:cNvGrpSpPr/>
-          <p:nvPr/>
-        </p:nvGrpSpPr>
-        <p:grpSpPr>
-          <a:xfrm>
-            <a:off x="18342878" y="12531777"/>
-            <a:ext cx="11327251" cy="26209390"/>
-            <a:chOff x="18342878" y="12531777"/>
-            <a:chExt cx="11327251" cy="26209390"/>
-          </a:xfrm>
-        </p:grpSpPr>
-        <p:sp>
-          <p:nvSpPr>
-            <p:cNvPr id="83" name="Rettangolo 169">
-              <a:extLst>
-                <a:ext uri="{FF2B5EF4-FFF2-40B4-BE49-F238E27FC236}">
-                  <a16:creationId xmlns:a16="http://schemas.microsoft.com/office/drawing/2014/main" id="{B6F1D96A-6162-4BE7-8B6E-D54D0C193FF6}"/>
-                </a:ext>
-              </a:extLst>
-            </p:cNvPr>
-            <p:cNvSpPr/>
-            <p:nvPr/>
-          </p:nvSpPr>
-          <p:spPr>
-            <a:xfrm>
-              <a:off x="22885832" y="17995077"/>
-              <a:ext cx="4607363" cy="1832259"/>
-            </a:xfrm>
-            <a:prstGeom prst="rect">
-              <a:avLst/>
-            </a:prstGeom>
-            <a:solidFill>
-              <a:schemeClr val="tx2">
-                <a:lumMod val="75000"/>
-              </a:schemeClr>
-            </a:solidFill>
-            <a:ln>
-              <a:noFill/>
-            </a:ln>
-          </p:spPr>
-          <p:style>
-            <a:lnRef idx="3">
-              <a:schemeClr val="lt1"/>
-            </a:lnRef>
-            <a:fillRef idx="1">
-              <a:schemeClr val="accent1"/>
-            </a:fillRef>
-            <a:effectRef idx="1">
-              <a:schemeClr val="accent1"/>
-            </a:effectRef>
-            <a:fontRef idx="minor">
-              <a:schemeClr val="lt1"/>
-            </a:fontRef>
-          </p:style>
-          <p:txBody>
-            <a:bodyPr lIns="0" tIns="0" rIns="0" bIns="0" rtlCol="0" anchor="ctr"/>
-            <a:lstStyle/>
-            <a:p>
-              <a:pPr algn="ctr"/>
-              <a:r>
-                <a:rPr lang="en-US" sz="5500" dirty="0">
-                  <a:solidFill>
-                    <a:schemeClr val="bg1"/>
-                  </a:solidFill>
-                  <a:latin typeface="Helvetica" panose="020B0604020202020204" pitchFamily="34" charset="0"/>
-                  <a:cs typeface="Helvetica" panose="020B0604020202020204" pitchFamily="34" charset="0"/>
-                </a:rPr>
-                <a:t>Abstracting</a:t>
-              </a:r>
-              <a:br>
-                <a:rPr lang="en-US" sz="5500" dirty="0">
-                  <a:solidFill>
-                    <a:schemeClr val="bg1"/>
-                  </a:solidFill>
-                  <a:latin typeface="Helvetica" panose="020B0604020202020204" pitchFamily="34" charset="0"/>
-                  <a:cs typeface="Helvetica" panose="020B0604020202020204" pitchFamily="34" charset="0"/>
-                </a:rPr>
-              </a:br>
-              <a:r>
-                <a:rPr lang="en-US" sz="5500" dirty="0">
-                  <a:solidFill>
-                    <a:schemeClr val="bg1"/>
-                  </a:solidFill>
-                  <a:latin typeface="Helvetica" panose="020B0604020202020204" pitchFamily="34" charset="0"/>
-                  <a:cs typeface="Helvetica" panose="020B0604020202020204" pitchFamily="34" charset="0"/>
-                </a:rPr>
-                <a:t>Trajectories</a:t>
-              </a:r>
-            </a:p>
-          </p:txBody>
-        </p:sp>
-        <p:sp>
-          <p:nvSpPr>
-            <p:cNvPr id="84" name="Rettangolo 170">
-              <a:extLst>
-                <a:ext uri="{FF2B5EF4-FFF2-40B4-BE49-F238E27FC236}">
-                  <a16:creationId xmlns:a16="http://schemas.microsoft.com/office/drawing/2014/main" id="{0FA9F36A-A9F0-4D0A-B453-830C4647EBE8}"/>
-                </a:ext>
-              </a:extLst>
-            </p:cNvPr>
-            <p:cNvSpPr/>
-            <p:nvPr/>
-          </p:nvSpPr>
-          <p:spPr>
-            <a:xfrm>
-              <a:off x="22885832" y="22954527"/>
-              <a:ext cx="4607363" cy="1832259"/>
-            </a:xfrm>
-            <a:prstGeom prst="rect">
-              <a:avLst/>
-            </a:prstGeom>
-            <a:solidFill>
-              <a:schemeClr val="tx2">
-                <a:lumMod val="75000"/>
-              </a:schemeClr>
-            </a:solidFill>
-            <a:ln>
-              <a:noFill/>
-            </a:ln>
-          </p:spPr>
-          <p:style>
-            <a:lnRef idx="3">
-              <a:schemeClr val="lt1"/>
-            </a:lnRef>
-            <a:fillRef idx="1">
-              <a:schemeClr val="accent1"/>
-            </a:fillRef>
-            <a:effectRef idx="1">
-              <a:schemeClr val="accent1"/>
-            </a:effectRef>
-            <a:fontRef idx="minor">
-              <a:schemeClr val="lt1"/>
-            </a:fontRef>
-          </p:style>
-          <p:txBody>
-            <a:bodyPr lIns="0" tIns="0" rIns="0" bIns="0" rtlCol="0" anchor="ctr"/>
-            <a:lstStyle/>
-            <a:p>
-              <a:pPr algn="ctr"/>
-              <a:r>
-                <a:rPr lang="en-US" sz="5500" dirty="0">
-                  <a:solidFill>
-                    <a:schemeClr val="bg1"/>
-                  </a:solidFill>
-                  <a:latin typeface="Helvetica" panose="020B0604020202020204" pitchFamily="34" charset="0"/>
-                  <a:cs typeface="Helvetica" panose="020B0604020202020204" pitchFamily="34" charset="0"/>
-                </a:rPr>
-                <a:t>Creating Transactions</a:t>
-              </a:r>
-            </a:p>
-          </p:txBody>
-        </p:sp>
-        <p:sp>
-          <p:nvSpPr>
-            <p:cNvPr id="85" name="Rettangolo 171">
-              <a:extLst>
-                <a:ext uri="{FF2B5EF4-FFF2-40B4-BE49-F238E27FC236}">
-                  <a16:creationId xmlns:a16="http://schemas.microsoft.com/office/drawing/2014/main" id="{10AF6412-3D77-4E30-80C2-F02ADD8B4C01}"/>
-                </a:ext>
-              </a:extLst>
-            </p:cNvPr>
-            <p:cNvSpPr/>
-            <p:nvPr/>
-          </p:nvSpPr>
-          <p:spPr>
-            <a:xfrm>
-              <a:off x="23564882" y="27913977"/>
-              <a:ext cx="3249262" cy="1483133"/>
-            </a:xfrm>
-            <a:prstGeom prst="rect">
-              <a:avLst/>
-            </a:prstGeom>
-            <a:solidFill>
-              <a:schemeClr val="tx2">
-                <a:lumMod val="75000"/>
-              </a:schemeClr>
-            </a:solidFill>
-            <a:ln>
-              <a:noFill/>
-            </a:ln>
-          </p:spPr>
-          <p:style>
-            <a:lnRef idx="3">
-              <a:schemeClr val="lt1"/>
-            </a:lnRef>
-            <a:fillRef idx="1">
-              <a:schemeClr val="accent1"/>
-            </a:fillRef>
-            <a:effectRef idx="1">
-              <a:schemeClr val="accent1"/>
-            </a:effectRef>
-            <a:fontRef idx="minor">
-              <a:schemeClr val="lt1"/>
-            </a:fontRef>
-          </p:style>
-          <p:txBody>
-            <a:bodyPr lIns="0" tIns="0" rIns="0" bIns="0" rtlCol="0" anchor="ctr"/>
-            <a:lstStyle/>
-            <a:p>
-              <a:pPr algn="ctr"/>
-              <a:r>
-                <a:rPr lang="en-US" sz="5500" dirty="0">
-                  <a:solidFill>
-                    <a:schemeClr val="bg1"/>
-                  </a:solidFill>
-                  <a:latin typeface="Helvetica" panose="020B0604020202020204" pitchFamily="34" charset="0"/>
-                  <a:cs typeface="Helvetica" panose="020B0604020202020204" pitchFamily="34" charset="0"/>
-                </a:rPr>
-                <a:t>Mining</a:t>
-              </a:r>
-            </a:p>
-          </p:txBody>
-        </p:sp>
-        <p:sp>
-          <p:nvSpPr>
-            <p:cNvPr id="101" name="CasellaDiTesto 242">
-              <a:extLst>
-                <a:ext uri="{FF2B5EF4-FFF2-40B4-BE49-F238E27FC236}">
-                  <a16:creationId xmlns:a16="http://schemas.microsoft.com/office/drawing/2014/main" id="{E05C86D8-B325-4E35-A2EB-D032034C298B}"/>
-                </a:ext>
-              </a:extLst>
-            </p:cNvPr>
-            <p:cNvSpPr txBox="1"/>
-            <p:nvPr/>
-          </p:nvSpPr>
-          <p:spPr>
-            <a:xfrm>
-              <a:off x="18536532" y="25039561"/>
-              <a:ext cx="4199676" cy="846386"/>
-            </a:xfrm>
-            <a:prstGeom prst="rect">
-              <a:avLst/>
-            </a:prstGeom>
-            <a:noFill/>
-          </p:spPr>
-          <p:txBody>
-            <a:bodyPr wrap="square" tIns="0" bIns="0" rtlCol="0">
-              <a:spAutoFit/>
-            </a:bodyPr>
-            <a:lstStyle/>
-            <a:p>
-              <a:pPr algn="ctr"/>
-              <a:r>
-                <a:rPr lang="en-US" sz="5500" dirty="0">
-                  <a:latin typeface="Helvetica" panose="020B0604020202020204" pitchFamily="34" charset="0"/>
-                  <a:cs typeface="Helvetica" panose="020B0604020202020204" pitchFamily="34" charset="0"/>
-                </a:rPr>
-                <a:t>Transactions</a:t>
-              </a:r>
-            </a:p>
-          </p:txBody>
-        </p:sp>
-        <p:sp>
-          <p:nvSpPr>
-            <p:cNvPr id="103" name="CasellaDiTesto 242">
-              <a:extLst>
-                <a:ext uri="{FF2B5EF4-FFF2-40B4-BE49-F238E27FC236}">
-                  <a16:creationId xmlns:a16="http://schemas.microsoft.com/office/drawing/2014/main" id="{E60269EA-4C50-44BF-8EA7-824C56085715}"/>
-                </a:ext>
-              </a:extLst>
-            </p:cNvPr>
-            <p:cNvSpPr txBox="1"/>
-            <p:nvPr/>
-          </p:nvSpPr>
-          <p:spPr>
-            <a:xfrm>
-              <a:off x="23564882" y="13124230"/>
-              <a:ext cx="5239246" cy="846386"/>
-            </a:xfrm>
-            <a:prstGeom prst="rect">
-              <a:avLst/>
-            </a:prstGeom>
-            <a:noFill/>
-          </p:spPr>
-          <p:txBody>
-            <a:bodyPr wrap="square" tIns="0" bIns="0" rtlCol="0">
-              <a:spAutoFit/>
-            </a:bodyPr>
-            <a:lstStyle/>
-            <a:p>
-              <a:r>
-                <a:rPr lang="en-US" sz="5500" dirty="0">
-                  <a:latin typeface="Helvetica" panose="020B0604020202020204" pitchFamily="34" charset="0"/>
-                  <a:cs typeface="Helvetica" panose="020B0604020202020204" pitchFamily="34" charset="0"/>
-                </a:rPr>
-                <a:t>Raw trajectories</a:t>
-              </a:r>
-            </a:p>
-          </p:txBody>
-        </p:sp>
-        <p:pic>
-          <p:nvPicPr>
-            <p:cNvPr id="152" name="Immagine 4">
-              <a:extLst>
-                <a:ext uri="{FF2B5EF4-FFF2-40B4-BE49-F238E27FC236}">
-                  <a16:creationId xmlns:a16="http://schemas.microsoft.com/office/drawing/2014/main" id="{E6C258FC-A015-416D-9AB1-446BCE24BB87}"/>
-                </a:ext>
-              </a:extLst>
-            </p:cNvPr>
-            <p:cNvPicPr>
-              <a:picLocks noChangeAspect="1"/>
-            </p:cNvPicPr>
-            <p:nvPr/>
-          </p:nvPicPr>
-          <p:blipFill>
-            <a:blip r:embed="rId9"/>
-            <a:stretch>
-              <a:fillRect/>
-            </a:stretch>
-          </p:blipFill>
-          <p:spPr>
-            <a:xfrm>
-              <a:off x="18628806" y="13954781"/>
-              <a:ext cx="3926859" cy="3598959"/>
-            </a:xfrm>
-            <a:prstGeom prst="rect">
-              <a:avLst/>
-            </a:prstGeom>
-          </p:spPr>
-        </p:pic>
-        <p:sp>
-          <p:nvSpPr>
-            <p:cNvPr id="153" name="Rettangolo 40">
-              <a:extLst>
-                <a:ext uri="{FF2B5EF4-FFF2-40B4-BE49-F238E27FC236}">
-                  <a16:creationId xmlns:a16="http://schemas.microsoft.com/office/drawing/2014/main" id="{D6CA206B-AF3B-4BF1-B12F-4C1E00B39B50}"/>
-                </a:ext>
-              </a:extLst>
-            </p:cNvPr>
-            <p:cNvSpPr/>
-            <p:nvPr/>
-          </p:nvSpPr>
-          <p:spPr>
-            <a:xfrm>
-              <a:off x="18807430" y="14096385"/>
-              <a:ext cx="2622454" cy="1743353"/>
-            </a:xfrm>
-            <a:prstGeom prst="rect">
-              <a:avLst/>
-            </a:prstGeom>
-            <a:solidFill>
-              <a:schemeClr val="accent1">
-                <a:lumMod val="60000"/>
-                <a:lumOff val="40000"/>
-                <a:alpha val="40000"/>
-              </a:schemeClr>
-            </a:solidFill>
-            <a:ln w="9525">
-              <a:solidFill>
-                <a:schemeClr val="accent1"/>
-              </a:solidFill>
-              <a:prstDash val="solid"/>
-            </a:ln>
-          </p:spPr>
-          <p:style>
-            <a:lnRef idx="1">
-              <a:schemeClr val="accent1"/>
-            </a:lnRef>
-            <a:fillRef idx="2">
-              <a:schemeClr val="accent1"/>
-            </a:fillRef>
-            <a:effectRef idx="1">
-              <a:schemeClr val="accent1"/>
-            </a:effectRef>
-            <a:fontRef idx="minor">
-              <a:schemeClr val="dk1"/>
-            </a:fontRef>
-          </p:style>
-          <p:txBody>
-            <a:bodyPr rtlCol="0" anchor="ctr"/>
-            <a:lstStyle/>
-            <a:p>
-              <a:pPr algn="ctr"/>
-              <a:endParaRPr lang="en-US" sz="1400" i="1">
-                <a:solidFill>
-                  <a:schemeClr val="tx1"/>
-                </a:solidFill>
-                <a:latin typeface="Helvetica" panose="020B0604020202020204" pitchFamily="34" charset="0"/>
-                <a:cs typeface="Helvetica" panose="020B0604020202020204" pitchFamily="34" charset="0"/>
-              </a:endParaRPr>
-            </a:p>
-          </p:txBody>
-        </p:sp>
-        <p:sp>
-          <p:nvSpPr>
-            <p:cNvPr id="154" name="Rettangolo 41">
-              <a:extLst>
-                <a:ext uri="{FF2B5EF4-FFF2-40B4-BE49-F238E27FC236}">
-                  <a16:creationId xmlns:a16="http://schemas.microsoft.com/office/drawing/2014/main" id="{BE552587-DE7E-469B-B7D4-69FBEE3F62A0}"/>
-                </a:ext>
-              </a:extLst>
-            </p:cNvPr>
-            <p:cNvSpPr/>
-            <p:nvPr/>
-          </p:nvSpPr>
-          <p:spPr>
-            <a:xfrm>
-              <a:off x="21429883" y="14096386"/>
-              <a:ext cx="897036" cy="1743352"/>
-            </a:xfrm>
-            <a:prstGeom prst="rect">
-              <a:avLst/>
-            </a:prstGeom>
-            <a:solidFill>
-              <a:schemeClr val="accent1">
-                <a:lumMod val="60000"/>
-                <a:lumOff val="40000"/>
-                <a:alpha val="40000"/>
-              </a:schemeClr>
-            </a:solidFill>
-            <a:ln w="9525">
-              <a:solidFill>
-                <a:schemeClr val="accent1"/>
-              </a:solidFill>
-              <a:prstDash val="solid"/>
-            </a:ln>
-          </p:spPr>
-          <p:style>
-            <a:lnRef idx="1">
-              <a:schemeClr val="accent1"/>
-            </a:lnRef>
-            <a:fillRef idx="2">
-              <a:schemeClr val="accent1"/>
-            </a:fillRef>
-            <a:effectRef idx="1">
-              <a:schemeClr val="accent1"/>
-            </a:effectRef>
-            <a:fontRef idx="minor">
-              <a:schemeClr val="dk1"/>
-            </a:fontRef>
-          </p:style>
-          <p:txBody>
-            <a:bodyPr rtlCol="0" anchor="ctr"/>
-            <a:lstStyle/>
-            <a:p>
-              <a:pPr algn="ctr"/>
-              <a:endParaRPr lang="en-US" sz="1400" i="1">
-                <a:solidFill>
-                  <a:schemeClr val="tx1"/>
-                </a:solidFill>
-                <a:latin typeface="Helvetica" panose="020B0604020202020204" pitchFamily="34" charset="0"/>
-                <a:cs typeface="Helvetica" panose="020B0604020202020204" pitchFamily="34" charset="0"/>
-              </a:endParaRPr>
-            </a:p>
-          </p:txBody>
-        </p:sp>
-        <p:sp>
-          <p:nvSpPr>
-            <p:cNvPr id="155" name="Rettangolo 42">
-              <a:extLst>
-                <a:ext uri="{FF2B5EF4-FFF2-40B4-BE49-F238E27FC236}">
-                  <a16:creationId xmlns:a16="http://schemas.microsoft.com/office/drawing/2014/main" id="{61C93926-7269-42AF-A8FE-4BCB453A98B8}"/>
-                </a:ext>
-              </a:extLst>
-            </p:cNvPr>
-            <p:cNvSpPr/>
-            <p:nvPr/>
-          </p:nvSpPr>
-          <p:spPr>
-            <a:xfrm>
-              <a:off x="20083656" y="15839739"/>
-              <a:ext cx="2244127" cy="1559513"/>
-            </a:xfrm>
-            <a:prstGeom prst="rect">
-              <a:avLst/>
-            </a:prstGeom>
-            <a:solidFill>
-              <a:schemeClr val="accent1">
-                <a:lumMod val="60000"/>
-                <a:lumOff val="40000"/>
-                <a:alpha val="40000"/>
-              </a:schemeClr>
-            </a:solidFill>
-            <a:ln w="9525">
-              <a:solidFill>
-                <a:schemeClr val="accent1"/>
-              </a:solidFill>
-              <a:prstDash val="solid"/>
-            </a:ln>
-          </p:spPr>
-          <p:style>
-            <a:lnRef idx="1">
-              <a:schemeClr val="accent1"/>
-            </a:lnRef>
-            <a:fillRef idx="2">
-              <a:schemeClr val="accent1"/>
-            </a:fillRef>
-            <a:effectRef idx="1">
-              <a:schemeClr val="accent1"/>
-            </a:effectRef>
-            <a:fontRef idx="minor">
-              <a:schemeClr val="dk1"/>
-            </a:fontRef>
-          </p:style>
-          <p:txBody>
-            <a:bodyPr rtlCol="0" anchor="ctr"/>
-            <a:lstStyle/>
-            <a:p>
-              <a:pPr algn="ctr"/>
-              <a:endParaRPr lang="en-US" sz="1400" i="1">
-                <a:solidFill>
-                  <a:schemeClr val="tx1"/>
-                </a:solidFill>
-                <a:latin typeface="Helvetica" panose="020B0604020202020204" pitchFamily="34" charset="0"/>
-                <a:cs typeface="Helvetica" panose="020B0604020202020204" pitchFamily="34" charset="0"/>
-              </a:endParaRPr>
-            </a:p>
-          </p:txBody>
-        </p:sp>
-        <p:sp>
-          <p:nvSpPr>
-            <p:cNvPr id="156" name="Rettangolo 43">
-              <a:extLst>
-                <a:ext uri="{FF2B5EF4-FFF2-40B4-BE49-F238E27FC236}">
-                  <a16:creationId xmlns:a16="http://schemas.microsoft.com/office/drawing/2014/main" id="{E843FF48-E467-4A07-95BD-6418D1BD6C71}"/>
-                </a:ext>
-              </a:extLst>
-            </p:cNvPr>
-            <p:cNvSpPr/>
-            <p:nvPr/>
-          </p:nvSpPr>
-          <p:spPr>
-            <a:xfrm>
-              <a:off x="18807430" y="15839739"/>
-              <a:ext cx="1269448" cy="1559513"/>
-            </a:xfrm>
-            <a:prstGeom prst="rect">
-              <a:avLst/>
-            </a:prstGeom>
-            <a:solidFill>
-              <a:schemeClr val="accent1">
-                <a:lumMod val="60000"/>
-                <a:lumOff val="40000"/>
-                <a:alpha val="40000"/>
-              </a:schemeClr>
-            </a:solidFill>
-            <a:ln w="9525">
-              <a:solidFill>
-                <a:schemeClr val="accent1"/>
-              </a:solidFill>
-              <a:prstDash val="solid"/>
-            </a:ln>
-          </p:spPr>
-          <p:style>
-            <a:lnRef idx="1">
-              <a:schemeClr val="accent1"/>
-            </a:lnRef>
-            <a:fillRef idx="2">
-              <a:schemeClr val="accent1"/>
-            </a:fillRef>
-            <a:effectRef idx="1">
-              <a:schemeClr val="accent1"/>
-            </a:effectRef>
-            <a:fontRef idx="minor">
-              <a:schemeClr val="dk1"/>
-            </a:fontRef>
-          </p:style>
-          <p:txBody>
-            <a:bodyPr rtlCol="0" anchor="ctr"/>
-            <a:lstStyle/>
-            <a:p>
-              <a:pPr algn="ctr"/>
-              <a:endParaRPr lang="en-US" sz="1400" i="1">
-                <a:solidFill>
-                  <a:schemeClr val="tx1"/>
-                </a:solidFill>
-                <a:latin typeface="Helvetica" panose="020B0604020202020204" pitchFamily="34" charset="0"/>
-                <a:cs typeface="Helvetica" panose="020B0604020202020204" pitchFamily="34" charset="0"/>
-              </a:endParaRPr>
-            </a:p>
-          </p:txBody>
-        </p:sp>
-        <p:sp>
-          <p:nvSpPr>
-            <p:cNvPr id="157" name="CasellaDiTesto 44">
-              <a:extLst>
-                <a:ext uri="{FF2B5EF4-FFF2-40B4-BE49-F238E27FC236}">
-                  <a16:creationId xmlns:a16="http://schemas.microsoft.com/office/drawing/2014/main" id="{10DE76D6-93C8-4A10-95CE-1B2DC8551FE5}"/>
-                </a:ext>
-              </a:extLst>
-            </p:cNvPr>
-            <p:cNvSpPr txBox="1"/>
-            <p:nvPr/>
-          </p:nvSpPr>
-          <p:spPr>
-            <a:xfrm>
-              <a:off x="18743390" y="14094404"/>
-              <a:ext cx="274434" cy="523220"/>
-            </a:xfrm>
-            <a:prstGeom prst="rect">
-              <a:avLst/>
-            </a:prstGeom>
-            <a:noFill/>
-          </p:spPr>
-          <p:txBody>
-            <a:bodyPr wrap="square" rtlCol="0">
-              <a:spAutoFit/>
-            </a:bodyPr>
-            <a:lstStyle/>
-            <a:p>
-              <a:r>
-                <a:rPr lang="it-IT" sz="2800" i="1" dirty="0">
-                  <a:solidFill>
-                    <a:schemeClr val="accent1">
-                      <a:lumMod val="75000"/>
-                    </a:schemeClr>
-                  </a:solidFill>
-                  <a:latin typeface="Helvetica" panose="020B0604020202020204" pitchFamily="34" charset="0"/>
-                  <a:cs typeface="Helvetica" panose="020B0604020202020204" pitchFamily="34" charset="0"/>
-                </a:rPr>
-                <a:t>A</a:t>
-              </a:r>
-              <a:endParaRPr lang="en-US" sz="2800" i="1" baseline="-25000" dirty="0">
-                <a:solidFill>
-                  <a:schemeClr val="accent1">
-                    <a:lumMod val="75000"/>
-                  </a:schemeClr>
-                </a:solidFill>
-                <a:latin typeface="Helvetica" panose="020B0604020202020204" pitchFamily="34" charset="0"/>
-                <a:cs typeface="Helvetica" panose="020B0604020202020204" pitchFamily="34" charset="0"/>
-              </a:endParaRPr>
-            </a:p>
-          </p:txBody>
-        </p:sp>
-        <p:sp>
-          <p:nvSpPr>
-            <p:cNvPr id="158" name="CasellaDiTesto 45">
-              <a:extLst>
-                <a:ext uri="{FF2B5EF4-FFF2-40B4-BE49-F238E27FC236}">
-                  <a16:creationId xmlns:a16="http://schemas.microsoft.com/office/drawing/2014/main" id="{A1C9659E-E0C3-4DCB-94A5-3ADDA34626AE}"/>
-                </a:ext>
-              </a:extLst>
-            </p:cNvPr>
-            <p:cNvSpPr txBox="1"/>
-            <p:nvPr/>
-          </p:nvSpPr>
-          <p:spPr>
-            <a:xfrm>
-              <a:off x="21958032" y="14094404"/>
-              <a:ext cx="274434" cy="523220"/>
-            </a:xfrm>
-            <a:prstGeom prst="rect">
-              <a:avLst/>
-            </a:prstGeom>
-            <a:noFill/>
-          </p:spPr>
-          <p:txBody>
-            <a:bodyPr wrap="square" rtlCol="0">
-              <a:spAutoFit/>
-            </a:bodyPr>
-            <a:lstStyle/>
-            <a:p>
-              <a:r>
-                <a:rPr lang="it-IT" sz="2800" i="1" dirty="0">
-                  <a:solidFill>
-                    <a:schemeClr val="accent1">
-                      <a:lumMod val="75000"/>
-                    </a:schemeClr>
-                  </a:solidFill>
-                  <a:latin typeface="Helvetica" panose="020B0604020202020204" pitchFamily="34" charset="0"/>
-                  <a:cs typeface="Helvetica" panose="020B0604020202020204" pitchFamily="34" charset="0"/>
-                </a:rPr>
-                <a:t>B</a:t>
-              </a:r>
-              <a:endParaRPr lang="en-US" sz="2800" i="1" baseline="-25000" dirty="0">
-                <a:solidFill>
-                  <a:schemeClr val="accent1">
-                    <a:lumMod val="75000"/>
-                  </a:schemeClr>
-                </a:solidFill>
-                <a:latin typeface="Helvetica" panose="020B0604020202020204" pitchFamily="34" charset="0"/>
-                <a:cs typeface="Helvetica" panose="020B0604020202020204" pitchFamily="34" charset="0"/>
-              </a:endParaRPr>
-            </a:p>
-          </p:txBody>
-        </p:sp>
-        <p:sp>
-          <p:nvSpPr>
-            <p:cNvPr id="159" name="CasellaDiTesto 46">
-              <a:extLst>
-                <a:ext uri="{FF2B5EF4-FFF2-40B4-BE49-F238E27FC236}">
-                  <a16:creationId xmlns:a16="http://schemas.microsoft.com/office/drawing/2014/main" id="{A85FD853-E224-4C87-AD58-8D4DF5FDB114}"/>
-                </a:ext>
-              </a:extLst>
-            </p:cNvPr>
-            <p:cNvSpPr txBox="1"/>
-            <p:nvPr/>
-          </p:nvSpPr>
-          <p:spPr>
-            <a:xfrm>
-              <a:off x="18747623" y="16881615"/>
-              <a:ext cx="264816" cy="523220"/>
-            </a:xfrm>
-            <a:prstGeom prst="rect">
-              <a:avLst/>
-            </a:prstGeom>
-            <a:noFill/>
-          </p:spPr>
-          <p:txBody>
-            <a:bodyPr wrap="square" rtlCol="0">
-              <a:spAutoFit/>
-            </a:bodyPr>
-            <a:lstStyle/>
-            <a:p>
-              <a:r>
-                <a:rPr lang="it-IT" sz="2800" i="1" dirty="0">
-                  <a:solidFill>
-                    <a:schemeClr val="accent1">
-                      <a:lumMod val="75000"/>
-                    </a:schemeClr>
-                  </a:solidFill>
-                  <a:latin typeface="Helvetica" panose="020B0604020202020204" pitchFamily="34" charset="0"/>
-                  <a:cs typeface="Helvetica" panose="020B0604020202020204" pitchFamily="34" charset="0"/>
-                </a:rPr>
-                <a:t>C</a:t>
-              </a:r>
-              <a:endParaRPr lang="en-US" sz="2800" i="1" baseline="-25000" dirty="0">
-                <a:solidFill>
-                  <a:schemeClr val="accent1">
-                    <a:lumMod val="75000"/>
-                  </a:schemeClr>
-                </a:solidFill>
-                <a:latin typeface="Helvetica" panose="020B0604020202020204" pitchFamily="34" charset="0"/>
-                <a:cs typeface="Helvetica" panose="020B0604020202020204" pitchFamily="34" charset="0"/>
-              </a:endParaRPr>
-            </a:p>
-          </p:txBody>
-        </p:sp>
-        <p:sp>
-          <p:nvSpPr>
-            <p:cNvPr id="160" name="CasellaDiTesto 47">
-              <a:extLst>
-                <a:ext uri="{FF2B5EF4-FFF2-40B4-BE49-F238E27FC236}">
-                  <a16:creationId xmlns:a16="http://schemas.microsoft.com/office/drawing/2014/main" id="{DC0305A6-C3AA-40C2-8BDA-361732504FE7}"/>
-                </a:ext>
-              </a:extLst>
-            </p:cNvPr>
-            <p:cNvSpPr txBox="1"/>
-            <p:nvPr/>
-          </p:nvSpPr>
-          <p:spPr>
-            <a:xfrm>
-              <a:off x="21953639" y="16879430"/>
-              <a:ext cx="274434" cy="523220"/>
-            </a:xfrm>
-            <a:prstGeom prst="rect">
-              <a:avLst/>
-            </a:prstGeom>
-            <a:noFill/>
-          </p:spPr>
-          <p:txBody>
-            <a:bodyPr wrap="square" rtlCol="0">
-              <a:spAutoFit/>
-            </a:bodyPr>
-            <a:lstStyle>
-              <a:defPPr>
-                <a:defRPr lang="it-IT"/>
-              </a:defPPr>
-              <a:lvl1pPr>
-                <a:defRPr sz="1400" i="1">
-                  <a:solidFill>
-                    <a:schemeClr val="accent1">
-                      <a:lumMod val="75000"/>
-                    </a:schemeClr>
-                  </a:solidFill>
-                  <a:latin typeface="Times New Roman" panose="02020603050405020304" pitchFamily="18" charset="0"/>
-                  <a:cs typeface="Times New Roman" panose="02020603050405020304" pitchFamily="18" charset="0"/>
-                </a:defRPr>
-              </a:lvl1pPr>
-            </a:lstStyle>
-            <a:p>
-              <a:r>
-                <a:rPr lang="it-IT" sz="2800" dirty="0">
-                  <a:latin typeface="Helvetica" panose="020B0604020202020204" pitchFamily="34" charset="0"/>
-                  <a:cs typeface="Helvetica" panose="020B0604020202020204" pitchFamily="34" charset="0"/>
-                </a:rPr>
-                <a:t>D</a:t>
-              </a:r>
-              <a:endParaRPr lang="en-US" sz="2800" baseline="-25000" dirty="0">
-                <a:latin typeface="Helvetica" panose="020B0604020202020204" pitchFamily="34" charset="0"/>
-                <a:cs typeface="Helvetica" panose="020B0604020202020204" pitchFamily="34" charset="0"/>
-              </a:endParaRPr>
-            </a:p>
-          </p:txBody>
-        </p:sp>
-        <p:sp>
-          <p:nvSpPr>
-            <p:cNvPr id="161" name="CasellaDiTesto 186">
-              <a:extLst>
-                <a:ext uri="{FF2B5EF4-FFF2-40B4-BE49-F238E27FC236}">
-                  <a16:creationId xmlns:a16="http://schemas.microsoft.com/office/drawing/2014/main" id="{1C3F9D80-4988-4BF6-BC10-846E5AE5FE7B}"/>
-                </a:ext>
-              </a:extLst>
-            </p:cNvPr>
-            <p:cNvSpPr txBox="1"/>
-            <p:nvPr/>
-          </p:nvSpPr>
-          <p:spPr>
-            <a:xfrm>
-              <a:off x="18672940" y="13124230"/>
-              <a:ext cx="3926860" cy="846386"/>
-            </a:xfrm>
-            <a:prstGeom prst="rect">
-              <a:avLst/>
-            </a:prstGeom>
-            <a:noFill/>
-          </p:spPr>
-          <p:txBody>
-            <a:bodyPr wrap="square" tIns="0" bIns="0" rtlCol="0">
-              <a:spAutoFit/>
-            </a:bodyPr>
-            <a:lstStyle/>
-            <a:p>
-              <a:pPr algn="ctr"/>
-              <a:r>
-                <a:rPr lang="en-US" sz="5500" dirty="0">
-                  <a:latin typeface="Helvetica" panose="020B0604020202020204" pitchFamily="34" charset="0"/>
-                  <a:cs typeface="Helvetica" panose="020B0604020202020204" pitchFamily="34" charset="0"/>
-                </a:rPr>
-                <a:t>Tessellation</a:t>
-              </a:r>
-            </a:p>
-          </p:txBody>
-        </p:sp>
-        <p:sp>
-          <p:nvSpPr>
-            <p:cNvPr id="163" name="CasellaDiTesto 242">
-              <a:extLst>
-                <a:ext uri="{FF2B5EF4-FFF2-40B4-BE49-F238E27FC236}">
-                  <a16:creationId xmlns:a16="http://schemas.microsoft.com/office/drawing/2014/main" id="{0568CD32-E961-4E7A-978E-B5D70970C163}"/>
-                </a:ext>
-              </a:extLst>
-            </p:cNvPr>
-            <p:cNvSpPr txBox="1"/>
-            <p:nvPr/>
-          </p:nvSpPr>
-          <p:spPr>
-            <a:xfrm>
-              <a:off x="18764685" y="25818856"/>
-              <a:ext cx="3951787" cy="3385542"/>
-            </a:xfrm>
-            <a:prstGeom prst="rect">
-              <a:avLst/>
-            </a:prstGeom>
-            <a:noFill/>
-          </p:spPr>
-          <p:txBody>
-            <a:bodyPr wrap="none" tIns="0" bIns="0" rtlCol="0">
-              <a:spAutoFit/>
-            </a:bodyPr>
-            <a:lstStyle/>
-            <a:p>
-              <a:r>
-                <a:rPr lang="en-US" sz="5500" dirty="0">
-                  <a:latin typeface="Times New Roman" panose="02020603050405020304" pitchFamily="18" charset="0"/>
-                  <a:cs typeface="Times New Roman" panose="02020603050405020304" pitchFamily="18" charset="0"/>
-                </a:rPr>
-                <a:t>A = {}</a:t>
-              </a:r>
-            </a:p>
-            <a:p>
-              <a:r>
-                <a:rPr lang="en-US" sz="5500" dirty="0">
-                  <a:latin typeface="Times New Roman" panose="02020603050405020304" pitchFamily="18" charset="0"/>
-                  <a:cs typeface="Times New Roman" panose="02020603050405020304" pitchFamily="18" charset="0"/>
-                </a:rPr>
-                <a:t>B = {T</a:t>
-              </a:r>
-              <a:r>
-                <a:rPr lang="en-US" sz="5500" baseline="-25000" dirty="0">
-                  <a:latin typeface="Times New Roman" panose="02020603050405020304" pitchFamily="18" charset="0"/>
-                  <a:cs typeface="Times New Roman" panose="02020603050405020304" pitchFamily="18" charset="0"/>
-                </a:rPr>
-                <a:t>R</a:t>
-              </a:r>
-              <a:r>
-                <a:rPr lang="en-US" sz="5500" dirty="0">
-                  <a:latin typeface="Times New Roman" panose="02020603050405020304" pitchFamily="18" charset="0"/>
-                  <a:cs typeface="Times New Roman" panose="02020603050405020304" pitchFamily="18" charset="0"/>
-                </a:rPr>
-                <a:t>, T</a:t>
-              </a:r>
-              <a:r>
-                <a:rPr lang="en-US" sz="5500" baseline="-25000" dirty="0">
-                  <a:latin typeface="Times New Roman" panose="02020603050405020304" pitchFamily="18" charset="0"/>
-                  <a:cs typeface="Times New Roman" panose="02020603050405020304" pitchFamily="18" charset="0"/>
-                </a:rPr>
-                <a:t>B</a:t>
-              </a:r>
-              <a:r>
-                <a:rPr lang="en-US" sz="5500" dirty="0">
-                  <a:latin typeface="Times New Roman" panose="02020603050405020304" pitchFamily="18" charset="0"/>
-                  <a:cs typeface="Times New Roman" panose="02020603050405020304" pitchFamily="18" charset="0"/>
-                </a:rPr>
-                <a:t>}</a:t>
-              </a:r>
-            </a:p>
-            <a:p>
-              <a:r>
-                <a:rPr lang="en-US" sz="5500" dirty="0">
-                  <a:latin typeface="Times New Roman" panose="02020603050405020304" pitchFamily="18" charset="0"/>
-                  <a:cs typeface="Times New Roman" panose="02020603050405020304" pitchFamily="18" charset="0"/>
-                </a:rPr>
-                <a:t>C = {T</a:t>
-              </a:r>
-              <a:r>
-                <a:rPr lang="en-US" sz="5500" baseline="-25000" dirty="0">
-                  <a:latin typeface="Times New Roman" panose="02020603050405020304" pitchFamily="18" charset="0"/>
-                  <a:cs typeface="Times New Roman" panose="02020603050405020304" pitchFamily="18" charset="0"/>
-                </a:rPr>
-                <a:t>R</a:t>
-              </a:r>
-              <a:r>
-                <a:rPr lang="en-US" sz="5500" dirty="0">
-                  <a:latin typeface="Times New Roman" panose="02020603050405020304" pitchFamily="18" charset="0"/>
-                  <a:cs typeface="Times New Roman" panose="02020603050405020304" pitchFamily="18" charset="0"/>
-                </a:rPr>
-                <a:t>}</a:t>
-              </a:r>
-            </a:p>
-            <a:p>
-              <a:r>
-                <a:rPr lang="en-US" sz="5500" dirty="0">
-                  <a:latin typeface="Times New Roman" panose="02020603050405020304" pitchFamily="18" charset="0"/>
-                  <a:cs typeface="Times New Roman" panose="02020603050405020304" pitchFamily="18" charset="0"/>
-                </a:rPr>
-                <a:t>D = {T</a:t>
-              </a:r>
-              <a:r>
-                <a:rPr lang="en-US" sz="5500" baseline="-25000" dirty="0">
-                  <a:latin typeface="Times New Roman" panose="02020603050405020304" pitchFamily="18" charset="0"/>
-                  <a:cs typeface="Times New Roman" panose="02020603050405020304" pitchFamily="18" charset="0"/>
-                </a:rPr>
-                <a:t>R</a:t>
-              </a:r>
-              <a:r>
-                <a:rPr lang="en-US" sz="5500" dirty="0">
-                  <a:latin typeface="Times New Roman" panose="02020603050405020304" pitchFamily="18" charset="0"/>
-                  <a:cs typeface="Times New Roman" panose="02020603050405020304" pitchFamily="18" charset="0"/>
-                </a:rPr>
-                <a:t>, T</a:t>
-              </a:r>
-              <a:r>
-                <a:rPr lang="en-US" sz="5500" baseline="-25000" dirty="0">
-                  <a:latin typeface="Times New Roman" panose="02020603050405020304" pitchFamily="18" charset="0"/>
-                  <a:cs typeface="Times New Roman" panose="02020603050405020304" pitchFamily="18" charset="0"/>
-                </a:rPr>
-                <a:t>B</a:t>
-              </a:r>
-              <a:r>
-                <a:rPr lang="en-US" sz="5500" dirty="0">
-                  <a:latin typeface="Times New Roman" panose="02020603050405020304" pitchFamily="18" charset="0"/>
-                  <a:cs typeface="Times New Roman" panose="02020603050405020304" pitchFamily="18" charset="0"/>
-                </a:rPr>
-                <a:t>}</a:t>
-              </a:r>
-            </a:p>
-          </p:txBody>
-        </p:sp>
-        <p:pic>
-          <p:nvPicPr>
-            <p:cNvPr id="165" name="Immagine 4">
-              <a:extLst>
-                <a:ext uri="{FF2B5EF4-FFF2-40B4-BE49-F238E27FC236}">
-                  <a16:creationId xmlns:a16="http://schemas.microsoft.com/office/drawing/2014/main" id="{BF71A81A-EAC7-489B-BB81-B0390BD4FF20}"/>
-                </a:ext>
-              </a:extLst>
-            </p:cNvPr>
-            <p:cNvPicPr>
-              <a:picLocks noChangeAspect="1"/>
-            </p:cNvPicPr>
-            <p:nvPr/>
-          </p:nvPicPr>
-          <p:blipFill>
-            <a:blip r:embed="rId9"/>
-            <a:stretch>
-              <a:fillRect/>
-            </a:stretch>
-          </p:blipFill>
-          <p:spPr>
-            <a:xfrm>
-              <a:off x="18663609" y="19755448"/>
-              <a:ext cx="3926859" cy="3598959"/>
-            </a:xfrm>
-            <a:prstGeom prst="rect">
-              <a:avLst/>
-            </a:prstGeom>
-          </p:spPr>
-        </p:pic>
-        <p:sp>
-          <p:nvSpPr>
-            <p:cNvPr id="166" name="Rettangolo 40">
-              <a:extLst>
-                <a:ext uri="{FF2B5EF4-FFF2-40B4-BE49-F238E27FC236}">
-                  <a16:creationId xmlns:a16="http://schemas.microsoft.com/office/drawing/2014/main" id="{0F93B4D2-ECE7-4BD3-8F1C-05FE595B50FB}"/>
-                </a:ext>
-              </a:extLst>
-            </p:cNvPr>
-            <p:cNvSpPr/>
-            <p:nvPr/>
-          </p:nvSpPr>
-          <p:spPr>
-            <a:xfrm>
-              <a:off x="18842232" y="19897052"/>
-              <a:ext cx="2587651" cy="1743353"/>
-            </a:xfrm>
-            <a:prstGeom prst="rect">
-              <a:avLst/>
-            </a:prstGeom>
-            <a:solidFill>
-              <a:schemeClr val="accent1">
-                <a:lumMod val="60000"/>
-                <a:lumOff val="40000"/>
-                <a:alpha val="40000"/>
-              </a:schemeClr>
-            </a:solidFill>
-            <a:ln w="9525">
-              <a:solidFill>
-                <a:schemeClr val="accent1"/>
-              </a:solidFill>
-              <a:prstDash val="solid"/>
-            </a:ln>
-          </p:spPr>
-          <p:style>
-            <a:lnRef idx="1">
-              <a:schemeClr val="accent1"/>
-            </a:lnRef>
-            <a:fillRef idx="2">
-              <a:schemeClr val="accent1"/>
-            </a:fillRef>
-            <a:effectRef idx="1">
-              <a:schemeClr val="accent1"/>
-            </a:effectRef>
-            <a:fontRef idx="minor">
-              <a:schemeClr val="dk1"/>
-            </a:fontRef>
-          </p:style>
-          <p:txBody>
-            <a:bodyPr rtlCol="0" anchor="ctr"/>
-            <a:lstStyle/>
-            <a:p>
-              <a:pPr algn="ctr"/>
-              <a:endParaRPr lang="en-US" sz="1400" i="1">
-                <a:solidFill>
-                  <a:schemeClr val="tx1"/>
-                </a:solidFill>
-                <a:latin typeface="Helvetica" panose="020B0604020202020204" pitchFamily="34" charset="0"/>
-                <a:cs typeface="Helvetica" panose="020B0604020202020204" pitchFamily="34" charset="0"/>
-              </a:endParaRPr>
-            </a:p>
-          </p:txBody>
-        </p:sp>
-        <p:sp>
-          <p:nvSpPr>
-            <p:cNvPr id="167" name="Rettangolo 41">
-              <a:extLst>
-                <a:ext uri="{FF2B5EF4-FFF2-40B4-BE49-F238E27FC236}">
-                  <a16:creationId xmlns:a16="http://schemas.microsoft.com/office/drawing/2014/main" id="{B25DD38A-244D-4C6E-9400-5340711448FB}"/>
-                </a:ext>
-              </a:extLst>
-            </p:cNvPr>
-            <p:cNvSpPr/>
-            <p:nvPr/>
-          </p:nvSpPr>
-          <p:spPr>
-            <a:xfrm>
-              <a:off x="21429883" y="19897053"/>
-              <a:ext cx="931839" cy="1743352"/>
-            </a:xfrm>
-            <a:prstGeom prst="rect">
-              <a:avLst/>
-            </a:prstGeom>
-            <a:solidFill>
-              <a:schemeClr val="accent1">
-                <a:lumMod val="60000"/>
-                <a:lumOff val="40000"/>
-                <a:alpha val="40000"/>
-              </a:schemeClr>
-            </a:solidFill>
-            <a:ln w="9525">
-              <a:solidFill>
-                <a:schemeClr val="accent1"/>
-              </a:solidFill>
-              <a:prstDash val="solid"/>
-            </a:ln>
-          </p:spPr>
-          <p:style>
-            <a:lnRef idx="1">
-              <a:schemeClr val="accent1"/>
-            </a:lnRef>
-            <a:fillRef idx="2">
-              <a:schemeClr val="accent1"/>
-            </a:fillRef>
-            <a:effectRef idx="1">
-              <a:schemeClr val="accent1"/>
-            </a:effectRef>
-            <a:fontRef idx="minor">
-              <a:schemeClr val="dk1"/>
-            </a:fontRef>
-          </p:style>
-          <p:txBody>
-            <a:bodyPr rtlCol="0" anchor="ctr"/>
-            <a:lstStyle/>
-            <a:p>
-              <a:pPr algn="ctr"/>
-              <a:endParaRPr lang="en-US" sz="1400" i="1">
-                <a:solidFill>
-                  <a:schemeClr val="tx1"/>
-                </a:solidFill>
-                <a:latin typeface="Helvetica" panose="020B0604020202020204" pitchFamily="34" charset="0"/>
-                <a:cs typeface="Helvetica" panose="020B0604020202020204" pitchFamily="34" charset="0"/>
-              </a:endParaRPr>
-            </a:p>
-          </p:txBody>
-        </p:sp>
-        <p:sp>
-          <p:nvSpPr>
-            <p:cNvPr id="168" name="Rettangolo 42">
-              <a:extLst>
-                <a:ext uri="{FF2B5EF4-FFF2-40B4-BE49-F238E27FC236}">
-                  <a16:creationId xmlns:a16="http://schemas.microsoft.com/office/drawing/2014/main" id="{B14E1D1D-B4B4-47B4-B400-59DC80271FB7}"/>
-                </a:ext>
-              </a:extLst>
-            </p:cNvPr>
-            <p:cNvSpPr/>
-            <p:nvPr/>
-          </p:nvSpPr>
-          <p:spPr>
-            <a:xfrm>
-              <a:off x="20076879" y="21640406"/>
-              <a:ext cx="2285708" cy="1559513"/>
-            </a:xfrm>
-            <a:prstGeom prst="rect">
-              <a:avLst/>
-            </a:prstGeom>
-            <a:solidFill>
-              <a:schemeClr val="accent1">
-                <a:lumMod val="60000"/>
-                <a:lumOff val="40000"/>
-                <a:alpha val="40000"/>
-              </a:schemeClr>
-            </a:solidFill>
-            <a:ln w="9525">
-              <a:solidFill>
-                <a:schemeClr val="accent1"/>
-              </a:solidFill>
-              <a:prstDash val="solid"/>
-            </a:ln>
-          </p:spPr>
-          <p:style>
-            <a:lnRef idx="1">
-              <a:schemeClr val="accent1"/>
-            </a:lnRef>
-            <a:fillRef idx="2">
-              <a:schemeClr val="accent1"/>
-            </a:fillRef>
-            <a:effectRef idx="1">
-              <a:schemeClr val="accent1"/>
-            </a:effectRef>
-            <a:fontRef idx="minor">
-              <a:schemeClr val="dk1"/>
-            </a:fontRef>
-          </p:style>
-          <p:txBody>
-            <a:bodyPr rtlCol="0" anchor="ctr"/>
-            <a:lstStyle/>
-            <a:p>
-              <a:pPr algn="ctr"/>
-              <a:endParaRPr lang="en-US" sz="1400" i="1">
-                <a:solidFill>
-                  <a:schemeClr val="tx1"/>
-                </a:solidFill>
-                <a:latin typeface="Helvetica" panose="020B0604020202020204" pitchFamily="34" charset="0"/>
-                <a:cs typeface="Helvetica" panose="020B0604020202020204" pitchFamily="34" charset="0"/>
-              </a:endParaRPr>
-            </a:p>
-          </p:txBody>
-        </p:sp>
-        <p:sp>
-          <p:nvSpPr>
-            <p:cNvPr id="169" name="Rettangolo 43">
-              <a:extLst>
-                <a:ext uri="{FF2B5EF4-FFF2-40B4-BE49-F238E27FC236}">
-                  <a16:creationId xmlns:a16="http://schemas.microsoft.com/office/drawing/2014/main" id="{2D26FEF1-B7A9-48E6-BD88-2620E1CB7CBE}"/>
-                </a:ext>
-              </a:extLst>
-            </p:cNvPr>
-            <p:cNvSpPr/>
-            <p:nvPr/>
-          </p:nvSpPr>
-          <p:spPr>
-            <a:xfrm>
-              <a:off x="18842233" y="21640406"/>
-              <a:ext cx="1241423" cy="1559513"/>
-            </a:xfrm>
-            <a:prstGeom prst="rect">
-              <a:avLst/>
-            </a:prstGeom>
-            <a:solidFill>
-              <a:schemeClr val="accent1">
-                <a:lumMod val="60000"/>
-                <a:lumOff val="40000"/>
-                <a:alpha val="40000"/>
-              </a:schemeClr>
-            </a:solidFill>
-            <a:ln w="9525">
-              <a:solidFill>
-                <a:schemeClr val="accent1"/>
-              </a:solidFill>
-              <a:prstDash val="solid"/>
-            </a:ln>
-          </p:spPr>
-          <p:style>
-            <a:lnRef idx="1">
-              <a:schemeClr val="accent1"/>
-            </a:lnRef>
-            <a:fillRef idx="2">
-              <a:schemeClr val="accent1"/>
-            </a:fillRef>
-            <a:effectRef idx="1">
-              <a:schemeClr val="accent1"/>
-            </a:effectRef>
-            <a:fontRef idx="minor">
-              <a:schemeClr val="dk1"/>
-            </a:fontRef>
-          </p:style>
-          <p:txBody>
-            <a:bodyPr rtlCol="0" anchor="ctr"/>
-            <a:lstStyle/>
-            <a:p>
-              <a:pPr algn="ctr"/>
-              <a:endParaRPr lang="en-US" sz="1400" i="1">
-                <a:solidFill>
-                  <a:schemeClr val="tx1"/>
-                </a:solidFill>
-                <a:latin typeface="Helvetica" panose="020B0604020202020204" pitchFamily="34" charset="0"/>
-                <a:cs typeface="Helvetica" panose="020B0604020202020204" pitchFamily="34" charset="0"/>
-              </a:endParaRPr>
-            </a:p>
-          </p:txBody>
-        </p:sp>
-        <p:sp>
-          <p:nvSpPr>
-            <p:cNvPr id="170" name="CasellaDiTesto 44">
-              <a:extLst>
-                <a:ext uri="{FF2B5EF4-FFF2-40B4-BE49-F238E27FC236}">
-                  <a16:creationId xmlns:a16="http://schemas.microsoft.com/office/drawing/2014/main" id="{FC20A4CD-6FAF-4004-98F3-EB09B613EA10}"/>
-                </a:ext>
-              </a:extLst>
-            </p:cNvPr>
-            <p:cNvSpPr txBox="1"/>
-            <p:nvPr/>
-          </p:nvSpPr>
-          <p:spPr>
-            <a:xfrm>
-              <a:off x="18778193" y="19895071"/>
-              <a:ext cx="274434" cy="523220"/>
-            </a:xfrm>
-            <a:prstGeom prst="rect">
-              <a:avLst/>
-            </a:prstGeom>
-            <a:noFill/>
-          </p:spPr>
-          <p:txBody>
-            <a:bodyPr wrap="square" rtlCol="0">
-              <a:spAutoFit/>
-            </a:bodyPr>
-            <a:lstStyle/>
-            <a:p>
-              <a:r>
-                <a:rPr lang="it-IT" sz="2800" i="1" dirty="0">
-                  <a:solidFill>
-                    <a:schemeClr val="accent1">
-                      <a:lumMod val="75000"/>
-                    </a:schemeClr>
-                  </a:solidFill>
-                  <a:latin typeface="Helvetica" panose="020B0604020202020204" pitchFamily="34" charset="0"/>
-                  <a:cs typeface="Helvetica" panose="020B0604020202020204" pitchFamily="34" charset="0"/>
-                </a:rPr>
-                <a:t>A</a:t>
-              </a:r>
-              <a:endParaRPr lang="en-US" sz="2800" i="1" baseline="-25000" dirty="0">
-                <a:solidFill>
-                  <a:schemeClr val="accent1">
-                    <a:lumMod val="75000"/>
-                  </a:schemeClr>
-                </a:solidFill>
-                <a:latin typeface="Helvetica" panose="020B0604020202020204" pitchFamily="34" charset="0"/>
-                <a:cs typeface="Helvetica" panose="020B0604020202020204" pitchFamily="34" charset="0"/>
-              </a:endParaRPr>
-            </a:p>
-          </p:txBody>
-        </p:sp>
-        <p:sp>
-          <p:nvSpPr>
-            <p:cNvPr id="171" name="CasellaDiTesto 45">
-              <a:extLst>
-                <a:ext uri="{FF2B5EF4-FFF2-40B4-BE49-F238E27FC236}">
-                  <a16:creationId xmlns:a16="http://schemas.microsoft.com/office/drawing/2014/main" id="{E0298150-4573-4DF3-ACC7-D6FA1DF509F8}"/>
-                </a:ext>
-              </a:extLst>
-            </p:cNvPr>
-            <p:cNvSpPr txBox="1"/>
-            <p:nvPr/>
-          </p:nvSpPr>
-          <p:spPr>
-            <a:xfrm>
-              <a:off x="21992835" y="19895071"/>
-              <a:ext cx="274434" cy="523220"/>
-            </a:xfrm>
-            <a:prstGeom prst="rect">
-              <a:avLst/>
-            </a:prstGeom>
-            <a:noFill/>
-          </p:spPr>
-          <p:txBody>
-            <a:bodyPr wrap="square" rtlCol="0">
-              <a:spAutoFit/>
-            </a:bodyPr>
-            <a:lstStyle/>
-            <a:p>
-              <a:r>
-                <a:rPr lang="it-IT" sz="2800" i="1" dirty="0">
-                  <a:solidFill>
-                    <a:schemeClr val="accent1">
-                      <a:lumMod val="75000"/>
-                    </a:schemeClr>
-                  </a:solidFill>
-                  <a:latin typeface="Helvetica" panose="020B0604020202020204" pitchFamily="34" charset="0"/>
-                  <a:cs typeface="Helvetica" panose="020B0604020202020204" pitchFamily="34" charset="0"/>
-                </a:rPr>
-                <a:t>B</a:t>
-              </a:r>
-              <a:endParaRPr lang="en-US" sz="2800" i="1" baseline="-25000" dirty="0">
-                <a:solidFill>
-                  <a:schemeClr val="accent1">
-                    <a:lumMod val="75000"/>
-                  </a:schemeClr>
-                </a:solidFill>
-                <a:latin typeface="Helvetica" panose="020B0604020202020204" pitchFamily="34" charset="0"/>
-                <a:cs typeface="Helvetica" panose="020B0604020202020204" pitchFamily="34" charset="0"/>
-              </a:endParaRPr>
-            </a:p>
-          </p:txBody>
-        </p:sp>
-        <p:sp>
-          <p:nvSpPr>
-            <p:cNvPr id="172" name="CasellaDiTesto 46">
-              <a:extLst>
-                <a:ext uri="{FF2B5EF4-FFF2-40B4-BE49-F238E27FC236}">
-                  <a16:creationId xmlns:a16="http://schemas.microsoft.com/office/drawing/2014/main" id="{9F27F8E8-28CC-44D4-8A6D-7F32FEF279D1}"/>
-                </a:ext>
-              </a:extLst>
-            </p:cNvPr>
-            <p:cNvSpPr txBox="1"/>
-            <p:nvPr/>
-          </p:nvSpPr>
-          <p:spPr>
-            <a:xfrm>
-              <a:off x="18782426" y="22682282"/>
-              <a:ext cx="264816" cy="523220"/>
-            </a:xfrm>
-            <a:prstGeom prst="rect">
-              <a:avLst/>
-            </a:prstGeom>
-            <a:noFill/>
-          </p:spPr>
-          <p:txBody>
-            <a:bodyPr wrap="square" rtlCol="0">
-              <a:spAutoFit/>
-            </a:bodyPr>
-            <a:lstStyle/>
-            <a:p>
-              <a:r>
-                <a:rPr lang="it-IT" sz="2800" i="1" dirty="0">
-                  <a:solidFill>
-                    <a:schemeClr val="accent1">
-                      <a:lumMod val="75000"/>
-                    </a:schemeClr>
-                  </a:solidFill>
-                  <a:latin typeface="Helvetica" panose="020B0604020202020204" pitchFamily="34" charset="0"/>
-                  <a:cs typeface="Helvetica" panose="020B0604020202020204" pitchFamily="34" charset="0"/>
-                </a:rPr>
-                <a:t>C</a:t>
-              </a:r>
-              <a:endParaRPr lang="en-US" sz="2800" i="1" baseline="-25000" dirty="0">
-                <a:solidFill>
-                  <a:schemeClr val="accent1">
-                    <a:lumMod val="75000"/>
-                  </a:schemeClr>
-                </a:solidFill>
-                <a:latin typeface="Helvetica" panose="020B0604020202020204" pitchFamily="34" charset="0"/>
-                <a:cs typeface="Helvetica" panose="020B0604020202020204" pitchFamily="34" charset="0"/>
-              </a:endParaRPr>
-            </a:p>
-          </p:txBody>
-        </p:sp>
-        <p:sp>
-          <p:nvSpPr>
-            <p:cNvPr id="173" name="CasellaDiTesto 47">
-              <a:extLst>
-                <a:ext uri="{FF2B5EF4-FFF2-40B4-BE49-F238E27FC236}">
-                  <a16:creationId xmlns:a16="http://schemas.microsoft.com/office/drawing/2014/main" id="{5FC67112-7F8F-44CD-BE5A-67333FC13DE2}"/>
-                </a:ext>
-              </a:extLst>
-            </p:cNvPr>
-            <p:cNvSpPr txBox="1"/>
-            <p:nvPr/>
-          </p:nvSpPr>
-          <p:spPr>
-            <a:xfrm>
-              <a:off x="21988442" y="22680097"/>
-              <a:ext cx="274434" cy="523220"/>
-            </a:xfrm>
-            <a:prstGeom prst="rect">
-              <a:avLst/>
-            </a:prstGeom>
-            <a:noFill/>
-          </p:spPr>
-          <p:txBody>
-            <a:bodyPr wrap="square" rtlCol="0">
-              <a:spAutoFit/>
-            </a:bodyPr>
-            <a:lstStyle>
-              <a:defPPr>
-                <a:defRPr lang="it-IT"/>
-              </a:defPPr>
-              <a:lvl1pPr>
-                <a:defRPr sz="1400" i="1">
-                  <a:solidFill>
-                    <a:schemeClr val="accent1">
-                      <a:lumMod val="75000"/>
-                    </a:schemeClr>
-                  </a:solidFill>
-                  <a:latin typeface="Times New Roman" panose="02020603050405020304" pitchFamily="18" charset="0"/>
-                  <a:cs typeface="Times New Roman" panose="02020603050405020304" pitchFamily="18" charset="0"/>
-                </a:defRPr>
-              </a:lvl1pPr>
-            </a:lstStyle>
-            <a:p>
-              <a:r>
-                <a:rPr lang="it-IT" sz="2800" dirty="0">
-                  <a:latin typeface="Helvetica" panose="020B0604020202020204" pitchFamily="34" charset="0"/>
-                  <a:cs typeface="Helvetica" panose="020B0604020202020204" pitchFamily="34" charset="0"/>
-                </a:rPr>
-                <a:t>D</a:t>
-              </a:r>
-              <a:endParaRPr lang="en-US" sz="2800" baseline="-25000" dirty="0">
-                <a:latin typeface="Helvetica" panose="020B0604020202020204" pitchFamily="34" charset="0"/>
-                <a:cs typeface="Helvetica" panose="020B0604020202020204" pitchFamily="34" charset="0"/>
-              </a:endParaRPr>
-            </a:p>
-          </p:txBody>
-        </p:sp>
-        <p:sp>
-          <p:nvSpPr>
-            <p:cNvPr id="120" name="Ovale 50">
-              <a:extLst>
-                <a:ext uri="{FF2B5EF4-FFF2-40B4-BE49-F238E27FC236}">
-                  <a16:creationId xmlns:a16="http://schemas.microsoft.com/office/drawing/2014/main" id="{D507FFAF-438E-4A14-8E0A-69B298B4B267}"/>
-                </a:ext>
-              </a:extLst>
-            </p:cNvPr>
-            <p:cNvSpPr/>
-            <p:nvPr/>
-          </p:nvSpPr>
-          <p:spPr>
-            <a:xfrm>
-              <a:off x="19421313" y="22247442"/>
-              <a:ext cx="274320" cy="274320"/>
-            </a:xfrm>
-            <a:prstGeom prst="ellipse">
-              <a:avLst/>
-            </a:prstGeom>
-            <a:solidFill>
-              <a:srgbClr val="FF0000"/>
-            </a:solidFill>
-          </p:spPr>
-          <p:style>
-            <a:lnRef idx="0">
-              <a:schemeClr val="accent2"/>
-            </a:lnRef>
-            <a:fillRef idx="3">
-              <a:schemeClr val="accent2"/>
-            </a:fillRef>
-            <a:effectRef idx="3">
-              <a:schemeClr val="accent2"/>
-            </a:effectRef>
-            <a:fontRef idx="minor">
-              <a:schemeClr val="lt1"/>
-            </a:fontRef>
-          </p:style>
-          <p:txBody>
-            <a:bodyPr rtlCol="0" anchor="ctr"/>
-            <a:lstStyle/>
-            <a:p>
-              <a:pPr algn="ctr"/>
-              <a:endParaRPr lang="en-US" sz="1400" i="1">
-                <a:solidFill>
-                  <a:schemeClr val="tx1"/>
-                </a:solidFill>
-                <a:latin typeface="Helvetica" panose="020B0604020202020204" pitchFamily="34" charset="0"/>
-                <a:cs typeface="Helvetica" panose="020B0604020202020204" pitchFamily="34" charset="0"/>
-              </a:endParaRPr>
-            </a:p>
-          </p:txBody>
-        </p:sp>
-        <p:sp>
-          <p:nvSpPr>
-            <p:cNvPr id="122" name="Ovale 52">
-              <a:extLst>
-                <a:ext uri="{FF2B5EF4-FFF2-40B4-BE49-F238E27FC236}">
-                  <a16:creationId xmlns:a16="http://schemas.microsoft.com/office/drawing/2014/main" id="{2BB31A31-16F5-4AB5-8363-675CE31E7756}"/>
-                </a:ext>
-              </a:extLst>
-            </p:cNvPr>
-            <p:cNvSpPr/>
-            <p:nvPr/>
-          </p:nvSpPr>
-          <p:spPr>
-            <a:xfrm>
-              <a:off x="21570273" y="21189302"/>
-              <a:ext cx="274320" cy="274320"/>
-            </a:xfrm>
-            <a:prstGeom prst="ellipse">
-              <a:avLst/>
-            </a:prstGeom>
-            <a:solidFill>
-              <a:srgbClr val="FF0000"/>
-            </a:solidFill>
-          </p:spPr>
-          <p:style>
-            <a:lnRef idx="0">
-              <a:schemeClr val="accent2"/>
-            </a:lnRef>
-            <a:fillRef idx="3">
-              <a:schemeClr val="accent2"/>
-            </a:fillRef>
-            <a:effectRef idx="3">
-              <a:schemeClr val="accent2"/>
-            </a:effectRef>
-            <a:fontRef idx="minor">
-              <a:schemeClr val="lt1"/>
-            </a:fontRef>
-          </p:style>
-          <p:txBody>
-            <a:bodyPr rtlCol="0" anchor="ctr"/>
-            <a:lstStyle/>
-            <a:p>
-              <a:pPr algn="ctr"/>
-              <a:endParaRPr lang="en-US" sz="1400" i="1">
-                <a:solidFill>
-                  <a:schemeClr val="tx1"/>
-                </a:solidFill>
-                <a:latin typeface="Helvetica" panose="020B0604020202020204" pitchFamily="34" charset="0"/>
-                <a:cs typeface="Helvetica" panose="020B0604020202020204" pitchFamily="34" charset="0"/>
-              </a:endParaRPr>
-            </a:p>
-          </p:txBody>
-        </p:sp>
-        <p:sp>
-          <p:nvSpPr>
-            <p:cNvPr id="124" name="Ovale 54">
-              <a:extLst>
-                <a:ext uri="{FF2B5EF4-FFF2-40B4-BE49-F238E27FC236}">
-                  <a16:creationId xmlns:a16="http://schemas.microsoft.com/office/drawing/2014/main" id="{7B3A64B1-E49C-442F-AF11-97CEF74437E2}"/>
-                </a:ext>
-              </a:extLst>
-            </p:cNvPr>
-            <p:cNvSpPr/>
-            <p:nvPr/>
-          </p:nvSpPr>
-          <p:spPr>
-            <a:xfrm>
-              <a:off x="20384784" y="22191562"/>
-              <a:ext cx="274320" cy="274320"/>
-            </a:xfrm>
-            <a:prstGeom prst="ellipse">
-              <a:avLst/>
-            </a:prstGeom>
-            <a:solidFill>
-              <a:srgbClr val="FF0000"/>
-            </a:solidFill>
-          </p:spPr>
-          <p:style>
-            <a:lnRef idx="0">
-              <a:schemeClr val="accent2"/>
-            </a:lnRef>
-            <a:fillRef idx="3">
-              <a:schemeClr val="accent2"/>
-            </a:fillRef>
-            <a:effectRef idx="3">
-              <a:schemeClr val="accent2"/>
-            </a:effectRef>
-            <a:fontRef idx="minor">
-              <a:schemeClr val="lt1"/>
-            </a:fontRef>
-          </p:style>
-          <p:txBody>
-            <a:bodyPr rtlCol="0" anchor="ctr"/>
-            <a:lstStyle/>
-            <a:p>
-              <a:pPr algn="ctr"/>
-              <a:endParaRPr lang="en-US" sz="1400" i="1">
-                <a:solidFill>
-                  <a:schemeClr val="tx1"/>
-                </a:solidFill>
-                <a:latin typeface="Helvetica" panose="020B0604020202020204" pitchFamily="34" charset="0"/>
-                <a:cs typeface="Helvetica" panose="020B0604020202020204" pitchFamily="34" charset="0"/>
-              </a:endParaRPr>
-            </a:p>
-          </p:txBody>
-        </p:sp>
-        <p:sp>
-          <p:nvSpPr>
-            <p:cNvPr id="126" name="Ovale 31">
-              <a:extLst>
-                <a:ext uri="{FF2B5EF4-FFF2-40B4-BE49-F238E27FC236}">
-                  <a16:creationId xmlns:a16="http://schemas.microsoft.com/office/drawing/2014/main" id="{9E6CD651-6302-4EEA-BB16-4F254794EC79}"/>
-                </a:ext>
-              </a:extLst>
-            </p:cNvPr>
-            <p:cNvSpPr/>
-            <p:nvPr/>
-          </p:nvSpPr>
-          <p:spPr>
-            <a:xfrm>
-              <a:off x="21181142" y="22250188"/>
-              <a:ext cx="274320" cy="274320"/>
-            </a:xfrm>
-            <a:prstGeom prst="ellipse">
-              <a:avLst/>
-            </a:prstGeom>
-            <a:solidFill>
-              <a:srgbClr val="002060"/>
-            </a:solidFill>
-          </p:spPr>
-          <p:style>
-            <a:lnRef idx="0">
-              <a:schemeClr val="accent2"/>
-            </a:lnRef>
-            <a:fillRef idx="3">
-              <a:schemeClr val="accent2"/>
-            </a:fillRef>
-            <a:effectRef idx="3">
-              <a:schemeClr val="accent2"/>
-            </a:effectRef>
-            <a:fontRef idx="minor">
-              <a:schemeClr val="lt1"/>
-            </a:fontRef>
-          </p:style>
-          <p:txBody>
-            <a:bodyPr rtlCol="0" anchor="ctr"/>
-            <a:lstStyle/>
-            <a:p>
-              <a:pPr algn="ctr"/>
-              <a:endParaRPr lang="en-US" sz="1400" i="1">
-                <a:solidFill>
-                  <a:schemeClr val="tx1"/>
-                </a:solidFill>
-                <a:latin typeface="Helvetica" panose="020B0604020202020204" pitchFamily="34" charset="0"/>
-                <a:cs typeface="Helvetica" panose="020B0604020202020204" pitchFamily="34" charset="0"/>
-              </a:endParaRPr>
-            </a:p>
-          </p:txBody>
-        </p:sp>
-        <p:sp>
-          <p:nvSpPr>
-            <p:cNvPr id="127" name="Ovale 32">
-              <a:extLst>
-                <a:ext uri="{FF2B5EF4-FFF2-40B4-BE49-F238E27FC236}">
-                  <a16:creationId xmlns:a16="http://schemas.microsoft.com/office/drawing/2014/main" id="{2E31656E-5AD2-4666-962B-F29CCE4C3BEF}"/>
-                </a:ext>
-              </a:extLst>
-            </p:cNvPr>
-            <p:cNvSpPr/>
-            <p:nvPr/>
-          </p:nvSpPr>
-          <p:spPr>
-            <a:xfrm>
-              <a:off x="21956199" y="21203342"/>
-              <a:ext cx="274320" cy="274320"/>
-            </a:xfrm>
-            <a:prstGeom prst="ellipse">
-              <a:avLst/>
-            </a:prstGeom>
-            <a:solidFill>
-              <a:srgbClr val="002060"/>
-            </a:solidFill>
-          </p:spPr>
-          <p:style>
-            <a:lnRef idx="0">
-              <a:schemeClr val="accent2"/>
-            </a:lnRef>
-            <a:fillRef idx="3">
-              <a:schemeClr val="accent2"/>
-            </a:fillRef>
-            <a:effectRef idx="3">
-              <a:schemeClr val="accent2"/>
-            </a:effectRef>
-            <a:fontRef idx="minor">
-              <a:schemeClr val="lt1"/>
-            </a:fontRef>
-          </p:style>
-          <p:txBody>
-            <a:bodyPr rtlCol="0" anchor="ctr"/>
-            <a:lstStyle/>
-            <a:p>
-              <a:pPr algn="ctr"/>
-              <a:endParaRPr lang="en-US" sz="1400" i="1">
-                <a:solidFill>
-                  <a:schemeClr val="tx1"/>
-                </a:solidFill>
-                <a:latin typeface="Helvetica" panose="020B0604020202020204" pitchFamily="34" charset="0"/>
-                <a:cs typeface="Helvetica" panose="020B0604020202020204" pitchFamily="34" charset="0"/>
-              </a:endParaRPr>
-            </a:p>
-          </p:txBody>
-        </p:sp>
-        <p:sp>
-          <p:nvSpPr>
-            <p:cNvPr id="174" name="Arco 23">
-              <a:extLst>
-                <a:ext uri="{FF2B5EF4-FFF2-40B4-BE49-F238E27FC236}">
-                  <a16:creationId xmlns:a16="http://schemas.microsoft.com/office/drawing/2014/main" id="{8355C67D-B789-41B6-8C57-7FB9970D811E}"/>
-                </a:ext>
-              </a:extLst>
-            </p:cNvPr>
-            <p:cNvSpPr/>
-            <p:nvPr/>
-          </p:nvSpPr>
-          <p:spPr>
-            <a:xfrm rot="4451397">
-              <a:off x="19336146" y="19899118"/>
-              <a:ext cx="2243342" cy="3329041"/>
-            </a:xfrm>
-            <a:prstGeom prst="arc">
-              <a:avLst>
-                <a:gd name="adj1" fmla="val 16625641"/>
-                <a:gd name="adj2" fmla="val 19672180"/>
-              </a:avLst>
-            </a:prstGeom>
-            <a:noFill/>
-            <a:ln w="28575">
-              <a:solidFill>
-                <a:srgbClr val="002060"/>
-              </a:solidFill>
-              <a:prstDash val="sysDot"/>
-            </a:ln>
-          </p:spPr>
-          <p:style>
-            <a:lnRef idx="2">
-              <a:schemeClr val="accent1">
-                <a:shade val="50000"/>
-              </a:schemeClr>
-            </a:lnRef>
-            <a:fillRef idx="1">
-              <a:schemeClr val="accent1"/>
-            </a:fillRef>
-            <a:effectRef idx="0">
-              <a:schemeClr val="accent1"/>
-            </a:effectRef>
-            <a:fontRef idx="minor">
-              <a:schemeClr val="lt1"/>
-            </a:fontRef>
-          </p:style>
-          <p:txBody>
-            <a:bodyPr rot="0" spcFirstLastPara="0" vertOverflow="overflow" horzOverflow="overflow" vert="horz" wrap="square" lIns="91440" tIns="45720" rIns="91440" bIns="45720" numCol="1" spcCol="0" rtlCol="0" fromWordArt="0" anchor="ctr" anchorCtr="0" forceAA="0" compatLnSpc="1">
-              <a:prstTxWarp prst="textNoShape">
-                <a:avLst/>
-              </a:prstTxWarp>
-              <a:noAutofit/>
-            </a:bodyPr>
-            <a:lstStyle/>
-            <a:p>
-              <a:pPr algn="ctr"/>
-              <a:endParaRPr lang="en-US" sz="1400" i="1">
-                <a:solidFill>
-                  <a:schemeClr val="lt1"/>
-                </a:solidFill>
-                <a:latin typeface="Helvetica" panose="020B0604020202020204" pitchFamily="34" charset="0"/>
-                <a:cs typeface="Helvetica" panose="020B0604020202020204" pitchFamily="34" charset="0"/>
-              </a:endParaRPr>
-            </a:p>
-          </p:txBody>
-        </p:sp>
-        <p:sp>
-          <p:nvSpPr>
-            <p:cNvPr id="175" name="Arco 49">
-              <a:extLst>
-                <a:ext uri="{FF2B5EF4-FFF2-40B4-BE49-F238E27FC236}">
-                  <a16:creationId xmlns:a16="http://schemas.microsoft.com/office/drawing/2014/main" id="{7D76505C-FE5E-460E-89FF-346EA277ABB4}"/>
-                </a:ext>
-              </a:extLst>
-            </p:cNvPr>
-            <p:cNvSpPr/>
-            <p:nvPr/>
-          </p:nvSpPr>
-          <p:spPr>
-            <a:xfrm rot="5743652">
-              <a:off x="18300832" y="18856840"/>
-              <a:ext cx="3574295" cy="3490204"/>
-            </a:xfrm>
-            <a:prstGeom prst="arc">
-              <a:avLst>
-                <a:gd name="adj1" fmla="val 16046574"/>
-                <a:gd name="adj2" fmla="val 714791"/>
-              </a:avLst>
-            </a:prstGeom>
-            <a:noFill/>
-            <a:ln w="28575">
-              <a:solidFill>
-                <a:srgbClr val="FF0000"/>
-              </a:solidFill>
-              <a:prstDash val="sysDot"/>
-            </a:ln>
-          </p:spPr>
-          <p:style>
-            <a:lnRef idx="2">
-              <a:schemeClr val="accent1">
-                <a:shade val="50000"/>
-              </a:schemeClr>
-            </a:lnRef>
-            <a:fillRef idx="1">
-              <a:schemeClr val="accent1"/>
-            </a:fillRef>
-            <a:effectRef idx="0">
-              <a:schemeClr val="accent1"/>
-            </a:effectRef>
-            <a:fontRef idx="minor">
-              <a:schemeClr val="lt1"/>
-            </a:fontRef>
-          </p:style>
-          <p:txBody>
-            <a:bodyPr rot="0" spcFirstLastPara="0" vertOverflow="overflow" horzOverflow="overflow" vert="horz" wrap="square" lIns="91440" tIns="45720" rIns="91440" bIns="45720" numCol="1" spcCol="0" rtlCol="0" fromWordArt="0" anchor="ctr" anchorCtr="0" forceAA="0" compatLnSpc="1">
-              <a:prstTxWarp prst="textNoShape">
-                <a:avLst/>
-              </a:prstTxWarp>
-              <a:noAutofit/>
-            </a:bodyPr>
-            <a:lstStyle/>
-            <a:p>
-              <a:pPr algn="ctr"/>
-              <a:endParaRPr lang="en-US" sz="1400" i="1">
-                <a:solidFill>
-                  <a:schemeClr val="lt1"/>
-                </a:solidFill>
-                <a:latin typeface="Helvetica" panose="020B0604020202020204" pitchFamily="34" charset="0"/>
-                <a:cs typeface="Helvetica" panose="020B0604020202020204" pitchFamily="34" charset="0"/>
-              </a:endParaRPr>
-            </a:p>
-          </p:txBody>
-        </p:sp>
-        <p:sp>
-          <p:nvSpPr>
-            <p:cNvPr id="188" name="Ovale 50">
-              <a:extLst>
-                <a:ext uri="{FF2B5EF4-FFF2-40B4-BE49-F238E27FC236}">
-                  <a16:creationId xmlns:a16="http://schemas.microsoft.com/office/drawing/2014/main" id="{5A33887B-2E62-4F87-A874-34952AABBF04}"/>
-                </a:ext>
-              </a:extLst>
-            </p:cNvPr>
-            <p:cNvSpPr/>
-            <p:nvPr/>
-          </p:nvSpPr>
-          <p:spPr>
-            <a:xfrm>
-              <a:off x="25583311" y="15930479"/>
-              <a:ext cx="274320" cy="274320"/>
-            </a:xfrm>
-            <a:prstGeom prst="ellipse">
-              <a:avLst/>
-            </a:prstGeom>
-            <a:solidFill>
-              <a:srgbClr val="FF0000"/>
-            </a:solidFill>
-          </p:spPr>
-          <p:style>
-            <a:lnRef idx="0">
-              <a:schemeClr val="accent2"/>
-            </a:lnRef>
-            <a:fillRef idx="3">
-              <a:schemeClr val="accent2"/>
-            </a:fillRef>
-            <a:effectRef idx="3">
-              <a:schemeClr val="accent2"/>
-            </a:effectRef>
-            <a:fontRef idx="minor">
-              <a:schemeClr val="lt1"/>
-            </a:fontRef>
-          </p:style>
-          <p:txBody>
-            <a:bodyPr rtlCol="0" anchor="ctr"/>
-            <a:lstStyle/>
-            <a:p>
-              <a:pPr algn="ctr"/>
-              <a:endParaRPr lang="en-US" sz="1400" i="1">
-                <a:solidFill>
-                  <a:schemeClr val="tx1"/>
-                </a:solidFill>
-                <a:latin typeface="Helvetica" panose="020B0604020202020204" pitchFamily="34" charset="0"/>
-                <a:cs typeface="Helvetica" panose="020B0604020202020204" pitchFamily="34" charset="0"/>
-              </a:endParaRPr>
-            </a:p>
-          </p:txBody>
-        </p:sp>
-        <p:sp>
-          <p:nvSpPr>
-            <p:cNvPr id="189" name="Ovale 51">
-              <a:extLst>
-                <a:ext uri="{FF2B5EF4-FFF2-40B4-BE49-F238E27FC236}">
-                  <a16:creationId xmlns:a16="http://schemas.microsoft.com/office/drawing/2014/main" id="{D6852116-691A-423C-94C1-45DAD8297933}"/>
-                </a:ext>
-              </a:extLst>
-            </p:cNvPr>
-            <p:cNvSpPr/>
-            <p:nvPr/>
-          </p:nvSpPr>
-          <p:spPr>
-            <a:xfrm>
-              <a:off x="27257993" y="15524445"/>
-              <a:ext cx="274320" cy="274320"/>
-            </a:xfrm>
-            <a:prstGeom prst="ellipse">
-              <a:avLst/>
-            </a:prstGeom>
-            <a:solidFill>
-              <a:srgbClr val="FF0000"/>
-            </a:solidFill>
-          </p:spPr>
-          <p:style>
-            <a:lnRef idx="0">
-              <a:schemeClr val="accent2"/>
-            </a:lnRef>
-            <a:fillRef idx="3">
-              <a:schemeClr val="accent2"/>
-            </a:fillRef>
-            <a:effectRef idx="3">
-              <a:schemeClr val="accent2"/>
-            </a:effectRef>
-            <a:fontRef idx="minor">
-              <a:schemeClr val="lt1"/>
-            </a:fontRef>
-          </p:style>
-          <p:txBody>
-            <a:bodyPr rtlCol="0" anchor="ctr"/>
-            <a:lstStyle/>
-            <a:p>
-              <a:pPr algn="ctr"/>
-              <a:endParaRPr lang="en-US" sz="1400" i="1">
-                <a:solidFill>
-                  <a:schemeClr val="tx1"/>
-                </a:solidFill>
-                <a:latin typeface="Helvetica" panose="020B0604020202020204" pitchFamily="34" charset="0"/>
-                <a:cs typeface="Helvetica" panose="020B0604020202020204" pitchFamily="34" charset="0"/>
-              </a:endParaRPr>
-            </a:p>
-          </p:txBody>
-        </p:sp>
-        <p:sp>
-          <p:nvSpPr>
-            <p:cNvPr id="190" name="Ovale 52">
-              <a:extLst>
-                <a:ext uri="{FF2B5EF4-FFF2-40B4-BE49-F238E27FC236}">
-                  <a16:creationId xmlns:a16="http://schemas.microsoft.com/office/drawing/2014/main" id="{92CD466F-5CE6-4FE4-BB31-C093A5A641DC}"/>
-                </a:ext>
-              </a:extLst>
-            </p:cNvPr>
-            <p:cNvSpPr/>
-            <p:nvPr/>
-          </p:nvSpPr>
-          <p:spPr>
-            <a:xfrm>
-              <a:off x="27732271" y="14872339"/>
-              <a:ext cx="274320" cy="274320"/>
-            </a:xfrm>
-            <a:prstGeom prst="ellipse">
-              <a:avLst/>
-            </a:prstGeom>
-            <a:solidFill>
-              <a:srgbClr val="FF0000"/>
-            </a:solidFill>
-          </p:spPr>
-          <p:style>
-            <a:lnRef idx="0">
-              <a:schemeClr val="accent2"/>
-            </a:lnRef>
-            <a:fillRef idx="3">
-              <a:schemeClr val="accent2"/>
-            </a:fillRef>
-            <a:effectRef idx="3">
-              <a:schemeClr val="accent2"/>
-            </a:effectRef>
-            <a:fontRef idx="minor">
-              <a:schemeClr val="lt1"/>
-            </a:fontRef>
-          </p:style>
-          <p:txBody>
-            <a:bodyPr rtlCol="0" anchor="ctr"/>
-            <a:lstStyle/>
-            <a:p>
-              <a:pPr algn="ctr"/>
-              <a:endParaRPr lang="en-US" sz="1400" i="1">
-                <a:solidFill>
-                  <a:schemeClr val="tx1"/>
-                </a:solidFill>
-                <a:latin typeface="Helvetica" panose="020B0604020202020204" pitchFamily="34" charset="0"/>
-                <a:cs typeface="Helvetica" panose="020B0604020202020204" pitchFamily="34" charset="0"/>
-              </a:endParaRPr>
-            </a:p>
-          </p:txBody>
-        </p:sp>
-        <p:sp>
-          <p:nvSpPr>
-            <p:cNvPr id="191" name="Ovale 53">
-              <a:extLst>
-                <a:ext uri="{FF2B5EF4-FFF2-40B4-BE49-F238E27FC236}">
-                  <a16:creationId xmlns:a16="http://schemas.microsoft.com/office/drawing/2014/main" id="{C8BC4550-17EB-413B-8724-DEE1A2FFEDFA}"/>
-                </a:ext>
-              </a:extLst>
-            </p:cNvPr>
-            <p:cNvSpPr/>
-            <p:nvPr/>
-          </p:nvSpPr>
-          <p:spPr>
-            <a:xfrm>
-              <a:off x="27852587" y="14280329"/>
-              <a:ext cx="274320" cy="274320"/>
-            </a:xfrm>
-            <a:prstGeom prst="ellipse">
-              <a:avLst/>
-            </a:prstGeom>
-            <a:solidFill>
-              <a:srgbClr val="FF0000"/>
-            </a:solidFill>
-          </p:spPr>
-          <p:style>
-            <a:lnRef idx="0">
-              <a:schemeClr val="accent2"/>
-            </a:lnRef>
-            <a:fillRef idx="3">
-              <a:schemeClr val="accent2"/>
-            </a:fillRef>
-            <a:effectRef idx="3">
-              <a:schemeClr val="accent2"/>
-            </a:effectRef>
-            <a:fontRef idx="minor">
-              <a:schemeClr val="lt1"/>
-            </a:fontRef>
-          </p:style>
-          <p:txBody>
-            <a:bodyPr rtlCol="0" anchor="ctr"/>
-            <a:lstStyle/>
-            <a:p>
-              <a:pPr algn="ctr"/>
-              <a:endParaRPr lang="en-US" sz="1400" i="1">
-                <a:solidFill>
-                  <a:schemeClr val="tx1"/>
-                </a:solidFill>
-                <a:latin typeface="Helvetica" panose="020B0604020202020204" pitchFamily="34" charset="0"/>
-                <a:cs typeface="Helvetica" panose="020B0604020202020204" pitchFamily="34" charset="0"/>
-              </a:endParaRPr>
-            </a:p>
-          </p:txBody>
-        </p:sp>
-        <p:sp>
-          <p:nvSpPr>
-            <p:cNvPr id="192" name="Ovale 54">
-              <a:extLst>
-                <a:ext uri="{FF2B5EF4-FFF2-40B4-BE49-F238E27FC236}">
-                  <a16:creationId xmlns:a16="http://schemas.microsoft.com/office/drawing/2014/main" id="{D46DBD67-B8EC-410E-B54E-E19EF34FA24F}"/>
-                </a:ext>
-              </a:extLst>
-            </p:cNvPr>
-            <p:cNvSpPr/>
-            <p:nvPr/>
-          </p:nvSpPr>
-          <p:spPr>
-            <a:xfrm>
-              <a:off x="26546782" y="15874599"/>
-              <a:ext cx="274320" cy="274320"/>
-            </a:xfrm>
-            <a:prstGeom prst="ellipse">
-              <a:avLst/>
-            </a:prstGeom>
-            <a:solidFill>
-              <a:srgbClr val="FF0000"/>
-            </a:solidFill>
-          </p:spPr>
-          <p:style>
-            <a:lnRef idx="0">
-              <a:schemeClr val="accent2"/>
-            </a:lnRef>
-            <a:fillRef idx="3">
-              <a:schemeClr val="accent2"/>
-            </a:fillRef>
-            <a:effectRef idx="3">
-              <a:schemeClr val="accent2"/>
-            </a:effectRef>
-            <a:fontRef idx="minor">
-              <a:schemeClr val="lt1"/>
-            </a:fontRef>
-          </p:style>
-          <p:txBody>
-            <a:bodyPr rtlCol="0" anchor="ctr"/>
-            <a:lstStyle/>
-            <a:p>
-              <a:pPr algn="ctr"/>
-              <a:endParaRPr lang="en-US" sz="1400" i="1">
-                <a:solidFill>
-                  <a:schemeClr val="tx1"/>
-                </a:solidFill>
-                <a:latin typeface="Helvetica" panose="020B0604020202020204" pitchFamily="34" charset="0"/>
-                <a:cs typeface="Helvetica" panose="020B0604020202020204" pitchFamily="34" charset="0"/>
-              </a:endParaRPr>
-            </a:p>
-          </p:txBody>
-        </p:sp>
-        <p:sp>
-          <p:nvSpPr>
-            <p:cNvPr id="193" name="Ovale 30">
-              <a:extLst>
-                <a:ext uri="{FF2B5EF4-FFF2-40B4-BE49-F238E27FC236}">
-                  <a16:creationId xmlns:a16="http://schemas.microsoft.com/office/drawing/2014/main" id="{B21514F5-BF25-4899-9D91-2041F279D3EB}"/>
-                </a:ext>
-              </a:extLst>
-            </p:cNvPr>
-            <p:cNvSpPr/>
-            <p:nvPr/>
-          </p:nvSpPr>
-          <p:spPr>
-            <a:xfrm>
-              <a:off x="27894677" y="15490125"/>
-              <a:ext cx="274320" cy="274320"/>
-            </a:xfrm>
-            <a:prstGeom prst="ellipse">
-              <a:avLst/>
-            </a:prstGeom>
-            <a:solidFill>
-              <a:srgbClr val="002060"/>
-            </a:solidFill>
-          </p:spPr>
-          <p:style>
-            <a:lnRef idx="0">
-              <a:schemeClr val="accent2"/>
-            </a:lnRef>
-            <a:fillRef idx="3">
-              <a:schemeClr val="accent2"/>
-            </a:fillRef>
-            <a:effectRef idx="3">
-              <a:schemeClr val="accent2"/>
-            </a:effectRef>
-            <a:fontRef idx="minor">
-              <a:schemeClr val="lt1"/>
-            </a:fontRef>
-          </p:style>
-          <p:txBody>
-            <a:bodyPr rtlCol="0" anchor="ctr"/>
-            <a:lstStyle/>
-            <a:p>
-              <a:pPr algn="ctr"/>
-              <a:endParaRPr lang="en-US" sz="1400" i="1">
-                <a:solidFill>
-                  <a:schemeClr val="tx1"/>
-                </a:solidFill>
-                <a:latin typeface="Helvetica" panose="020B0604020202020204" pitchFamily="34" charset="0"/>
-                <a:cs typeface="Helvetica" panose="020B0604020202020204" pitchFamily="34" charset="0"/>
-              </a:endParaRPr>
-            </a:p>
-          </p:txBody>
-        </p:sp>
-        <p:sp>
-          <p:nvSpPr>
-            <p:cNvPr id="194" name="Ovale 31">
-              <a:extLst>
-                <a:ext uri="{FF2B5EF4-FFF2-40B4-BE49-F238E27FC236}">
-                  <a16:creationId xmlns:a16="http://schemas.microsoft.com/office/drawing/2014/main" id="{81FA731C-E64F-4EEC-9878-8FF1E5151CC9}"/>
-                </a:ext>
-              </a:extLst>
-            </p:cNvPr>
-            <p:cNvSpPr/>
-            <p:nvPr/>
-          </p:nvSpPr>
-          <p:spPr>
-            <a:xfrm>
-              <a:off x="27343140" y="15933225"/>
-              <a:ext cx="274320" cy="274320"/>
-            </a:xfrm>
-            <a:prstGeom prst="ellipse">
-              <a:avLst/>
-            </a:prstGeom>
-            <a:solidFill>
-              <a:srgbClr val="002060"/>
-            </a:solidFill>
-          </p:spPr>
-          <p:style>
-            <a:lnRef idx="0">
-              <a:schemeClr val="accent2"/>
-            </a:lnRef>
-            <a:fillRef idx="3">
-              <a:schemeClr val="accent2"/>
-            </a:fillRef>
-            <a:effectRef idx="3">
-              <a:schemeClr val="accent2"/>
-            </a:effectRef>
-            <a:fontRef idx="minor">
-              <a:schemeClr val="lt1"/>
-            </a:fontRef>
-          </p:style>
-          <p:txBody>
-            <a:bodyPr rtlCol="0" anchor="ctr"/>
-            <a:lstStyle/>
-            <a:p>
-              <a:pPr algn="ctr"/>
-              <a:endParaRPr lang="en-US" sz="1400" i="1">
-                <a:solidFill>
-                  <a:schemeClr val="tx1"/>
-                </a:solidFill>
-                <a:latin typeface="Helvetica" panose="020B0604020202020204" pitchFamily="34" charset="0"/>
-                <a:cs typeface="Helvetica" panose="020B0604020202020204" pitchFamily="34" charset="0"/>
-              </a:endParaRPr>
-            </a:p>
-          </p:txBody>
-        </p:sp>
-        <p:sp>
-          <p:nvSpPr>
-            <p:cNvPr id="195" name="Ovale 32">
-              <a:extLst>
-                <a:ext uri="{FF2B5EF4-FFF2-40B4-BE49-F238E27FC236}">
-                  <a16:creationId xmlns:a16="http://schemas.microsoft.com/office/drawing/2014/main" id="{164DEA79-05BD-433C-B8B8-50746B8623CF}"/>
-                </a:ext>
-              </a:extLst>
-            </p:cNvPr>
-            <p:cNvSpPr/>
-            <p:nvPr/>
-          </p:nvSpPr>
-          <p:spPr>
-            <a:xfrm>
-              <a:off x="28118197" y="14886379"/>
-              <a:ext cx="274320" cy="274320"/>
-            </a:xfrm>
-            <a:prstGeom prst="ellipse">
-              <a:avLst/>
-            </a:prstGeom>
-            <a:solidFill>
-              <a:srgbClr val="002060"/>
-            </a:solidFill>
-          </p:spPr>
-          <p:style>
-            <a:lnRef idx="0">
-              <a:schemeClr val="accent2"/>
-            </a:lnRef>
-            <a:fillRef idx="3">
-              <a:schemeClr val="accent2"/>
-            </a:fillRef>
-            <a:effectRef idx="3">
-              <a:schemeClr val="accent2"/>
-            </a:effectRef>
-            <a:fontRef idx="minor">
-              <a:schemeClr val="lt1"/>
-            </a:fontRef>
-          </p:style>
-          <p:txBody>
-            <a:bodyPr rtlCol="0" anchor="ctr"/>
-            <a:lstStyle/>
-            <a:p>
-              <a:pPr algn="ctr"/>
-              <a:endParaRPr lang="en-US" sz="1400" i="1">
-                <a:solidFill>
-                  <a:schemeClr val="tx1"/>
-                </a:solidFill>
-                <a:latin typeface="Helvetica" panose="020B0604020202020204" pitchFamily="34" charset="0"/>
-                <a:cs typeface="Helvetica" panose="020B0604020202020204" pitchFamily="34" charset="0"/>
-              </a:endParaRPr>
-            </a:p>
-          </p:txBody>
-        </p:sp>
-        <p:sp>
-          <p:nvSpPr>
-            <p:cNvPr id="196" name="Arco 23">
-              <a:extLst>
-                <a:ext uri="{FF2B5EF4-FFF2-40B4-BE49-F238E27FC236}">
-                  <a16:creationId xmlns:a16="http://schemas.microsoft.com/office/drawing/2014/main" id="{1B61B075-18B4-4204-9D30-7BACBBF7EDC4}"/>
-                </a:ext>
-              </a:extLst>
-            </p:cNvPr>
-            <p:cNvSpPr/>
-            <p:nvPr/>
-          </p:nvSpPr>
-          <p:spPr>
-            <a:xfrm rot="4451397">
-              <a:off x="25498144" y="13582155"/>
-              <a:ext cx="2243342" cy="3329041"/>
-            </a:xfrm>
-            <a:prstGeom prst="arc">
-              <a:avLst>
-                <a:gd name="adj1" fmla="val 16625641"/>
-                <a:gd name="adj2" fmla="val 19672180"/>
-              </a:avLst>
-            </a:prstGeom>
-            <a:noFill/>
-            <a:ln w="28575">
-              <a:solidFill>
-                <a:srgbClr val="002060"/>
-              </a:solidFill>
-              <a:prstDash val="sysDot"/>
-            </a:ln>
-          </p:spPr>
-          <p:style>
-            <a:lnRef idx="2">
-              <a:schemeClr val="accent1">
-                <a:shade val="50000"/>
-              </a:schemeClr>
-            </a:lnRef>
-            <a:fillRef idx="1">
-              <a:schemeClr val="accent1"/>
-            </a:fillRef>
-            <a:effectRef idx="0">
-              <a:schemeClr val="accent1"/>
-            </a:effectRef>
-            <a:fontRef idx="minor">
-              <a:schemeClr val="lt1"/>
-            </a:fontRef>
-          </p:style>
-          <p:txBody>
-            <a:bodyPr rot="0" spcFirstLastPara="0" vertOverflow="overflow" horzOverflow="overflow" vert="horz" wrap="square" lIns="91440" tIns="45720" rIns="91440" bIns="45720" numCol="1" spcCol="0" rtlCol="0" fromWordArt="0" anchor="ctr" anchorCtr="0" forceAA="0" compatLnSpc="1">
-              <a:prstTxWarp prst="textNoShape">
-                <a:avLst/>
-              </a:prstTxWarp>
-              <a:noAutofit/>
-            </a:bodyPr>
-            <a:lstStyle/>
-            <a:p>
-              <a:pPr algn="ctr"/>
-              <a:endParaRPr lang="en-US" sz="1400" i="1">
-                <a:solidFill>
-                  <a:schemeClr val="lt1"/>
-                </a:solidFill>
-                <a:latin typeface="Helvetica" panose="020B0604020202020204" pitchFamily="34" charset="0"/>
-                <a:cs typeface="Helvetica" panose="020B0604020202020204" pitchFamily="34" charset="0"/>
-              </a:endParaRPr>
-            </a:p>
-          </p:txBody>
-        </p:sp>
-        <p:sp>
-          <p:nvSpPr>
-            <p:cNvPr id="197" name="Arco 49">
-              <a:extLst>
-                <a:ext uri="{FF2B5EF4-FFF2-40B4-BE49-F238E27FC236}">
-                  <a16:creationId xmlns:a16="http://schemas.microsoft.com/office/drawing/2014/main" id="{CBA99991-20D5-4711-A3CA-3AEBCF3FD938}"/>
-                </a:ext>
-              </a:extLst>
-            </p:cNvPr>
-            <p:cNvSpPr/>
-            <p:nvPr/>
-          </p:nvSpPr>
-          <p:spPr>
-            <a:xfrm rot="5743652">
-              <a:off x="24482751" y="12573823"/>
-              <a:ext cx="3574295" cy="3490204"/>
-            </a:xfrm>
-            <a:prstGeom prst="arc">
-              <a:avLst>
-                <a:gd name="adj1" fmla="val 16046574"/>
-                <a:gd name="adj2" fmla="val 714791"/>
-              </a:avLst>
-            </a:prstGeom>
-            <a:noFill/>
-            <a:ln w="28575">
-              <a:solidFill>
-                <a:srgbClr val="FF0000"/>
-              </a:solidFill>
-              <a:prstDash val="sysDot"/>
-            </a:ln>
-          </p:spPr>
-          <p:style>
-            <a:lnRef idx="2">
-              <a:schemeClr val="accent1">
-                <a:shade val="50000"/>
-              </a:schemeClr>
-            </a:lnRef>
-            <a:fillRef idx="1">
-              <a:schemeClr val="accent1"/>
-            </a:fillRef>
-            <a:effectRef idx="0">
-              <a:schemeClr val="accent1"/>
-            </a:effectRef>
-            <a:fontRef idx="minor">
-              <a:schemeClr val="lt1"/>
-            </a:fontRef>
-          </p:style>
-          <p:txBody>
-            <a:bodyPr rot="0" spcFirstLastPara="0" vertOverflow="overflow" horzOverflow="overflow" vert="horz" wrap="square" lIns="91440" tIns="45720" rIns="91440" bIns="45720" numCol="1" spcCol="0" rtlCol="0" fromWordArt="0" anchor="ctr" anchorCtr="0" forceAA="0" compatLnSpc="1">
-              <a:prstTxWarp prst="textNoShape">
-                <a:avLst/>
-              </a:prstTxWarp>
-              <a:noAutofit/>
-            </a:bodyPr>
-            <a:lstStyle/>
-            <a:p>
-              <a:pPr algn="ctr"/>
-              <a:endParaRPr lang="en-US" sz="1400" i="1">
-                <a:solidFill>
-                  <a:schemeClr val="lt1"/>
-                </a:solidFill>
-                <a:latin typeface="Helvetica" panose="020B0604020202020204" pitchFamily="34" charset="0"/>
-                <a:cs typeface="Helvetica" panose="020B0604020202020204" pitchFamily="34" charset="0"/>
-              </a:endParaRPr>
-            </a:p>
-          </p:txBody>
-        </p:sp>
-        <p:sp>
-          <p:nvSpPr>
-            <p:cNvPr id="74" name="Arrow: Right 73">
-              <a:extLst>
-                <a:ext uri="{FF2B5EF4-FFF2-40B4-BE49-F238E27FC236}">
-                  <a16:creationId xmlns:a16="http://schemas.microsoft.com/office/drawing/2014/main" id="{A5549B26-AA13-4A0A-8B4E-03633E3A851C}"/>
-                </a:ext>
-              </a:extLst>
-            </p:cNvPr>
-            <p:cNvSpPr/>
-            <p:nvPr/>
-          </p:nvSpPr>
-          <p:spPr>
-            <a:xfrm rot="2700000">
-              <a:off x="23095255" y="16735663"/>
-              <a:ext cx="1284051" cy="929965"/>
-            </a:xfrm>
-            <a:prstGeom prst="rightArrow">
-              <a:avLst/>
-            </a:prstGeom>
-            <a:solidFill>
-              <a:schemeClr val="tx2">
-                <a:lumMod val="40000"/>
-                <a:lumOff val="60000"/>
-              </a:schemeClr>
-            </a:solidFill>
-            <a:ln>
-              <a:solidFill>
-                <a:srgbClr val="FFFFFF"/>
-              </a:solidFill>
-            </a:ln>
-          </p:spPr>
-          <p:style>
-            <a:lnRef idx="2">
-              <a:schemeClr val="accent1">
-                <a:shade val="50000"/>
-              </a:schemeClr>
-            </a:lnRef>
-            <a:fillRef idx="1">
-              <a:schemeClr val="accent1"/>
-            </a:fillRef>
-            <a:effectRef idx="0">
-              <a:schemeClr val="accent1"/>
-            </a:effectRef>
-            <a:fontRef idx="minor">
-              <a:schemeClr val="lt1"/>
-            </a:fontRef>
-          </p:style>
-          <p:txBody>
-            <a:bodyPr rtlCol="0" anchor="ctr"/>
-            <a:lstStyle/>
-            <a:p>
-              <a:pPr algn="ctr"/>
-              <a:endParaRPr lang="en-US"/>
-            </a:p>
-          </p:txBody>
-        </p:sp>
-        <p:sp>
-          <p:nvSpPr>
-            <p:cNvPr id="198" name="Arrow: Right 197">
-              <a:extLst>
-                <a:ext uri="{FF2B5EF4-FFF2-40B4-BE49-F238E27FC236}">
-                  <a16:creationId xmlns:a16="http://schemas.microsoft.com/office/drawing/2014/main" id="{31577AC3-6D03-4006-92AF-E4AB25B1128E}"/>
-                </a:ext>
-              </a:extLst>
-            </p:cNvPr>
-            <p:cNvSpPr/>
-            <p:nvPr/>
-          </p:nvSpPr>
-          <p:spPr>
-            <a:xfrm rot="8100000">
-              <a:off x="25701971" y="16771196"/>
-              <a:ext cx="1284051" cy="929965"/>
-            </a:xfrm>
-            <a:prstGeom prst="rightArrow">
-              <a:avLst/>
-            </a:prstGeom>
-            <a:solidFill>
-              <a:schemeClr val="tx2">
-                <a:lumMod val="40000"/>
-                <a:lumOff val="60000"/>
-              </a:schemeClr>
-            </a:solidFill>
-            <a:ln>
-              <a:solidFill>
-                <a:srgbClr val="FFFFFF"/>
-              </a:solidFill>
-            </a:ln>
-          </p:spPr>
-          <p:style>
-            <a:lnRef idx="2">
-              <a:schemeClr val="accent1">
-                <a:shade val="50000"/>
-              </a:schemeClr>
-            </a:lnRef>
-            <a:fillRef idx="1">
-              <a:schemeClr val="accent1"/>
-            </a:fillRef>
-            <a:effectRef idx="0">
-              <a:schemeClr val="accent1"/>
-            </a:effectRef>
-            <a:fontRef idx="minor">
-              <a:schemeClr val="lt1"/>
-            </a:fontRef>
-          </p:style>
-          <p:txBody>
-            <a:bodyPr rtlCol="0" anchor="ctr"/>
-            <a:lstStyle/>
-            <a:p>
-              <a:pPr algn="ctr"/>
-              <a:endParaRPr lang="en-US"/>
-            </a:p>
-          </p:txBody>
-        </p:sp>
-        <p:sp>
-          <p:nvSpPr>
-            <p:cNvPr id="199" name="Arrow: Right 198">
-              <a:extLst>
-                <a:ext uri="{FF2B5EF4-FFF2-40B4-BE49-F238E27FC236}">
-                  <a16:creationId xmlns:a16="http://schemas.microsoft.com/office/drawing/2014/main" id="{E29AFC33-170F-45C4-ABFA-0C00A76EFF5D}"/>
-                </a:ext>
-              </a:extLst>
-            </p:cNvPr>
-            <p:cNvSpPr/>
-            <p:nvPr/>
-          </p:nvSpPr>
-          <p:spPr>
-            <a:xfrm rot="5400000">
-              <a:off x="24081245" y="20925949"/>
-              <a:ext cx="2216537" cy="929965"/>
-            </a:xfrm>
-            <a:prstGeom prst="rightArrow">
-              <a:avLst/>
-            </a:prstGeom>
-            <a:solidFill>
-              <a:schemeClr val="tx2">
-                <a:lumMod val="40000"/>
-                <a:lumOff val="60000"/>
-              </a:schemeClr>
-            </a:solidFill>
-            <a:ln>
-              <a:solidFill>
-                <a:srgbClr val="FFFFFF"/>
-              </a:solidFill>
-            </a:ln>
-          </p:spPr>
-          <p:style>
-            <a:lnRef idx="2">
-              <a:schemeClr val="accent1">
-                <a:shade val="50000"/>
-              </a:schemeClr>
-            </a:lnRef>
-            <a:fillRef idx="1">
-              <a:schemeClr val="accent1"/>
-            </a:fillRef>
-            <a:effectRef idx="0">
-              <a:schemeClr val="accent1"/>
-            </a:effectRef>
-            <a:fontRef idx="minor">
-              <a:schemeClr val="lt1"/>
-            </a:fontRef>
-          </p:style>
-          <p:txBody>
-            <a:bodyPr rtlCol="0" anchor="ctr"/>
-            <a:lstStyle/>
-            <a:p>
-              <a:pPr algn="ctr"/>
-              <a:endParaRPr lang="en-US"/>
-            </a:p>
-          </p:txBody>
-        </p:sp>
-        <p:sp>
-          <p:nvSpPr>
-            <p:cNvPr id="200" name="Arrow: Right 199">
-              <a:extLst>
-                <a:ext uri="{FF2B5EF4-FFF2-40B4-BE49-F238E27FC236}">
-                  <a16:creationId xmlns:a16="http://schemas.microsoft.com/office/drawing/2014/main" id="{6F031AEB-67EC-4601-B909-E7F107820A80}"/>
-                </a:ext>
-              </a:extLst>
-            </p:cNvPr>
-            <p:cNvSpPr/>
-            <p:nvPr/>
-          </p:nvSpPr>
-          <p:spPr>
-            <a:xfrm rot="5400000">
-              <a:off x="24081245" y="25885399"/>
-              <a:ext cx="2216537" cy="929965"/>
-            </a:xfrm>
-            <a:prstGeom prst="rightArrow">
-              <a:avLst/>
-            </a:prstGeom>
-            <a:solidFill>
-              <a:schemeClr val="tx2">
-                <a:lumMod val="40000"/>
-                <a:lumOff val="60000"/>
-              </a:schemeClr>
-            </a:solidFill>
-            <a:ln>
-              <a:solidFill>
-                <a:srgbClr val="FFFFFF"/>
-              </a:solidFill>
-            </a:ln>
-          </p:spPr>
-          <p:style>
-            <a:lnRef idx="2">
-              <a:schemeClr val="accent1">
-                <a:shade val="50000"/>
-              </a:schemeClr>
-            </a:lnRef>
-            <a:fillRef idx="1">
-              <a:schemeClr val="accent1"/>
-            </a:fillRef>
-            <a:effectRef idx="0">
-              <a:schemeClr val="accent1"/>
-            </a:effectRef>
-            <a:fontRef idx="minor">
-              <a:schemeClr val="lt1"/>
-            </a:fontRef>
-          </p:style>
-          <p:txBody>
-            <a:bodyPr rtlCol="0" anchor="ctr"/>
-            <a:lstStyle/>
-            <a:p>
-              <a:pPr algn="ctr"/>
-              <a:endParaRPr lang="en-US"/>
-            </a:p>
-          </p:txBody>
-        </p:sp>
-        <p:sp>
-          <p:nvSpPr>
-            <p:cNvPr id="202" name="CasellaDiTesto 242">
-              <a:extLst>
-                <a:ext uri="{FF2B5EF4-FFF2-40B4-BE49-F238E27FC236}">
-                  <a16:creationId xmlns:a16="http://schemas.microsoft.com/office/drawing/2014/main" id="{232F7DB9-47D5-4B61-96DC-28BB4C19394C}"/>
-                </a:ext>
-              </a:extLst>
-            </p:cNvPr>
-            <p:cNvSpPr txBox="1"/>
-            <p:nvPr/>
-          </p:nvSpPr>
-          <p:spPr>
-            <a:xfrm>
-              <a:off x="18712863" y="18902892"/>
-              <a:ext cx="3847014" cy="846386"/>
-            </a:xfrm>
-            <a:prstGeom prst="rect">
-              <a:avLst/>
-            </a:prstGeom>
-            <a:noFill/>
-          </p:spPr>
-          <p:txBody>
-            <a:bodyPr wrap="square" tIns="0" bIns="0" rtlCol="0">
-              <a:spAutoFit/>
-            </a:bodyPr>
-            <a:lstStyle/>
-            <a:p>
-              <a:pPr algn="ctr"/>
-              <a:r>
-                <a:rPr lang="en-US" sz="5500" dirty="0">
-                  <a:latin typeface="Helvetica" panose="020B0604020202020204" pitchFamily="34" charset="0"/>
-                  <a:cs typeface="Helvetica" panose="020B0604020202020204" pitchFamily="34" charset="0"/>
-                </a:rPr>
-                <a:t>Trajectories</a:t>
-              </a:r>
-            </a:p>
-          </p:txBody>
-        </p:sp>
-        <p:sp>
-          <p:nvSpPr>
-            <p:cNvPr id="203" name="Arrow: Right 202">
-              <a:extLst>
-                <a:ext uri="{FF2B5EF4-FFF2-40B4-BE49-F238E27FC236}">
-                  <a16:creationId xmlns:a16="http://schemas.microsoft.com/office/drawing/2014/main" id="{E6F4E327-F18D-46A4-888C-D5800B818996}"/>
-                </a:ext>
-              </a:extLst>
-            </p:cNvPr>
-            <p:cNvSpPr/>
-            <p:nvPr/>
-          </p:nvSpPr>
-          <p:spPr>
-            <a:xfrm rot="5400000">
-              <a:off x="24081245" y="30495723"/>
-              <a:ext cx="2216537" cy="929965"/>
-            </a:xfrm>
-            <a:prstGeom prst="rightArrow">
-              <a:avLst/>
-            </a:prstGeom>
-            <a:solidFill>
-              <a:schemeClr val="tx2">
-                <a:lumMod val="40000"/>
-                <a:lumOff val="60000"/>
-              </a:schemeClr>
-            </a:solidFill>
-            <a:ln>
-              <a:solidFill>
-                <a:srgbClr val="FFFFFF"/>
-              </a:solidFill>
-            </a:ln>
-          </p:spPr>
-          <p:style>
-            <a:lnRef idx="2">
-              <a:schemeClr val="accent1">
-                <a:shade val="50000"/>
-              </a:schemeClr>
-            </a:lnRef>
-            <a:fillRef idx="1">
-              <a:schemeClr val="accent1"/>
-            </a:fillRef>
-            <a:effectRef idx="0">
-              <a:schemeClr val="accent1"/>
-            </a:effectRef>
-            <a:fontRef idx="minor">
-              <a:schemeClr val="lt1"/>
-            </a:fontRef>
-          </p:style>
-          <p:txBody>
-            <a:bodyPr rtlCol="0" anchor="ctr"/>
-            <a:lstStyle/>
-            <a:p>
-              <a:pPr algn="ctr"/>
-              <a:endParaRPr lang="en-US"/>
-            </a:p>
-          </p:txBody>
-        </p:sp>
-        <p:pic>
-          <p:nvPicPr>
-            <p:cNvPr id="231" name="Picture 230" descr="Chart, radar chart&#10;&#10;Description automatically generated">
-              <a:extLst>
-                <a:ext uri="{FF2B5EF4-FFF2-40B4-BE49-F238E27FC236}">
-                  <a16:creationId xmlns:a16="http://schemas.microsoft.com/office/drawing/2014/main" id="{A9627464-A526-4A38-B95F-DABAAADC1043}"/>
-                </a:ext>
-              </a:extLst>
-            </p:cNvPr>
-            <p:cNvPicPr>
-              <a:picLocks noChangeAspect="1"/>
-            </p:cNvPicPr>
-            <p:nvPr/>
-          </p:nvPicPr>
-          <p:blipFill rotWithShape="1">
-            <a:blip r:embed="rId10">
-              <a:extLst>
-                <a:ext uri="{28A0092B-C50C-407E-A947-70E740481C1C}">
-                  <a14:useLocalDpi xmlns:a14="http://schemas.microsoft.com/office/drawing/2010/main" val="0"/>
-                </a:ext>
-              </a:extLst>
-            </a:blip>
-            <a:srcRect l="11295" t="8245" r="21019"/>
-            <a:stretch/>
-          </p:blipFill>
-          <p:spPr>
-            <a:xfrm>
-              <a:off x="19619070" y="33365839"/>
-              <a:ext cx="7649765" cy="5375328"/>
-            </a:xfrm>
-            <a:prstGeom prst="rect">
-              <a:avLst/>
-            </a:prstGeom>
-            <a:effectLst>
-              <a:outerShdw blurRad="50800" dist="38100" dir="2700000" algn="tl" rotWithShape="0">
-                <a:prstClr val="black">
-                  <a:alpha val="40000"/>
-                </a:prstClr>
-              </a:outerShdw>
-            </a:effectLst>
-            <a:scene3d>
-              <a:camera prst="orthographicFront">
-                <a:rot lat="18182835" lon="1692986" rev="20100000"/>
-              </a:camera>
-              <a:lightRig rig="glow" dir="t"/>
-            </a:scene3d>
-          </p:spPr>
-        </p:pic>
-        <p:cxnSp>
-          <p:nvCxnSpPr>
-            <p:cNvPr id="232" name="Straight Connector 231">
-              <a:extLst>
-                <a:ext uri="{FF2B5EF4-FFF2-40B4-BE49-F238E27FC236}">
-                  <a16:creationId xmlns:a16="http://schemas.microsoft.com/office/drawing/2014/main" id="{EBDD9558-33F3-4A03-8D10-9139A3A13535}"/>
-                </a:ext>
-              </a:extLst>
-            </p:cNvPr>
-            <p:cNvCxnSpPr/>
-            <p:nvPr/>
-          </p:nvCxnSpPr>
-          <p:spPr>
-            <a:xfrm flipH="1">
-              <a:off x="23183787" y="36001825"/>
-              <a:ext cx="381000" cy="558800"/>
-            </a:xfrm>
-            <a:prstGeom prst="line">
-              <a:avLst/>
-            </a:prstGeom>
-            <a:ln w="38100">
-              <a:headEnd type="oval" w="med" len="med"/>
-              <a:tailEnd type="oval" w="med" len="med"/>
-            </a:ln>
-          </p:spPr>
-          <p:style>
-            <a:lnRef idx="1">
-              <a:schemeClr val="accent1"/>
-            </a:lnRef>
-            <a:fillRef idx="0">
-              <a:schemeClr val="accent1"/>
-            </a:fillRef>
-            <a:effectRef idx="0">
-              <a:schemeClr val="accent1"/>
-            </a:effectRef>
-            <a:fontRef idx="minor">
-              <a:schemeClr val="tx1"/>
-            </a:fontRef>
-          </p:style>
-        </p:cxnSp>
-        <p:cxnSp>
-          <p:nvCxnSpPr>
-            <p:cNvPr id="233" name="Straight Connector 232">
-              <a:extLst>
-                <a:ext uri="{FF2B5EF4-FFF2-40B4-BE49-F238E27FC236}">
-                  <a16:creationId xmlns:a16="http://schemas.microsoft.com/office/drawing/2014/main" id="{4AACC62B-3266-4CDC-A757-5872CF33FFAE}"/>
-                </a:ext>
-              </a:extLst>
-            </p:cNvPr>
-            <p:cNvCxnSpPr>
-              <a:cxnSpLocks/>
-            </p:cNvCxnSpPr>
-            <p:nvPr/>
-          </p:nvCxnSpPr>
-          <p:spPr>
-            <a:xfrm flipH="1">
-              <a:off x="23183787" y="36560625"/>
-              <a:ext cx="1257300" cy="0"/>
-            </a:xfrm>
-            <a:prstGeom prst="line">
-              <a:avLst/>
-            </a:prstGeom>
-            <a:ln w="38100">
-              <a:headEnd type="oval" w="med" len="med"/>
-              <a:tailEnd type="oval" w="med" len="med"/>
-            </a:ln>
-          </p:spPr>
-          <p:style>
-            <a:lnRef idx="1">
-              <a:schemeClr val="accent1"/>
-            </a:lnRef>
-            <a:fillRef idx="0">
-              <a:schemeClr val="accent1"/>
-            </a:fillRef>
-            <a:effectRef idx="0">
-              <a:schemeClr val="accent1"/>
-            </a:effectRef>
-            <a:fontRef idx="minor">
-              <a:schemeClr val="tx1"/>
-            </a:fontRef>
-          </p:style>
-        </p:cxnSp>
-        <p:cxnSp>
-          <p:nvCxnSpPr>
-            <p:cNvPr id="234" name="Straight Connector 233">
-              <a:extLst>
-                <a:ext uri="{FF2B5EF4-FFF2-40B4-BE49-F238E27FC236}">
-                  <a16:creationId xmlns:a16="http://schemas.microsoft.com/office/drawing/2014/main" id="{6EFC3333-98C3-484B-9744-1974BEDB1A2B}"/>
-                </a:ext>
-              </a:extLst>
-            </p:cNvPr>
-            <p:cNvCxnSpPr>
-              <a:cxnSpLocks/>
-            </p:cNvCxnSpPr>
-            <p:nvPr/>
-          </p:nvCxnSpPr>
-          <p:spPr>
-            <a:xfrm flipH="1">
-              <a:off x="24441088" y="35176325"/>
-              <a:ext cx="745337" cy="1384300"/>
-            </a:xfrm>
-            <a:prstGeom prst="line">
-              <a:avLst/>
-            </a:prstGeom>
-            <a:ln w="38100">
-              <a:headEnd type="none" w="med" len="med"/>
-              <a:tailEnd type="none" w="med" len="med"/>
-            </a:ln>
-          </p:spPr>
-          <p:style>
-            <a:lnRef idx="1">
-              <a:schemeClr val="accent1"/>
-            </a:lnRef>
-            <a:fillRef idx="0">
-              <a:schemeClr val="accent1"/>
-            </a:fillRef>
-            <a:effectRef idx="0">
-              <a:schemeClr val="accent1"/>
-            </a:effectRef>
-            <a:fontRef idx="minor">
-              <a:schemeClr val="tx1"/>
-            </a:fontRef>
-          </p:style>
-        </p:cxnSp>
-        <p:pic>
-          <p:nvPicPr>
-            <p:cNvPr id="238" name="Picture 237" descr="Map&#10;&#10;Description automatically generated">
-              <a:extLst>
-                <a:ext uri="{FF2B5EF4-FFF2-40B4-BE49-F238E27FC236}">
-                  <a16:creationId xmlns:a16="http://schemas.microsoft.com/office/drawing/2014/main" id="{59AFC142-F03F-4AED-A069-16407C288186}"/>
-                </a:ext>
-              </a:extLst>
-            </p:cNvPr>
-            <p:cNvPicPr>
-              <a:picLocks noChangeAspect="1"/>
-            </p:cNvPicPr>
-            <p:nvPr/>
-          </p:nvPicPr>
-          <p:blipFill rotWithShape="1">
-            <a:blip r:embed="rId11">
-              <a:extLst>
-                <a:ext uri="{28A0092B-C50C-407E-A947-70E740481C1C}">
-                  <a14:useLocalDpi xmlns:a14="http://schemas.microsoft.com/office/drawing/2010/main" val="0"/>
-                </a:ext>
-              </a:extLst>
-            </a:blip>
-            <a:srcRect l="16204" t="5566" r="16111"/>
-            <a:stretch/>
-          </p:blipFill>
-          <p:spPr>
-            <a:xfrm>
-              <a:off x="19619070" y="30876929"/>
-              <a:ext cx="7649765" cy="5532300"/>
-            </a:xfrm>
-            <a:prstGeom prst="rect">
-              <a:avLst/>
-            </a:prstGeom>
-            <a:effectLst>
-              <a:outerShdw blurRad="50800" dist="38100" dir="2700000" algn="tl" rotWithShape="0">
-                <a:prstClr val="black">
-                  <a:alpha val="40000"/>
-                </a:prstClr>
-              </a:outerShdw>
-            </a:effectLst>
-            <a:scene3d>
-              <a:camera prst="orthographicFront">
-                <a:rot lat="18180000" lon="1692000" rev="20100000"/>
-              </a:camera>
-              <a:lightRig rig="glow" dir="t"/>
-            </a:scene3d>
-            <a:sp3d prstMaterial="matte"/>
-          </p:spPr>
-        </p:pic>
-        <p:cxnSp>
-          <p:nvCxnSpPr>
-            <p:cNvPr id="239" name="Straight Connector 238">
-              <a:extLst>
-                <a:ext uri="{FF2B5EF4-FFF2-40B4-BE49-F238E27FC236}">
-                  <a16:creationId xmlns:a16="http://schemas.microsoft.com/office/drawing/2014/main" id="{F04CAA09-CEEC-4C42-8863-303C12AA6464}"/>
-                </a:ext>
-              </a:extLst>
-            </p:cNvPr>
-            <p:cNvCxnSpPr>
-              <a:cxnSpLocks/>
-            </p:cNvCxnSpPr>
-            <p:nvPr/>
-          </p:nvCxnSpPr>
-          <p:spPr>
-            <a:xfrm flipH="1">
-              <a:off x="25723787" y="33461825"/>
-              <a:ext cx="330200" cy="716469"/>
-            </a:xfrm>
-            <a:prstGeom prst="line">
-              <a:avLst/>
-            </a:prstGeom>
-            <a:ln w="38100">
-              <a:headEnd type="oval" w="med" len="med"/>
-              <a:tailEnd type="oval" w="med" len="med"/>
-            </a:ln>
-          </p:spPr>
-          <p:style>
-            <a:lnRef idx="1">
-              <a:schemeClr val="accent1"/>
-            </a:lnRef>
-            <a:fillRef idx="0">
-              <a:schemeClr val="accent1"/>
-            </a:fillRef>
-            <a:effectRef idx="0">
-              <a:schemeClr val="accent1"/>
-            </a:effectRef>
-            <a:fontRef idx="minor">
-              <a:schemeClr val="tx1"/>
-            </a:fontRef>
-          </p:style>
-        </p:cxnSp>
-        <p:cxnSp>
-          <p:nvCxnSpPr>
-            <p:cNvPr id="240" name="Straight Connector 239">
-              <a:extLst>
-                <a:ext uri="{FF2B5EF4-FFF2-40B4-BE49-F238E27FC236}">
-                  <a16:creationId xmlns:a16="http://schemas.microsoft.com/office/drawing/2014/main" id="{222E952B-C4BE-462F-8D58-FD45F9642BB5}"/>
-                </a:ext>
-              </a:extLst>
-            </p:cNvPr>
-            <p:cNvCxnSpPr>
-              <a:cxnSpLocks/>
-            </p:cNvCxnSpPr>
-            <p:nvPr/>
-          </p:nvCxnSpPr>
-          <p:spPr>
-            <a:xfrm>
-              <a:off x="24917337" y="33461825"/>
-              <a:ext cx="1136650" cy="0"/>
-            </a:xfrm>
-            <a:prstGeom prst="line">
-              <a:avLst/>
-            </a:prstGeom>
-            <a:ln w="38100">
-              <a:headEnd type="oval" w="med" len="med"/>
-              <a:tailEnd type="oval" w="med" len="med"/>
-            </a:ln>
-          </p:spPr>
-          <p:style>
-            <a:lnRef idx="1">
-              <a:schemeClr val="accent1"/>
-            </a:lnRef>
-            <a:fillRef idx="0">
-              <a:schemeClr val="accent1"/>
-            </a:fillRef>
-            <a:effectRef idx="0">
-              <a:schemeClr val="accent1"/>
-            </a:effectRef>
-            <a:fontRef idx="minor">
-              <a:schemeClr val="tx1"/>
-            </a:fontRef>
-          </p:style>
-        </p:cxnSp>
-        <p:cxnSp>
-          <p:nvCxnSpPr>
-            <p:cNvPr id="241" name="Straight Connector 240">
-              <a:extLst>
-                <a:ext uri="{FF2B5EF4-FFF2-40B4-BE49-F238E27FC236}">
-                  <a16:creationId xmlns:a16="http://schemas.microsoft.com/office/drawing/2014/main" id="{AEC3D8EC-0758-4D34-895D-95667F290FA3}"/>
-                </a:ext>
-              </a:extLst>
-            </p:cNvPr>
-            <p:cNvCxnSpPr>
-              <a:cxnSpLocks/>
-            </p:cNvCxnSpPr>
-            <p:nvPr/>
-          </p:nvCxnSpPr>
-          <p:spPr>
-            <a:xfrm>
-              <a:off x="24441087" y="32991925"/>
-              <a:ext cx="476250" cy="469899"/>
-            </a:xfrm>
-            <a:prstGeom prst="line">
-              <a:avLst/>
-            </a:prstGeom>
-            <a:ln w="38100">
-              <a:headEnd type="oval" w="med" len="med"/>
-              <a:tailEnd type="oval" w="med" len="med"/>
-            </a:ln>
-          </p:spPr>
-          <p:style>
-            <a:lnRef idx="1">
-              <a:schemeClr val="accent1"/>
-            </a:lnRef>
-            <a:fillRef idx="0">
-              <a:schemeClr val="accent1"/>
-            </a:fillRef>
-            <a:effectRef idx="0">
-              <a:schemeClr val="accent1"/>
-            </a:effectRef>
-            <a:fontRef idx="minor">
-              <a:schemeClr val="tx1"/>
-            </a:fontRef>
-          </p:style>
-        </p:cxnSp>
-        <p:cxnSp>
-          <p:nvCxnSpPr>
-            <p:cNvPr id="242" name="Straight Connector 241">
-              <a:extLst>
-                <a:ext uri="{FF2B5EF4-FFF2-40B4-BE49-F238E27FC236}">
-                  <a16:creationId xmlns:a16="http://schemas.microsoft.com/office/drawing/2014/main" id="{ACC07775-E37E-42A4-B78E-427BC04E9039}"/>
-                </a:ext>
-              </a:extLst>
-            </p:cNvPr>
-            <p:cNvCxnSpPr>
-              <a:cxnSpLocks/>
-            </p:cNvCxnSpPr>
-            <p:nvPr/>
-          </p:nvCxnSpPr>
-          <p:spPr>
-            <a:xfrm flipH="1">
-              <a:off x="25161812" y="34178294"/>
-              <a:ext cx="561976" cy="1046938"/>
-            </a:xfrm>
-            <a:prstGeom prst="line">
-              <a:avLst/>
-            </a:prstGeom>
-            <a:ln w="38100">
-              <a:prstDash val="sysDot"/>
-              <a:headEnd type="none" w="med" len="med"/>
-              <a:tailEnd type="none" w="med" len="med"/>
-            </a:ln>
-          </p:spPr>
-          <p:style>
-            <a:lnRef idx="1">
-              <a:schemeClr val="accent1"/>
-            </a:lnRef>
-            <a:fillRef idx="0">
-              <a:schemeClr val="accent1"/>
-            </a:fillRef>
-            <a:effectRef idx="0">
-              <a:schemeClr val="accent1"/>
-            </a:effectRef>
-            <a:fontRef idx="minor">
-              <a:schemeClr val="tx1"/>
-            </a:fontRef>
-          </p:style>
-        </p:cxnSp>
-        <p:sp>
-          <p:nvSpPr>
-            <p:cNvPr id="110" name="CasellaDiTesto 176">
-              <a:extLst>
-                <a:ext uri="{FF2B5EF4-FFF2-40B4-BE49-F238E27FC236}">
-                  <a16:creationId xmlns:a16="http://schemas.microsoft.com/office/drawing/2014/main" id="{8FEA4FDD-B0BA-4518-B035-ED7914F13943}"/>
-                </a:ext>
-              </a:extLst>
-            </p:cNvPr>
-            <p:cNvSpPr txBox="1"/>
-            <p:nvPr/>
-          </p:nvSpPr>
-          <p:spPr>
-            <a:xfrm>
-              <a:off x="18799263" y="31340099"/>
-              <a:ext cx="4618573" cy="1692771"/>
-            </a:xfrm>
-            <a:prstGeom prst="rect">
-              <a:avLst/>
-            </a:prstGeom>
-            <a:noFill/>
-          </p:spPr>
-          <p:txBody>
-            <a:bodyPr wrap="none" tIns="0" bIns="0" rtlCol="0">
-              <a:spAutoFit/>
-            </a:bodyPr>
-            <a:lstStyle/>
-            <a:p>
-              <a:r>
-                <a:rPr lang="en-US" sz="5500" dirty="0">
-                  <a:latin typeface="Helvetica" panose="020B0604020202020204" pitchFamily="34" charset="0"/>
-                  <a:cs typeface="Helvetica" panose="020B0604020202020204" pitchFamily="34" charset="0"/>
-                </a:rPr>
-                <a:t>Co-movement</a:t>
-              </a:r>
-            </a:p>
-            <a:p>
-              <a:r>
-                <a:rPr lang="en-US" sz="5500" dirty="0">
-                  <a:latin typeface="Helvetica" panose="020B0604020202020204" pitchFamily="34" charset="0"/>
-                  <a:cs typeface="Helvetica" panose="020B0604020202020204" pitchFamily="34" charset="0"/>
-                </a:rPr>
-                <a:t>Patterns</a:t>
-              </a:r>
-            </a:p>
-          </p:txBody>
-        </p:sp>
-        <p:cxnSp>
-          <p:nvCxnSpPr>
-            <p:cNvPr id="235" name="Straight Arrow Connector 234">
-              <a:extLst>
-                <a:ext uri="{FF2B5EF4-FFF2-40B4-BE49-F238E27FC236}">
-                  <a16:creationId xmlns:a16="http://schemas.microsoft.com/office/drawing/2014/main" id="{EBA8FFC8-0A69-4DCF-9ADA-63332FD1E92A}"/>
-                </a:ext>
-              </a:extLst>
-            </p:cNvPr>
-            <p:cNvCxnSpPr>
-              <a:cxnSpLocks/>
-            </p:cNvCxnSpPr>
-            <p:nvPr/>
-          </p:nvCxnSpPr>
-          <p:spPr>
-            <a:xfrm flipV="1">
-              <a:off x="27369290" y="32283359"/>
-              <a:ext cx="0" cy="5291025"/>
-            </a:xfrm>
-            <a:prstGeom prst="straightConnector1">
-              <a:avLst/>
-            </a:prstGeom>
-            <a:ln w="76200">
-              <a:prstDash val="dash"/>
-              <a:tailEnd type="triangle"/>
-            </a:ln>
-          </p:spPr>
-          <p:style>
-            <a:lnRef idx="1">
-              <a:schemeClr val="dk1"/>
-            </a:lnRef>
-            <a:fillRef idx="0">
-              <a:schemeClr val="dk1"/>
-            </a:fillRef>
-            <a:effectRef idx="0">
-              <a:schemeClr val="dk1"/>
-            </a:effectRef>
-            <a:fontRef idx="minor">
-              <a:schemeClr val="tx1"/>
-            </a:fontRef>
-          </p:style>
-        </p:cxnSp>
-        <p:sp>
-          <p:nvSpPr>
-            <p:cNvPr id="236" name="TextBox 235">
-              <a:extLst>
-                <a:ext uri="{FF2B5EF4-FFF2-40B4-BE49-F238E27FC236}">
-                  <a16:creationId xmlns:a16="http://schemas.microsoft.com/office/drawing/2014/main" id="{7941C555-EE5B-404B-A756-553E43822886}"/>
-                </a:ext>
-              </a:extLst>
-            </p:cNvPr>
-            <p:cNvSpPr txBox="1"/>
-            <p:nvPr/>
-          </p:nvSpPr>
-          <p:spPr>
-            <a:xfrm>
-              <a:off x="27484916" y="36116125"/>
-              <a:ext cx="1851789" cy="646331"/>
-            </a:xfrm>
-            <a:prstGeom prst="rect">
-              <a:avLst/>
-            </a:prstGeom>
-            <a:noFill/>
-          </p:spPr>
-          <p:txBody>
-            <a:bodyPr wrap="none" rtlCol="0">
-              <a:spAutoFit/>
-            </a:bodyPr>
-            <a:lstStyle/>
-            <a:p>
-              <a:r>
-                <a:rPr lang="it-IT" sz="3600" dirty="0">
-                  <a:latin typeface="Helvetica" panose="020B0604020202020204" pitchFamily="34" charset="0"/>
-                  <a:cs typeface="Helvetica" panose="020B0604020202020204" pitchFamily="34" charset="0"/>
-                </a:rPr>
-                <a:t>Morning</a:t>
-              </a:r>
-            </a:p>
-          </p:txBody>
-        </p:sp>
-        <p:sp>
-          <p:nvSpPr>
-            <p:cNvPr id="237" name="TextBox 236">
-              <a:extLst>
-                <a:ext uri="{FF2B5EF4-FFF2-40B4-BE49-F238E27FC236}">
-                  <a16:creationId xmlns:a16="http://schemas.microsoft.com/office/drawing/2014/main" id="{62E02163-35E0-45AF-B5DE-D07EC17C533E}"/>
-                </a:ext>
-              </a:extLst>
-            </p:cNvPr>
-            <p:cNvSpPr txBox="1"/>
-            <p:nvPr/>
-          </p:nvSpPr>
-          <p:spPr>
-            <a:xfrm>
-              <a:off x="27484915" y="33511592"/>
-              <a:ext cx="2185214" cy="646331"/>
-            </a:xfrm>
-            <a:prstGeom prst="rect">
-              <a:avLst/>
-            </a:prstGeom>
-            <a:noFill/>
-          </p:spPr>
-          <p:txBody>
-            <a:bodyPr wrap="none" rtlCol="0">
-              <a:spAutoFit/>
-            </a:bodyPr>
-            <a:lstStyle/>
-            <a:p>
-              <a:r>
-                <a:rPr lang="it-IT" sz="3600" dirty="0" err="1">
-                  <a:latin typeface="Helvetica" panose="020B0604020202020204" pitchFamily="34" charset="0"/>
-                  <a:cs typeface="Helvetica" panose="020B0604020202020204" pitchFamily="34" charset="0"/>
-                </a:rPr>
-                <a:t>Afternoon</a:t>
-              </a:r>
-              <a:endParaRPr lang="it-IT" sz="3600" dirty="0">
-                <a:latin typeface="Helvetica" panose="020B0604020202020204" pitchFamily="34" charset="0"/>
-                <a:cs typeface="Helvetica" panose="020B0604020202020204" pitchFamily="34" charset="0"/>
-              </a:endParaRPr>
-            </a:p>
-          </p:txBody>
-        </p:sp>
-        <p:sp>
-          <p:nvSpPr>
-            <p:cNvPr id="256" name="TextBox 255">
-              <a:extLst>
-                <a:ext uri="{FF2B5EF4-FFF2-40B4-BE49-F238E27FC236}">
-                  <a16:creationId xmlns:a16="http://schemas.microsoft.com/office/drawing/2014/main" id="{D78CBD8C-77C6-407B-8792-C5CC3106807E}"/>
-                </a:ext>
-              </a:extLst>
-            </p:cNvPr>
-            <p:cNvSpPr txBox="1"/>
-            <p:nvPr/>
-          </p:nvSpPr>
-          <p:spPr>
-            <a:xfrm>
-              <a:off x="27417157" y="16242605"/>
-              <a:ext cx="819422" cy="707886"/>
-            </a:xfrm>
-            <a:prstGeom prst="rect">
-              <a:avLst/>
-            </a:prstGeom>
-            <a:noFill/>
-          </p:spPr>
-          <p:txBody>
-            <a:bodyPr wrap="square">
-              <a:spAutoFit/>
-            </a:bodyPr>
-            <a:lstStyle/>
-            <a:p>
-              <a:r>
-                <a:rPr lang="en-US" sz="4000" dirty="0">
-                  <a:latin typeface="Times New Roman" panose="02020603050405020304" pitchFamily="18" charset="0"/>
-                  <a:cs typeface="Times New Roman" panose="02020603050405020304" pitchFamily="18" charset="0"/>
-                </a:rPr>
-                <a:t>T</a:t>
-              </a:r>
-              <a:r>
-                <a:rPr lang="en-US" sz="4000" baseline="-25000" dirty="0">
-                  <a:latin typeface="Times New Roman" panose="02020603050405020304" pitchFamily="18" charset="0"/>
-                  <a:cs typeface="Times New Roman" panose="02020603050405020304" pitchFamily="18" charset="0"/>
-                </a:rPr>
-                <a:t>B</a:t>
-              </a:r>
-              <a:endParaRPr lang="en-US" sz="4000" dirty="0"/>
-            </a:p>
-          </p:txBody>
-        </p:sp>
-        <p:sp>
-          <p:nvSpPr>
-            <p:cNvPr id="257" name="TextBox 256">
-              <a:extLst>
-                <a:ext uri="{FF2B5EF4-FFF2-40B4-BE49-F238E27FC236}">
-                  <a16:creationId xmlns:a16="http://schemas.microsoft.com/office/drawing/2014/main" id="{63A7DB63-BC4A-4D27-B7AA-0B14B458A471}"/>
-                </a:ext>
-              </a:extLst>
-            </p:cNvPr>
-            <p:cNvSpPr txBox="1"/>
-            <p:nvPr/>
-          </p:nvSpPr>
-          <p:spPr>
-            <a:xfrm>
-              <a:off x="25285531" y="15207748"/>
-              <a:ext cx="1025192" cy="716185"/>
-            </a:xfrm>
-            <a:prstGeom prst="rect">
-              <a:avLst/>
-            </a:prstGeom>
-            <a:noFill/>
-          </p:spPr>
-          <p:txBody>
-            <a:bodyPr wrap="square">
-              <a:spAutoFit/>
-            </a:bodyPr>
-            <a:lstStyle/>
-            <a:p>
-              <a:r>
-                <a:rPr lang="en-US" sz="4000" dirty="0">
-                  <a:latin typeface="Times New Roman" panose="02020603050405020304" pitchFamily="18" charset="0"/>
-                  <a:cs typeface="Times New Roman" panose="02020603050405020304" pitchFamily="18" charset="0"/>
-                </a:rPr>
-                <a:t>T</a:t>
-              </a:r>
-              <a:r>
-                <a:rPr lang="en-US" sz="4000" baseline="-25000" dirty="0">
-                  <a:latin typeface="Times New Roman" panose="02020603050405020304" pitchFamily="18" charset="0"/>
-                  <a:cs typeface="Times New Roman" panose="02020603050405020304" pitchFamily="18" charset="0"/>
-                </a:rPr>
-                <a:t>R </a:t>
-              </a:r>
-              <a:endParaRPr lang="en-US" sz="4000" dirty="0"/>
-            </a:p>
-          </p:txBody>
-        </p:sp>
-        <p:sp>
-          <p:nvSpPr>
-            <p:cNvPr id="258" name="TextBox 257">
-              <a:extLst>
-                <a:ext uri="{FF2B5EF4-FFF2-40B4-BE49-F238E27FC236}">
-                  <a16:creationId xmlns:a16="http://schemas.microsoft.com/office/drawing/2014/main" id="{E9B78452-5A5C-4AA5-86DB-2F1233A3418C}"/>
-                </a:ext>
-              </a:extLst>
-            </p:cNvPr>
-            <p:cNvSpPr txBox="1"/>
-            <p:nvPr/>
-          </p:nvSpPr>
-          <p:spPr>
-            <a:xfrm>
-              <a:off x="21019797" y="22573222"/>
-              <a:ext cx="819422" cy="707886"/>
-            </a:xfrm>
-            <a:prstGeom prst="rect">
-              <a:avLst/>
-            </a:prstGeom>
-            <a:noFill/>
-          </p:spPr>
-          <p:txBody>
-            <a:bodyPr wrap="square">
-              <a:spAutoFit/>
-            </a:bodyPr>
-            <a:lstStyle/>
-            <a:p>
-              <a:r>
-                <a:rPr lang="en-US" sz="4000" dirty="0">
-                  <a:latin typeface="Times New Roman" panose="02020603050405020304" pitchFamily="18" charset="0"/>
-                  <a:cs typeface="Times New Roman" panose="02020603050405020304" pitchFamily="18" charset="0"/>
-                </a:rPr>
-                <a:t>T</a:t>
-              </a:r>
-              <a:r>
-                <a:rPr lang="en-US" sz="4000" baseline="-25000" dirty="0">
-                  <a:latin typeface="Times New Roman" panose="02020603050405020304" pitchFamily="18" charset="0"/>
-                  <a:cs typeface="Times New Roman" panose="02020603050405020304" pitchFamily="18" charset="0"/>
-                </a:rPr>
-                <a:t>B</a:t>
-              </a:r>
-              <a:endParaRPr lang="en-US" sz="4000" dirty="0"/>
-            </a:p>
-          </p:txBody>
-        </p:sp>
-        <p:sp>
-          <p:nvSpPr>
-            <p:cNvPr id="259" name="TextBox 258">
-              <a:extLst>
-                <a:ext uri="{FF2B5EF4-FFF2-40B4-BE49-F238E27FC236}">
-                  <a16:creationId xmlns:a16="http://schemas.microsoft.com/office/drawing/2014/main" id="{009E8DA5-EACC-4798-8DAF-197E931BCE58}"/>
-                </a:ext>
-              </a:extLst>
-            </p:cNvPr>
-            <p:cNvSpPr txBox="1"/>
-            <p:nvPr/>
-          </p:nvSpPr>
-          <p:spPr>
-            <a:xfrm>
-              <a:off x="18888171" y="21587793"/>
-              <a:ext cx="1025192" cy="716185"/>
-            </a:xfrm>
-            <a:prstGeom prst="rect">
-              <a:avLst/>
-            </a:prstGeom>
-            <a:noFill/>
-          </p:spPr>
-          <p:txBody>
-            <a:bodyPr wrap="square">
-              <a:spAutoFit/>
-            </a:bodyPr>
-            <a:lstStyle/>
-            <a:p>
-              <a:r>
-                <a:rPr lang="en-US" sz="4000" dirty="0">
-                  <a:latin typeface="Times New Roman" panose="02020603050405020304" pitchFamily="18" charset="0"/>
-                  <a:cs typeface="Times New Roman" panose="02020603050405020304" pitchFamily="18" charset="0"/>
-                </a:rPr>
-                <a:t>T</a:t>
-              </a:r>
-              <a:r>
-                <a:rPr lang="en-US" sz="4000" baseline="-25000" dirty="0">
-                  <a:latin typeface="Times New Roman" panose="02020603050405020304" pitchFamily="18" charset="0"/>
-                  <a:cs typeface="Times New Roman" panose="02020603050405020304" pitchFamily="18" charset="0"/>
-                </a:rPr>
-                <a:t>R </a:t>
-              </a:r>
-              <a:endParaRPr lang="en-US" sz="4000" dirty="0"/>
-            </a:p>
-          </p:txBody>
-        </p:sp>
-        <p:sp>
-          <p:nvSpPr>
-            <p:cNvPr id="121" name="Ovale 51">
-              <a:extLst>
-                <a:ext uri="{FF2B5EF4-FFF2-40B4-BE49-F238E27FC236}">
-                  <a16:creationId xmlns:a16="http://schemas.microsoft.com/office/drawing/2014/main" id="{43B52368-3DAD-40CC-8786-F6FDECE1957D}"/>
-                </a:ext>
-              </a:extLst>
-            </p:cNvPr>
-            <p:cNvSpPr/>
-            <p:nvPr/>
-          </p:nvSpPr>
-          <p:spPr>
-            <a:xfrm>
-              <a:off x="21095995" y="21841408"/>
-              <a:ext cx="274320" cy="274320"/>
-            </a:xfrm>
-            <a:prstGeom prst="ellipse">
-              <a:avLst/>
-            </a:prstGeom>
-            <a:pattFill prst="pct50">
-              <a:fgClr>
-                <a:srgbClr val="FF0000"/>
-              </a:fgClr>
-              <a:bgClr>
-                <a:schemeClr val="bg1"/>
-              </a:bgClr>
-            </a:pattFill>
-          </p:spPr>
-          <p:style>
-            <a:lnRef idx="0">
-              <a:schemeClr val="accent2"/>
-            </a:lnRef>
-            <a:fillRef idx="3">
-              <a:schemeClr val="accent2"/>
-            </a:fillRef>
-            <a:effectRef idx="3">
-              <a:schemeClr val="accent2"/>
-            </a:effectRef>
-            <a:fontRef idx="minor">
-              <a:schemeClr val="lt1"/>
-            </a:fontRef>
-          </p:style>
-          <p:txBody>
-            <a:bodyPr rtlCol="0" anchor="ctr"/>
-            <a:lstStyle/>
-            <a:p>
-              <a:pPr algn="ctr"/>
-              <a:endParaRPr lang="en-US" sz="1400" i="1">
-                <a:solidFill>
-                  <a:schemeClr val="tx1"/>
-                </a:solidFill>
-                <a:latin typeface="Helvetica" panose="020B0604020202020204" pitchFamily="34" charset="0"/>
-                <a:cs typeface="Helvetica" panose="020B0604020202020204" pitchFamily="34" charset="0"/>
-              </a:endParaRPr>
-            </a:p>
-          </p:txBody>
-        </p:sp>
-        <p:sp>
-          <p:nvSpPr>
-            <p:cNvPr id="123" name="Ovale 53">
-              <a:extLst>
-                <a:ext uri="{FF2B5EF4-FFF2-40B4-BE49-F238E27FC236}">
-                  <a16:creationId xmlns:a16="http://schemas.microsoft.com/office/drawing/2014/main" id="{A781729B-D208-4843-B73F-52ACEAAFBB3E}"/>
-                </a:ext>
-              </a:extLst>
-            </p:cNvPr>
-            <p:cNvSpPr/>
-            <p:nvPr/>
-          </p:nvSpPr>
-          <p:spPr>
-            <a:xfrm>
-              <a:off x="21690589" y="20597292"/>
-              <a:ext cx="274320" cy="274320"/>
-            </a:xfrm>
-            <a:prstGeom prst="ellipse">
-              <a:avLst/>
-            </a:prstGeom>
-            <a:pattFill prst="pct50">
-              <a:fgClr>
-                <a:srgbClr val="FF0000"/>
-              </a:fgClr>
-              <a:bgClr>
-                <a:schemeClr val="bg1"/>
-              </a:bgClr>
-            </a:pattFill>
-          </p:spPr>
-          <p:style>
-            <a:lnRef idx="0">
-              <a:schemeClr val="accent2"/>
-            </a:lnRef>
-            <a:fillRef idx="3">
-              <a:schemeClr val="accent2"/>
-            </a:fillRef>
-            <a:effectRef idx="3">
-              <a:schemeClr val="accent2"/>
-            </a:effectRef>
-            <a:fontRef idx="minor">
-              <a:schemeClr val="lt1"/>
-            </a:fontRef>
-          </p:style>
-          <p:txBody>
-            <a:bodyPr rtlCol="0" anchor="ctr"/>
-            <a:lstStyle/>
-            <a:p>
-              <a:pPr algn="ctr"/>
-              <a:endParaRPr lang="en-US" sz="1400" i="1">
-                <a:solidFill>
-                  <a:schemeClr val="tx1"/>
-                </a:solidFill>
-                <a:latin typeface="Helvetica" panose="020B0604020202020204" pitchFamily="34" charset="0"/>
-                <a:cs typeface="Helvetica" panose="020B0604020202020204" pitchFamily="34" charset="0"/>
-              </a:endParaRPr>
-            </a:p>
-          </p:txBody>
-        </p:sp>
-        <p:sp>
-          <p:nvSpPr>
-            <p:cNvPr id="125" name="Ovale 30">
-              <a:extLst>
-                <a:ext uri="{FF2B5EF4-FFF2-40B4-BE49-F238E27FC236}">
-                  <a16:creationId xmlns:a16="http://schemas.microsoft.com/office/drawing/2014/main" id="{D6A4DC78-1553-4EB3-BEE6-58E5C5857590}"/>
-                </a:ext>
-              </a:extLst>
-            </p:cNvPr>
-            <p:cNvSpPr/>
-            <p:nvPr/>
-          </p:nvSpPr>
-          <p:spPr>
-            <a:xfrm>
-              <a:off x="21732679" y="21807088"/>
-              <a:ext cx="274320" cy="274320"/>
-            </a:xfrm>
-            <a:prstGeom prst="ellipse">
-              <a:avLst/>
-            </a:prstGeom>
-            <a:pattFill prst="pct50">
-              <a:fgClr>
-                <a:srgbClr val="002060"/>
-              </a:fgClr>
-              <a:bgClr>
-                <a:schemeClr val="bg1"/>
-              </a:bgClr>
-            </a:pattFill>
-          </p:spPr>
-          <p:style>
-            <a:lnRef idx="0">
-              <a:schemeClr val="accent2"/>
-            </a:lnRef>
-            <a:fillRef idx="3">
-              <a:schemeClr val="accent2"/>
-            </a:fillRef>
-            <a:effectRef idx="3">
-              <a:schemeClr val="accent2"/>
-            </a:effectRef>
-            <a:fontRef idx="minor">
-              <a:schemeClr val="lt1"/>
-            </a:fontRef>
-          </p:style>
-          <p:txBody>
-            <a:bodyPr rtlCol="0" anchor="ctr"/>
-            <a:lstStyle/>
-            <a:p>
-              <a:pPr algn="ctr"/>
-              <a:endParaRPr lang="en-US" sz="1400" i="1">
-                <a:solidFill>
-                  <a:schemeClr val="tx1"/>
-                </a:solidFill>
-                <a:latin typeface="Helvetica" panose="020B0604020202020204" pitchFamily="34" charset="0"/>
-                <a:cs typeface="Helvetica" panose="020B0604020202020204" pitchFamily="34" charset="0"/>
-              </a:endParaRPr>
-            </a:p>
-          </p:txBody>
-        </p:sp>
-      </p:grpSp>
-    </p:spTree>
-    <p:extLst>
-      <p:ext uri="{BB962C8B-B14F-4D97-AF65-F5344CB8AC3E}">
-        <p14:creationId xmlns:p14="http://schemas.microsoft.com/office/powerpoint/2010/main" val="3582396311"/>
-      </p:ext>
-    </p:extLst>
-  </p:cSld>
-  <p:clrMapOvr>
-    <a:masterClrMapping/>
-  </p:clrMapOvr>
-</p:sld>
-</file>
-
-<file path=ppt/slides/slide2.xml><?xml version="1.0" encoding="utf-8"?>
 <p:sld xmlns:a="http://schemas.openxmlformats.org/drawingml/2006/main" xmlns:r="http://schemas.openxmlformats.org/officeDocument/2006/relationships" xmlns:p="http://schemas.openxmlformats.org/presentationml/2006/main">
   <p:cSld>
     <p:spTree>
@@ -10281,7 +5206,7 @@
           </p:nvSpPr>
           <p:spPr>
             <a:xfrm>
-              <a:off x="23207114" y="23053383"/>
+              <a:off x="23207114" y="22734989"/>
               <a:ext cx="4607363" cy="1832259"/>
             </a:xfrm>
             <a:prstGeom prst="rect">
@@ -10342,7 +5267,7 @@
           </p:nvSpPr>
           <p:spPr>
             <a:xfrm>
-              <a:off x="23886164" y="28012833"/>
+              <a:off x="23886164" y="27906701"/>
               <a:ext cx="3249262" cy="1483133"/>
             </a:xfrm>
             <a:prstGeom prst="rect">
@@ -11524,7 +6449,7 @@
           </p:nvSpPr>
           <p:spPr>
             <a:xfrm rot="5400000">
-              <a:off x="24402527" y="20697349"/>
+              <a:off x="24402527" y="20600280"/>
               <a:ext cx="2216537" cy="929965"/>
             </a:xfrm>
             <a:prstGeom prst="rightArrow">
@@ -11581,7 +6506,7 @@
           </p:nvSpPr>
           <p:spPr>
             <a:xfrm rot="5400000">
-              <a:off x="24402527" y="26060455"/>
+              <a:off x="24402527" y="25771992"/>
               <a:ext cx="2216537" cy="929965"/>
             </a:xfrm>
             <a:prstGeom prst="rightArrow">

--- a/poster.pptx
+++ b/poster.pptx
@@ -243,7 +243,7 @@
           <a:p>
             <a:fld id="{17A0AD2C-56CF-4BE2-B79F-EE3A43C1548D}" type="datetimeFigureOut">
               <a:rPr lang="en-US" smtClean="0"/>
-              <a:t>2024-06-18</a:t>
+              <a:t>2024-06-19</a:t>
             </a:fld>
             <a:endParaRPr lang="en-US"/>
           </a:p>
@@ -413,7 +413,7 @@
           <a:p>
             <a:fld id="{17A0AD2C-56CF-4BE2-B79F-EE3A43C1548D}" type="datetimeFigureOut">
               <a:rPr lang="en-US" smtClean="0"/>
-              <a:t>2024-06-18</a:t>
+              <a:t>2024-06-19</a:t>
             </a:fld>
             <a:endParaRPr lang="en-US"/>
           </a:p>
@@ -593,7 +593,7 @@
           <a:p>
             <a:fld id="{17A0AD2C-56CF-4BE2-B79F-EE3A43C1548D}" type="datetimeFigureOut">
               <a:rPr lang="en-US" smtClean="0"/>
-              <a:t>2024-06-18</a:t>
+              <a:t>2024-06-19</a:t>
             </a:fld>
             <a:endParaRPr lang="en-US"/>
           </a:p>
@@ -763,7 +763,7 @@
           <a:p>
             <a:fld id="{17A0AD2C-56CF-4BE2-B79F-EE3A43C1548D}" type="datetimeFigureOut">
               <a:rPr lang="en-US" smtClean="0"/>
-              <a:t>2024-06-18</a:t>
+              <a:t>2024-06-19</a:t>
             </a:fld>
             <a:endParaRPr lang="en-US"/>
           </a:p>
@@ -1007,7 +1007,7 @@
           <a:p>
             <a:fld id="{17A0AD2C-56CF-4BE2-B79F-EE3A43C1548D}" type="datetimeFigureOut">
               <a:rPr lang="en-US" smtClean="0"/>
-              <a:t>2024-06-18</a:t>
+              <a:t>2024-06-19</a:t>
             </a:fld>
             <a:endParaRPr lang="en-US"/>
           </a:p>
@@ -1239,7 +1239,7 @@
           <a:p>
             <a:fld id="{17A0AD2C-56CF-4BE2-B79F-EE3A43C1548D}" type="datetimeFigureOut">
               <a:rPr lang="en-US" smtClean="0"/>
-              <a:t>2024-06-18</a:t>
+              <a:t>2024-06-19</a:t>
             </a:fld>
             <a:endParaRPr lang="en-US"/>
           </a:p>
@@ -1606,7 +1606,7 @@
           <a:p>
             <a:fld id="{17A0AD2C-56CF-4BE2-B79F-EE3A43C1548D}" type="datetimeFigureOut">
               <a:rPr lang="en-US" smtClean="0"/>
-              <a:t>2024-06-18</a:t>
+              <a:t>2024-06-19</a:t>
             </a:fld>
             <a:endParaRPr lang="en-US"/>
           </a:p>
@@ -1724,7 +1724,7 @@
           <a:p>
             <a:fld id="{17A0AD2C-56CF-4BE2-B79F-EE3A43C1548D}" type="datetimeFigureOut">
               <a:rPr lang="en-US" smtClean="0"/>
-              <a:t>2024-06-18</a:t>
+              <a:t>2024-06-19</a:t>
             </a:fld>
             <a:endParaRPr lang="en-US"/>
           </a:p>
@@ -1819,7 +1819,7 @@
           <a:p>
             <a:fld id="{17A0AD2C-56CF-4BE2-B79F-EE3A43C1548D}" type="datetimeFigureOut">
               <a:rPr lang="en-US" smtClean="0"/>
-              <a:t>2024-06-18</a:t>
+              <a:t>2024-06-19</a:t>
             </a:fld>
             <a:endParaRPr lang="en-US"/>
           </a:p>
@@ -2096,7 +2096,7 @@
           <a:p>
             <a:fld id="{17A0AD2C-56CF-4BE2-B79F-EE3A43C1548D}" type="datetimeFigureOut">
               <a:rPr lang="en-US" smtClean="0"/>
-              <a:t>2024-06-18</a:t>
+              <a:t>2024-06-19</a:t>
             </a:fld>
             <a:endParaRPr lang="en-US"/>
           </a:p>
@@ -2353,7 +2353,7 @@
           <a:p>
             <a:fld id="{17A0AD2C-56CF-4BE2-B79F-EE3A43C1548D}" type="datetimeFigureOut">
               <a:rPr lang="en-US" smtClean="0"/>
-              <a:t>2024-06-18</a:t>
+              <a:t>2024-06-19</a:t>
             </a:fld>
             <a:endParaRPr lang="en-US"/>
           </a:p>
@@ -2566,7 +2566,7 @@
           <a:p>
             <a:fld id="{17A0AD2C-56CF-4BE2-B79F-EE3A43C1548D}" type="datetimeFigureOut">
               <a:rPr lang="en-US" smtClean="0"/>
-              <a:t>2024-06-18</a:t>
+              <a:t>2024-06-19</a:t>
             </a:fld>
             <a:endParaRPr lang="en-US"/>
           </a:p>
@@ -3023,7 +3023,7 @@
           <a:p>
             <a:pPr algn="just"/>
             <a:r>
-              <a:rPr lang="en-US" sz="5400" b="1" dirty="0">
+              <a:rPr lang="en-US" sz="5400" b="1">
                 <a:solidFill>
                   <a:schemeClr val="tx1"/>
                 </a:solidFill>
@@ -3036,7 +3036,7 @@
           <a:p>
             <a:pPr algn="just"/>
             <a:r>
-              <a:rPr lang="en-US" sz="4400" dirty="0">
+              <a:rPr lang="en-US" sz="4400">
                 <a:solidFill>
                   <a:schemeClr val="tx1"/>
                 </a:solidFill>
@@ -3049,7 +3049,7 @@
           <a:p>
             <a:pPr algn="just"/>
             <a:r>
-              <a:rPr lang="en-US" sz="4400" dirty="0">
+              <a:rPr lang="en-US" sz="4400">
                 <a:solidFill>
                   <a:schemeClr val="tx1"/>
                 </a:solidFill>
@@ -3062,7 +3062,7 @@
           <a:p>
             <a:pPr algn="just"/>
             <a:r>
-              <a:rPr lang="en-US" sz="4400" dirty="0">
+              <a:rPr lang="en-US" sz="4400">
                 <a:latin typeface="Helvetica" panose="020B0604020202020204" pitchFamily="34" charset="0"/>
                 <a:cs typeface="Helvetica" panose="020B0604020202020204" pitchFamily="34" charset="0"/>
                 <a:hlinkClick r:id="rId2"/>
@@ -3070,13 +3070,13 @@
               <a:t>m.francia@unibo.it</a:t>
             </a:r>
             <a:r>
-              <a:rPr lang="en-US" sz="4400" dirty="0">
+              <a:rPr lang="en-US" sz="4400">
                 <a:latin typeface="Helvetica" panose="020B0604020202020204" pitchFamily="34" charset="0"/>
                 <a:cs typeface="Helvetica" panose="020B0604020202020204" pitchFamily="34" charset="0"/>
               </a:rPr>
               <a:t> </a:t>
             </a:r>
-            <a:endParaRPr lang="en-US" sz="4400" dirty="0">
+            <a:endParaRPr lang="en-US" sz="4400">
               <a:solidFill>
                 <a:schemeClr val="tx1"/>
               </a:solidFill>
@@ -3151,108 +3151,73 @@
           <a:lstStyle/>
           <a:p>
             <a:r>
-              <a:rPr lang="en-US" sz="8000" b="1" dirty="0">
+              <a:rPr lang="en-US" sz="8000" b="1">
                 <a:latin typeface="Helvetica" panose="020B0604020202020204" pitchFamily="34" charset="0"/>
                 <a:cs typeface="Helvetica" panose="020B0604020202020204" pitchFamily="34" charset="0"/>
               </a:rPr>
               <a:t>Colossal Trajectory Mining</a:t>
             </a:r>
             <a:br>
-              <a:rPr lang="en-US" sz="8000" b="1" dirty="0">
+              <a:rPr lang="en-US" sz="8000" b="1">
                 <a:latin typeface="Helvetica" panose="020B0604020202020204" pitchFamily="34" charset="0"/>
                 <a:cs typeface="Helvetica" panose="020B0604020202020204" pitchFamily="34" charset="0"/>
               </a:rPr>
             </a:br>
             <a:r>
-              <a:rPr lang="en-US" sz="8000" b="1" dirty="0">
+              <a:rPr lang="en-US" sz="8000" b="1">
                 <a:latin typeface="Helvetica" panose="020B0604020202020204" pitchFamily="34" charset="0"/>
                 <a:cs typeface="Helvetica" panose="020B0604020202020204" pitchFamily="34" charset="0"/>
               </a:rPr>
               <a:t>Semantic Co-movement Pattern Mining</a:t>
             </a:r>
             <a:br>
-              <a:rPr lang="en-US" sz="8000" b="1" dirty="0">
+              <a:rPr lang="en-US" sz="8000" b="1">
                 <a:latin typeface="Helvetica" panose="020B0604020202020204" pitchFamily="34" charset="0"/>
                 <a:cs typeface="Helvetica" panose="020B0604020202020204" pitchFamily="34" charset="0"/>
               </a:rPr>
             </a:br>
             <a:r>
-              <a:rPr lang="en-US" sz="6000" dirty="0">
+              <a:rPr lang="en-US" sz="6000">
                 <a:latin typeface="Helvetica" panose="020B0604020202020204" pitchFamily="34" charset="0"/>
                 <a:cs typeface="Helvetica" panose="020B0604020202020204" pitchFamily="34" charset="0"/>
               </a:rPr>
-              <a:t>Chiara </a:t>
-            </a:r>
-            <a:r>
-              <a:rPr lang="en-US" sz="6000" dirty="0" err="1">
-                <a:latin typeface="Helvetica" panose="020B0604020202020204" pitchFamily="34" charset="0"/>
-                <a:cs typeface="Helvetica" panose="020B0604020202020204" pitchFamily="34" charset="0"/>
-              </a:rPr>
-              <a:t>Forresi</a:t>
-            </a:r>
-            <a:r>
-              <a:rPr lang="en-US" sz="6000" dirty="0">
-                <a:latin typeface="Helvetica" panose="020B0604020202020204" pitchFamily="34" charset="0"/>
-                <a:cs typeface="Helvetica" panose="020B0604020202020204" pitchFamily="34" charset="0"/>
-              </a:rPr>
-              <a:t>, </a:t>
-            </a:r>
-            <a:r>
-              <a:rPr lang="en-US" sz="6000" u="sng" dirty="0">
+              <a:t>Chiara Forresi, </a:t>
+            </a:r>
+            <a:r>
+              <a:rPr lang="en-US" sz="6000" u="sng">
                 <a:latin typeface="Helvetica" panose="020B0604020202020204" pitchFamily="34" charset="0"/>
                 <a:cs typeface="Helvetica" panose="020B0604020202020204" pitchFamily="34" charset="0"/>
               </a:rPr>
               <a:t>Matteo Francia</a:t>
             </a:r>
             <a:r>
-              <a:rPr lang="en-US" sz="6000" dirty="0">
+              <a:rPr lang="en-US" sz="6000">
                 <a:latin typeface="Helvetica" panose="020B0604020202020204" pitchFamily="34" charset="0"/>
                 <a:cs typeface="Helvetica" panose="020B0604020202020204" pitchFamily="34" charset="0"/>
               </a:rPr>
               <a:t>*, Enrico Gallinucci,</a:t>
             </a:r>
             <a:br>
-              <a:rPr lang="en-US" sz="6000" dirty="0">
+              <a:rPr lang="en-US" sz="6000">
                 <a:latin typeface="Helvetica" panose="020B0604020202020204" pitchFamily="34" charset="0"/>
                 <a:cs typeface="Helvetica" panose="020B0604020202020204" pitchFamily="34" charset="0"/>
               </a:rPr>
             </a:br>
             <a:r>
-              <a:rPr lang="en-US" sz="6000" dirty="0">
+              <a:rPr lang="en-US" sz="6000">
                 <a:latin typeface="Helvetica" panose="020B0604020202020204" pitchFamily="34" charset="0"/>
                 <a:cs typeface="Helvetica" panose="020B0604020202020204" pitchFamily="34" charset="0"/>
               </a:rPr>
-              <a:t>Matteo Golfarelli, </a:t>
-            </a:r>
-            <a:r>
-              <a:rPr lang="en-US" sz="6000" dirty="0" err="1">
-                <a:latin typeface="Helvetica" panose="020B0604020202020204" pitchFamily="34" charset="0"/>
-                <a:cs typeface="Helvetica" panose="020B0604020202020204" pitchFamily="34" charset="0"/>
-              </a:rPr>
-              <a:t>Manuele</a:t>
-            </a:r>
-            <a:r>
-              <a:rPr lang="en-US" sz="6000" dirty="0">
-                <a:latin typeface="Helvetica" panose="020B0604020202020204" pitchFamily="34" charset="0"/>
-                <a:cs typeface="Helvetica" panose="020B0604020202020204" pitchFamily="34" charset="0"/>
-              </a:rPr>
-              <a:t> </a:t>
-            </a:r>
-            <a:r>
-              <a:rPr lang="en-US" sz="6000" dirty="0" err="1">
-                <a:latin typeface="Helvetica" panose="020B0604020202020204" pitchFamily="34" charset="0"/>
-                <a:cs typeface="Helvetica" panose="020B0604020202020204" pitchFamily="34" charset="0"/>
-              </a:rPr>
-              <a:t>Pasini</a:t>
+              <a:t>Matteo Golfarelli, Manuele Pasini</a:t>
             </a:r>
             <a:br>
-              <a:rPr lang="en-US" sz="8000" dirty="0">
+              <a:rPr lang="en-US" sz="8000">
                 <a:latin typeface="Helvetica" panose="020B0604020202020204" pitchFamily="34" charset="0"/>
                 <a:cs typeface="Helvetica" panose="020B0604020202020204" pitchFamily="34" charset="0"/>
               </a:rPr>
             </a:br>
             <a:r>
-              <a:rPr lang="en-US" sz="5000" dirty="0">
+              <a:rPr lang="en-US" sz="5000">
                 <a:latin typeface="Helvetica" panose="020B0604020202020204" pitchFamily="34" charset="0"/>
                 <a:cs typeface="Helvetica" panose="020B0604020202020204" pitchFamily="34" charset="0"/>
               </a:rPr>
@@ -3297,8 +3262,8 @@
           </a:prstGeom>
         </p:spPr>
       </p:pic>
-      <mc:AlternateContent xmlns:mc="http://schemas.openxmlformats.org/markup-compatibility/2006" xmlns:a14="http://schemas.microsoft.com/office/drawing/2010/main">
-        <mc:Choice Requires="a14">
+      <mc:AlternateContent xmlns:mc="http://schemas.openxmlformats.org/markup-compatibility/2006">
+        <mc:Choice xmlns:a14="http://schemas.microsoft.com/office/drawing/2010/main" Requires="a14">
           <p:sp>
             <p:nvSpPr>
               <p:cNvPr id="9" name="Rectangle 8">
@@ -3478,14 +3443,36 @@
                     <a:latin typeface="Helvetica" panose="020B0604020202020204" pitchFamily="34" charset="0"/>
                     <a:cs typeface="Helvetica" panose="020B0604020202020204" pitchFamily="34" charset="0"/>
                   </a:rPr>
-                  <a:t>: finding groups of 100 people given a NIL with 16K residents could require to enumerate </a:t>
+                  <a:t>: finding groups of 100 </a:t>
+                </a:r>
+                <a:r>
+                  <a:rPr lang="en-US" sz="5000" b="0">
+                    <a:solidFill>
+                      <a:schemeClr val="tx1"/>
+                    </a:solidFill>
+                    <a:effectLst/>
+                    <a:latin typeface="Helvetica" panose="020B0604020202020204" pitchFamily="34" charset="0"/>
+                    <a:cs typeface="Helvetica" panose="020B0604020202020204" pitchFamily="34" charset="0"/>
+                  </a:rPr>
+                  <a:t>people in </a:t>
+                </a:r>
+                <a:r>
+                  <a:rPr lang="en-US" sz="5000" b="0" dirty="0">
+                    <a:solidFill>
+                      <a:schemeClr val="tx1"/>
+                    </a:solidFill>
+                    <a:effectLst/>
+                    <a:latin typeface="Helvetica" panose="020B0604020202020204" pitchFamily="34" charset="0"/>
+                    <a:cs typeface="Helvetica" panose="020B0604020202020204" pitchFamily="34" charset="0"/>
+                  </a:rPr>
+                  <a:t>a NIL with 16K residents could require to enumerate </a:t>
                 </a:r>
                 <a14:m>
                   <m:oMath xmlns:m="http://schemas.openxmlformats.org/officeDocument/2006/math">
                     <m:d>
                       <m:dPr>
                         <m:ctrlPr>
-                          <a:rPr lang="pt-BR" sz="5000" i="1">
+                          <a:rPr lang="en-US" sz="5000" i="1" smtClean="0">
                             <a:solidFill>
                               <a:schemeClr val="tx1"/>
                             </a:solidFill>
@@ -3499,7 +3486,7 @@
                           <m:fPr>
                             <m:type m:val="noBar"/>
                             <m:ctrlPr>
-                              <a:rPr lang="pt-BR" sz="5000" i="1">
+                              <a:rPr lang="en-US" sz="5000" i="1" smtClean="0">
                                 <a:solidFill>
                                   <a:schemeClr val="tx1"/>
                                 </a:solidFill>
@@ -3574,13 +3561,13 @@
                     <a:latin typeface="Helvetica" panose="020B0604020202020204" pitchFamily="34" charset="0"/>
                     <a:cs typeface="Helvetica" panose="020B0604020202020204" pitchFamily="34" charset="0"/>
                   </a:rPr>
-                  <a:t>: how do people move within the districts at different time of the day?</a:t>
+                  <a:t>: how do people move within the districts at different times of the day?</a:t>
                 </a:r>
               </a:p>
             </p:txBody>
           </p:sp>
         </mc:Choice>
-        <mc:Fallback xmlns="">
+        <mc:Fallback>
           <p:sp>
             <p:nvSpPr>
               <p:cNvPr id="9" name="Rectangle 8">
@@ -3679,7 +3666,7 @@
           <a:lstStyle/>
           <a:p>
             <a:r>
-              <a:rPr lang="en-US" sz="5000" b="0" dirty="0" err="1">
+              <a:rPr lang="en-US" sz="5000" b="0">
                 <a:solidFill>
                   <a:schemeClr val="tx1"/>
                 </a:solidFill>
@@ -3687,23 +3674,12 @@
                 <a:latin typeface="Helvetica" panose="020B0604020202020204" pitchFamily="34" charset="0"/>
                 <a:cs typeface="Helvetica" panose="020B0604020202020204" pitchFamily="34" charset="0"/>
               </a:rPr>
-              <a:t>Spatio</a:t>
-            </a:r>
-            <a:r>
-              <a:rPr lang="en-US" sz="5000" b="0" dirty="0">
-                <a:solidFill>
-                  <a:schemeClr val="tx1"/>
-                </a:solidFill>
-                <a:effectLst/>
-                <a:latin typeface="Helvetica" panose="020B0604020202020204" pitchFamily="34" charset="0"/>
-                <a:cs typeface="Helvetica" panose="020B0604020202020204" pitchFamily="34" charset="0"/>
-              </a:rPr>
-              <a:t>-temporal mobility patterns are at the core of urban planning applications</a:t>
-            </a:r>
-          </a:p>
-          <a:p>
-            <a:r>
-              <a:rPr lang="en-US" sz="5000" b="0" dirty="0">
+              <a:t>Spatio-temporal mobility patterns are at the core of urban planning applications</a:t>
+            </a:r>
+          </a:p>
+          <a:p>
+            <a:r>
+              <a:rPr lang="en-US" sz="5000" b="0">
                 <a:solidFill>
                   <a:schemeClr val="tx1"/>
                 </a:solidFill>
@@ -3720,7 +3696,7 @@
               <a:buChar char="§"/>
             </a:pPr>
             <a:r>
-              <a:rPr lang="en-US" sz="5000" b="0" dirty="0">
+              <a:rPr lang="en-US" sz="5000" b="0">
                 <a:solidFill>
                   <a:schemeClr val="tx1"/>
                 </a:solidFill>
@@ -3731,7 +3707,7 @@
               <a:t>Mobility patterns can be defined depending on spatiotemporal constraints</a:t>
             </a:r>
             <a:br>
-              <a:rPr lang="en-US" sz="5000" b="0" dirty="0">
+              <a:rPr lang="en-US" sz="5000" b="0">
                 <a:solidFill>
                   <a:schemeClr val="tx1"/>
                 </a:solidFill>
@@ -3741,7 +3717,7 @@
               </a:rPr>
             </a:br>
             <a:r>
-              <a:rPr lang="en-US" sz="5000" b="0" dirty="0">
+              <a:rPr lang="en-US" sz="5000" b="0">
                 <a:solidFill>
                   <a:schemeClr val="tx1"/>
                 </a:solidFill>
@@ -3758,7 +3734,7 @@
               <a:buChar char="§"/>
             </a:pPr>
             <a:r>
-              <a:rPr lang="en-US" sz="5000" b="0" dirty="0">
+              <a:rPr lang="en-US" sz="5000" b="0">
                 <a:solidFill>
                   <a:schemeClr val="tx1"/>
                 </a:solidFill>
@@ -3769,7 +3745,7 @@
               <a:t>Existing approaches extract </a:t>
             </a:r>
             <a:r>
-              <a:rPr lang="en-US" sz="5000" b="1" dirty="0">
+              <a:rPr lang="en-US" sz="5000" b="1">
                 <a:solidFill>
                   <a:schemeClr val="tx1"/>
                 </a:solidFill>
@@ -3780,7 +3756,7 @@
               <a:t>small</a:t>
             </a:r>
             <a:r>
-              <a:rPr lang="en-US" sz="5000" b="0" dirty="0">
+              <a:rPr lang="en-US" sz="5000" b="0">
                 <a:solidFill>
                   <a:schemeClr val="tx1"/>
                 </a:solidFill>
@@ -3791,7 +3767,7 @@
               <a:t> groups of objects sharing </a:t>
             </a:r>
             <a:r>
-              <a:rPr lang="en-US" sz="5000" b="1" dirty="0">
+              <a:rPr lang="en-US" sz="5000" b="1">
                 <a:solidFill>
                   <a:schemeClr val="tx1"/>
                 </a:solidFill>
@@ -3802,7 +3778,7 @@
               <a:t>fine-grained</a:t>
             </a:r>
             <a:r>
-              <a:rPr lang="en-US" sz="5000" b="0" dirty="0">
+              <a:rPr lang="en-US" sz="5000" b="0">
                 <a:solidFill>
                   <a:schemeClr val="tx1"/>
                 </a:solidFill>
@@ -3819,7 +3795,7 @@
               <a:buChar char="§"/>
             </a:pPr>
             <a:r>
-              <a:rPr lang="en-US" sz="5000" b="0" dirty="0">
+              <a:rPr lang="en-US" sz="5000" b="0">
                 <a:solidFill>
                   <a:schemeClr val="tx1"/>
                 </a:solidFill>
@@ -3836,7 +3812,7 @@
               <a:buChar char="§"/>
             </a:pPr>
             <a:r>
-              <a:rPr lang="en-US" sz="5000" b="0" dirty="0">
+              <a:rPr lang="en-US" sz="5000" b="0">
                 <a:solidFill>
                   <a:schemeClr val="tx1"/>
                 </a:solidFill>
@@ -3905,7 +3881,7 @@
               </a:spcAft>
             </a:pPr>
             <a:r>
-              <a:rPr lang="en-US" sz="3200" b="1" dirty="0">
+              <a:rPr lang="en-US" sz="3200" b="1">
                 <a:solidFill>
                   <a:schemeClr val="tx1"/>
                 </a:solidFill>
@@ -3929,7 +3905,7 @@
               <a:buChar char="§"/>
             </a:pPr>
             <a:r>
-              <a:rPr lang="en-US" sz="3200" dirty="0">
+              <a:rPr lang="en-US" sz="3200">
                 <a:solidFill>
                   <a:schemeClr val="tx1"/>
                 </a:solidFill>
@@ -3939,7 +3915,7 @@
               <a:t>Francia Matteo et al. “Colossal Trajectory Mining: A unifying approach to mine behavioral mobility patterns.” </a:t>
             </a:r>
             <a:r>
-              <a:rPr lang="en-US" sz="3200" b="1" dirty="0">
+              <a:rPr lang="en-US" sz="3200" b="1">
                 <a:solidFill>
                   <a:schemeClr val="tx1"/>
                 </a:solidFill>
@@ -3949,7 +3925,7 @@
               <a:t>Expert Systems with Applications</a:t>
             </a:r>
             <a:r>
-              <a:rPr lang="en-US" sz="3200" dirty="0">
+              <a:rPr lang="en-US" sz="3200">
                 <a:solidFill>
                   <a:schemeClr val="tx1"/>
                 </a:solidFill>
@@ -3958,7 +3934,7 @@
               </a:rPr>
               <a:t> 238 (2024): 122055.</a:t>
             </a:r>
-            <a:endParaRPr lang="en-US" sz="3200" dirty="0">
+            <a:endParaRPr lang="en-US" sz="3200">
               <a:solidFill>
                 <a:schemeClr val="tx1"/>
               </a:solidFill>
@@ -4029,7 +4005,7 @@
                 <a:latin typeface="Helvetica" panose="020B0604020202020204" pitchFamily="34" charset="0"/>
                 <a:cs typeface="Helvetica" panose="020B0604020202020204" pitchFamily="34" charset="0"/>
               </a:rPr>
-              <a:t> Rather than enumerating groups of MOs and computing the similarity of their trajectories...</a:t>
+              <a:t>Rather than enumerating groups of MOs and computing the similarity of their trajectories...</a:t>
             </a:r>
           </a:p>
           <a:p>
@@ -4117,7 +4093,7 @@
                 <a:latin typeface="Helvetica" panose="020B0604020202020204" pitchFamily="34" charset="0"/>
                 <a:cs typeface="Helvetica" panose="020B0604020202020204" pitchFamily="34" charset="0"/>
               </a:rPr>
-              <a:t> (e.g., means of transport, activity, time of the day)</a:t>
+              <a:t> (e.g., means of transport, activity, times of the day)</a:t>
             </a:r>
           </a:p>
           <a:p>
@@ -4387,10 +4363,10 @@
           </p:nvGrpSpPr>
           <p:grpSpPr>
             <a:xfrm>
-              <a:off x="18603371" y="19376850"/>
-              <a:ext cx="4730123" cy="4792187"/>
-              <a:chOff x="18438777" y="19376617"/>
-              <a:chExt cx="4730123" cy="4792187"/>
+              <a:off x="18514471" y="19376850"/>
+              <a:ext cx="4819023" cy="4792187"/>
+              <a:chOff x="18349877" y="19376617"/>
+              <a:chExt cx="4819023" cy="4792187"/>
             </a:xfrm>
           </p:grpSpPr>
           <p:pic>
@@ -4504,7 +4480,7 @@
             </p:nvSpPr>
             <p:spPr>
               <a:xfrm>
-                <a:off x="18450357" y="23128170"/>
+                <a:off x="18361457" y="23267870"/>
                 <a:ext cx="1851789" cy="646331"/>
               </a:xfrm>
               <a:prstGeom prst="rect">
@@ -4519,7 +4495,7 @@
               <a:lstStyle/>
               <a:p>
                 <a:r>
-                  <a:rPr lang="it-IT" sz="3600" dirty="0">
+                  <a:rPr lang="en-US" sz="3600">
                     <a:latin typeface="Helvetica" panose="020B0604020202020204" pitchFamily="34" charset="0"/>
                     <a:cs typeface="Helvetica" panose="020B0604020202020204" pitchFamily="34" charset="0"/>
                   </a:rPr>
@@ -4542,7 +4518,7 @@
             </p:nvSpPr>
             <p:spPr>
               <a:xfrm>
-                <a:off x="18438777" y="21286265"/>
+                <a:off x="18349877" y="21425965"/>
                 <a:ext cx="2185214" cy="646331"/>
               </a:xfrm>
               <a:prstGeom prst="rect">
@@ -4557,16 +4533,12 @@
               <a:lstStyle/>
               <a:p>
                 <a:r>
-                  <a:rPr lang="it-IT" sz="3600" dirty="0" err="1">
+                  <a:rPr lang="en-US" sz="3600">
                     <a:latin typeface="Helvetica" panose="020B0604020202020204" pitchFamily="34" charset="0"/>
                     <a:cs typeface="Helvetica" panose="020B0604020202020204" pitchFamily="34" charset="0"/>
                   </a:rPr>
                   <a:t>Afternoon</a:t>
                 </a:r>
-                <a:endParaRPr lang="it-IT" sz="3600" dirty="0">
-                  <a:latin typeface="Helvetica" panose="020B0604020202020204" pitchFamily="34" charset="0"/>
-                  <a:cs typeface="Helvetica" panose="020B0604020202020204" pitchFamily="34" charset="0"/>
-                </a:endParaRPr>
               </a:p>
             </p:txBody>
           </p:sp>
@@ -4599,7 +4571,7 @@
               <a:lstStyle/>
               <a:p>
                 <a:r>
-                  <a:rPr lang="it-IT" sz="2000" i="1" dirty="0">
+                  <a:rPr lang="en-US" sz="2000" i="1">
                     <a:solidFill>
                       <a:schemeClr val="accent1">
                         <a:lumMod val="75000"/>
@@ -4610,7 +4582,7 @@
                   </a:rPr>
                   <a:t>A</a:t>
                 </a:r>
-                <a:endParaRPr lang="en-US" sz="2000" i="1" baseline="-25000" dirty="0">
+                <a:endParaRPr lang="en-US" sz="2000" i="1" baseline="-25000">
                   <a:solidFill>
                     <a:schemeClr val="accent1">
                       <a:lumMod val="75000"/>
@@ -4651,7 +4623,7 @@
               <a:lstStyle/>
               <a:p>
                 <a:r>
-                  <a:rPr lang="it-IT" sz="2000" i="1" dirty="0">
+                  <a:rPr lang="en-US" sz="2000" i="1">
                     <a:solidFill>
                       <a:schemeClr val="accent1">
                         <a:lumMod val="75000"/>
@@ -4662,7 +4634,7 @@
                   </a:rPr>
                   <a:t>B</a:t>
                 </a:r>
-                <a:endParaRPr lang="en-US" sz="2000" i="1" baseline="-25000" dirty="0">
+                <a:endParaRPr lang="en-US" sz="2000" i="1" baseline="-25000">
                   <a:solidFill>
                     <a:schemeClr val="accent1">
                       <a:lumMod val="75000"/>
@@ -4703,7 +4675,7 @@
               <a:lstStyle/>
               <a:p>
                 <a:r>
-                  <a:rPr lang="it-IT" sz="2000" i="1" dirty="0">
+                  <a:rPr lang="en-US" sz="2000" i="1">
                     <a:solidFill>
                       <a:schemeClr val="accent1">
                         <a:lumMod val="75000"/>
@@ -4714,7 +4686,7 @@
                   </a:rPr>
                   <a:t>C</a:t>
                 </a:r>
-                <a:endParaRPr lang="en-US" sz="2000" i="1" baseline="-25000" dirty="0">
+                <a:endParaRPr lang="en-US" sz="2000" i="1" baseline="-25000">
                   <a:solidFill>
                     <a:schemeClr val="accent1">
                       <a:lumMod val="75000"/>
@@ -4755,7 +4727,7 @@
               <a:lstStyle/>
               <a:p>
                 <a:r>
-                  <a:rPr lang="it-IT" sz="2000" i="1" dirty="0">
+                  <a:rPr lang="en-US" sz="2000" i="1">
                     <a:solidFill>
                       <a:schemeClr val="accent1">
                         <a:lumMod val="75000"/>
@@ -4766,7 +4738,7 @@
                   </a:rPr>
                   <a:t>F</a:t>
                 </a:r>
-                <a:endParaRPr lang="en-US" sz="2000" i="1" baseline="-25000" dirty="0">
+                <a:endParaRPr lang="en-US" sz="2000" i="1" baseline="-25000">
                   <a:solidFill>
                     <a:schemeClr val="accent1">
                       <a:lumMod val="75000"/>
@@ -4807,7 +4779,7 @@
               <a:lstStyle/>
               <a:p>
                 <a:r>
-                  <a:rPr lang="it-IT" sz="2000" i="1" dirty="0">
+                  <a:rPr lang="en-US" sz="2000" i="1">
                     <a:solidFill>
                       <a:schemeClr val="accent1">
                         <a:lumMod val="75000"/>
@@ -4818,7 +4790,7 @@
                   </a:rPr>
                   <a:t>E</a:t>
                 </a:r>
-                <a:endParaRPr lang="en-US" sz="2000" i="1" baseline="-25000" dirty="0">
+                <a:endParaRPr lang="en-US" sz="2000" i="1" baseline="-25000">
                   <a:solidFill>
                     <a:schemeClr val="accent1">
                       <a:lumMod val="75000"/>
@@ -4859,7 +4831,7 @@
               <a:lstStyle/>
               <a:p>
                 <a:r>
-                  <a:rPr lang="it-IT" sz="2000" i="1" dirty="0">
+                  <a:rPr lang="en-US" sz="2000" i="1">
                     <a:solidFill>
                       <a:schemeClr val="accent1">
                         <a:lumMod val="75000"/>
@@ -4870,7 +4842,7 @@
                   </a:rPr>
                   <a:t>D</a:t>
                 </a:r>
-                <a:endParaRPr lang="en-US" sz="2000" i="1" baseline="-25000" dirty="0">
+                <a:endParaRPr lang="en-US" sz="2000" i="1" baseline="-25000">
                   <a:solidFill>
                     <a:schemeClr val="accent1">
                       <a:lumMod val="75000"/>
@@ -4911,7 +4883,7 @@
               <a:lstStyle/>
               <a:p>
                 <a:r>
-                  <a:rPr lang="it-IT" sz="2000" i="1" dirty="0">
+                  <a:rPr lang="en-US" sz="2000" i="1">
                     <a:solidFill>
                       <a:schemeClr val="accent1">
                         <a:lumMod val="75000"/>
@@ -4922,7 +4894,7 @@
                   </a:rPr>
                   <a:t>G</a:t>
                 </a:r>
-                <a:endParaRPr lang="en-US" sz="2000" i="1" baseline="-25000" dirty="0">
+                <a:endParaRPr lang="en-US" sz="2000" i="1" baseline="-25000">
                   <a:solidFill>
                     <a:schemeClr val="accent1">
                       <a:lumMod val="75000"/>
@@ -5046,7 +5018,7 @@
           </p:nvSpPr>
           <p:spPr>
             <a:xfrm>
-              <a:off x="18627632" y="16803373"/>
+              <a:off x="18538732" y="16943073"/>
               <a:ext cx="1851789" cy="646331"/>
             </a:xfrm>
             <a:prstGeom prst="rect">
@@ -5061,7 +5033,7 @@
             <a:lstStyle/>
             <a:p>
               <a:r>
-                <a:rPr lang="it-IT" sz="3600" dirty="0">
+                <a:rPr lang="en-US" sz="3600">
                   <a:latin typeface="Helvetica" panose="020B0604020202020204" pitchFamily="34" charset="0"/>
                   <a:cs typeface="Helvetica" panose="020B0604020202020204" pitchFamily="34" charset="0"/>
                 </a:rPr>
@@ -5084,7 +5056,7 @@
           </p:nvSpPr>
           <p:spPr>
             <a:xfrm>
-              <a:off x="18616052" y="14961468"/>
+              <a:off x="18527152" y="15101168"/>
               <a:ext cx="2185214" cy="646331"/>
             </a:xfrm>
             <a:prstGeom prst="rect">
@@ -5099,16 +5071,12 @@
             <a:lstStyle/>
             <a:p>
               <a:r>
-                <a:rPr lang="it-IT" sz="3600" dirty="0" err="1">
+                <a:rPr lang="en-US" sz="3600">
                   <a:latin typeface="Helvetica" panose="020B0604020202020204" pitchFamily="34" charset="0"/>
                   <a:cs typeface="Helvetica" panose="020B0604020202020204" pitchFamily="34" charset="0"/>
                 </a:rPr>
                 <a:t>Afternoon</a:t>
               </a:r>
-              <a:endParaRPr lang="it-IT" sz="3600" dirty="0">
-                <a:latin typeface="Helvetica" panose="020B0604020202020204" pitchFamily="34" charset="0"/>
-                <a:cs typeface="Helvetica" panose="020B0604020202020204" pitchFamily="34" charset="0"/>
-              </a:endParaRPr>
             </a:p>
           </p:txBody>
         </p:sp>
@@ -5161,7 +5129,7 @@
             <a:p>
               <a:pPr algn="ctr"/>
               <a:r>
-                <a:rPr lang="en-US" sz="5500" dirty="0">
+                <a:rPr lang="en-US" sz="5500">
                   <a:solidFill>
                     <a:schemeClr val="bg1"/>
                   </a:solidFill>
@@ -5171,7 +5139,7 @@
                 <a:t>Abstracting</a:t>
               </a:r>
               <a:br>
-                <a:rPr lang="en-US" sz="5500" dirty="0">
+                <a:rPr lang="en-US" sz="5500">
                   <a:solidFill>
                     <a:schemeClr val="bg1"/>
                   </a:solidFill>
@@ -5180,7 +5148,7 @@
                 </a:rPr>
               </a:br>
               <a:r>
-                <a:rPr lang="en-US" sz="5500" dirty="0">
+                <a:rPr lang="en-US" sz="5500">
                   <a:solidFill>
                     <a:schemeClr val="bg1"/>
                   </a:solidFill>
@@ -5241,7 +5209,7 @@
             <a:p>
               <a:pPr algn="ctr"/>
               <a:r>
-                <a:rPr lang="en-US" sz="5500" dirty="0">
+                <a:rPr lang="en-US" sz="5500">
                   <a:solidFill>
                     <a:schemeClr val="bg1"/>
                   </a:solidFill>
@@ -5302,7 +5270,7 @@
             <a:p>
               <a:pPr algn="ctr"/>
               <a:r>
-                <a:rPr lang="en-US" sz="5500" dirty="0">
+                <a:rPr lang="en-US" sz="5500">
                   <a:solidFill>
                     <a:schemeClr val="bg1"/>
                   </a:solidFill>
@@ -5344,7 +5312,7 @@
             <a:p>
               <a:pPr algn="ctr"/>
               <a:r>
-                <a:rPr lang="en-US" sz="5500" dirty="0">
+                <a:rPr lang="en-US" sz="5500">
                   <a:latin typeface="Helvetica" panose="020B0604020202020204" pitchFamily="34" charset="0"/>
                   <a:cs typeface="Helvetica" panose="020B0604020202020204" pitchFamily="34" charset="0"/>
                 </a:rPr>
@@ -5382,7 +5350,7 @@
             <a:lstStyle/>
             <a:p>
               <a:r>
-                <a:rPr lang="en-US" sz="5500" dirty="0">
+                <a:rPr lang="en-US" sz="5500">
                   <a:latin typeface="Helvetica" panose="020B0604020202020204" pitchFamily="34" charset="0"/>
                   <a:cs typeface="Helvetica" panose="020B0604020202020204" pitchFamily="34" charset="0"/>
                 </a:rPr>
@@ -5420,7 +5388,7 @@
             <a:lstStyle/>
             <a:p>
               <a:r>
-                <a:rPr lang="it-IT" sz="2000" i="1" dirty="0">
+                <a:rPr lang="en-US" sz="2000" i="1">
                   <a:solidFill>
                     <a:schemeClr val="accent1">
                       <a:lumMod val="75000"/>
@@ -5431,7 +5399,7 @@
                 </a:rPr>
                 <a:t>A</a:t>
               </a:r>
-              <a:endParaRPr lang="en-US" sz="2000" i="1" baseline="-25000" dirty="0">
+              <a:endParaRPr lang="en-US" sz="2000" i="1" baseline="-25000">
                 <a:solidFill>
                   <a:schemeClr val="accent1">
                     <a:lumMod val="75000"/>
@@ -5472,7 +5440,7 @@
             <a:lstStyle/>
             <a:p>
               <a:r>
-                <a:rPr lang="it-IT" sz="2000" i="1" dirty="0">
+                <a:rPr lang="en-US" sz="2000" i="1">
                   <a:solidFill>
                     <a:schemeClr val="accent1">
                       <a:lumMod val="75000"/>
@@ -5483,7 +5451,7 @@
                 </a:rPr>
                 <a:t>B</a:t>
               </a:r>
-              <a:endParaRPr lang="en-US" sz="2000" i="1" baseline="-25000" dirty="0">
+              <a:endParaRPr lang="en-US" sz="2000" i="1" baseline="-25000">
                 <a:solidFill>
                   <a:schemeClr val="accent1">
                     <a:lumMod val="75000"/>
@@ -5524,7 +5492,7 @@
             <a:lstStyle/>
             <a:p>
               <a:r>
-                <a:rPr lang="it-IT" sz="2000" i="1" dirty="0">
+                <a:rPr lang="en-US" sz="2000" i="1">
                   <a:solidFill>
                     <a:schemeClr val="accent1">
                       <a:lumMod val="75000"/>
@@ -5535,7 +5503,7 @@
                 </a:rPr>
                 <a:t>C</a:t>
               </a:r>
-              <a:endParaRPr lang="en-US" sz="2000" i="1" baseline="-25000" dirty="0">
+              <a:endParaRPr lang="en-US" sz="2000" i="1" baseline="-25000">
                 <a:solidFill>
                   <a:schemeClr val="accent1">
                     <a:lumMod val="75000"/>
@@ -5577,7 +5545,7 @@
             <a:p>
               <a:pPr algn="ctr"/>
               <a:r>
-                <a:rPr lang="en-US" sz="5500" dirty="0">
+                <a:rPr lang="en-US" sz="5500">
                   <a:latin typeface="Helvetica" panose="020B0604020202020204" pitchFamily="34" charset="0"/>
                   <a:cs typeface="Helvetica" panose="020B0604020202020204" pitchFamily="34" charset="0"/>
                 </a:rPr>
@@ -5615,49 +5583,49 @@
             <a:lstStyle/>
             <a:p>
               <a:r>
-                <a:rPr lang="en-US" sz="5500" dirty="0">
+                <a:rPr lang="en-US" sz="5500">
                   <a:latin typeface="Times New Roman" panose="02020603050405020304" pitchFamily="18" charset="0"/>
                   <a:cs typeface="Times New Roman" panose="02020603050405020304" pitchFamily="18" charset="0"/>
                 </a:rPr>
                 <a:t>I</a:t>
               </a:r>
               <a:r>
-                <a:rPr lang="en-US" sz="5500" baseline="-25000" dirty="0">
+                <a:rPr lang="en-US" sz="5500" baseline="-25000">
                   <a:latin typeface="Times New Roman" panose="02020603050405020304" pitchFamily="18" charset="0"/>
                   <a:cs typeface="Times New Roman" panose="02020603050405020304" pitchFamily="18" charset="0"/>
                 </a:rPr>
                 <a:t>A</a:t>
               </a:r>
               <a:r>
-                <a:rPr lang="en-US" sz="5500" dirty="0">
+                <a:rPr lang="en-US" sz="5500">
                   <a:latin typeface="Times New Roman" panose="02020603050405020304" pitchFamily="18" charset="0"/>
                   <a:cs typeface="Times New Roman" panose="02020603050405020304" pitchFamily="18" charset="0"/>
                 </a:rPr>
                 <a:t> = {T</a:t>
               </a:r>
               <a:r>
-                <a:rPr lang="en-US" sz="5500" baseline="-25000" dirty="0">
+                <a:rPr lang="en-US" sz="5500" baseline="-25000">
                   <a:latin typeface="Times New Roman" panose="02020603050405020304" pitchFamily="18" charset="0"/>
                   <a:cs typeface="Times New Roman" panose="02020603050405020304" pitchFamily="18" charset="0"/>
                 </a:rPr>
                 <a:t>R</a:t>
               </a:r>
               <a:r>
-                <a:rPr lang="en-US" sz="5500" dirty="0">
+                <a:rPr lang="en-US" sz="5500">
                   <a:latin typeface="Times New Roman" panose="02020603050405020304" pitchFamily="18" charset="0"/>
                   <a:cs typeface="Times New Roman" panose="02020603050405020304" pitchFamily="18" charset="0"/>
                 </a:rPr>
                 <a:t>, T</a:t>
               </a:r>
               <a:r>
-                <a:rPr lang="en-US" sz="5500" baseline="-25000" dirty="0">
+                <a:rPr lang="en-US" sz="5500" baseline="-25000">
                   <a:latin typeface="Times New Roman" panose="02020603050405020304" pitchFamily="18" charset="0"/>
                   <a:cs typeface="Times New Roman" panose="02020603050405020304" pitchFamily="18" charset="0"/>
                 </a:rPr>
                 <a:t>B</a:t>
               </a:r>
               <a:r>
-                <a:rPr lang="en-US" sz="5500" dirty="0">
+                <a:rPr lang="en-US" sz="5500">
                   <a:latin typeface="Times New Roman" panose="02020603050405020304" pitchFamily="18" charset="0"/>
                   <a:cs typeface="Times New Roman" panose="02020603050405020304" pitchFamily="18" charset="0"/>
                 </a:rPr>
@@ -5666,49 +5634,49 @@
             </a:p>
             <a:p>
               <a:r>
-                <a:rPr lang="en-US" sz="5500" dirty="0">
+                <a:rPr lang="en-US" sz="5500">
                   <a:latin typeface="Times New Roman" panose="02020603050405020304" pitchFamily="18" charset="0"/>
                   <a:cs typeface="Times New Roman" panose="02020603050405020304" pitchFamily="18" charset="0"/>
                 </a:rPr>
                 <a:t>I</a:t>
               </a:r>
               <a:r>
-                <a:rPr lang="en-US" sz="5500" baseline="-25000" dirty="0">
+                <a:rPr lang="en-US" sz="5500" baseline="-25000">
                   <a:latin typeface="Times New Roman" panose="02020603050405020304" pitchFamily="18" charset="0"/>
                   <a:cs typeface="Times New Roman" panose="02020603050405020304" pitchFamily="18" charset="0"/>
                 </a:rPr>
                 <a:t>B</a:t>
               </a:r>
               <a:r>
-                <a:rPr lang="en-US" sz="5500" dirty="0">
+                <a:rPr lang="en-US" sz="5500">
                   <a:latin typeface="Times New Roman" panose="02020603050405020304" pitchFamily="18" charset="0"/>
                   <a:cs typeface="Times New Roman" panose="02020603050405020304" pitchFamily="18" charset="0"/>
                 </a:rPr>
                 <a:t> = {T</a:t>
               </a:r>
               <a:r>
-                <a:rPr lang="en-US" sz="5500" baseline="-25000" dirty="0">
+                <a:rPr lang="en-US" sz="5500" baseline="-25000">
                   <a:latin typeface="Times New Roman" panose="02020603050405020304" pitchFamily="18" charset="0"/>
                   <a:cs typeface="Times New Roman" panose="02020603050405020304" pitchFamily="18" charset="0"/>
                 </a:rPr>
                 <a:t>R</a:t>
               </a:r>
               <a:r>
-                <a:rPr lang="en-US" sz="5500" dirty="0">
+                <a:rPr lang="en-US" sz="5500">
                   <a:latin typeface="Times New Roman" panose="02020603050405020304" pitchFamily="18" charset="0"/>
                   <a:cs typeface="Times New Roman" panose="02020603050405020304" pitchFamily="18" charset="0"/>
                 </a:rPr>
                 <a:t>, T</a:t>
               </a:r>
               <a:r>
-                <a:rPr lang="en-US" sz="5500" baseline="-25000" dirty="0">
+                <a:rPr lang="en-US" sz="5500" baseline="-25000">
                   <a:latin typeface="Times New Roman" panose="02020603050405020304" pitchFamily="18" charset="0"/>
                   <a:cs typeface="Times New Roman" panose="02020603050405020304" pitchFamily="18" charset="0"/>
                 </a:rPr>
                 <a:t>B</a:t>
               </a:r>
               <a:r>
-                <a:rPr lang="en-US" sz="5500" dirty="0">
+                <a:rPr lang="en-US" sz="5500">
                   <a:latin typeface="Times New Roman" panose="02020603050405020304" pitchFamily="18" charset="0"/>
                   <a:cs typeface="Times New Roman" panose="02020603050405020304" pitchFamily="18" charset="0"/>
                 </a:rPr>
@@ -5717,7 +5685,7 @@
             </a:p>
             <a:p>
               <a:r>
-                <a:rPr lang="en-US" sz="5500" dirty="0">
+                <a:rPr lang="en-US" sz="5500">
                   <a:latin typeface="Times New Roman" panose="02020603050405020304" pitchFamily="18" charset="0"/>
                   <a:cs typeface="Times New Roman" panose="02020603050405020304" pitchFamily="18" charset="0"/>
                 </a:rPr>
@@ -5726,35 +5694,35 @@
             </a:p>
             <a:p>
               <a:r>
-                <a:rPr lang="en-US" sz="5500" dirty="0">
+                <a:rPr lang="en-US" sz="5500">
                   <a:latin typeface="Times New Roman" panose="02020603050405020304" pitchFamily="18" charset="0"/>
                   <a:cs typeface="Times New Roman" panose="02020603050405020304" pitchFamily="18" charset="0"/>
                 </a:rPr>
                 <a:t>I</a:t>
               </a:r>
               <a:r>
-                <a:rPr lang="en-US" sz="5500" baseline="-25000" dirty="0">
+                <a:rPr lang="en-US" sz="5500" baseline="-25000">
                   <a:latin typeface="Times New Roman" panose="02020603050405020304" pitchFamily="18" charset="0"/>
                   <a:cs typeface="Times New Roman" panose="02020603050405020304" pitchFamily="18" charset="0"/>
                 </a:rPr>
                 <a:t>X</a:t>
               </a:r>
               <a:r>
-                <a:rPr lang="en-US" sz="5500" dirty="0">
+                <a:rPr lang="en-US" sz="5500">
                   <a:latin typeface="Times New Roman" panose="02020603050405020304" pitchFamily="18" charset="0"/>
                   <a:cs typeface="Times New Roman" panose="02020603050405020304" pitchFamily="18" charset="0"/>
                 </a:rPr>
                 <a:t> = {T</a:t>
               </a:r>
               <a:r>
-                <a:rPr lang="en-US" sz="5500" baseline="-25000" dirty="0">
+                <a:rPr lang="en-US" sz="5500" baseline="-25000">
                   <a:latin typeface="Times New Roman" panose="02020603050405020304" pitchFamily="18" charset="0"/>
                   <a:cs typeface="Times New Roman" panose="02020603050405020304" pitchFamily="18" charset="0"/>
                 </a:rPr>
                 <a:t>R</a:t>
               </a:r>
               <a:r>
-                <a:rPr lang="en-US" sz="5500" dirty="0">
+                <a:rPr lang="en-US" sz="5500">
                   <a:latin typeface="Times New Roman" panose="02020603050405020304" pitchFamily="18" charset="0"/>
                   <a:cs typeface="Times New Roman" panose="02020603050405020304" pitchFamily="18" charset="0"/>
                 </a:rPr>
@@ -6579,7 +6547,7 @@
             <a:p>
               <a:pPr algn="ctr"/>
               <a:r>
-                <a:rPr lang="en-US" sz="5500" dirty="0">
+                <a:rPr lang="en-US" sz="5500">
                   <a:latin typeface="Helvetica" panose="020B0604020202020204" pitchFamily="34" charset="0"/>
                   <a:cs typeface="Helvetica" panose="020B0604020202020204" pitchFamily="34" charset="0"/>
                 </a:rPr>
@@ -7024,7 +6992,7 @@
             <a:lstStyle/>
             <a:p>
               <a:r>
-                <a:rPr lang="en-US" sz="5500" dirty="0">
+                <a:rPr lang="en-US" sz="5500">
                   <a:latin typeface="Helvetica" panose="020B0604020202020204" pitchFamily="34" charset="0"/>
                   <a:cs typeface="Helvetica" panose="020B0604020202020204" pitchFamily="34" charset="0"/>
                 </a:rPr>
@@ -7033,7 +7001,7 @@
             </a:p>
             <a:p>
               <a:r>
-                <a:rPr lang="en-US" sz="5500" dirty="0">
+                <a:rPr lang="en-US" sz="5500">
                   <a:latin typeface="Helvetica" panose="020B0604020202020204" pitchFamily="34" charset="0"/>
                   <a:cs typeface="Helvetica" panose="020B0604020202020204" pitchFamily="34" charset="0"/>
                 </a:rPr>
@@ -7056,7 +7024,7 @@
           </p:nvSpPr>
           <p:spPr>
             <a:xfrm>
-              <a:off x="26365969" y="37129931"/>
+              <a:off x="19985434" y="37244231"/>
               <a:ext cx="1851789" cy="646331"/>
             </a:xfrm>
             <a:prstGeom prst="rect">
@@ -7071,7 +7039,7 @@
             <a:lstStyle/>
             <a:p>
               <a:r>
-                <a:rPr lang="it-IT" sz="3600" dirty="0">
+                <a:rPr lang="en-US" sz="3600">
                   <a:latin typeface="Helvetica" panose="020B0604020202020204" pitchFamily="34" charset="0"/>
                   <a:cs typeface="Helvetica" panose="020B0604020202020204" pitchFamily="34" charset="0"/>
                 </a:rPr>
@@ -7094,7 +7062,7 @@
           </p:nvSpPr>
           <p:spPr>
             <a:xfrm>
-              <a:off x="26390801" y="34737040"/>
+              <a:off x="20010266" y="34890250"/>
               <a:ext cx="2185214" cy="646331"/>
             </a:xfrm>
             <a:prstGeom prst="rect">
@@ -7109,16 +7077,12 @@
             <a:lstStyle/>
             <a:p>
               <a:r>
-                <a:rPr lang="it-IT" sz="3600" dirty="0" err="1">
+                <a:rPr lang="en-US" sz="3600" dirty="0">
                   <a:latin typeface="Helvetica" panose="020B0604020202020204" pitchFamily="34" charset="0"/>
                   <a:cs typeface="Helvetica" panose="020B0604020202020204" pitchFamily="34" charset="0"/>
                 </a:rPr>
                 <a:t>Afternoon</a:t>
               </a:r>
-              <a:endParaRPr lang="it-IT" sz="3600" dirty="0">
-                <a:latin typeface="Helvetica" panose="020B0604020202020204" pitchFamily="34" charset="0"/>
-                <a:cs typeface="Helvetica" panose="020B0604020202020204" pitchFamily="34" charset="0"/>
-              </a:endParaRPr>
             </a:p>
           </p:txBody>
         </p:sp>
@@ -7151,20 +7115,20 @@
             <a:lstStyle/>
             <a:p>
               <a:r>
-                <a:rPr lang="en-US" sz="4000" dirty="0">
+                <a:rPr lang="en-US" sz="4000">
                   <a:latin typeface="Times New Roman" panose="02020603050405020304" pitchFamily="18" charset="0"/>
                   <a:cs typeface="Times New Roman" panose="02020603050405020304" pitchFamily="18" charset="0"/>
                 </a:rPr>
                 <a:t>T</a:t>
               </a:r>
               <a:r>
-                <a:rPr lang="en-US" sz="4000" baseline="-25000" dirty="0">
+                <a:rPr lang="en-US" sz="4000" baseline="-25000">
                   <a:latin typeface="Times New Roman" panose="02020603050405020304" pitchFamily="18" charset="0"/>
                   <a:cs typeface="Times New Roman" panose="02020603050405020304" pitchFamily="18" charset="0"/>
                 </a:rPr>
                 <a:t>B</a:t>
               </a:r>
-              <a:endParaRPr lang="en-US" sz="4000" dirty="0"/>
+              <a:endParaRPr lang="en-US" sz="4000"/>
             </a:p>
           </p:txBody>
         </p:sp>
@@ -7197,20 +7161,20 @@
             <a:lstStyle/>
             <a:p>
               <a:r>
-                <a:rPr lang="en-US" sz="4000" dirty="0">
+                <a:rPr lang="en-US" sz="4000">
                   <a:latin typeface="Times New Roman" panose="02020603050405020304" pitchFamily="18" charset="0"/>
                   <a:cs typeface="Times New Roman" panose="02020603050405020304" pitchFamily="18" charset="0"/>
                 </a:rPr>
                 <a:t>T</a:t>
               </a:r>
               <a:r>
-                <a:rPr lang="en-US" sz="4000" baseline="-25000" dirty="0">
+                <a:rPr lang="en-US" sz="4000" baseline="-25000">
                   <a:latin typeface="Times New Roman" panose="02020603050405020304" pitchFamily="18" charset="0"/>
                   <a:cs typeface="Times New Roman" panose="02020603050405020304" pitchFamily="18" charset="0"/>
                 </a:rPr>
                 <a:t>R </a:t>
               </a:r>
-              <a:endParaRPr lang="en-US" sz="4000" dirty="0"/>
+              <a:endParaRPr lang="en-US" sz="4000"/>
             </a:p>
           </p:txBody>
         </p:sp>
@@ -7243,7 +7207,7 @@
             <a:lstStyle/>
             <a:p>
               <a:r>
-                <a:rPr lang="it-IT" sz="2000" i="1" dirty="0">
+                <a:rPr lang="en-US" sz="2000" i="1">
                   <a:solidFill>
                     <a:schemeClr val="accent1">
                       <a:lumMod val="75000"/>
@@ -7254,7 +7218,7 @@
                 </a:rPr>
                 <a:t>F</a:t>
               </a:r>
-              <a:endParaRPr lang="en-US" sz="2000" i="1" baseline="-25000" dirty="0">
+              <a:endParaRPr lang="en-US" sz="2000" i="1" baseline="-25000">
                 <a:solidFill>
                   <a:schemeClr val="accent1">
                     <a:lumMod val="75000"/>
@@ -7295,7 +7259,7 @@
             <a:lstStyle/>
             <a:p>
               <a:r>
-                <a:rPr lang="it-IT" sz="2000" i="1" dirty="0">
+                <a:rPr lang="en-US" sz="2000" i="1">
                   <a:solidFill>
                     <a:schemeClr val="accent1">
                       <a:lumMod val="75000"/>
@@ -7306,7 +7270,7 @@
                 </a:rPr>
                 <a:t>E</a:t>
               </a:r>
-              <a:endParaRPr lang="en-US" sz="2000" i="1" baseline="-25000" dirty="0">
+              <a:endParaRPr lang="en-US" sz="2000" i="1" baseline="-25000">
                 <a:solidFill>
                   <a:schemeClr val="accent1">
                     <a:lumMod val="75000"/>
@@ -7347,7 +7311,7 @@
             <a:lstStyle/>
             <a:p>
               <a:r>
-                <a:rPr lang="it-IT" sz="2000" i="1" dirty="0">
+                <a:rPr lang="en-US" sz="2000" i="1">
                   <a:solidFill>
                     <a:schemeClr val="accent1">
                       <a:lumMod val="75000"/>
@@ -7358,7 +7322,7 @@
                 </a:rPr>
                 <a:t>D</a:t>
               </a:r>
-              <a:endParaRPr lang="en-US" sz="2000" i="1" baseline="-25000" dirty="0">
+              <a:endParaRPr lang="en-US" sz="2000" i="1" baseline="-25000">
                 <a:solidFill>
                   <a:schemeClr val="accent1">
                     <a:lumMod val="75000"/>
@@ -7399,7 +7363,7 @@
             <a:lstStyle/>
             <a:p>
               <a:r>
-                <a:rPr lang="it-IT" sz="2000" i="1" dirty="0">
+                <a:rPr lang="en-US" sz="2000" i="1">
                   <a:solidFill>
                     <a:schemeClr val="accent1">
                       <a:lumMod val="75000"/>
@@ -7410,7 +7374,7 @@
                 </a:rPr>
                 <a:t>G</a:t>
               </a:r>
-              <a:endParaRPr lang="en-US" sz="2000" i="1" baseline="-25000" dirty="0">
+              <a:endParaRPr lang="en-US" sz="2000" i="1" baseline="-25000">
                 <a:solidFill>
                   <a:schemeClr val="accent1">
                     <a:lumMod val="75000"/>
@@ -8871,7 +8835,7 @@
             <a:lstStyle/>
             <a:p>
               <a:r>
-                <a:rPr lang="it-IT" sz="2000" i="1" dirty="0">
+                <a:rPr lang="en-US" sz="2000" i="1">
                   <a:solidFill>
                     <a:schemeClr val="accent1">
                       <a:lumMod val="75000"/>
@@ -8882,7 +8846,7 @@
                 </a:rPr>
                 <a:t>X</a:t>
               </a:r>
-              <a:endParaRPr lang="en-US" sz="2000" i="1" baseline="-25000" dirty="0">
+              <a:endParaRPr lang="en-US" sz="2000" i="1" baseline="-25000">
                 <a:solidFill>
                   <a:schemeClr val="accent1">
                     <a:lumMod val="75000"/>
@@ -9024,35 +8988,35 @@
             <a:lstStyle/>
             <a:p>
               <a:r>
-                <a:rPr lang="en-US" sz="5500" dirty="0">
+                <a:rPr lang="en-US" sz="5500">
                   <a:latin typeface="Times New Roman" panose="02020603050405020304" pitchFamily="18" charset="0"/>
                   <a:cs typeface="Times New Roman" panose="02020603050405020304" pitchFamily="18" charset="0"/>
                 </a:rPr>
                 <a:t>I = {T</a:t>
               </a:r>
               <a:r>
-                <a:rPr lang="en-US" sz="5500" baseline="-25000" dirty="0">
+                <a:rPr lang="en-US" sz="5500" baseline="-25000">
                   <a:latin typeface="Times New Roman" panose="02020603050405020304" pitchFamily="18" charset="0"/>
                   <a:cs typeface="Times New Roman" panose="02020603050405020304" pitchFamily="18" charset="0"/>
                 </a:rPr>
                 <a:t>R</a:t>
               </a:r>
               <a:r>
-                <a:rPr lang="en-US" sz="5500" dirty="0">
+                <a:rPr lang="en-US" sz="5500">
                   <a:latin typeface="Times New Roman" panose="02020603050405020304" pitchFamily="18" charset="0"/>
                   <a:cs typeface="Times New Roman" panose="02020603050405020304" pitchFamily="18" charset="0"/>
                 </a:rPr>
                 <a:t>, T</a:t>
               </a:r>
               <a:r>
-                <a:rPr lang="en-US" sz="5500" baseline="-25000" dirty="0">
+                <a:rPr lang="en-US" sz="5500" baseline="-25000">
                   <a:latin typeface="Times New Roman" panose="02020603050405020304" pitchFamily="18" charset="0"/>
                   <a:cs typeface="Times New Roman" panose="02020603050405020304" pitchFamily="18" charset="0"/>
                 </a:rPr>
                 <a:t>B</a:t>
               </a:r>
               <a:r>
-                <a:rPr lang="en-US" sz="5500" dirty="0">
+                <a:rPr lang="en-US" sz="5500">
                   <a:latin typeface="Times New Roman" panose="02020603050405020304" pitchFamily="18" charset="0"/>
                   <a:cs typeface="Times New Roman" panose="02020603050405020304" pitchFamily="18" charset="0"/>
                 </a:rPr>
@@ -9061,7 +9025,7 @@
             </a:p>
             <a:p>
               <a:r>
-                <a:rPr lang="en-US" sz="5500" dirty="0">
+                <a:rPr lang="en-US" sz="5500">
                   <a:latin typeface="Times New Roman" panose="02020603050405020304" pitchFamily="18" charset="0"/>
                   <a:cs typeface="Times New Roman" panose="02020603050405020304" pitchFamily="18" charset="0"/>
                 </a:rPr>
@@ -9141,7 +9105,7 @@
             <a:lstStyle/>
             <a:p>
               <a:r>
-                <a:rPr lang="it-IT" sz="2400" i="1" dirty="0">
+                <a:rPr lang="en-US" sz="2400" i="1">
                   <a:solidFill>
                     <a:schemeClr val="accent1">
                       <a:lumMod val="75000"/>
@@ -9152,7 +9116,7 @@
                 </a:rPr>
                 <a:t>A</a:t>
               </a:r>
-              <a:endParaRPr lang="en-US" sz="2400" i="1" baseline="-25000" dirty="0">
+              <a:endParaRPr lang="en-US" sz="2400" i="1" baseline="-25000">
                 <a:solidFill>
                   <a:schemeClr val="accent1">
                     <a:lumMod val="75000"/>
@@ -9193,7 +9157,7 @@
             <a:lstStyle/>
             <a:p>
               <a:r>
-                <a:rPr lang="it-IT" sz="2400" i="1" dirty="0">
+                <a:rPr lang="en-US" sz="2400" i="1">
                   <a:solidFill>
                     <a:schemeClr val="accent1">
                       <a:lumMod val="75000"/>
@@ -9204,7 +9168,7 @@
                 </a:rPr>
                 <a:t>B</a:t>
               </a:r>
-              <a:endParaRPr lang="en-US" sz="2400" i="1" baseline="-25000" dirty="0">
+              <a:endParaRPr lang="en-US" sz="2400" i="1" baseline="-25000">
                 <a:solidFill>
                   <a:schemeClr val="accent1">
                     <a:lumMod val="75000"/>
@@ -9245,7 +9209,7 @@
             <a:lstStyle/>
             <a:p>
               <a:r>
-                <a:rPr lang="it-IT" sz="2400" i="1" dirty="0">
+                <a:rPr lang="en-US" sz="2400" i="1">
                   <a:solidFill>
                     <a:schemeClr val="accent1">
                       <a:lumMod val="75000"/>
@@ -9256,7 +9220,7 @@
                 </a:rPr>
                 <a:t>C</a:t>
               </a:r>
-              <a:endParaRPr lang="en-US" sz="2400" i="1" baseline="-25000" dirty="0">
+              <a:endParaRPr lang="en-US" sz="2400" i="1" baseline="-25000">
                 <a:solidFill>
                   <a:schemeClr val="accent1">
                     <a:lumMod val="75000"/>
@@ -9297,7 +9261,7 @@
             <a:lstStyle/>
             <a:p>
               <a:r>
-                <a:rPr lang="it-IT" sz="2400" i="1" dirty="0">
+                <a:rPr lang="en-US" sz="2400" i="1">
                   <a:solidFill>
                     <a:schemeClr val="accent1">
                       <a:lumMod val="75000"/>
@@ -9308,7 +9272,7 @@
                 </a:rPr>
                 <a:t>F</a:t>
               </a:r>
-              <a:endParaRPr lang="en-US" sz="2400" i="1" baseline="-25000" dirty="0">
+              <a:endParaRPr lang="en-US" sz="2400" i="1" baseline="-25000">
                 <a:solidFill>
                   <a:schemeClr val="accent1">
                     <a:lumMod val="75000"/>
@@ -9349,7 +9313,7 @@
             <a:lstStyle/>
             <a:p>
               <a:r>
-                <a:rPr lang="it-IT" sz="2400" i="1" dirty="0">
+                <a:rPr lang="en-US" sz="2400" i="1">
                   <a:solidFill>
                     <a:schemeClr val="accent1">
                       <a:lumMod val="75000"/>
@@ -9360,7 +9324,7 @@
                 </a:rPr>
                 <a:t>E</a:t>
               </a:r>
-              <a:endParaRPr lang="en-US" sz="2400" i="1" baseline="-25000" dirty="0">
+              <a:endParaRPr lang="en-US" sz="2400" i="1" baseline="-25000">
                 <a:solidFill>
                   <a:schemeClr val="accent1">
                     <a:lumMod val="75000"/>
@@ -9401,7 +9365,7 @@
             <a:lstStyle/>
             <a:p>
               <a:r>
-                <a:rPr lang="it-IT" sz="2400" i="1" dirty="0">
+                <a:rPr lang="en-US" sz="2400" i="1">
                   <a:solidFill>
                     <a:schemeClr val="accent1">
                       <a:lumMod val="75000"/>
@@ -9412,7 +9376,7 @@
                 </a:rPr>
                 <a:t>D</a:t>
               </a:r>
-              <a:endParaRPr lang="en-US" sz="2400" i="1" baseline="-25000" dirty="0">
+              <a:endParaRPr lang="en-US" sz="2400" i="1" baseline="-25000">
                 <a:solidFill>
                   <a:schemeClr val="accent1">
                     <a:lumMod val="75000"/>
@@ -9453,7 +9417,7 @@
             <a:lstStyle/>
             <a:p>
               <a:r>
-                <a:rPr lang="it-IT" sz="2400" i="1" dirty="0">
+                <a:rPr lang="en-US" sz="2400" i="1">
                   <a:solidFill>
                     <a:schemeClr val="accent1">
                       <a:lumMod val="75000"/>
@@ -9464,7 +9428,7 @@
                 </a:rPr>
                 <a:t>G</a:t>
               </a:r>
-              <a:endParaRPr lang="en-US" sz="2400" i="1" baseline="-25000" dirty="0">
+              <a:endParaRPr lang="en-US" sz="2400" i="1" baseline="-25000">
                 <a:solidFill>
                   <a:schemeClr val="accent1">
                     <a:lumMod val="75000"/>

--- a/poster.pptx
+++ b/poster.pptx
@@ -6,6 +6,7 @@
   </p:sldMasterIdLst>
   <p:sldIdLst>
     <p:sldId id="257" r:id="rId2"/>
+    <p:sldId id="258" r:id="rId3"/>
   </p:sldIdLst>
   <p:sldSz cx="30267275" cy="42794238"/>
   <p:notesSz cx="6858000" cy="9144000"/>
@@ -243,7 +244,7 @@
           <a:p>
             <a:fld id="{17A0AD2C-56CF-4BE2-B79F-EE3A43C1548D}" type="datetimeFigureOut">
               <a:rPr lang="en-US" smtClean="0"/>
-              <a:t>2024-06-19</a:t>
+              <a:t>2024-06-23</a:t>
             </a:fld>
             <a:endParaRPr lang="en-US"/>
           </a:p>
@@ -413,7 +414,7 @@
           <a:p>
             <a:fld id="{17A0AD2C-56CF-4BE2-B79F-EE3A43C1548D}" type="datetimeFigureOut">
               <a:rPr lang="en-US" smtClean="0"/>
-              <a:t>2024-06-19</a:t>
+              <a:t>2024-06-23</a:t>
             </a:fld>
             <a:endParaRPr lang="en-US"/>
           </a:p>
@@ -593,7 +594,7 @@
           <a:p>
             <a:fld id="{17A0AD2C-56CF-4BE2-B79F-EE3A43C1548D}" type="datetimeFigureOut">
               <a:rPr lang="en-US" smtClean="0"/>
-              <a:t>2024-06-19</a:t>
+              <a:t>2024-06-23</a:t>
             </a:fld>
             <a:endParaRPr lang="en-US"/>
           </a:p>
@@ -763,7 +764,7 @@
           <a:p>
             <a:fld id="{17A0AD2C-56CF-4BE2-B79F-EE3A43C1548D}" type="datetimeFigureOut">
               <a:rPr lang="en-US" smtClean="0"/>
-              <a:t>2024-06-19</a:t>
+              <a:t>2024-06-23</a:t>
             </a:fld>
             <a:endParaRPr lang="en-US"/>
           </a:p>
@@ -1007,7 +1008,7 @@
           <a:p>
             <a:fld id="{17A0AD2C-56CF-4BE2-B79F-EE3A43C1548D}" type="datetimeFigureOut">
               <a:rPr lang="en-US" smtClean="0"/>
-              <a:t>2024-06-19</a:t>
+              <a:t>2024-06-23</a:t>
             </a:fld>
             <a:endParaRPr lang="en-US"/>
           </a:p>
@@ -1239,7 +1240,7 @@
           <a:p>
             <a:fld id="{17A0AD2C-56CF-4BE2-B79F-EE3A43C1548D}" type="datetimeFigureOut">
               <a:rPr lang="en-US" smtClean="0"/>
-              <a:t>2024-06-19</a:t>
+              <a:t>2024-06-23</a:t>
             </a:fld>
             <a:endParaRPr lang="en-US"/>
           </a:p>
@@ -1606,7 +1607,7 @@
           <a:p>
             <a:fld id="{17A0AD2C-56CF-4BE2-B79F-EE3A43C1548D}" type="datetimeFigureOut">
               <a:rPr lang="en-US" smtClean="0"/>
-              <a:t>2024-06-19</a:t>
+              <a:t>2024-06-23</a:t>
             </a:fld>
             <a:endParaRPr lang="en-US"/>
           </a:p>
@@ -1724,7 +1725,7 @@
           <a:p>
             <a:fld id="{17A0AD2C-56CF-4BE2-B79F-EE3A43C1548D}" type="datetimeFigureOut">
               <a:rPr lang="en-US" smtClean="0"/>
-              <a:t>2024-06-19</a:t>
+              <a:t>2024-06-23</a:t>
             </a:fld>
             <a:endParaRPr lang="en-US"/>
           </a:p>
@@ -1819,7 +1820,7 @@
           <a:p>
             <a:fld id="{17A0AD2C-56CF-4BE2-B79F-EE3A43C1548D}" type="datetimeFigureOut">
               <a:rPr lang="en-US" smtClean="0"/>
-              <a:t>2024-06-19</a:t>
+              <a:t>2024-06-23</a:t>
             </a:fld>
             <a:endParaRPr lang="en-US"/>
           </a:p>
@@ -2096,7 +2097,7 @@
           <a:p>
             <a:fld id="{17A0AD2C-56CF-4BE2-B79F-EE3A43C1548D}" type="datetimeFigureOut">
               <a:rPr lang="en-US" smtClean="0"/>
-              <a:t>2024-06-19</a:t>
+              <a:t>2024-06-23</a:t>
             </a:fld>
             <a:endParaRPr lang="en-US"/>
           </a:p>
@@ -2353,7 +2354,7 @@
           <a:p>
             <a:fld id="{17A0AD2C-56CF-4BE2-B79F-EE3A43C1548D}" type="datetimeFigureOut">
               <a:rPr lang="en-US" smtClean="0"/>
-              <a:t>2024-06-19</a:t>
+              <a:t>2024-06-23</a:t>
             </a:fld>
             <a:endParaRPr lang="en-US"/>
           </a:p>
@@ -2566,7 +2567,7 @@
           <a:p>
             <a:fld id="{17A0AD2C-56CF-4BE2-B79F-EE3A43C1548D}" type="datetimeFigureOut">
               <a:rPr lang="en-US" smtClean="0"/>
-              <a:t>2024-06-19</a:t>
+              <a:t>2024-06-23</a:t>
             </a:fld>
             <a:endParaRPr lang="en-US"/>
           </a:p>
@@ -3262,8 +3263,8 @@
           </a:prstGeom>
         </p:spPr>
       </p:pic>
-      <mc:AlternateContent xmlns:mc="http://schemas.openxmlformats.org/markup-compatibility/2006">
-        <mc:Choice xmlns:a14="http://schemas.microsoft.com/office/drawing/2010/main" Requires="a14">
+      <mc:AlternateContent xmlns:mc="http://schemas.openxmlformats.org/markup-compatibility/2006" xmlns:a14="http://schemas.microsoft.com/office/drawing/2010/main">
+        <mc:Choice Requires="a14">
           <p:sp>
             <p:nvSpPr>
               <p:cNvPr id="9" name="Rectangle 8">
@@ -3567,7 +3568,7 @@
             </p:txBody>
           </p:sp>
         </mc:Choice>
-        <mc:Fallback>
+        <mc:Fallback xmlns="">
           <p:sp>
             <p:nvSpPr>
               <p:cNvPr id="9" name="Rectangle 8">
@@ -9454,6 +9455,5177 @@
 </p:sld>
 </file>
 
+<file path=ppt/slides/slide2.xml><?xml version="1.0" encoding="utf-8"?>
+<p:sld xmlns:a="http://schemas.openxmlformats.org/drawingml/2006/main" xmlns:r="http://schemas.openxmlformats.org/officeDocument/2006/relationships" xmlns:p="http://schemas.openxmlformats.org/presentationml/2006/main">
+  <p:cSld>
+    <p:spTree>
+      <p:nvGrpSpPr>
+        <p:cNvPr id="1" name=""/>
+        <p:cNvGrpSpPr/>
+        <p:nvPr/>
+      </p:nvGrpSpPr>
+      <p:grpSpPr>
+        <a:xfrm>
+          <a:off x="0" y="0"/>
+          <a:ext cx="0" cy="0"/>
+          <a:chOff x="0" y="0"/>
+          <a:chExt cx="0" cy="0"/>
+        </a:xfrm>
+      </p:grpSpPr>
+      <p:sp>
+        <p:nvSpPr>
+          <p:cNvPr id="2" name="Title 1">
+            <a:extLst>
+              <a:ext uri="{FF2B5EF4-FFF2-40B4-BE49-F238E27FC236}">
+                <a16:creationId xmlns:a16="http://schemas.microsoft.com/office/drawing/2014/main" id="{B414A9E6-379F-4CD1-90AA-68263D01D2FF}"/>
+              </a:ext>
+            </a:extLst>
+          </p:cNvPr>
+          <p:cNvSpPr>
+            <a:spLocks noGrp="1"/>
+          </p:cNvSpPr>
+          <p:nvPr>
+            <p:ph type="title"/>
+          </p:nvPr>
+        </p:nvSpPr>
+        <p:spPr/>
+        <p:txBody>
+          <a:bodyPr/>
+          <a:lstStyle/>
+          <a:p>
+            <a:endParaRPr lang="en-US"/>
+          </a:p>
+        </p:txBody>
+      </p:sp>
+      <p:sp>
+        <p:nvSpPr>
+          <p:cNvPr id="3" name="Content Placeholder 2">
+            <a:extLst>
+              <a:ext uri="{FF2B5EF4-FFF2-40B4-BE49-F238E27FC236}">
+                <a16:creationId xmlns:a16="http://schemas.microsoft.com/office/drawing/2014/main" id="{59FF7226-71E7-4E57-A8CD-1D2ED2BBF599}"/>
+              </a:ext>
+            </a:extLst>
+          </p:cNvPr>
+          <p:cNvSpPr>
+            <a:spLocks noGrp="1"/>
+          </p:cNvSpPr>
+          <p:nvPr>
+            <p:ph idx="1"/>
+          </p:nvPr>
+        </p:nvSpPr>
+        <p:spPr/>
+        <p:txBody>
+          <a:bodyPr/>
+          <a:lstStyle/>
+          <a:p>
+            <a:endParaRPr lang="en-US" dirty="0"/>
+          </a:p>
+        </p:txBody>
+      </p:sp>
+      <p:grpSp>
+        <p:nvGrpSpPr>
+          <p:cNvPr id="5" name="Group 4">
+            <a:extLst>
+              <a:ext uri="{FF2B5EF4-FFF2-40B4-BE49-F238E27FC236}">
+                <a16:creationId xmlns:a16="http://schemas.microsoft.com/office/drawing/2014/main" id="{57F9EB11-BCE7-43D7-9A43-A827F642AEA8}"/>
+              </a:ext>
+            </a:extLst>
+          </p:cNvPr>
+          <p:cNvGrpSpPr/>
+          <p:nvPr/>
+        </p:nvGrpSpPr>
+        <p:grpSpPr>
+          <a:xfrm>
+            <a:off x="18514471" y="19376850"/>
+            <a:ext cx="4819023" cy="4792187"/>
+            <a:chOff x="18349877" y="19376617"/>
+            <a:chExt cx="4819023" cy="4792187"/>
+          </a:xfrm>
+        </p:grpSpPr>
+        <p:pic>
+          <p:nvPicPr>
+            <p:cNvPr id="93" name="Picture 92" descr="Chart, radar chart&#10;&#10;Description automatically generated">
+              <a:extLst>
+                <a:ext uri="{FF2B5EF4-FFF2-40B4-BE49-F238E27FC236}">
+                  <a16:creationId xmlns:a16="http://schemas.microsoft.com/office/drawing/2014/main" id="{DDAB66A1-5958-4D4C-93BE-206DB3CE0A1F}"/>
+                </a:ext>
+              </a:extLst>
+            </p:cNvPr>
+            <p:cNvPicPr>
+              <a:picLocks noChangeAspect="1"/>
+            </p:cNvPicPr>
+            <p:nvPr/>
+          </p:nvPicPr>
+          <p:blipFill rotWithShape="1">
+            <a:blip r:embed="rId2">
+              <a:extLst>
+                <a:ext uri="{28A0092B-C50C-407E-A947-70E740481C1C}">
+                  <a14:useLocalDpi xmlns:a14="http://schemas.microsoft.com/office/drawing/2010/main" val="0"/>
+                </a:ext>
+              </a:extLst>
+            </a:blip>
+            <a:srcRect l="11295" t="8245" r="21019"/>
+            <a:stretch/>
+          </p:blipFill>
+          <p:spPr>
+            <a:xfrm>
+              <a:off x="18743594" y="21197740"/>
+              <a:ext cx="4228196" cy="2971064"/>
+            </a:xfrm>
+            <a:prstGeom prst="rect">
+              <a:avLst/>
+            </a:prstGeom>
+            <a:effectLst>
+              <a:outerShdw blurRad="50800" dist="38100" dir="2700000" algn="tl" rotWithShape="0">
+                <a:prstClr val="black">
+                  <a:alpha val="40000"/>
+                </a:prstClr>
+              </a:outerShdw>
+            </a:effectLst>
+            <a:scene3d>
+              <a:camera prst="orthographicFront">
+                <a:rot lat="18182835" lon="1692986" rev="20100000"/>
+              </a:camera>
+              <a:lightRig rig="glow" dir="t"/>
+            </a:scene3d>
+          </p:spPr>
+        </p:pic>
+        <p:pic>
+          <p:nvPicPr>
+            <p:cNvPr id="94" name="Picture 93" descr="Map&#10;&#10;Description automatically generated">
+              <a:extLst>
+                <a:ext uri="{FF2B5EF4-FFF2-40B4-BE49-F238E27FC236}">
+                  <a16:creationId xmlns:a16="http://schemas.microsoft.com/office/drawing/2014/main" id="{B172CBD0-DF20-4373-8892-C53FFE12A581}"/>
+                </a:ext>
+              </a:extLst>
+            </p:cNvPr>
+            <p:cNvPicPr>
+              <a:picLocks noChangeAspect="1"/>
+            </p:cNvPicPr>
+            <p:nvPr/>
+          </p:nvPicPr>
+          <p:blipFill rotWithShape="1">
+            <a:blip r:embed="rId3">
+              <a:extLst>
+                <a:ext uri="{28A0092B-C50C-407E-A947-70E740481C1C}">
+                  <a14:useLocalDpi xmlns:a14="http://schemas.microsoft.com/office/drawing/2010/main" val="0"/>
+                </a:ext>
+              </a:extLst>
+            </a:blip>
+            <a:srcRect l="16204" t="5566" r="16111"/>
+            <a:stretch/>
+          </p:blipFill>
+          <p:spPr>
+            <a:xfrm>
+              <a:off x="18940704" y="19376617"/>
+              <a:ext cx="4228196" cy="3057826"/>
+            </a:xfrm>
+            <a:prstGeom prst="rect">
+              <a:avLst/>
+            </a:prstGeom>
+            <a:effectLst>
+              <a:outerShdw blurRad="50800" dist="38100" dir="2700000" algn="tl" rotWithShape="0">
+                <a:prstClr val="black">
+                  <a:alpha val="40000"/>
+                </a:prstClr>
+              </a:outerShdw>
+            </a:effectLst>
+            <a:scene3d>
+              <a:camera prst="orthographicFront">
+                <a:rot lat="18180000" lon="1692000" rev="20100000"/>
+              </a:camera>
+              <a:lightRig rig="glow" dir="t"/>
+            </a:scene3d>
+            <a:sp3d prstMaterial="matte"/>
+          </p:spPr>
+        </p:pic>
+        <p:sp>
+          <p:nvSpPr>
+            <p:cNvPr id="95" name="TextBox 94">
+              <a:extLst>
+                <a:ext uri="{FF2B5EF4-FFF2-40B4-BE49-F238E27FC236}">
+                  <a16:creationId xmlns:a16="http://schemas.microsoft.com/office/drawing/2014/main" id="{A89F5A48-4449-47C4-BE37-B545AFF9C706}"/>
+                </a:ext>
+              </a:extLst>
+            </p:cNvPr>
+            <p:cNvSpPr txBox="1"/>
+            <p:nvPr/>
+          </p:nvSpPr>
+          <p:spPr>
+            <a:xfrm>
+              <a:off x="18361457" y="23267870"/>
+              <a:ext cx="1851789" cy="646331"/>
+            </a:xfrm>
+            <a:prstGeom prst="rect">
+              <a:avLst/>
+            </a:prstGeom>
+            <a:noFill/>
+          </p:spPr>
+          <p:txBody>
+            <a:bodyPr wrap="none" rtlCol="0">
+              <a:spAutoFit/>
+            </a:bodyPr>
+            <a:lstStyle/>
+            <a:p>
+              <a:r>
+                <a:rPr lang="en-US" sz="3600">
+                  <a:latin typeface="Helvetica" panose="020B0604020202020204" pitchFamily="34" charset="0"/>
+                  <a:cs typeface="Helvetica" panose="020B0604020202020204" pitchFamily="34" charset="0"/>
+                </a:rPr>
+                <a:t>Morning</a:t>
+              </a:r>
+            </a:p>
+          </p:txBody>
+        </p:sp>
+        <p:sp>
+          <p:nvSpPr>
+            <p:cNvPr id="96" name="TextBox 95">
+              <a:extLst>
+                <a:ext uri="{FF2B5EF4-FFF2-40B4-BE49-F238E27FC236}">
+                  <a16:creationId xmlns:a16="http://schemas.microsoft.com/office/drawing/2014/main" id="{ED5327F1-3B7C-441C-8971-A9B58580F6C3}"/>
+                </a:ext>
+              </a:extLst>
+            </p:cNvPr>
+            <p:cNvSpPr txBox="1"/>
+            <p:nvPr/>
+          </p:nvSpPr>
+          <p:spPr>
+            <a:xfrm>
+              <a:off x="18349877" y="21425965"/>
+              <a:ext cx="2185214" cy="646331"/>
+            </a:xfrm>
+            <a:prstGeom prst="rect">
+              <a:avLst/>
+            </a:prstGeom>
+            <a:noFill/>
+          </p:spPr>
+          <p:txBody>
+            <a:bodyPr wrap="none" rtlCol="0">
+              <a:spAutoFit/>
+            </a:bodyPr>
+            <a:lstStyle/>
+            <a:p>
+              <a:r>
+                <a:rPr lang="en-US" sz="3600">
+                  <a:latin typeface="Helvetica" panose="020B0604020202020204" pitchFamily="34" charset="0"/>
+                  <a:cs typeface="Helvetica" panose="020B0604020202020204" pitchFamily="34" charset="0"/>
+                </a:rPr>
+                <a:t>Afternoon</a:t>
+              </a:r>
+            </a:p>
+          </p:txBody>
+        </p:sp>
+        <p:sp>
+          <p:nvSpPr>
+            <p:cNvPr id="97" name="CasellaDiTesto 44">
+              <a:extLst>
+                <a:ext uri="{FF2B5EF4-FFF2-40B4-BE49-F238E27FC236}">
+                  <a16:creationId xmlns:a16="http://schemas.microsoft.com/office/drawing/2014/main" id="{CD87BABD-7CC0-42A2-9AD7-37396423F021}"/>
+                </a:ext>
+              </a:extLst>
+            </p:cNvPr>
+            <p:cNvSpPr txBox="1"/>
+            <p:nvPr/>
+          </p:nvSpPr>
+          <p:spPr>
+            <a:xfrm>
+              <a:off x="20697272" y="22185360"/>
+              <a:ext cx="274434" cy="400110"/>
+            </a:xfrm>
+            <a:prstGeom prst="rect">
+              <a:avLst/>
+            </a:prstGeom>
+            <a:noFill/>
+          </p:spPr>
+          <p:txBody>
+            <a:bodyPr wrap="square" rtlCol="0">
+              <a:spAutoFit/>
+            </a:bodyPr>
+            <a:lstStyle/>
+            <a:p>
+              <a:r>
+                <a:rPr lang="en-US" sz="2000" i="1">
+                  <a:solidFill>
+                    <a:schemeClr val="accent1">
+                      <a:lumMod val="75000"/>
+                    </a:schemeClr>
+                  </a:solidFill>
+                  <a:latin typeface="Helvetica" panose="020B0604020202020204" pitchFamily="34" charset="0"/>
+                  <a:cs typeface="Helvetica" panose="020B0604020202020204" pitchFamily="34" charset="0"/>
+                </a:rPr>
+                <a:t>A</a:t>
+              </a:r>
+              <a:endParaRPr lang="en-US" sz="2000" i="1" baseline="-25000">
+                <a:solidFill>
+                  <a:schemeClr val="accent1">
+                    <a:lumMod val="75000"/>
+                  </a:schemeClr>
+                </a:solidFill>
+                <a:latin typeface="Helvetica" panose="020B0604020202020204" pitchFamily="34" charset="0"/>
+                <a:cs typeface="Helvetica" panose="020B0604020202020204" pitchFamily="34" charset="0"/>
+              </a:endParaRPr>
+            </a:p>
+          </p:txBody>
+        </p:sp>
+        <p:sp>
+          <p:nvSpPr>
+            <p:cNvPr id="98" name="CasellaDiTesto 45">
+              <a:extLst>
+                <a:ext uri="{FF2B5EF4-FFF2-40B4-BE49-F238E27FC236}">
+                  <a16:creationId xmlns:a16="http://schemas.microsoft.com/office/drawing/2014/main" id="{78742CC1-2EF8-4FCA-A4E2-8F2763145F26}"/>
+                </a:ext>
+              </a:extLst>
+            </p:cNvPr>
+            <p:cNvSpPr txBox="1"/>
+            <p:nvPr/>
+          </p:nvSpPr>
+          <p:spPr>
+            <a:xfrm>
+              <a:off x="20277645" y="22656974"/>
+              <a:ext cx="274434" cy="400110"/>
+            </a:xfrm>
+            <a:prstGeom prst="rect">
+              <a:avLst/>
+            </a:prstGeom>
+            <a:noFill/>
+          </p:spPr>
+          <p:txBody>
+            <a:bodyPr wrap="square" rtlCol="0">
+              <a:spAutoFit/>
+            </a:bodyPr>
+            <a:lstStyle/>
+            <a:p>
+              <a:r>
+                <a:rPr lang="en-US" sz="2000" i="1">
+                  <a:solidFill>
+                    <a:schemeClr val="accent1">
+                      <a:lumMod val="75000"/>
+                    </a:schemeClr>
+                  </a:solidFill>
+                  <a:latin typeface="Helvetica" panose="020B0604020202020204" pitchFamily="34" charset="0"/>
+                  <a:cs typeface="Helvetica" panose="020B0604020202020204" pitchFamily="34" charset="0"/>
+                </a:rPr>
+                <a:t>B</a:t>
+              </a:r>
+              <a:endParaRPr lang="en-US" sz="2000" i="1" baseline="-25000">
+                <a:solidFill>
+                  <a:schemeClr val="accent1">
+                    <a:lumMod val="75000"/>
+                  </a:schemeClr>
+                </a:solidFill>
+                <a:latin typeface="Helvetica" panose="020B0604020202020204" pitchFamily="34" charset="0"/>
+                <a:cs typeface="Helvetica" panose="020B0604020202020204" pitchFamily="34" charset="0"/>
+              </a:endParaRPr>
+            </a:p>
+          </p:txBody>
+        </p:sp>
+        <p:sp>
+          <p:nvSpPr>
+            <p:cNvPr id="99" name="CasellaDiTesto 46">
+              <a:extLst>
+                <a:ext uri="{FF2B5EF4-FFF2-40B4-BE49-F238E27FC236}">
+                  <a16:creationId xmlns:a16="http://schemas.microsoft.com/office/drawing/2014/main" id="{87AE8CE1-F2FC-4218-86EF-47A8ADE0651B}"/>
+                </a:ext>
+              </a:extLst>
+            </p:cNvPr>
+            <p:cNvSpPr txBox="1"/>
+            <p:nvPr/>
+          </p:nvSpPr>
+          <p:spPr>
+            <a:xfrm>
+              <a:off x="21259386" y="22911538"/>
+              <a:ext cx="264816" cy="400110"/>
+            </a:xfrm>
+            <a:prstGeom prst="rect">
+              <a:avLst/>
+            </a:prstGeom>
+            <a:noFill/>
+          </p:spPr>
+          <p:txBody>
+            <a:bodyPr wrap="square" rtlCol="0">
+              <a:spAutoFit/>
+            </a:bodyPr>
+            <a:lstStyle/>
+            <a:p>
+              <a:r>
+                <a:rPr lang="en-US" sz="2000" i="1">
+                  <a:solidFill>
+                    <a:schemeClr val="accent1">
+                      <a:lumMod val="75000"/>
+                    </a:schemeClr>
+                  </a:solidFill>
+                  <a:latin typeface="Helvetica" panose="020B0604020202020204" pitchFamily="34" charset="0"/>
+                  <a:cs typeface="Helvetica" panose="020B0604020202020204" pitchFamily="34" charset="0"/>
+                </a:rPr>
+                <a:t>C</a:t>
+              </a:r>
+              <a:endParaRPr lang="en-US" sz="2000" i="1" baseline="-25000">
+                <a:solidFill>
+                  <a:schemeClr val="accent1">
+                    <a:lumMod val="75000"/>
+                  </a:schemeClr>
+                </a:solidFill>
+                <a:latin typeface="Helvetica" panose="020B0604020202020204" pitchFamily="34" charset="0"/>
+                <a:cs typeface="Helvetica" panose="020B0604020202020204" pitchFamily="34" charset="0"/>
+              </a:endParaRPr>
+            </a:p>
+          </p:txBody>
+        </p:sp>
+        <p:sp>
+          <p:nvSpPr>
+            <p:cNvPr id="100" name="CasellaDiTesto 44">
+              <a:extLst>
+                <a:ext uri="{FF2B5EF4-FFF2-40B4-BE49-F238E27FC236}">
+                  <a16:creationId xmlns:a16="http://schemas.microsoft.com/office/drawing/2014/main" id="{F87B4158-C139-4A6F-8EB9-C6A3C2C56E0E}"/>
+                </a:ext>
+              </a:extLst>
+            </p:cNvPr>
+            <p:cNvSpPr txBox="1"/>
+            <p:nvPr/>
+          </p:nvSpPr>
+          <p:spPr>
+            <a:xfrm>
+              <a:off x="21343235" y="20731361"/>
+              <a:ext cx="274434" cy="400110"/>
+            </a:xfrm>
+            <a:prstGeom prst="rect">
+              <a:avLst/>
+            </a:prstGeom>
+            <a:noFill/>
+          </p:spPr>
+          <p:txBody>
+            <a:bodyPr wrap="square" rtlCol="0">
+              <a:spAutoFit/>
+            </a:bodyPr>
+            <a:lstStyle/>
+            <a:p>
+              <a:r>
+                <a:rPr lang="en-US" sz="2000" i="1">
+                  <a:solidFill>
+                    <a:schemeClr val="accent1">
+                      <a:lumMod val="75000"/>
+                    </a:schemeClr>
+                  </a:solidFill>
+                  <a:latin typeface="Helvetica" panose="020B0604020202020204" pitchFamily="34" charset="0"/>
+                  <a:cs typeface="Helvetica" panose="020B0604020202020204" pitchFamily="34" charset="0"/>
+                </a:rPr>
+                <a:t>F</a:t>
+              </a:r>
+              <a:endParaRPr lang="en-US" sz="2000" i="1" baseline="-25000">
+                <a:solidFill>
+                  <a:schemeClr val="accent1">
+                    <a:lumMod val="75000"/>
+                  </a:schemeClr>
+                </a:solidFill>
+                <a:latin typeface="Helvetica" panose="020B0604020202020204" pitchFamily="34" charset="0"/>
+                <a:cs typeface="Helvetica" panose="020B0604020202020204" pitchFamily="34" charset="0"/>
+              </a:endParaRPr>
+            </a:p>
+          </p:txBody>
+        </p:sp>
+        <p:sp>
+          <p:nvSpPr>
+            <p:cNvPr id="101" name="CasellaDiTesto 45">
+              <a:extLst>
+                <a:ext uri="{FF2B5EF4-FFF2-40B4-BE49-F238E27FC236}">
+                  <a16:creationId xmlns:a16="http://schemas.microsoft.com/office/drawing/2014/main" id="{1E7856D4-5A24-4F39-B3B4-CBDF88628497}"/>
+                </a:ext>
+              </a:extLst>
+            </p:cNvPr>
+            <p:cNvSpPr txBox="1"/>
+            <p:nvPr/>
+          </p:nvSpPr>
+          <p:spPr>
+            <a:xfrm>
+              <a:off x="22574585" y="20403378"/>
+              <a:ext cx="274434" cy="400110"/>
+            </a:xfrm>
+            <a:prstGeom prst="rect">
+              <a:avLst/>
+            </a:prstGeom>
+            <a:noFill/>
+          </p:spPr>
+          <p:txBody>
+            <a:bodyPr wrap="square" rtlCol="0">
+              <a:spAutoFit/>
+            </a:bodyPr>
+            <a:lstStyle/>
+            <a:p>
+              <a:r>
+                <a:rPr lang="en-US" sz="2000" i="1">
+                  <a:solidFill>
+                    <a:schemeClr val="accent1">
+                      <a:lumMod val="75000"/>
+                    </a:schemeClr>
+                  </a:solidFill>
+                  <a:latin typeface="Helvetica" panose="020B0604020202020204" pitchFamily="34" charset="0"/>
+                  <a:cs typeface="Helvetica" panose="020B0604020202020204" pitchFamily="34" charset="0"/>
+                </a:rPr>
+                <a:t>E</a:t>
+              </a:r>
+              <a:endParaRPr lang="en-US" sz="2000" i="1" baseline="-25000">
+                <a:solidFill>
+                  <a:schemeClr val="accent1">
+                    <a:lumMod val="75000"/>
+                  </a:schemeClr>
+                </a:solidFill>
+                <a:latin typeface="Helvetica" panose="020B0604020202020204" pitchFamily="34" charset="0"/>
+                <a:cs typeface="Helvetica" panose="020B0604020202020204" pitchFamily="34" charset="0"/>
+              </a:endParaRPr>
+            </a:p>
+          </p:txBody>
+        </p:sp>
+        <p:sp>
+          <p:nvSpPr>
+            <p:cNvPr id="102" name="CasellaDiTesto 46">
+              <a:extLst>
+                <a:ext uri="{FF2B5EF4-FFF2-40B4-BE49-F238E27FC236}">
+                  <a16:creationId xmlns:a16="http://schemas.microsoft.com/office/drawing/2014/main" id="{2DB976E2-74BE-4689-93EA-161BE54F79D4}"/>
+                </a:ext>
+              </a:extLst>
+            </p:cNvPr>
+            <p:cNvSpPr txBox="1"/>
+            <p:nvPr/>
+          </p:nvSpPr>
+          <p:spPr>
+            <a:xfrm>
+              <a:off x="22283034" y="21040358"/>
+              <a:ext cx="264816" cy="400110"/>
+            </a:xfrm>
+            <a:prstGeom prst="rect">
+              <a:avLst/>
+            </a:prstGeom>
+            <a:noFill/>
+          </p:spPr>
+          <p:txBody>
+            <a:bodyPr wrap="square" rtlCol="0">
+              <a:spAutoFit/>
+            </a:bodyPr>
+            <a:lstStyle/>
+            <a:p>
+              <a:r>
+                <a:rPr lang="en-US" sz="2000" i="1">
+                  <a:solidFill>
+                    <a:schemeClr val="accent1">
+                      <a:lumMod val="75000"/>
+                    </a:schemeClr>
+                  </a:solidFill>
+                  <a:latin typeface="Helvetica" panose="020B0604020202020204" pitchFamily="34" charset="0"/>
+                  <a:cs typeface="Helvetica" panose="020B0604020202020204" pitchFamily="34" charset="0"/>
+                </a:rPr>
+                <a:t>D</a:t>
+              </a:r>
+              <a:endParaRPr lang="en-US" sz="2000" i="1" baseline="-25000">
+                <a:solidFill>
+                  <a:schemeClr val="accent1">
+                    <a:lumMod val="75000"/>
+                  </a:schemeClr>
+                </a:solidFill>
+                <a:latin typeface="Helvetica" panose="020B0604020202020204" pitchFamily="34" charset="0"/>
+                <a:cs typeface="Helvetica" panose="020B0604020202020204" pitchFamily="34" charset="0"/>
+              </a:endParaRPr>
+            </a:p>
+          </p:txBody>
+        </p:sp>
+        <p:sp>
+          <p:nvSpPr>
+            <p:cNvPr id="103" name="CasellaDiTesto 44">
+              <a:extLst>
+                <a:ext uri="{FF2B5EF4-FFF2-40B4-BE49-F238E27FC236}">
+                  <a16:creationId xmlns:a16="http://schemas.microsoft.com/office/drawing/2014/main" id="{94A5820B-8825-4C9B-8915-5EF71835F5E4}"/>
+                </a:ext>
+              </a:extLst>
+            </p:cNvPr>
+            <p:cNvSpPr txBox="1"/>
+            <p:nvPr/>
+          </p:nvSpPr>
+          <p:spPr>
+            <a:xfrm>
+              <a:off x="21435742" y="20181567"/>
+              <a:ext cx="274434" cy="400110"/>
+            </a:xfrm>
+            <a:prstGeom prst="rect">
+              <a:avLst/>
+            </a:prstGeom>
+            <a:noFill/>
+          </p:spPr>
+          <p:txBody>
+            <a:bodyPr wrap="square" rtlCol="0">
+              <a:spAutoFit/>
+            </a:bodyPr>
+            <a:lstStyle/>
+            <a:p>
+              <a:r>
+                <a:rPr lang="en-US" sz="2000" i="1">
+                  <a:solidFill>
+                    <a:schemeClr val="accent1">
+                      <a:lumMod val="75000"/>
+                    </a:schemeClr>
+                  </a:solidFill>
+                  <a:latin typeface="Helvetica" panose="020B0604020202020204" pitchFamily="34" charset="0"/>
+                  <a:cs typeface="Helvetica" panose="020B0604020202020204" pitchFamily="34" charset="0"/>
+                </a:rPr>
+                <a:t>G</a:t>
+              </a:r>
+              <a:endParaRPr lang="en-US" sz="2000" i="1" baseline="-25000">
+                <a:solidFill>
+                  <a:schemeClr val="accent1">
+                    <a:lumMod val="75000"/>
+                  </a:schemeClr>
+                </a:solidFill>
+                <a:latin typeface="Helvetica" panose="020B0604020202020204" pitchFamily="34" charset="0"/>
+                <a:cs typeface="Helvetica" panose="020B0604020202020204" pitchFamily="34" charset="0"/>
+              </a:endParaRPr>
+            </a:p>
+          </p:txBody>
+        </p:sp>
+      </p:grpSp>
+      <p:pic>
+        <p:nvPicPr>
+          <p:cNvPr id="6" name="Picture 5" descr="Chart, radar chart&#10;&#10;Description automatically generated">
+            <a:extLst>
+              <a:ext uri="{FF2B5EF4-FFF2-40B4-BE49-F238E27FC236}">
+                <a16:creationId xmlns:a16="http://schemas.microsoft.com/office/drawing/2014/main" id="{FD870F02-8C76-421B-A8C1-0513A279AC81}"/>
+              </a:ext>
+            </a:extLst>
+          </p:cNvPr>
+          <p:cNvPicPr>
+            <a:picLocks noChangeAspect="1"/>
+          </p:cNvPicPr>
+          <p:nvPr/>
+        </p:nvPicPr>
+        <p:blipFill rotWithShape="1">
+          <a:blip r:embed="rId2">
+            <a:extLst>
+              <a:ext uri="{28A0092B-C50C-407E-A947-70E740481C1C}">
+                <a14:useLocalDpi xmlns:a14="http://schemas.microsoft.com/office/drawing/2010/main" val="0"/>
+              </a:ext>
+            </a:extLst>
+          </a:blip>
+          <a:srcRect l="11295" t="8245" r="21019"/>
+          <a:stretch/>
+        </p:blipFill>
+        <p:spPr>
+          <a:xfrm>
+            <a:off x="18920869" y="14872943"/>
+            <a:ext cx="4228196" cy="2971064"/>
+          </a:xfrm>
+          <a:prstGeom prst="rect">
+            <a:avLst/>
+          </a:prstGeom>
+          <a:effectLst>
+            <a:outerShdw blurRad="50800" dist="38100" dir="2700000" algn="tl" rotWithShape="0">
+              <a:prstClr val="black">
+                <a:alpha val="40000"/>
+              </a:prstClr>
+            </a:outerShdw>
+          </a:effectLst>
+          <a:scene3d>
+            <a:camera prst="orthographicFront">
+              <a:rot lat="18182835" lon="1692986" rev="20100000"/>
+            </a:camera>
+            <a:lightRig rig="glow" dir="t"/>
+          </a:scene3d>
+        </p:spPr>
+      </p:pic>
+      <p:pic>
+        <p:nvPicPr>
+          <p:cNvPr id="7" name="Picture 6" descr="Map&#10;&#10;Description automatically generated">
+            <a:extLst>
+              <a:ext uri="{FF2B5EF4-FFF2-40B4-BE49-F238E27FC236}">
+                <a16:creationId xmlns:a16="http://schemas.microsoft.com/office/drawing/2014/main" id="{5A7B15FD-5CD8-4702-91FD-D7EF817FEFB3}"/>
+              </a:ext>
+            </a:extLst>
+          </p:cNvPr>
+          <p:cNvPicPr>
+            <a:picLocks noChangeAspect="1"/>
+          </p:cNvPicPr>
+          <p:nvPr/>
+        </p:nvPicPr>
+        <p:blipFill rotWithShape="1">
+          <a:blip r:embed="rId3">
+            <a:extLst>
+              <a:ext uri="{28A0092B-C50C-407E-A947-70E740481C1C}">
+                <a14:useLocalDpi xmlns:a14="http://schemas.microsoft.com/office/drawing/2010/main" val="0"/>
+              </a:ext>
+            </a:extLst>
+          </a:blip>
+          <a:srcRect l="16204" t="5566" r="16111"/>
+          <a:stretch/>
+        </p:blipFill>
+        <p:spPr>
+          <a:xfrm>
+            <a:off x="19117979" y="13051820"/>
+            <a:ext cx="4228196" cy="3057826"/>
+          </a:xfrm>
+          <a:prstGeom prst="rect">
+            <a:avLst/>
+          </a:prstGeom>
+          <a:effectLst>
+            <a:outerShdw blurRad="50800" dist="38100" dir="2700000" algn="tl" rotWithShape="0">
+              <a:prstClr val="black">
+                <a:alpha val="40000"/>
+              </a:prstClr>
+            </a:outerShdw>
+          </a:effectLst>
+          <a:scene3d>
+            <a:camera prst="orthographicFront">
+              <a:rot lat="18180000" lon="1692000" rev="20100000"/>
+            </a:camera>
+            <a:lightRig rig="glow" dir="t"/>
+          </a:scene3d>
+          <a:sp3d prstMaterial="matte"/>
+        </p:spPr>
+      </p:pic>
+      <p:sp>
+        <p:nvSpPr>
+          <p:cNvPr id="8" name="TextBox 7">
+            <a:extLst>
+              <a:ext uri="{FF2B5EF4-FFF2-40B4-BE49-F238E27FC236}">
+                <a16:creationId xmlns:a16="http://schemas.microsoft.com/office/drawing/2014/main" id="{9A38538D-7E2A-41F4-B8FA-4C6A8F6D4B2C}"/>
+              </a:ext>
+            </a:extLst>
+          </p:cNvPr>
+          <p:cNvSpPr txBox="1"/>
+          <p:nvPr/>
+        </p:nvSpPr>
+        <p:spPr>
+          <a:xfrm>
+            <a:off x="18538732" y="16943073"/>
+            <a:ext cx="1851789" cy="646331"/>
+          </a:xfrm>
+          <a:prstGeom prst="rect">
+            <a:avLst/>
+          </a:prstGeom>
+          <a:noFill/>
+        </p:spPr>
+        <p:txBody>
+          <a:bodyPr wrap="none" rtlCol="0">
+            <a:spAutoFit/>
+          </a:bodyPr>
+          <a:lstStyle/>
+          <a:p>
+            <a:r>
+              <a:rPr lang="en-US" sz="3600">
+                <a:latin typeface="Helvetica" panose="020B0604020202020204" pitchFamily="34" charset="0"/>
+                <a:cs typeface="Helvetica" panose="020B0604020202020204" pitchFamily="34" charset="0"/>
+              </a:rPr>
+              <a:t>Morning</a:t>
+            </a:r>
+          </a:p>
+        </p:txBody>
+      </p:sp>
+      <p:sp>
+        <p:nvSpPr>
+          <p:cNvPr id="9" name="TextBox 8">
+            <a:extLst>
+              <a:ext uri="{FF2B5EF4-FFF2-40B4-BE49-F238E27FC236}">
+                <a16:creationId xmlns:a16="http://schemas.microsoft.com/office/drawing/2014/main" id="{CB6F774E-8888-4A5B-936F-C20B183229AD}"/>
+              </a:ext>
+            </a:extLst>
+          </p:cNvPr>
+          <p:cNvSpPr txBox="1"/>
+          <p:nvPr/>
+        </p:nvSpPr>
+        <p:spPr>
+          <a:xfrm>
+            <a:off x="18527152" y="15101168"/>
+            <a:ext cx="2185214" cy="646331"/>
+          </a:xfrm>
+          <a:prstGeom prst="rect">
+            <a:avLst/>
+          </a:prstGeom>
+          <a:noFill/>
+        </p:spPr>
+        <p:txBody>
+          <a:bodyPr wrap="none" rtlCol="0">
+            <a:spAutoFit/>
+          </a:bodyPr>
+          <a:lstStyle/>
+          <a:p>
+            <a:r>
+              <a:rPr lang="en-US" sz="3600">
+                <a:latin typeface="Helvetica" panose="020B0604020202020204" pitchFamily="34" charset="0"/>
+                <a:cs typeface="Helvetica" panose="020B0604020202020204" pitchFamily="34" charset="0"/>
+              </a:rPr>
+              <a:t>Afternoon</a:t>
+            </a:r>
+          </a:p>
+        </p:txBody>
+      </p:sp>
+      <p:sp>
+        <p:nvSpPr>
+          <p:cNvPr id="10" name="Rettangolo 169">
+            <a:extLst>
+              <a:ext uri="{FF2B5EF4-FFF2-40B4-BE49-F238E27FC236}">
+                <a16:creationId xmlns:a16="http://schemas.microsoft.com/office/drawing/2014/main" id="{2203DAB9-D2E5-4B4B-8D43-29F1AA46432A}"/>
+              </a:ext>
+            </a:extLst>
+          </p:cNvPr>
+          <p:cNvSpPr/>
+          <p:nvPr/>
+        </p:nvSpPr>
+        <p:spPr>
+          <a:xfrm>
+            <a:off x="23207114" y="17563277"/>
+            <a:ext cx="4607363" cy="1832259"/>
+          </a:xfrm>
+          <a:prstGeom prst="rect">
+            <a:avLst/>
+          </a:prstGeom>
+          <a:solidFill>
+            <a:schemeClr val="tx2">
+              <a:lumMod val="75000"/>
+            </a:schemeClr>
+          </a:solidFill>
+          <a:ln>
+            <a:noFill/>
+          </a:ln>
+        </p:spPr>
+        <p:style>
+          <a:lnRef idx="3">
+            <a:schemeClr val="lt1"/>
+          </a:lnRef>
+          <a:fillRef idx="1">
+            <a:schemeClr val="accent1"/>
+          </a:fillRef>
+          <a:effectRef idx="1">
+            <a:schemeClr val="accent1"/>
+          </a:effectRef>
+          <a:fontRef idx="minor">
+            <a:schemeClr val="lt1"/>
+          </a:fontRef>
+        </p:style>
+        <p:txBody>
+          <a:bodyPr lIns="0" tIns="0" rIns="0" bIns="0" rtlCol="0" anchor="ctr"/>
+          <a:lstStyle/>
+          <a:p>
+            <a:pPr algn="ctr"/>
+            <a:r>
+              <a:rPr lang="en-US" sz="5500">
+                <a:solidFill>
+                  <a:schemeClr val="bg1"/>
+                </a:solidFill>
+                <a:latin typeface="Helvetica" panose="020B0604020202020204" pitchFamily="34" charset="0"/>
+                <a:cs typeface="Helvetica" panose="020B0604020202020204" pitchFamily="34" charset="0"/>
+              </a:rPr>
+              <a:t>Abstracting</a:t>
+            </a:r>
+            <a:br>
+              <a:rPr lang="en-US" sz="5500">
+                <a:solidFill>
+                  <a:schemeClr val="bg1"/>
+                </a:solidFill>
+                <a:latin typeface="Helvetica" panose="020B0604020202020204" pitchFamily="34" charset="0"/>
+                <a:cs typeface="Helvetica" panose="020B0604020202020204" pitchFamily="34" charset="0"/>
+              </a:rPr>
+            </a:br>
+            <a:r>
+              <a:rPr lang="en-US" sz="5500">
+                <a:solidFill>
+                  <a:schemeClr val="bg1"/>
+                </a:solidFill>
+                <a:latin typeface="Helvetica" panose="020B0604020202020204" pitchFamily="34" charset="0"/>
+                <a:cs typeface="Helvetica" panose="020B0604020202020204" pitchFamily="34" charset="0"/>
+              </a:rPr>
+              <a:t>Trajectories</a:t>
+            </a:r>
+          </a:p>
+        </p:txBody>
+      </p:sp>
+      <p:sp>
+        <p:nvSpPr>
+          <p:cNvPr id="11" name="Rettangolo 170">
+            <a:extLst>
+              <a:ext uri="{FF2B5EF4-FFF2-40B4-BE49-F238E27FC236}">
+                <a16:creationId xmlns:a16="http://schemas.microsoft.com/office/drawing/2014/main" id="{361BADDF-38A8-4139-B979-663F4DEF9332}"/>
+              </a:ext>
+            </a:extLst>
+          </p:cNvPr>
+          <p:cNvSpPr/>
+          <p:nvPr/>
+        </p:nvSpPr>
+        <p:spPr>
+          <a:xfrm>
+            <a:off x="23207114" y="22734989"/>
+            <a:ext cx="4607363" cy="1832259"/>
+          </a:xfrm>
+          <a:prstGeom prst="rect">
+            <a:avLst/>
+          </a:prstGeom>
+          <a:solidFill>
+            <a:schemeClr val="tx2">
+              <a:lumMod val="75000"/>
+            </a:schemeClr>
+          </a:solidFill>
+          <a:ln>
+            <a:noFill/>
+          </a:ln>
+        </p:spPr>
+        <p:style>
+          <a:lnRef idx="3">
+            <a:schemeClr val="lt1"/>
+          </a:lnRef>
+          <a:fillRef idx="1">
+            <a:schemeClr val="accent1"/>
+          </a:fillRef>
+          <a:effectRef idx="1">
+            <a:schemeClr val="accent1"/>
+          </a:effectRef>
+          <a:fontRef idx="minor">
+            <a:schemeClr val="lt1"/>
+          </a:fontRef>
+        </p:style>
+        <p:txBody>
+          <a:bodyPr lIns="0" tIns="0" rIns="0" bIns="0" rtlCol="0" anchor="ctr"/>
+          <a:lstStyle/>
+          <a:p>
+            <a:pPr algn="ctr"/>
+            <a:r>
+              <a:rPr lang="en-US" sz="5500">
+                <a:solidFill>
+                  <a:schemeClr val="bg1"/>
+                </a:solidFill>
+                <a:latin typeface="Helvetica" panose="020B0604020202020204" pitchFamily="34" charset="0"/>
+                <a:cs typeface="Helvetica" panose="020B0604020202020204" pitchFamily="34" charset="0"/>
+              </a:rPr>
+              <a:t>Creating Transactions</a:t>
+            </a:r>
+          </a:p>
+        </p:txBody>
+      </p:sp>
+      <p:sp>
+        <p:nvSpPr>
+          <p:cNvPr id="12" name="Rettangolo 171">
+            <a:extLst>
+              <a:ext uri="{FF2B5EF4-FFF2-40B4-BE49-F238E27FC236}">
+                <a16:creationId xmlns:a16="http://schemas.microsoft.com/office/drawing/2014/main" id="{E3BE3C2F-5C25-4AB8-8DCC-FDB3864362B3}"/>
+              </a:ext>
+            </a:extLst>
+          </p:cNvPr>
+          <p:cNvSpPr/>
+          <p:nvPr/>
+        </p:nvSpPr>
+        <p:spPr>
+          <a:xfrm>
+            <a:off x="23886164" y="27906701"/>
+            <a:ext cx="3249262" cy="1483133"/>
+          </a:xfrm>
+          <a:prstGeom prst="rect">
+            <a:avLst/>
+          </a:prstGeom>
+          <a:solidFill>
+            <a:schemeClr val="tx2">
+              <a:lumMod val="75000"/>
+            </a:schemeClr>
+          </a:solidFill>
+          <a:ln>
+            <a:noFill/>
+          </a:ln>
+        </p:spPr>
+        <p:style>
+          <a:lnRef idx="3">
+            <a:schemeClr val="lt1"/>
+          </a:lnRef>
+          <a:fillRef idx="1">
+            <a:schemeClr val="accent1"/>
+          </a:fillRef>
+          <a:effectRef idx="1">
+            <a:schemeClr val="accent1"/>
+          </a:effectRef>
+          <a:fontRef idx="minor">
+            <a:schemeClr val="lt1"/>
+          </a:fontRef>
+        </p:style>
+        <p:txBody>
+          <a:bodyPr lIns="0" tIns="0" rIns="0" bIns="0" rtlCol="0" anchor="ctr"/>
+          <a:lstStyle/>
+          <a:p>
+            <a:pPr algn="ctr"/>
+            <a:r>
+              <a:rPr lang="en-US" sz="5500">
+                <a:solidFill>
+                  <a:schemeClr val="bg1"/>
+                </a:solidFill>
+                <a:latin typeface="Helvetica" panose="020B0604020202020204" pitchFamily="34" charset="0"/>
+                <a:cs typeface="Helvetica" panose="020B0604020202020204" pitchFamily="34" charset="0"/>
+              </a:rPr>
+              <a:t>Mining</a:t>
+            </a:r>
+          </a:p>
+        </p:txBody>
+      </p:sp>
+      <p:sp>
+        <p:nvSpPr>
+          <p:cNvPr id="13" name="CasellaDiTesto 242">
+            <a:extLst>
+              <a:ext uri="{FF2B5EF4-FFF2-40B4-BE49-F238E27FC236}">
+                <a16:creationId xmlns:a16="http://schemas.microsoft.com/office/drawing/2014/main" id="{6E06E8AD-4206-47E4-A789-9D354EA8E31E}"/>
+              </a:ext>
+            </a:extLst>
+          </p:cNvPr>
+          <p:cNvSpPr txBox="1"/>
+          <p:nvPr/>
+        </p:nvSpPr>
+        <p:spPr>
+          <a:xfrm>
+            <a:off x="18502214" y="24531561"/>
+            <a:ext cx="4199676" cy="846386"/>
+          </a:xfrm>
+          <a:prstGeom prst="rect">
+            <a:avLst/>
+          </a:prstGeom>
+          <a:noFill/>
+        </p:spPr>
+        <p:txBody>
+          <a:bodyPr wrap="square" tIns="0" bIns="0" rtlCol="0">
+            <a:spAutoFit/>
+          </a:bodyPr>
+          <a:lstStyle/>
+          <a:p>
+            <a:pPr algn="ctr"/>
+            <a:r>
+              <a:rPr lang="en-US" sz="5500">
+                <a:latin typeface="Helvetica" panose="020B0604020202020204" pitchFamily="34" charset="0"/>
+                <a:cs typeface="Helvetica" panose="020B0604020202020204" pitchFamily="34" charset="0"/>
+              </a:rPr>
+              <a:t>Transactions</a:t>
+            </a:r>
+          </a:p>
+        </p:txBody>
+      </p:sp>
+      <p:sp>
+        <p:nvSpPr>
+          <p:cNvPr id="14" name="CasellaDiTesto 242">
+            <a:extLst>
+              <a:ext uri="{FF2B5EF4-FFF2-40B4-BE49-F238E27FC236}">
+                <a16:creationId xmlns:a16="http://schemas.microsoft.com/office/drawing/2014/main" id="{DF5D8596-1C91-475A-A428-B8D409442C75}"/>
+              </a:ext>
+            </a:extLst>
+          </p:cNvPr>
+          <p:cNvSpPr txBox="1"/>
+          <p:nvPr/>
+        </p:nvSpPr>
+        <p:spPr>
+          <a:xfrm>
+            <a:off x="23886164" y="12997230"/>
+            <a:ext cx="5239246" cy="846386"/>
+          </a:xfrm>
+          <a:prstGeom prst="rect">
+            <a:avLst/>
+          </a:prstGeom>
+          <a:noFill/>
+        </p:spPr>
+        <p:txBody>
+          <a:bodyPr wrap="square" tIns="0" bIns="0" rtlCol="0">
+            <a:spAutoFit/>
+          </a:bodyPr>
+          <a:lstStyle/>
+          <a:p>
+            <a:r>
+              <a:rPr lang="en-US" sz="5500">
+                <a:latin typeface="Helvetica" panose="020B0604020202020204" pitchFamily="34" charset="0"/>
+                <a:cs typeface="Helvetica" panose="020B0604020202020204" pitchFamily="34" charset="0"/>
+              </a:rPr>
+              <a:t>Raw trajectories</a:t>
+            </a:r>
+          </a:p>
+        </p:txBody>
+      </p:sp>
+      <p:sp>
+        <p:nvSpPr>
+          <p:cNvPr id="15" name="CasellaDiTesto 44">
+            <a:extLst>
+              <a:ext uri="{FF2B5EF4-FFF2-40B4-BE49-F238E27FC236}">
+                <a16:creationId xmlns:a16="http://schemas.microsoft.com/office/drawing/2014/main" id="{0A7035B0-4086-4F13-BC67-6D1C3E0629C7}"/>
+              </a:ext>
+            </a:extLst>
+          </p:cNvPr>
+          <p:cNvSpPr txBox="1"/>
+          <p:nvPr/>
+        </p:nvSpPr>
+        <p:spPr>
+          <a:xfrm>
+            <a:off x="20874547" y="15860563"/>
+            <a:ext cx="274434" cy="400110"/>
+          </a:xfrm>
+          <a:prstGeom prst="rect">
+            <a:avLst/>
+          </a:prstGeom>
+          <a:noFill/>
+        </p:spPr>
+        <p:txBody>
+          <a:bodyPr wrap="square" rtlCol="0">
+            <a:spAutoFit/>
+          </a:bodyPr>
+          <a:lstStyle/>
+          <a:p>
+            <a:r>
+              <a:rPr lang="en-US" sz="2000" i="1">
+                <a:solidFill>
+                  <a:schemeClr val="accent1">
+                    <a:lumMod val="75000"/>
+                  </a:schemeClr>
+                </a:solidFill>
+                <a:latin typeface="Helvetica" panose="020B0604020202020204" pitchFamily="34" charset="0"/>
+                <a:cs typeface="Helvetica" panose="020B0604020202020204" pitchFamily="34" charset="0"/>
+              </a:rPr>
+              <a:t>A</a:t>
+            </a:r>
+            <a:endParaRPr lang="en-US" sz="2000" i="1" baseline="-25000">
+              <a:solidFill>
+                <a:schemeClr val="accent1">
+                  <a:lumMod val="75000"/>
+                </a:schemeClr>
+              </a:solidFill>
+              <a:latin typeface="Helvetica" panose="020B0604020202020204" pitchFamily="34" charset="0"/>
+              <a:cs typeface="Helvetica" panose="020B0604020202020204" pitchFamily="34" charset="0"/>
+            </a:endParaRPr>
+          </a:p>
+        </p:txBody>
+      </p:sp>
+      <p:sp>
+        <p:nvSpPr>
+          <p:cNvPr id="16" name="CasellaDiTesto 45">
+            <a:extLst>
+              <a:ext uri="{FF2B5EF4-FFF2-40B4-BE49-F238E27FC236}">
+                <a16:creationId xmlns:a16="http://schemas.microsoft.com/office/drawing/2014/main" id="{AE2FB2D8-B8BD-4984-8322-D221AE302D78}"/>
+              </a:ext>
+            </a:extLst>
+          </p:cNvPr>
+          <p:cNvSpPr txBox="1"/>
+          <p:nvPr/>
+        </p:nvSpPr>
+        <p:spPr>
+          <a:xfrm>
+            <a:off x="20454920" y="16332177"/>
+            <a:ext cx="274434" cy="400110"/>
+          </a:xfrm>
+          <a:prstGeom prst="rect">
+            <a:avLst/>
+          </a:prstGeom>
+          <a:noFill/>
+        </p:spPr>
+        <p:txBody>
+          <a:bodyPr wrap="square" rtlCol="0">
+            <a:spAutoFit/>
+          </a:bodyPr>
+          <a:lstStyle/>
+          <a:p>
+            <a:r>
+              <a:rPr lang="en-US" sz="2000" i="1">
+                <a:solidFill>
+                  <a:schemeClr val="accent1">
+                    <a:lumMod val="75000"/>
+                  </a:schemeClr>
+                </a:solidFill>
+                <a:latin typeface="Helvetica" panose="020B0604020202020204" pitchFamily="34" charset="0"/>
+                <a:cs typeface="Helvetica" panose="020B0604020202020204" pitchFamily="34" charset="0"/>
+              </a:rPr>
+              <a:t>B</a:t>
+            </a:r>
+            <a:endParaRPr lang="en-US" sz="2000" i="1" baseline="-25000">
+              <a:solidFill>
+                <a:schemeClr val="accent1">
+                  <a:lumMod val="75000"/>
+                </a:schemeClr>
+              </a:solidFill>
+              <a:latin typeface="Helvetica" panose="020B0604020202020204" pitchFamily="34" charset="0"/>
+              <a:cs typeface="Helvetica" panose="020B0604020202020204" pitchFamily="34" charset="0"/>
+            </a:endParaRPr>
+          </a:p>
+        </p:txBody>
+      </p:sp>
+      <p:sp>
+        <p:nvSpPr>
+          <p:cNvPr id="17" name="CasellaDiTesto 46">
+            <a:extLst>
+              <a:ext uri="{FF2B5EF4-FFF2-40B4-BE49-F238E27FC236}">
+                <a16:creationId xmlns:a16="http://schemas.microsoft.com/office/drawing/2014/main" id="{E094FA37-3DBC-4A4F-B766-24FEF76D2842}"/>
+              </a:ext>
+            </a:extLst>
+          </p:cNvPr>
+          <p:cNvSpPr txBox="1"/>
+          <p:nvPr/>
+        </p:nvSpPr>
+        <p:spPr>
+          <a:xfrm>
+            <a:off x="21411260" y="16535939"/>
+            <a:ext cx="264816" cy="400110"/>
+          </a:xfrm>
+          <a:prstGeom prst="rect">
+            <a:avLst/>
+          </a:prstGeom>
+          <a:noFill/>
+        </p:spPr>
+        <p:txBody>
+          <a:bodyPr wrap="square" rtlCol="0">
+            <a:spAutoFit/>
+          </a:bodyPr>
+          <a:lstStyle/>
+          <a:p>
+            <a:r>
+              <a:rPr lang="en-US" sz="2000" i="1">
+                <a:solidFill>
+                  <a:schemeClr val="accent1">
+                    <a:lumMod val="75000"/>
+                  </a:schemeClr>
+                </a:solidFill>
+                <a:latin typeface="Helvetica" panose="020B0604020202020204" pitchFamily="34" charset="0"/>
+                <a:cs typeface="Helvetica" panose="020B0604020202020204" pitchFamily="34" charset="0"/>
+              </a:rPr>
+              <a:t>C</a:t>
+            </a:r>
+            <a:endParaRPr lang="en-US" sz="2000" i="1" baseline="-25000">
+              <a:solidFill>
+                <a:schemeClr val="accent1">
+                  <a:lumMod val="75000"/>
+                </a:schemeClr>
+              </a:solidFill>
+              <a:latin typeface="Helvetica" panose="020B0604020202020204" pitchFamily="34" charset="0"/>
+              <a:cs typeface="Helvetica" panose="020B0604020202020204" pitchFamily="34" charset="0"/>
+            </a:endParaRPr>
+          </a:p>
+        </p:txBody>
+      </p:sp>
+      <p:sp>
+        <p:nvSpPr>
+          <p:cNvPr id="18" name="CasellaDiTesto 186">
+            <a:extLst>
+              <a:ext uri="{FF2B5EF4-FFF2-40B4-BE49-F238E27FC236}">
+                <a16:creationId xmlns:a16="http://schemas.microsoft.com/office/drawing/2014/main" id="{9B38AAFC-8532-4E77-8F00-E08ABE922625}"/>
+              </a:ext>
+            </a:extLst>
+          </p:cNvPr>
+          <p:cNvSpPr txBox="1"/>
+          <p:nvPr/>
+        </p:nvSpPr>
+        <p:spPr>
+          <a:xfrm>
+            <a:off x="18465583" y="12997230"/>
+            <a:ext cx="3926860" cy="846386"/>
+          </a:xfrm>
+          <a:prstGeom prst="rect">
+            <a:avLst/>
+          </a:prstGeom>
+          <a:noFill/>
+        </p:spPr>
+        <p:txBody>
+          <a:bodyPr wrap="square" tIns="0" bIns="0" rtlCol="0">
+            <a:spAutoFit/>
+          </a:bodyPr>
+          <a:lstStyle/>
+          <a:p>
+            <a:pPr algn="ctr"/>
+            <a:r>
+              <a:rPr lang="en-US" sz="5500">
+                <a:latin typeface="Helvetica" panose="020B0604020202020204" pitchFamily="34" charset="0"/>
+                <a:cs typeface="Helvetica" panose="020B0604020202020204" pitchFamily="34" charset="0"/>
+              </a:rPr>
+              <a:t>Tessellation</a:t>
+            </a:r>
+          </a:p>
+        </p:txBody>
+      </p:sp>
+      <p:sp>
+        <p:nvSpPr>
+          <p:cNvPr id="19" name="CasellaDiTesto 242">
+            <a:extLst>
+              <a:ext uri="{FF2B5EF4-FFF2-40B4-BE49-F238E27FC236}">
+                <a16:creationId xmlns:a16="http://schemas.microsoft.com/office/drawing/2014/main" id="{9E3B91E7-BEB3-4844-9138-3D212D641EA9}"/>
+              </a:ext>
+            </a:extLst>
+          </p:cNvPr>
+          <p:cNvSpPr txBox="1"/>
+          <p:nvPr/>
+        </p:nvSpPr>
+        <p:spPr>
+          <a:xfrm>
+            <a:off x="18832414" y="25413433"/>
+            <a:ext cx="4148508" cy="3385542"/>
+          </a:xfrm>
+          <a:prstGeom prst="rect">
+            <a:avLst/>
+          </a:prstGeom>
+          <a:noFill/>
+        </p:spPr>
+        <p:txBody>
+          <a:bodyPr wrap="none" tIns="0" bIns="0" rtlCol="0">
+            <a:spAutoFit/>
+          </a:bodyPr>
+          <a:lstStyle/>
+          <a:p>
+            <a:r>
+              <a:rPr lang="en-US" sz="5500">
+                <a:latin typeface="Times New Roman" panose="02020603050405020304" pitchFamily="18" charset="0"/>
+                <a:cs typeface="Times New Roman" panose="02020603050405020304" pitchFamily="18" charset="0"/>
+              </a:rPr>
+              <a:t>I</a:t>
+            </a:r>
+            <a:r>
+              <a:rPr lang="en-US" sz="5500" baseline="-25000">
+                <a:latin typeface="Times New Roman" panose="02020603050405020304" pitchFamily="18" charset="0"/>
+                <a:cs typeface="Times New Roman" panose="02020603050405020304" pitchFamily="18" charset="0"/>
+              </a:rPr>
+              <a:t>A</a:t>
+            </a:r>
+            <a:r>
+              <a:rPr lang="en-US" sz="5500">
+                <a:latin typeface="Times New Roman" panose="02020603050405020304" pitchFamily="18" charset="0"/>
+                <a:cs typeface="Times New Roman" panose="02020603050405020304" pitchFamily="18" charset="0"/>
+              </a:rPr>
+              <a:t> = {T</a:t>
+            </a:r>
+            <a:r>
+              <a:rPr lang="en-US" sz="5500" baseline="-25000">
+                <a:latin typeface="Times New Roman" panose="02020603050405020304" pitchFamily="18" charset="0"/>
+                <a:cs typeface="Times New Roman" panose="02020603050405020304" pitchFamily="18" charset="0"/>
+              </a:rPr>
+              <a:t>R</a:t>
+            </a:r>
+            <a:r>
+              <a:rPr lang="en-US" sz="5500">
+                <a:latin typeface="Times New Roman" panose="02020603050405020304" pitchFamily="18" charset="0"/>
+                <a:cs typeface="Times New Roman" panose="02020603050405020304" pitchFamily="18" charset="0"/>
+              </a:rPr>
+              <a:t>, T</a:t>
+            </a:r>
+            <a:r>
+              <a:rPr lang="en-US" sz="5500" baseline="-25000">
+                <a:latin typeface="Times New Roman" panose="02020603050405020304" pitchFamily="18" charset="0"/>
+                <a:cs typeface="Times New Roman" panose="02020603050405020304" pitchFamily="18" charset="0"/>
+              </a:rPr>
+              <a:t>B</a:t>
+            </a:r>
+            <a:r>
+              <a:rPr lang="en-US" sz="5500">
+                <a:latin typeface="Times New Roman" panose="02020603050405020304" pitchFamily="18" charset="0"/>
+                <a:cs typeface="Times New Roman" panose="02020603050405020304" pitchFamily="18" charset="0"/>
+              </a:rPr>
+              <a:t>}</a:t>
+            </a:r>
+          </a:p>
+          <a:p>
+            <a:r>
+              <a:rPr lang="en-US" sz="5500">
+                <a:latin typeface="Times New Roman" panose="02020603050405020304" pitchFamily="18" charset="0"/>
+                <a:cs typeface="Times New Roman" panose="02020603050405020304" pitchFamily="18" charset="0"/>
+              </a:rPr>
+              <a:t>I</a:t>
+            </a:r>
+            <a:r>
+              <a:rPr lang="en-US" sz="5500" baseline="-25000">
+                <a:latin typeface="Times New Roman" panose="02020603050405020304" pitchFamily="18" charset="0"/>
+                <a:cs typeface="Times New Roman" panose="02020603050405020304" pitchFamily="18" charset="0"/>
+              </a:rPr>
+              <a:t>B</a:t>
+            </a:r>
+            <a:r>
+              <a:rPr lang="en-US" sz="5500">
+                <a:latin typeface="Times New Roman" panose="02020603050405020304" pitchFamily="18" charset="0"/>
+                <a:cs typeface="Times New Roman" panose="02020603050405020304" pitchFamily="18" charset="0"/>
+              </a:rPr>
+              <a:t> = {T</a:t>
+            </a:r>
+            <a:r>
+              <a:rPr lang="en-US" sz="5500" baseline="-25000">
+                <a:latin typeface="Times New Roman" panose="02020603050405020304" pitchFamily="18" charset="0"/>
+                <a:cs typeface="Times New Roman" panose="02020603050405020304" pitchFamily="18" charset="0"/>
+              </a:rPr>
+              <a:t>R</a:t>
+            </a:r>
+            <a:r>
+              <a:rPr lang="en-US" sz="5500">
+                <a:latin typeface="Times New Roman" panose="02020603050405020304" pitchFamily="18" charset="0"/>
+                <a:cs typeface="Times New Roman" panose="02020603050405020304" pitchFamily="18" charset="0"/>
+              </a:rPr>
+              <a:t>, T</a:t>
+            </a:r>
+            <a:r>
+              <a:rPr lang="en-US" sz="5500" baseline="-25000">
+                <a:latin typeface="Times New Roman" panose="02020603050405020304" pitchFamily="18" charset="0"/>
+                <a:cs typeface="Times New Roman" panose="02020603050405020304" pitchFamily="18" charset="0"/>
+              </a:rPr>
+              <a:t>B</a:t>
+            </a:r>
+            <a:r>
+              <a:rPr lang="en-US" sz="5500">
+                <a:latin typeface="Times New Roman" panose="02020603050405020304" pitchFamily="18" charset="0"/>
+                <a:cs typeface="Times New Roman" panose="02020603050405020304" pitchFamily="18" charset="0"/>
+              </a:rPr>
+              <a:t>}</a:t>
+            </a:r>
+          </a:p>
+          <a:p>
+            <a:r>
+              <a:rPr lang="en-US" sz="5500">
+                <a:latin typeface="Times New Roman" panose="02020603050405020304" pitchFamily="18" charset="0"/>
+                <a:cs typeface="Times New Roman" panose="02020603050405020304" pitchFamily="18" charset="0"/>
+              </a:rPr>
+              <a:t>…</a:t>
+            </a:r>
+          </a:p>
+          <a:p>
+            <a:r>
+              <a:rPr lang="en-US" sz="5500">
+                <a:latin typeface="Times New Roman" panose="02020603050405020304" pitchFamily="18" charset="0"/>
+                <a:cs typeface="Times New Roman" panose="02020603050405020304" pitchFamily="18" charset="0"/>
+              </a:rPr>
+              <a:t>I</a:t>
+            </a:r>
+            <a:r>
+              <a:rPr lang="en-US" sz="5500" baseline="-25000">
+                <a:latin typeface="Times New Roman" panose="02020603050405020304" pitchFamily="18" charset="0"/>
+                <a:cs typeface="Times New Roman" panose="02020603050405020304" pitchFamily="18" charset="0"/>
+              </a:rPr>
+              <a:t>X</a:t>
+            </a:r>
+            <a:r>
+              <a:rPr lang="en-US" sz="5500">
+                <a:latin typeface="Times New Roman" panose="02020603050405020304" pitchFamily="18" charset="0"/>
+                <a:cs typeface="Times New Roman" panose="02020603050405020304" pitchFamily="18" charset="0"/>
+              </a:rPr>
+              <a:t> = {T</a:t>
+            </a:r>
+            <a:r>
+              <a:rPr lang="en-US" sz="5500" baseline="-25000">
+                <a:latin typeface="Times New Roman" panose="02020603050405020304" pitchFamily="18" charset="0"/>
+                <a:cs typeface="Times New Roman" panose="02020603050405020304" pitchFamily="18" charset="0"/>
+              </a:rPr>
+              <a:t>R</a:t>
+            </a:r>
+            <a:r>
+              <a:rPr lang="en-US" sz="5500">
+                <a:latin typeface="Times New Roman" panose="02020603050405020304" pitchFamily="18" charset="0"/>
+                <a:cs typeface="Times New Roman" panose="02020603050405020304" pitchFamily="18" charset="0"/>
+              </a:rPr>
+              <a:t>}</a:t>
+            </a:r>
+          </a:p>
+        </p:txBody>
+      </p:sp>
+      <p:sp>
+        <p:nvSpPr>
+          <p:cNvPr id="20" name="Ovale 50">
+            <a:extLst>
+              <a:ext uri="{FF2B5EF4-FFF2-40B4-BE49-F238E27FC236}">
+                <a16:creationId xmlns:a16="http://schemas.microsoft.com/office/drawing/2014/main" id="{F6995D6B-621F-4D80-BE77-6A909C3F4F1A}"/>
+              </a:ext>
+            </a:extLst>
+          </p:cNvPr>
+          <p:cNvSpPr/>
+          <p:nvPr/>
+        </p:nvSpPr>
+        <p:spPr>
+          <a:xfrm>
+            <a:off x="25876092" y="15410668"/>
+            <a:ext cx="274320" cy="274320"/>
+          </a:xfrm>
+          <a:prstGeom prst="ellipse">
+            <a:avLst/>
+          </a:prstGeom>
+          <a:solidFill>
+            <a:srgbClr val="FF0000"/>
+          </a:solidFill>
+        </p:spPr>
+        <p:style>
+          <a:lnRef idx="0">
+            <a:schemeClr val="accent2"/>
+          </a:lnRef>
+          <a:fillRef idx="3">
+            <a:schemeClr val="accent2"/>
+          </a:fillRef>
+          <a:effectRef idx="3">
+            <a:schemeClr val="accent2"/>
+          </a:effectRef>
+          <a:fontRef idx="minor">
+            <a:schemeClr val="lt1"/>
+          </a:fontRef>
+        </p:style>
+        <p:txBody>
+          <a:bodyPr rtlCol="0" anchor="ctr"/>
+          <a:lstStyle/>
+          <a:p>
+            <a:pPr algn="ctr"/>
+            <a:endParaRPr lang="en-US" sz="1400" i="1">
+              <a:solidFill>
+                <a:schemeClr val="tx1"/>
+              </a:solidFill>
+              <a:latin typeface="Helvetica" panose="020B0604020202020204" pitchFamily="34" charset="0"/>
+              <a:cs typeface="Helvetica" panose="020B0604020202020204" pitchFamily="34" charset="0"/>
+            </a:endParaRPr>
+          </a:p>
+        </p:txBody>
+      </p:sp>
+      <p:sp>
+        <p:nvSpPr>
+          <p:cNvPr id="21" name="Ovale 51">
+            <a:extLst>
+              <a:ext uri="{FF2B5EF4-FFF2-40B4-BE49-F238E27FC236}">
+                <a16:creationId xmlns:a16="http://schemas.microsoft.com/office/drawing/2014/main" id="{F604B096-6F91-4D15-A843-D6D53EAE99D7}"/>
+              </a:ext>
+            </a:extLst>
+          </p:cNvPr>
+          <p:cNvSpPr/>
+          <p:nvPr/>
+        </p:nvSpPr>
+        <p:spPr>
+          <a:xfrm>
+            <a:off x="27579275" y="15092645"/>
+            <a:ext cx="274320" cy="274320"/>
+          </a:xfrm>
+          <a:prstGeom prst="ellipse">
+            <a:avLst/>
+          </a:prstGeom>
+          <a:solidFill>
+            <a:srgbClr val="FF0000"/>
+          </a:solidFill>
+        </p:spPr>
+        <p:style>
+          <a:lnRef idx="0">
+            <a:schemeClr val="accent2"/>
+          </a:lnRef>
+          <a:fillRef idx="3">
+            <a:schemeClr val="accent2"/>
+          </a:fillRef>
+          <a:effectRef idx="3">
+            <a:schemeClr val="accent2"/>
+          </a:effectRef>
+          <a:fontRef idx="minor">
+            <a:schemeClr val="lt1"/>
+          </a:fontRef>
+        </p:style>
+        <p:txBody>
+          <a:bodyPr rtlCol="0" anchor="ctr"/>
+          <a:lstStyle/>
+          <a:p>
+            <a:pPr algn="ctr"/>
+            <a:endParaRPr lang="en-US" sz="1400" i="1">
+              <a:solidFill>
+                <a:schemeClr val="tx1"/>
+              </a:solidFill>
+              <a:latin typeface="Helvetica" panose="020B0604020202020204" pitchFamily="34" charset="0"/>
+              <a:cs typeface="Helvetica" panose="020B0604020202020204" pitchFamily="34" charset="0"/>
+            </a:endParaRPr>
+          </a:p>
+        </p:txBody>
+      </p:sp>
+      <p:sp>
+        <p:nvSpPr>
+          <p:cNvPr id="22" name="Ovale 52">
+            <a:extLst>
+              <a:ext uri="{FF2B5EF4-FFF2-40B4-BE49-F238E27FC236}">
+                <a16:creationId xmlns:a16="http://schemas.microsoft.com/office/drawing/2014/main" id="{DB87ED02-E05A-4F80-987F-0C57254FC3BB}"/>
+              </a:ext>
+            </a:extLst>
+          </p:cNvPr>
+          <p:cNvSpPr/>
+          <p:nvPr/>
+        </p:nvSpPr>
+        <p:spPr>
+          <a:xfrm>
+            <a:off x="28053553" y="14440539"/>
+            <a:ext cx="274320" cy="274320"/>
+          </a:xfrm>
+          <a:prstGeom prst="ellipse">
+            <a:avLst/>
+          </a:prstGeom>
+          <a:solidFill>
+            <a:srgbClr val="FF0000"/>
+          </a:solidFill>
+        </p:spPr>
+        <p:style>
+          <a:lnRef idx="0">
+            <a:schemeClr val="accent2"/>
+          </a:lnRef>
+          <a:fillRef idx="3">
+            <a:schemeClr val="accent2"/>
+          </a:fillRef>
+          <a:effectRef idx="3">
+            <a:schemeClr val="accent2"/>
+          </a:effectRef>
+          <a:fontRef idx="minor">
+            <a:schemeClr val="lt1"/>
+          </a:fontRef>
+        </p:style>
+        <p:txBody>
+          <a:bodyPr rtlCol="0" anchor="ctr"/>
+          <a:lstStyle/>
+          <a:p>
+            <a:pPr algn="ctr"/>
+            <a:endParaRPr lang="en-US" sz="1400" i="1">
+              <a:solidFill>
+                <a:schemeClr val="tx1"/>
+              </a:solidFill>
+              <a:latin typeface="Helvetica" panose="020B0604020202020204" pitchFamily="34" charset="0"/>
+              <a:cs typeface="Helvetica" panose="020B0604020202020204" pitchFamily="34" charset="0"/>
+            </a:endParaRPr>
+          </a:p>
+        </p:txBody>
+      </p:sp>
+      <p:sp>
+        <p:nvSpPr>
+          <p:cNvPr id="23" name="Ovale 53">
+            <a:extLst>
+              <a:ext uri="{FF2B5EF4-FFF2-40B4-BE49-F238E27FC236}">
+                <a16:creationId xmlns:a16="http://schemas.microsoft.com/office/drawing/2014/main" id="{6C2CD0EF-DA6F-4C14-B729-3353D45D551D}"/>
+              </a:ext>
+            </a:extLst>
+          </p:cNvPr>
+          <p:cNvSpPr/>
+          <p:nvPr/>
+        </p:nvSpPr>
+        <p:spPr>
+          <a:xfrm>
+            <a:off x="28173869" y="13848529"/>
+            <a:ext cx="274320" cy="274320"/>
+          </a:xfrm>
+          <a:prstGeom prst="ellipse">
+            <a:avLst/>
+          </a:prstGeom>
+          <a:solidFill>
+            <a:srgbClr val="FF0000"/>
+          </a:solidFill>
+        </p:spPr>
+        <p:style>
+          <a:lnRef idx="0">
+            <a:schemeClr val="accent2"/>
+          </a:lnRef>
+          <a:fillRef idx="3">
+            <a:schemeClr val="accent2"/>
+          </a:fillRef>
+          <a:effectRef idx="3">
+            <a:schemeClr val="accent2"/>
+          </a:effectRef>
+          <a:fontRef idx="minor">
+            <a:schemeClr val="lt1"/>
+          </a:fontRef>
+        </p:style>
+        <p:txBody>
+          <a:bodyPr rtlCol="0" anchor="ctr"/>
+          <a:lstStyle/>
+          <a:p>
+            <a:pPr algn="ctr"/>
+            <a:endParaRPr lang="en-US" sz="1400" i="1">
+              <a:solidFill>
+                <a:schemeClr val="tx1"/>
+              </a:solidFill>
+              <a:latin typeface="Helvetica" panose="020B0604020202020204" pitchFamily="34" charset="0"/>
+              <a:cs typeface="Helvetica" panose="020B0604020202020204" pitchFamily="34" charset="0"/>
+            </a:endParaRPr>
+          </a:p>
+        </p:txBody>
+      </p:sp>
+      <p:sp>
+        <p:nvSpPr>
+          <p:cNvPr id="24" name="Ovale 54">
+            <a:extLst>
+              <a:ext uri="{FF2B5EF4-FFF2-40B4-BE49-F238E27FC236}">
+                <a16:creationId xmlns:a16="http://schemas.microsoft.com/office/drawing/2014/main" id="{206347C4-D176-415D-BE14-24A0DB63C039}"/>
+              </a:ext>
+            </a:extLst>
+          </p:cNvPr>
+          <p:cNvSpPr/>
+          <p:nvPr/>
+        </p:nvSpPr>
+        <p:spPr>
+          <a:xfrm>
+            <a:off x="26868064" y="15442799"/>
+            <a:ext cx="274320" cy="274320"/>
+          </a:xfrm>
+          <a:prstGeom prst="ellipse">
+            <a:avLst/>
+          </a:prstGeom>
+          <a:solidFill>
+            <a:srgbClr val="FF0000"/>
+          </a:solidFill>
+        </p:spPr>
+        <p:style>
+          <a:lnRef idx="0">
+            <a:schemeClr val="accent2"/>
+          </a:lnRef>
+          <a:fillRef idx="3">
+            <a:schemeClr val="accent2"/>
+          </a:fillRef>
+          <a:effectRef idx="3">
+            <a:schemeClr val="accent2"/>
+          </a:effectRef>
+          <a:fontRef idx="minor">
+            <a:schemeClr val="lt1"/>
+          </a:fontRef>
+        </p:style>
+        <p:txBody>
+          <a:bodyPr rtlCol="0" anchor="ctr"/>
+          <a:lstStyle/>
+          <a:p>
+            <a:pPr algn="ctr"/>
+            <a:endParaRPr lang="en-US" sz="1400" i="1">
+              <a:solidFill>
+                <a:schemeClr val="tx1"/>
+              </a:solidFill>
+              <a:latin typeface="Helvetica" panose="020B0604020202020204" pitchFamily="34" charset="0"/>
+              <a:cs typeface="Helvetica" panose="020B0604020202020204" pitchFamily="34" charset="0"/>
+            </a:endParaRPr>
+          </a:p>
+        </p:txBody>
+      </p:sp>
+      <p:sp>
+        <p:nvSpPr>
+          <p:cNvPr id="25" name="Ovale 30">
+            <a:extLst>
+              <a:ext uri="{FF2B5EF4-FFF2-40B4-BE49-F238E27FC236}">
+                <a16:creationId xmlns:a16="http://schemas.microsoft.com/office/drawing/2014/main" id="{AD0DF487-2032-48E8-A5F4-2452FC6B096C}"/>
+              </a:ext>
+            </a:extLst>
+          </p:cNvPr>
+          <p:cNvSpPr/>
+          <p:nvPr/>
+        </p:nvSpPr>
+        <p:spPr>
+          <a:xfrm>
+            <a:off x="28215959" y="15058325"/>
+            <a:ext cx="274320" cy="274320"/>
+          </a:xfrm>
+          <a:prstGeom prst="ellipse">
+            <a:avLst/>
+          </a:prstGeom>
+          <a:solidFill>
+            <a:srgbClr val="002060"/>
+          </a:solidFill>
+        </p:spPr>
+        <p:style>
+          <a:lnRef idx="0">
+            <a:schemeClr val="accent2"/>
+          </a:lnRef>
+          <a:fillRef idx="3">
+            <a:schemeClr val="accent2"/>
+          </a:fillRef>
+          <a:effectRef idx="3">
+            <a:schemeClr val="accent2"/>
+          </a:effectRef>
+          <a:fontRef idx="minor">
+            <a:schemeClr val="lt1"/>
+          </a:fontRef>
+        </p:style>
+        <p:txBody>
+          <a:bodyPr rtlCol="0" anchor="ctr"/>
+          <a:lstStyle/>
+          <a:p>
+            <a:pPr algn="ctr"/>
+            <a:endParaRPr lang="en-US" sz="1400" i="1">
+              <a:solidFill>
+                <a:schemeClr val="tx1"/>
+              </a:solidFill>
+              <a:latin typeface="Helvetica" panose="020B0604020202020204" pitchFamily="34" charset="0"/>
+              <a:cs typeface="Helvetica" panose="020B0604020202020204" pitchFamily="34" charset="0"/>
+            </a:endParaRPr>
+          </a:p>
+        </p:txBody>
+      </p:sp>
+      <p:sp>
+        <p:nvSpPr>
+          <p:cNvPr id="26" name="Ovale 31">
+            <a:extLst>
+              <a:ext uri="{FF2B5EF4-FFF2-40B4-BE49-F238E27FC236}">
+                <a16:creationId xmlns:a16="http://schemas.microsoft.com/office/drawing/2014/main" id="{B0200B29-E2A5-4FBB-8911-03245C4E905A}"/>
+              </a:ext>
+            </a:extLst>
+          </p:cNvPr>
+          <p:cNvSpPr/>
+          <p:nvPr/>
+        </p:nvSpPr>
+        <p:spPr>
+          <a:xfrm>
+            <a:off x="27664422" y="15501425"/>
+            <a:ext cx="274320" cy="274320"/>
+          </a:xfrm>
+          <a:prstGeom prst="ellipse">
+            <a:avLst/>
+          </a:prstGeom>
+          <a:solidFill>
+            <a:srgbClr val="002060"/>
+          </a:solidFill>
+        </p:spPr>
+        <p:style>
+          <a:lnRef idx="0">
+            <a:schemeClr val="accent2"/>
+          </a:lnRef>
+          <a:fillRef idx="3">
+            <a:schemeClr val="accent2"/>
+          </a:fillRef>
+          <a:effectRef idx="3">
+            <a:schemeClr val="accent2"/>
+          </a:effectRef>
+          <a:fontRef idx="minor">
+            <a:schemeClr val="lt1"/>
+          </a:fontRef>
+        </p:style>
+        <p:txBody>
+          <a:bodyPr rtlCol="0" anchor="ctr"/>
+          <a:lstStyle/>
+          <a:p>
+            <a:pPr algn="ctr"/>
+            <a:endParaRPr lang="en-US" sz="1400" i="1">
+              <a:solidFill>
+                <a:schemeClr val="tx1"/>
+              </a:solidFill>
+              <a:latin typeface="Helvetica" panose="020B0604020202020204" pitchFamily="34" charset="0"/>
+              <a:cs typeface="Helvetica" panose="020B0604020202020204" pitchFamily="34" charset="0"/>
+            </a:endParaRPr>
+          </a:p>
+        </p:txBody>
+      </p:sp>
+      <p:sp>
+        <p:nvSpPr>
+          <p:cNvPr id="27" name="Ovale 32">
+            <a:extLst>
+              <a:ext uri="{FF2B5EF4-FFF2-40B4-BE49-F238E27FC236}">
+                <a16:creationId xmlns:a16="http://schemas.microsoft.com/office/drawing/2014/main" id="{F2AC5154-EF37-4923-A953-EE5CC058864E}"/>
+              </a:ext>
+            </a:extLst>
+          </p:cNvPr>
+          <p:cNvSpPr/>
+          <p:nvPr/>
+        </p:nvSpPr>
+        <p:spPr>
+          <a:xfrm>
+            <a:off x="28439479" y="14454579"/>
+            <a:ext cx="274320" cy="274320"/>
+          </a:xfrm>
+          <a:prstGeom prst="ellipse">
+            <a:avLst/>
+          </a:prstGeom>
+          <a:solidFill>
+            <a:srgbClr val="002060"/>
+          </a:solidFill>
+        </p:spPr>
+        <p:style>
+          <a:lnRef idx="0">
+            <a:schemeClr val="accent2"/>
+          </a:lnRef>
+          <a:fillRef idx="3">
+            <a:schemeClr val="accent2"/>
+          </a:fillRef>
+          <a:effectRef idx="3">
+            <a:schemeClr val="accent2"/>
+          </a:effectRef>
+          <a:fontRef idx="minor">
+            <a:schemeClr val="lt1"/>
+          </a:fontRef>
+        </p:style>
+        <p:txBody>
+          <a:bodyPr rtlCol="0" anchor="ctr"/>
+          <a:lstStyle/>
+          <a:p>
+            <a:pPr algn="ctr"/>
+            <a:endParaRPr lang="en-US" sz="1400" i="1">
+              <a:solidFill>
+                <a:schemeClr val="tx1"/>
+              </a:solidFill>
+              <a:latin typeface="Helvetica" panose="020B0604020202020204" pitchFamily="34" charset="0"/>
+              <a:cs typeface="Helvetica" panose="020B0604020202020204" pitchFamily="34" charset="0"/>
+            </a:endParaRPr>
+          </a:p>
+        </p:txBody>
+      </p:sp>
+      <p:sp>
+        <p:nvSpPr>
+          <p:cNvPr id="28" name="Arco 23">
+            <a:extLst>
+              <a:ext uri="{FF2B5EF4-FFF2-40B4-BE49-F238E27FC236}">
+                <a16:creationId xmlns:a16="http://schemas.microsoft.com/office/drawing/2014/main" id="{3A67F67F-6690-4604-A8F2-AAF5B83DADCF}"/>
+              </a:ext>
+            </a:extLst>
+          </p:cNvPr>
+          <p:cNvSpPr/>
+          <p:nvPr/>
+        </p:nvSpPr>
+        <p:spPr>
+          <a:xfrm rot="4451397">
+            <a:off x="25819426" y="13150355"/>
+            <a:ext cx="2243342" cy="3329041"/>
+          </a:xfrm>
+          <a:prstGeom prst="arc">
+            <a:avLst>
+              <a:gd name="adj1" fmla="val 16625641"/>
+              <a:gd name="adj2" fmla="val 19672180"/>
+            </a:avLst>
+          </a:prstGeom>
+          <a:noFill/>
+          <a:ln w="28575">
+            <a:solidFill>
+              <a:srgbClr val="002060"/>
+            </a:solidFill>
+            <a:prstDash val="sysDot"/>
+          </a:ln>
+        </p:spPr>
+        <p:style>
+          <a:lnRef idx="2">
+            <a:schemeClr val="accent1">
+              <a:shade val="50000"/>
+            </a:schemeClr>
+          </a:lnRef>
+          <a:fillRef idx="1">
+            <a:schemeClr val="accent1"/>
+          </a:fillRef>
+          <a:effectRef idx="0">
+            <a:schemeClr val="accent1"/>
+          </a:effectRef>
+          <a:fontRef idx="minor">
+            <a:schemeClr val="lt1"/>
+          </a:fontRef>
+        </p:style>
+        <p:txBody>
+          <a:bodyPr rot="0" spcFirstLastPara="0" vertOverflow="overflow" horzOverflow="overflow" vert="horz" wrap="square" lIns="91440" tIns="45720" rIns="91440" bIns="45720" numCol="1" spcCol="0" rtlCol="0" fromWordArt="0" anchor="ctr" anchorCtr="0" forceAA="0" compatLnSpc="1">
+            <a:prstTxWarp prst="textNoShape">
+              <a:avLst/>
+            </a:prstTxWarp>
+            <a:noAutofit/>
+          </a:bodyPr>
+          <a:lstStyle/>
+          <a:p>
+            <a:pPr algn="ctr"/>
+            <a:endParaRPr lang="en-US" sz="1400" i="1">
+              <a:solidFill>
+                <a:schemeClr val="lt1"/>
+              </a:solidFill>
+              <a:latin typeface="Helvetica" panose="020B0604020202020204" pitchFamily="34" charset="0"/>
+              <a:cs typeface="Helvetica" panose="020B0604020202020204" pitchFamily="34" charset="0"/>
+            </a:endParaRPr>
+          </a:p>
+        </p:txBody>
+      </p:sp>
+      <p:sp>
+        <p:nvSpPr>
+          <p:cNvPr id="29" name="Arco 49">
+            <a:extLst>
+              <a:ext uri="{FF2B5EF4-FFF2-40B4-BE49-F238E27FC236}">
+                <a16:creationId xmlns:a16="http://schemas.microsoft.com/office/drawing/2014/main" id="{FCA2348B-C2F5-44BC-9100-105A9B543D9B}"/>
+              </a:ext>
+            </a:extLst>
+          </p:cNvPr>
+          <p:cNvSpPr/>
+          <p:nvPr/>
+        </p:nvSpPr>
+        <p:spPr>
+          <a:xfrm rot="5743652">
+            <a:off x="24804033" y="12116623"/>
+            <a:ext cx="3574295" cy="3490204"/>
+          </a:xfrm>
+          <a:prstGeom prst="arc">
+            <a:avLst>
+              <a:gd name="adj1" fmla="val 16046574"/>
+              <a:gd name="adj2" fmla="val 714791"/>
+            </a:avLst>
+          </a:prstGeom>
+          <a:noFill/>
+          <a:ln w="28575">
+            <a:solidFill>
+              <a:srgbClr val="FF0000"/>
+            </a:solidFill>
+            <a:prstDash val="sysDot"/>
+          </a:ln>
+        </p:spPr>
+        <p:style>
+          <a:lnRef idx="2">
+            <a:schemeClr val="accent1">
+              <a:shade val="50000"/>
+            </a:schemeClr>
+          </a:lnRef>
+          <a:fillRef idx="1">
+            <a:schemeClr val="accent1"/>
+          </a:fillRef>
+          <a:effectRef idx="0">
+            <a:schemeClr val="accent1"/>
+          </a:effectRef>
+          <a:fontRef idx="minor">
+            <a:schemeClr val="lt1"/>
+          </a:fontRef>
+        </p:style>
+        <p:txBody>
+          <a:bodyPr rot="0" spcFirstLastPara="0" vertOverflow="overflow" horzOverflow="overflow" vert="horz" wrap="square" lIns="91440" tIns="45720" rIns="91440" bIns="45720" numCol="1" spcCol="0" rtlCol="0" fromWordArt="0" anchor="ctr" anchorCtr="0" forceAA="0" compatLnSpc="1">
+            <a:prstTxWarp prst="textNoShape">
+              <a:avLst/>
+            </a:prstTxWarp>
+            <a:noAutofit/>
+          </a:bodyPr>
+          <a:lstStyle/>
+          <a:p>
+            <a:pPr algn="ctr"/>
+            <a:endParaRPr lang="en-US" sz="1400" i="1">
+              <a:solidFill>
+                <a:schemeClr val="lt1"/>
+              </a:solidFill>
+              <a:latin typeface="Helvetica" panose="020B0604020202020204" pitchFamily="34" charset="0"/>
+              <a:cs typeface="Helvetica" panose="020B0604020202020204" pitchFamily="34" charset="0"/>
+            </a:endParaRPr>
+          </a:p>
+        </p:txBody>
+      </p:sp>
+      <p:sp>
+        <p:nvSpPr>
+          <p:cNvPr id="30" name="Arrow: Right 29">
+            <a:extLst>
+              <a:ext uri="{FF2B5EF4-FFF2-40B4-BE49-F238E27FC236}">
+                <a16:creationId xmlns:a16="http://schemas.microsoft.com/office/drawing/2014/main" id="{75B0DE11-7765-430F-B68E-12A0A0742DBA}"/>
+              </a:ext>
+            </a:extLst>
+          </p:cNvPr>
+          <p:cNvSpPr/>
+          <p:nvPr/>
+        </p:nvSpPr>
+        <p:spPr>
+          <a:xfrm rot="2700000">
+            <a:off x="23436680" y="16378541"/>
+            <a:ext cx="1284051" cy="929965"/>
+          </a:xfrm>
+          <a:prstGeom prst="rightArrow">
+            <a:avLst/>
+          </a:prstGeom>
+          <a:solidFill>
+            <a:schemeClr val="tx2">
+              <a:lumMod val="40000"/>
+              <a:lumOff val="60000"/>
+            </a:schemeClr>
+          </a:solidFill>
+          <a:ln>
+            <a:solidFill>
+              <a:srgbClr val="FFFFFF"/>
+            </a:solidFill>
+          </a:ln>
+        </p:spPr>
+        <p:style>
+          <a:lnRef idx="2">
+            <a:schemeClr val="accent1">
+              <a:shade val="50000"/>
+            </a:schemeClr>
+          </a:lnRef>
+          <a:fillRef idx="1">
+            <a:schemeClr val="accent1"/>
+          </a:fillRef>
+          <a:effectRef idx="0">
+            <a:schemeClr val="accent1"/>
+          </a:effectRef>
+          <a:fontRef idx="minor">
+            <a:schemeClr val="lt1"/>
+          </a:fontRef>
+        </p:style>
+        <p:txBody>
+          <a:bodyPr rtlCol="0" anchor="ctr"/>
+          <a:lstStyle/>
+          <a:p>
+            <a:pPr algn="ctr"/>
+            <a:endParaRPr lang="en-US"/>
+          </a:p>
+        </p:txBody>
+      </p:sp>
+      <p:sp>
+        <p:nvSpPr>
+          <p:cNvPr id="31" name="Arrow: Right 30">
+            <a:extLst>
+              <a:ext uri="{FF2B5EF4-FFF2-40B4-BE49-F238E27FC236}">
+                <a16:creationId xmlns:a16="http://schemas.microsoft.com/office/drawing/2014/main" id="{8B8CDF7C-4675-4322-85BA-ADC6F086896C}"/>
+              </a:ext>
+            </a:extLst>
+          </p:cNvPr>
+          <p:cNvSpPr/>
+          <p:nvPr/>
+        </p:nvSpPr>
+        <p:spPr>
+          <a:xfrm rot="8100000">
+            <a:off x="26023253" y="16339396"/>
+            <a:ext cx="1284051" cy="929965"/>
+          </a:xfrm>
+          <a:prstGeom prst="rightArrow">
+            <a:avLst/>
+          </a:prstGeom>
+          <a:solidFill>
+            <a:schemeClr val="tx2">
+              <a:lumMod val="40000"/>
+              <a:lumOff val="60000"/>
+            </a:schemeClr>
+          </a:solidFill>
+          <a:ln>
+            <a:solidFill>
+              <a:srgbClr val="FFFFFF"/>
+            </a:solidFill>
+          </a:ln>
+        </p:spPr>
+        <p:style>
+          <a:lnRef idx="2">
+            <a:schemeClr val="accent1">
+              <a:shade val="50000"/>
+            </a:schemeClr>
+          </a:lnRef>
+          <a:fillRef idx="1">
+            <a:schemeClr val="accent1"/>
+          </a:fillRef>
+          <a:effectRef idx="0">
+            <a:schemeClr val="accent1"/>
+          </a:effectRef>
+          <a:fontRef idx="minor">
+            <a:schemeClr val="lt1"/>
+          </a:fontRef>
+        </p:style>
+        <p:txBody>
+          <a:bodyPr rtlCol="0" anchor="ctr"/>
+          <a:lstStyle/>
+          <a:p>
+            <a:pPr algn="ctr"/>
+            <a:endParaRPr lang="en-US"/>
+          </a:p>
+        </p:txBody>
+      </p:sp>
+      <p:sp>
+        <p:nvSpPr>
+          <p:cNvPr id="32" name="Arrow: Right 31">
+            <a:extLst>
+              <a:ext uri="{FF2B5EF4-FFF2-40B4-BE49-F238E27FC236}">
+                <a16:creationId xmlns:a16="http://schemas.microsoft.com/office/drawing/2014/main" id="{3C37A6BB-DA0E-4AC0-AB95-250FB1AC22D3}"/>
+              </a:ext>
+            </a:extLst>
+          </p:cNvPr>
+          <p:cNvSpPr/>
+          <p:nvPr/>
+        </p:nvSpPr>
+        <p:spPr>
+          <a:xfrm rot="5400000">
+            <a:off x="24402527" y="20600280"/>
+            <a:ext cx="2216537" cy="929965"/>
+          </a:xfrm>
+          <a:prstGeom prst="rightArrow">
+            <a:avLst/>
+          </a:prstGeom>
+          <a:solidFill>
+            <a:schemeClr val="tx2">
+              <a:lumMod val="40000"/>
+              <a:lumOff val="60000"/>
+            </a:schemeClr>
+          </a:solidFill>
+          <a:ln>
+            <a:solidFill>
+              <a:srgbClr val="FFFFFF"/>
+            </a:solidFill>
+          </a:ln>
+        </p:spPr>
+        <p:style>
+          <a:lnRef idx="2">
+            <a:schemeClr val="accent1">
+              <a:shade val="50000"/>
+            </a:schemeClr>
+          </a:lnRef>
+          <a:fillRef idx="1">
+            <a:schemeClr val="accent1"/>
+          </a:fillRef>
+          <a:effectRef idx="0">
+            <a:schemeClr val="accent1"/>
+          </a:effectRef>
+          <a:fontRef idx="minor">
+            <a:schemeClr val="lt1"/>
+          </a:fontRef>
+        </p:style>
+        <p:txBody>
+          <a:bodyPr rtlCol="0" anchor="ctr"/>
+          <a:lstStyle/>
+          <a:p>
+            <a:pPr algn="ctr"/>
+            <a:endParaRPr lang="en-US"/>
+          </a:p>
+        </p:txBody>
+      </p:sp>
+      <p:sp>
+        <p:nvSpPr>
+          <p:cNvPr id="33" name="Arrow: Right 32">
+            <a:extLst>
+              <a:ext uri="{FF2B5EF4-FFF2-40B4-BE49-F238E27FC236}">
+                <a16:creationId xmlns:a16="http://schemas.microsoft.com/office/drawing/2014/main" id="{F84DF1D9-12DD-4433-BD58-75F410068ACF}"/>
+              </a:ext>
+            </a:extLst>
+          </p:cNvPr>
+          <p:cNvSpPr/>
+          <p:nvPr/>
+        </p:nvSpPr>
+        <p:spPr>
+          <a:xfrm rot="5400000">
+            <a:off x="24402527" y="25771992"/>
+            <a:ext cx="2216537" cy="929965"/>
+          </a:xfrm>
+          <a:prstGeom prst="rightArrow">
+            <a:avLst/>
+          </a:prstGeom>
+          <a:solidFill>
+            <a:schemeClr val="tx2">
+              <a:lumMod val="40000"/>
+              <a:lumOff val="60000"/>
+            </a:schemeClr>
+          </a:solidFill>
+          <a:ln>
+            <a:solidFill>
+              <a:srgbClr val="FFFFFF"/>
+            </a:solidFill>
+          </a:ln>
+        </p:spPr>
+        <p:style>
+          <a:lnRef idx="2">
+            <a:schemeClr val="accent1">
+              <a:shade val="50000"/>
+            </a:schemeClr>
+          </a:lnRef>
+          <a:fillRef idx="1">
+            <a:schemeClr val="accent1"/>
+          </a:fillRef>
+          <a:effectRef idx="0">
+            <a:schemeClr val="accent1"/>
+          </a:effectRef>
+          <a:fontRef idx="minor">
+            <a:schemeClr val="lt1"/>
+          </a:fontRef>
+        </p:style>
+        <p:txBody>
+          <a:bodyPr rtlCol="0" anchor="ctr"/>
+          <a:lstStyle/>
+          <a:p>
+            <a:pPr algn="ctr"/>
+            <a:endParaRPr lang="en-US"/>
+          </a:p>
+        </p:txBody>
+      </p:sp>
+      <p:sp>
+        <p:nvSpPr>
+          <p:cNvPr id="34" name="CasellaDiTesto 242">
+            <a:extLst>
+              <a:ext uri="{FF2B5EF4-FFF2-40B4-BE49-F238E27FC236}">
+                <a16:creationId xmlns:a16="http://schemas.microsoft.com/office/drawing/2014/main" id="{6CE9E07E-654F-4676-8BA0-6B2D180A9C3E}"/>
+              </a:ext>
+            </a:extLst>
+          </p:cNvPr>
+          <p:cNvSpPr txBox="1"/>
+          <p:nvPr/>
+        </p:nvSpPr>
+        <p:spPr>
+          <a:xfrm>
+            <a:off x="18509609" y="19223462"/>
+            <a:ext cx="3847014" cy="846386"/>
+          </a:xfrm>
+          <a:prstGeom prst="rect">
+            <a:avLst/>
+          </a:prstGeom>
+          <a:noFill/>
+        </p:spPr>
+        <p:txBody>
+          <a:bodyPr wrap="square" tIns="0" bIns="0" rtlCol="0">
+            <a:spAutoFit/>
+          </a:bodyPr>
+          <a:lstStyle/>
+          <a:p>
+            <a:pPr algn="ctr"/>
+            <a:r>
+              <a:rPr lang="en-US" sz="5500">
+                <a:latin typeface="Helvetica" panose="020B0604020202020204" pitchFamily="34" charset="0"/>
+                <a:cs typeface="Helvetica" panose="020B0604020202020204" pitchFamily="34" charset="0"/>
+              </a:rPr>
+              <a:t>Trajectories</a:t>
+            </a:r>
+          </a:p>
+        </p:txBody>
+      </p:sp>
+      <p:sp>
+        <p:nvSpPr>
+          <p:cNvPr id="35" name="Arrow: Right 34">
+            <a:extLst>
+              <a:ext uri="{FF2B5EF4-FFF2-40B4-BE49-F238E27FC236}">
+                <a16:creationId xmlns:a16="http://schemas.microsoft.com/office/drawing/2014/main" id="{8CB416FF-E6CA-4382-96A8-FCB2D7E3279E}"/>
+              </a:ext>
+            </a:extLst>
+          </p:cNvPr>
+          <p:cNvSpPr/>
+          <p:nvPr/>
+        </p:nvSpPr>
+        <p:spPr>
+          <a:xfrm rot="5400000">
+            <a:off x="24402527" y="30594579"/>
+            <a:ext cx="2216537" cy="929965"/>
+          </a:xfrm>
+          <a:prstGeom prst="rightArrow">
+            <a:avLst/>
+          </a:prstGeom>
+          <a:solidFill>
+            <a:schemeClr val="tx2">
+              <a:lumMod val="40000"/>
+              <a:lumOff val="60000"/>
+            </a:schemeClr>
+          </a:solidFill>
+          <a:ln>
+            <a:solidFill>
+              <a:srgbClr val="FFFFFF"/>
+            </a:solidFill>
+          </a:ln>
+        </p:spPr>
+        <p:style>
+          <a:lnRef idx="2">
+            <a:schemeClr val="accent1">
+              <a:shade val="50000"/>
+            </a:schemeClr>
+          </a:lnRef>
+          <a:fillRef idx="1">
+            <a:schemeClr val="accent1"/>
+          </a:fillRef>
+          <a:effectRef idx="0">
+            <a:schemeClr val="accent1"/>
+          </a:effectRef>
+          <a:fontRef idx="minor">
+            <a:schemeClr val="lt1"/>
+          </a:fontRef>
+        </p:style>
+        <p:txBody>
+          <a:bodyPr rtlCol="0" anchor="ctr"/>
+          <a:lstStyle/>
+          <a:p>
+            <a:pPr algn="ctr"/>
+            <a:endParaRPr lang="en-US"/>
+          </a:p>
+        </p:txBody>
+      </p:sp>
+      <p:pic>
+        <p:nvPicPr>
+          <p:cNvPr id="36" name="Picture 35" descr="Chart, radar chart&#10;&#10;Description automatically generated">
+            <a:extLst>
+              <a:ext uri="{FF2B5EF4-FFF2-40B4-BE49-F238E27FC236}">
+                <a16:creationId xmlns:a16="http://schemas.microsoft.com/office/drawing/2014/main" id="{36187E6D-8BAE-4735-81D3-5EACD50982DF}"/>
+              </a:ext>
+            </a:extLst>
+          </p:cNvPr>
+          <p:cNvPicPr>
+            <a:picLocks noChangeAspect="1"/>
+          </p:cNvPicPr>
+          <p:nvPr/>
+        </p:nvPicPr>
+        <p:blipFill rotWithShape="1">
+          <a:blip r:embed="rId2">
+            <a:extLst>
+              <a:ext uri="{28A0092B-C50C-407E-A947-70E740481C1C}">
+                <a14:useLocalDpi xmlns:a14="http://schemas.microsoft.com/office/drawing/2010/main" val="0"/>
+              </a:ext>
+            </a:extLst>
+          </a:blip>
+          <a:srcRect l="11295" t="8245" r="21019"/>
+          <a:stretch/>
+        </p:blipFill>
+        <p:spPr>
+          <a:xfrm>
+            <a:off x="20676952" y="33464695"/>
+            <a:ext cx="7649765" cy="5375328"/>
+          </a:xfrm>
+          <a:prstGeom prst="rect">
+            <a:avLst/>
+          </a:prstGeom>
+          <a:effectLst>
+            <a:outerShdw blurRad="50800" dist="38100" dir="2700000" algn="tl" rotWithShape="0">
+              <a:prstClr val="black">
+                <a:alpha val="40000"/>
+              </a:prstClr>
+            </a:outerShdw>
+          </a:effectLst>
+          <a:scene3d>
+            <a:camera prst="orthographicFront">
+              <a:rot lat="18182835" lon="1692986" rev="20100000"/>
+            </a:camera>
+            <a:lightRig rig="glow" dir="t"/>
+          </a:scene3d>
+        </p:spPr>
+      </p:pic>
+      <p:cxnSp>
+        <p:nvCxnSpPr>
+          <p:cNvPr id="37" name="Straight Connector 36">
+            <a:extLst>
+              <a:ext uri="{FF2B5EF4-FFF2-40B4-BE49-F238E27FC236}">
+                <a16:creationId xmlns:a16="http://schemas.microsoft.com/office/drawing/2014/main" id="{96CBBC98-7B9C-40E3-B3D0-E6CDC9654C8D}"/>
+              </a:ext>
+            </a:extLst>
+          </p:cNvPr>
+          <p:cNvCxnSpPr>
+            <a:cxnSpLocks/>
+          </p:cNvCxnSpPr>
+          <p:nvPr/>
+        </p:nvCxnSpPr>
+        <p:spPr>
+          <a:xfrm flipH="1">
+            <a:off x="24241669" y="36659481"/>
+            <a:ext cx="1257300" cy="0"/>
+          </a:xfrm>
+          <a:prstGeom prst="line">
+            <a:avLst/>
+          </a:prstGeom>
+          <a:ln w="38100">
+            <a:headEnd type="oval" w="med" len="med"/>
+            <a:tailEnd type="oval" w="med" len="med"/>
+          </a:ln>
+        </p:spPr>
+        <p:style>
+          <a:lnRef idx="1">
+            <a:schemeClr val="accent1"/>
+          </a:lnRef>
+          <a:fillRef idx="0">
+            <a:schemeClr val="accent1"/>
+          </a:fillRef>
+          <a:effectRef idx="0">
+            <a:schemeClr val="accent1"/>
+          </a:effectRef>
+          <a:fontRef idx="minor">
+            <a:schemeClr val="tx1"/>
+          </a:fontRef>
+        </p:style>
+      </p:cxnSp>
+      <p:cxnSp>
+        <p:nvCxnSpPr>
+          <p:cNvPr id="38" name="Straight Connector 37">
+            <a:extLst>
+              <a:ext uri="{FF2B5EF4-FFF2-40B4-BE49-F238E27FC236}">
+                <a16:creationId xmlns:a16="http://schemas.microsoft.com/office/drawing/2014/main" id="{24C7744D-C18B-49F5-BF16-8CE004C0D72E}"/>
+              </a:ext>
+            </a:extLst>
+          </p:cNvPr>
+          <p:cNvCxnSpPr>
+            <a:cxnSpLocks/>
+          </p:cNvCxnSpPr>
+          <p:nvPr/>
+        </p:nvCxnSpPr>
+        <p:spPr>
+          <a:xfrm flipH="1">
+            <a:off x="25498970" y="35275181"/>
+            <a:ext cx="745337" cy="1384300"/>
+          </a:xfrm>
+          <a:prstGeom prst="line">
+            <a:avLst/>
+          </a:prstGeom>
+          <a:ln w="38100">
+            <a:headEnd type="none" w="med" len="med"/>
+            <a:tailEnd type="none" w="med" len="med"/>
+          </a:ln>
+        </p:spPr>
+        <p:style>
+          <a:lnRef idx="1">
+            <a:schemeClr val="accent1"/>
+          </a:lnRef>
+          <a:fillRef idx="0">
+            <a:schemeClr val="accent1"/>
+          </a:fillRef>
+          <a:effectRef idx="0">
+            <a:schemeClr val="accent1"/>
+          </a:effectRef>
+          <a:fontRef idx="minor">
+            <a:schemeClr val="tx1"/>
+          </a:fontRef>
+        </p:style>
+      </p:cxnSp>
+      <p:pic>
+        <p:nvPicPr>
+          <p:cNvPr id="39" name="Picture 38" descr="Map&#10;&#10;Description automatically generated">
+            <a:extLst>
+              <a:ext uri="{FF2B5EF4-FFF2-40B4-BE49-F238E27FC236}">
+                <a16:creationId xmlns:a16="http://schemas.microsoft.com/office/drawing/2014/main" id="{A2FFDC60-A65C-4907-B88D-5F341F2F8713}"/>
+              </a:ext>
+            </a:extLst>
+          </p:cNvPr>
+          <p:cNvPicPr>
+            <a:picLocks noChangeAspect="1"/>
+          </p:cNvPicPr>
+          <p:nvPr/>
+        </p:nvPicPr>
+        <p:blipFill rotWithShape="1">
+          <a:blip r:embed="rId3">
+            <a:extLst>
+              <a:ext uri="{28A0092B-C50C-407E-A947-70E740481C1C}">
+                <a14:useLocalDpi xmlns:a14="http://schemas.microsoft.com/office/drawing/2010/main" val="0"/>
+              </a:ext>
+            </a:extLst>
+          </a:blip>
+          <a:srcRect l="16204" t="5566" r="16111"/>
+          <a:stretch/>
+        </p:blipFill>
+        <p:spPr>
+          <a:xfrm>
+            <a:off x="20676952" y="30975785"/>
+            <a:ext cx="7649765" cy="5532300"/>
+          </a:xfrm>
+          <a:prstGeom prst="rect">
+            <a:avLst/>
+          </a:prstGeom>
+          <a:effectLst>
+            <a:outerShdw blurRad="50800" dist="38100" dir="2700000" algn="tl" rotWithShape="0">
+              <a:prstClr val="black">
+                <a:alpha val="40000"/>
+              </a:prstClr>
+            </a:outerShdw>
+          </a:effectLst>
+          <a:scene3d>
+            <a:camera prst="orthographicFront">
+              <a:rot lat="18180000" lon="1692000" rev="20100000"/>
+            </a:camera>
+            <a:lightRig rig="glow" dir="t"/>
+          </a:scene3d>
+          <a:sp3d prstMaterial="matte"/>
+        </p:spPr>
+      </p:pic>
+      <p:cxnSp>
+        <p:nvCxnSpPr>
+          <p:cNvPr id="40" name="Straight Connector 39">
+            <a:extLst>
+              <a:ext uri="{FF2B5EF4-FFF2-40B4-BE49-F238E27FC236}">
+                <a16:creationId xmlns:a16="http://schemas.microsoft.com/office/drawing/2014/main" id="{47EF9D73-1856-41E5-8B52-59D0DE1EFF62}"/>
+              </a:ext>
+            </a:extLst>
+          </p:cNvPr>
+          <p:cNvCxnSpPr>
+            <a:cxnSpLocks/>
+          </p:cNvCxnSpPr>
+          <p:nvPr/>
+        </p:nvCxnSpPr>
+        <p:spPr>
+          <a:xfrm flipH="1">
+            <a:off x="26781669" y="33560681"/>
+            <a:ext cx="330200" cy="716469"/>
+          </a:xfrm>
+          <a:prstGeom prst="line">
+            <a:avLst/>
+          </a:prstGeom>
+          <a:ln w="38100">
+            <a:headEnd type="oval" w="med" len="med"/>
+            <a:tailEnd type="oval" w="med" len="med"/>
+          </a:ln>
+        </p:spPr>
+        <p:style>
+          <a:lnRef idx="1">
+            <a:schemeClr val="accent1"/>
+          </a:lnRef>
+          <a:fillRef idx="0">
+            <a:schemeClr val="accent1"/>
+          </a:fillRef>
+          <a:effectRef idx="0">
+            <a:schemeClr val="accent1"/>
+          </a:effectRef>
+          <a:fontRef idx="minor">
+            <a:schemeClr val="tx1"/>
+          </a:fontRef>
+        </p:style>
+      </p:cxnSp>
+      <p:cxnSp>
+        <p:nvCxnSpPr>
+          <p:cNvPr id="41" name="Straight Connector 40">
+            <a:extLst>
+              <a:ext uri="{FF2B5EF4-FFF2-40B4-BE49-F238E27FC236}">
+                <a16:creationId xmlns:a16="http://schemas.microsoft.com/office/drawing/2014/main" id="{BE41AA95-76B2-4B05-A4F4-81DE0CEF152B}"/>
+              </a:ext>
+            </a:extLst>
+          </p:cNvPr>
+          <p:cNvCxnSpPr>
+            <a:cxnSpLocks/>
+          </p:cNvCxnSpPr>
+          <p:nvPr/>
+        </p:nvCxnSpPr>
+        <p:spPr>
+          <a:xfrm>
+            <a:off x="25975219" y="33560681"/>
+            <a:ext cx="1136650" cy="0"/>
+          </a:xfrm>
+          <a:prstGeom prst="line">
+            <a:avLst/>
+          </a:prstGeom>
+          <a:ln w="38100">
+            <a:headEnd type="oval" w="med" len="med"/>
+            <a:tailEnd type="oval" w="med" len="med"/>
+          </a:ln>
+        </p:spPr>
+        <p:style>
+          <a:lnRef idx="1">
+            <a:schemeClr val="accent1"/>
+          </a:lnRef>
+          <a:fillRef idx="0">
+            <a:schemeClr val="accent1"/>
+          </a:fillRef>
+          <a:effectRef idx="0">
+            <a:schemeClr val="accent1"/>
+          </a:effectRef>
+          <a:fontRef idx="minor">
+            <a:schemeClr val="tx1"/>
+          </a:fontRef>
+        </p:style>
+      </p:cxnSp>
+      <p:cxnSp>
+        <p:nvCxnSpPr>
+          <p:cNvPr id="42" name="Straight Connector 41">
+            <a:extLst>
+              <a:ext uri="{FF2B5EF4-FFF2-40B4-BE49-F238E27FC236}">
+                <a16:creationId xmlns:a16="http://schemas.microsoft.com/office/drawing/2014/main" id="{48356981-72FA-481F-9ED2-7337F6D7DCF3}"/>
+              </a:ext>
+            </a:extLst>
+          </p:cNvPr>
+          <p:cNvCxnSpPr>
+            <a:cxnSpLocks/>
+          </p:cNvCxnSpPr>
+          <p:nvPr/>
+        </p:nvCxnSpPr>
+        <p:spPr>
+          <a:xfrm>
+            <a:off x="25498969" y="33090781"/>
+            <a:ext cx="476250" cy="469899"/>
+          </a:xfrm>
+          <a:prstGeom prst="line">
+            <a:avLst/>
+          </a:prstGeom>
+          <a:ln w="38100">
+            <a:headEnd type="oval" w="med" len="med"/>
+            <a:tailEnd type="oval" w="med" len="med"/>
+          </a:ln>
+        </p:spPr>
+        <p:style>
+          <a:lnRef idx="1">
+            <a:schemeClr val="accent1"/>
+          </a:lnRef>
+          <a:fillRef idx="0">
+            <a:schemeClr val="accent1"/>
+          </a:fillRef>
+          <a:effectRef idx="0">
+            <a:schemeClr val="accent1"/>
+          </a:effectRef>
+          <a:fontRef idx="minor">
+            <a:schemeClr val="tx1"/>
+          </a:fontRef>
+        </p:style>
+      </p:cxnSp>
+      <p:cxnSp>
+        <p:nvCxnSpPr>
+          <p:cNvPr id="43" name="Straight Connector 42">
+            <a:extLst>
+              <a:ext uri="{FF2B5EF4-FFF2-40B4-BE49-F238E27FC236}">
+                <a16:creationId xmlns:a16="http://schemas.microsoft.com/office/drawing/2014/main" id="{4AFEA653-1924-471C-A76D-9B40E4F31F95}"/>
+              </a:ext>
+            </a:extLst>
+          </p:cNvPr>
+          <p:cNvCxnSpPr>
+            <a:cxnSpLocks/>
+          </p:cNvCxnSpPr>
+          <p:nvPr/>
+        </p:nvCxnSpPr>
+        <p:spPr>
+          <a:xfrm flipH="1">
+            <a:off x="26219694" y="34277150"/>
+            <a:ext cx="561976" cy="1046938"/>
+          </a:xfrm>
+          <a:prstGeom prst="line">
+            <a:avLst/>
+          </a:prstGeom>
+          <a:ln w="38100">
+            <a:prstDash val="sysDot"/>
+            <a:headEnd type="none" w="med" len="med"/>
+            <a:tailEnd type="none" w="med" len="med"/>
+          </a:ln>
+        </p:spPr>
+        <p:style>
+          <a:lnRef idx="1">
+            <a:schemeClr val="accent1"/>
+          </a:lnRef>
+          <a:fillRef idx="0">
+            <a:schemeClr val="accent1"/>
+          </a:fillRef>
+          <a:effectRef idx="0">
+            <a:schemeClr val="accent1"/>
+          </a:effectRef>
+          <a:fontRef idx="minor">
+            <a:schemeClr val="tx1"/>
+          </a:fontRef>
+        </p:style>
+      </p:cxnSp>
+      <p:sp>
+        <p:nvSpPr>
+          <p:cNvPr id="44" name="CasellaDiTesto 176">
+            <a:extLst>
+              <a:ext uri="{FF2B5EF4-FFF2-40B4-BE49-F238E27FC236}">
+                <a16:creationId xmlns:a16="http://schemas.microsoft.com/office/drawing/2014/main" id="{6A1ED51E-1D15-4787-9518-D70828B25D9A}"/>
+              </a:ext>
+            </a:extLst>
+          </p:cNvPr>
+          <p:cNvSpPr txBox="1"/>
+          <p:nvPr/>
+        </p:nvSpPr>
+        <p:spPr>
+          <a:xfrm>
+            <a:off x="18637945" y="29737155"/>
+            <a:ext cx="4618573" cy="1692771"/>
+          </a:xfrm>
+          <a:prstGeom prst="rect">
+            <a:avLst/>
+          </a:prstGeom>
+          <a:noFill/>
+        </p:spPr>
+        <p:txBody>
+          <a:bodyPr wrap="none" tIns="0" bIns="0" rtlCol="0">
+            <a:spAutoFit/>
+          </a:bodyPr>
+          <a:lstStyle/>
+          <a:p>
+            <a:r>
+              <a:rPr lang="en-US" sz="5500">
+                <a:latin typeface="Helvetica" panose="020B0604020202020204" pitchFamily="34" charset="0"/>
+                <a:cs typeface="Helvetica" panose="020B0604020202020204" pitchFamily="34" charset="0"/>
+              </a:rPr>
+              <a:t>Co-movement</a:t>
+            </a:r>
+          </a:p>
+          <a:p>
+            <a:r>
+              <a:rPr lang="en-US" sz="5500">
+                <a:latin typeface="Helvetica" panose="020B0604020202020204" pitchFamily="34" charset="0"/>
+                <a:cs typeface="Helvetica" panose="020B0604020202020204" pitchFamily="34" charset="0"/>
+              </a:rPr>
+              <a:t>Patterns</a:t>
+            </a:r>
+          </a:p>
+        </p:txBody>
+      </p:sp>
+      <p:sp>
+        <p:nvSpPr>
+          <p:cNvPr id="45" name="TextBox 44">
+            <a:extLst>
+              <a:ext uri="{FF2B5EF4-FFF2-40B4-BE49-F238E27FC236}">
+                <a16:creationId xmlns:a16="http://schemas.microsoft.com/office/drawing/2014/main" id="{5AD4787D-1F9D-4F38-BB04-D36CF086B7CC}"/>
+              </a:ext>
+            </a:extLst>
+          </p:cNvPr>
+          <p:cNvSpPr txBox="1"/>
+          <p:nvPr/>
+        </p:nvSpPr>
+        <p:spPr>
+          <a:xfrm>
+            <a:off x="19985434" y="37244231"/>
+            <a:ext cx="1851789" cy="646331"/>
+          </a:xfrm>
+          <a:prstGeom prst="rect">
+            <a:avLst/>
+          </a:prstGeom>
+          <a:noFill/>
+        </p:spPr>
+        <p:txBody>
+          <a:bodyPr wrap="none" rtlCol="0">
+            <a:spAutoFit/>
+          </a:bodyPr>
+          <a:lstStyle/>
+          <a:p>
+            <a:r>
+              <a:rPr lang="en-US" sz="3600">
+                <a:latin typeface="Helvetica" panose="020B0604020202020204" pitchFamily="34" charset="0"/>
+                <a:cs typeface="Helvetica" panose="020B0604020202020204" pitchFamily="34" charset="0"/>
+              </a:rPr>
+              <a:t>Morning</a:t>
+            </a:r>
+          </a:p>
+        </p:txBody>
+      </p:sp>
+      <p:sp>
+        <p:nvSpPr>
+          <p:cNvPr id="46" name="TextBox 45">
+            <a:extLst>
+              <a:ext uri="{FF2B5EF4-FFF2-40B4-BE49-F238E27FC236}">
+                <a16:creationId xmlns:a16="http://schemas.microsoft.com/office/drawing/2014/main" id="{74332869-BB1D-4471-90FA-03776D9C88E8}"/>
+              </a:ext>
+            </a:extLst>
+          </p:cNvPr>
+          <p:cNvSpPr txBox="1"/>
+          <p:nvPr/>
+        </p:nvSpPr>
+        <p:spPr>
+          <a:xfrm>
+            <a:off x="20010266" y="34890250"/>
+            <a:ext cx="2185214" cy="646331"/>
+          </a:xfrm>
+          <a:prstGeom prst="rect">
+            <a:avLst/>
+          </a:prstGeom>
+          <a:noFill/>
+        </p:spPr>
+        <p:txBody>
+          <a:bodyPr wrap="none" rtlCol="0">
+            <a:spAutoFit/>
+          </a:bodyPr>
+          <a:lstStyle/>
+          <a:p>
+            <a:r>
+              <a:rPr lang="en-US" sz="3600" dirty="0">
+                <a:latin typeface="Helvetica" panose="020B0604020202020204" pitchFamily="34" charset="0"/>
+                <a:cs typeface="Helvetica" panose="020B0604020202020204" pitchFamily="34" charset="0"/>
+              </a:rPr>
+              <a:t>Afternoon</a:t>
+            </a:r>
+          </a:p>
+        </p:txBody>
+      </p:sp>
+      <p:sp>
+        <p:nvSpPr>
+          <p:cNvPr id="47" name="TextBox 46">
+            <a:extLst>
+              <a:ext uri="{FF2B5EF4-FFF2-40B4-BE49-F238E27FC236}">
+                <a16:creationId xmlns:a16="http://schemas.microsoft.com/office/drawing/2014/main" id="{56403E6A-1CEC-4982-A704-3213E7BE98A7}"/>
+              </a:ext>
+            </a:extLst>
+          </p:cNvPr>
+          <p:cNvSpPr txBox="1"/>
+          <p:nvPr/>
+        </p:nvSpPr>
+        <p:spPr>
+          <a:xfrm>
+            <a:off x="27738439" y="15810805"/>
+            <a:ext cx="819422" cy="707886"/>
+          </a:xfrm>
+          <a:prstGeom prst="rect">
+            <a:avLst/>
+          </a:prstGeom>
+          <a:noFill/>
+        </p:spPr>
+        <p:txBody>
+          <a:bodyPr wrap="square">
+            <a:spAutoFit/>
+          </a:bodyPr>
+          <a:lstStyle/>
+          <a:p>
+            <a:r>
+              <a:rPr lang="en-US" sz="4000">
+                <a:latin typeface="Times New Roman" panose="02020603050405020304" pitchFamily="18" charset="0"/>
+                <a:cs typeface="Times New Roman" panose="02020603050405020304" pitchFamily="18" charset="0"/>
+              </a:rPr>
+              <a:t>T</a:t>
+            </a:r>
+            <a:r>
+              <a:rPr lang="en-US" sz="4000" baseline="-25000">
+                <a:latin typeface="Times New Roman" panose="02020603050405020304" pitchFamily="18" charset="0"/>
+                <a:cs typeface="Times New Roman" panose="02020603050405020304" pitchFamily="18" charset="0"/>
+              </a:rPr>
+              <a:t>B</a:t>
+            </a:r>
+            <a:endParaRPr lang="en-US" sz="4000"/>
+          </a:p>
+        </p:txBody>
+      </p:sp>
+      <p:sp>
+        <p:nvSpPr>
+          <p:cNvPr id="48" name="TextBox 47">
+            <a:extLst>
+              <a:ext uri="{FF2B5EF4-FFF2-40B4-BE49-F238E27FC236}">
+                <a16:creationId xmlns:a16="http://schemas.microsoft.com/office/drawing/2014/main" id="{A2C90AD0-C71E-4FAD-AB79-53BD14F1C87E}"/>
+              </a:ext>
+            </a:extLst>
+          </p:cNvPr>
+          <p:cNvSpPr txBox="1"/>
+          <p:nvPr/>
+        </p:nvSpPr>
+        <p:spPr>
+          <a:xfrm>
+            <a:off x="25346264" y="14473242"/>
+            <a:ext cx="1025192" cy="716185"/>
+          </a:xfrm>
+          <a:prstGeom prst="rect">
+            <a:avLst/>
+          </a:prstGeom>
+          <a:noFill/>
+        </p:spPr>
+        <p:txBody>
+          <a:bodyPr wrap="square">
+            <a:spAutoFit/>
+          </a:bodyPr>
+          <a:lstStyle/>
+          <a:p>
+            <a:r>
+              <a:rPr lang="en-US" sz="4000">
+                <a:latin typeface="Times New Roman" panose="02020603050405020304" pitchFamily="18" charset="0"/>
+                <a:cs typeface="Times New Roman" panose="02020603050405020304" pitchFamily="18" charset="0"/>
+              </a:rPr>
+              <a:t>T</a:t>
+            </a:r>
+            <a:r>
+              <a:rPr lang="en-US" sz="4000" baseline="-25000">
+                <a:latin typeface="Times New Roman" panose="02020603050405020304" pitchFamily="18" charset="0"/>
+                <a:cs typeface="Times New Roman" panose="02020603050405020304" pitchFamily="18" charset="0"/>
+              </a:rPr>
+              <a:t>R </a:t>
+            </a:r>
+            <a:endParaRPr lang="en-US" sz="4000"/>
+          </a:p>
+        </p:txBody>
+      </p:sp>
+      <p:sp>
+        <p:nvSpPr>
+          <p:cNvPr id="49" name="CasellaDiTesto 44">
+            <a:extLst>
+              <a:ext uri="{FF2B5EF4-FFF2-40B4-BE49-F238E27FC236}">
+                <a16:creationId xmlns:a16="http://schemas.microsoft.com/office/drawing/2014/main" id="{1B1D2781-74C7-450B-AF4F-7677FEEE58F8}"/>
+              </a:ext>
+            </a:extLst>
+          </p:cNvPr>
+          <p:cNvSpPr txBox="1"/>
+          <p:nvPr/>
+        </p:nvSpPr>
+        <p:spPr>
+          <a:xfrm>
+            <a:off x="21520510" y="14406564"/>
+            <a:ext cx="274434" cy="400110"/>
+          </a:xfrm>
+          <a:prstGeom prst="rect">
+            <a:avLst/>
+          </a:prstGeom>
+          <a:noFill/>
+        </p:spPr>
+        <p:txBody>
+          <a:bodyPr wrap="square" rtlCol="0">
+            <a:spAutoFit/>
+          </a:bodyPr>
+          <a:lstStyle/>
+          <a:p>
+            <a:r>
+              <a:rPr lang="en-US" sz="2000" i="1">
+                <a:solidFill>
+                  <a:schemeClr val="accent1">
+                    <a:lumMod val="75000"/>
+                  </a:schemeClr>
+                </a:solidFill>
+                <a:latin typeface="Helvetica" panose="020B0604020202020204" pitchFamily="34" charset="0"/>
+                <a:cs typeface="Helvetica" panose="020B0604020202020204" pitchFamily="34" charset="0"/>
+              </a:rPr>
+              <a:t>F</a:t>
+            </a:r>
+            <a:endParaRPr lang="en-US" sz="2000" i="1" baseline="-25000">
+              <a:solidFill>
+                <a:schemeClr val="accent1">
+                  <a:lumMod val="75000"/>
+                </a:schemeClr>
+              </a:solidFill>
+              <a:latin typeface="Helvetica" panose="020B0604020202020204" pitchFamily="34" charset="0"/>
+              <a:cs typeface="Helvetica" panose="020B0604020202020204" pitchFamily="34" charset="0"/>
+            </a:endParaRPr>
+          </a:p>
+        </p:txBody>
+      </p:sp>
+      <p:sp>
+        <p:nvSpPr>
+          <p:cNvPr id="50" name="CasellaDiTesto 45">
+            <a:extLst>
+              <a:ext uri="{FF2B5EF4-FFF2-40B4-BE49-F238E27FC236}">
+                <a16:creationId xmlns:a16="http://schemas.microsoft.com/office/drawing/2014/main" id="{C3786533-2F03-4955-B385-6F047D43D18B}"/>
+              </a:ext>
+            </a:extLst>
+          </p:cNvPr>
+          <p:cNvSpPr txBox="1"/>
+          <p:nvPr/>
+        </p:nvSpPr>
+        <p:spPr>
+          <a:xfrm>
+            <a:off x="22751860" y="14078581"/>
+            <a:ext cx="274434" cy="400110"/>
+          </a:xfrm>
+          <a:prstGeom prst="rect">
+            <a:avLst/>
+          </a:prstGeom>
+          <a:noFill/>
+        </p:spPr>
+        <p:txBody>
+          <a:bodyPr wrap="square" rtlCol="0">
+            <a:spAutoFit/>
+          </a:bodyPr>
+          <a:lstStyle/>
+          <a:p>
+            <a:r>
+              <a:rPr lang="en-US" sz="2000" i="1">
+                <a:solidFill>
+                  <a:schemeClr val="accent1">
+                    <a:lumMod val="75000"/>
+                  </a:schemeClr>
+                </a:solidFill>
+                <a:latin typeface="Helvetica" panose="020B0604020202020204" pitchFamily="34" charset="0"/>
+                <a:cs typeface="Helvetica" panose="020B0604020202020204" pitchFamily="34" charset="0"/>
+              </a:rPr>
+              <a:t>E</a:t>
+            </a:r>
+            <a:endParaRPr lang="en-US" sz="2000" i="1" baseline="-25000">
+              <a:solidFill>
+                <a:schemeClr val="accent1">
+                  <a:lumMod val="75000"/>
+                </a:schemeClr>
+              </a:solidFill>
+              <a:latin typeface="Helvetica" panose="020B0604020202020204" pitchFamily="34" charset="0"/>
+              <a:cs typeface="Helvetica" panose="020B0604020202020204" pitchFamily="34" charset="0"/>
+            </a:endParaRPr>
+          </a:p>
+        </p:txBody>
+      </p:sp>
+      <p:sp>
+        <p:nvSpPr>
+          <p:cNvPr id="51" name="CasellaDiTesto 46">
+            <a:extLst>
+              <a:ext uri="{FF2B5EF4-FFF2-40B4-BE49-F238E27FC236}">
+                <a16:creationId xmlns:a16="http://schemas.microsoft.com/office/drawing/2014/main" id="{C221375B-AFBF-452F-824D-9819DF2DDE7D}"/>
+              </a:ext>
+            </a:extLst>
+          </p:cNvPr>
+          <p:cNvSpPr txBox="1"/>
+          <p:nvPr/>
+        </p:nvSpPr>
+        <p:spPr>
+          <a:xfrm>
+            <a:off x="22460309" y="14715561"/>
+            <a:ext cx="264816" cy="400110"/>
+          </a:xfrm>
+          <a:prstGeom prst="rect">
+            <a:avLst/>
+          </a:prstGeom>
+          <a:noFill/>
+        </p:spPr>
+        <p:txBody>
+          <a:bodyPr wrap="square" rtlCol="0">
+            <a:spAutoFit/>
+          </a:bodyPr>
+          <a:lstStyle/>
+          <a:p>
+            <a:r>
+              <a:rPr lang="en-US" sz="2000" i="1">
+                <a:solidFill>
+                  <a:schemeClr val="accent1">
+                    <a:lumMod val="75000"/>
+                  </a:schemeClr>
+                </a:solidFill>
+                <a:latin typeface="Helvetica" panose="020B0604020202020204" pitchFamily="34" charset="0"/>
+                <a:cs typeface="Helvetica" panose="020B0604020202020204" pitchFamily="34" charset="0"/>
+              </a:rPr>
+              <a:t>D</a:t>
+            </a:r>
+            <a:endParaRPr lang="en-US" sz="2000" i="1" baseline="-25000">
+              <a:solidFill>
+                <a:schemeClr val="accent1">
+                  <a:lumMod val="75000"/>
+                </a:schemeClr>
+              </a:solidFill>
+              <a:latin typeface="Helvetica" panose="020B0604020202020204" pitchFamily="34" charset="0"/>
+              <a:cs typeface="Helvetica" panose="020B0604020202020204" pitchFamily="34" charset="0"/>
+            </a:endParaRPr>
+          </a:p>
+        </p:txBody>
+      </p:sp>
+      <p:sp>
+        <p:nvSpPr>
+          <p:cNvPr id="52" name="CasellaDiTesto 44">
+            <a:extLst>
+              <a:ext uri="{FF2B5EF4-FFF2-40B4-BE49-F238E27FC236}">
+                <a16:creationId xmlns:a16="http://schemas.microsoft.com/office/drawing/2014/main" id="{2BD8588B-93B4-4ABD-B4B7-FFF5C88FB0D6}"/>
+              </a:ext>
+            </a:extLst>
+          </p:cNvPr>
+          <p:cNvSpPr txBox="1"/>
+          <p:nvPr/>
+        </p:nvSpPr>
+        <p:spPr>
+          <a:xfrm>
+            <a:off x="21613017" y="13856770"/>
+            <a:ext cx="274434" cy="400110"/>
+          </a:xfrm>
+          <a:prstGeom prst="rect">
+            <a:avLst/>
+          </a:prstGeom>
+          <a:noFill/>
+        </p:spPr>
+        <p:txBody>
+          <a:bodyPr wrap="square" rtlCol="0">
+            <a:spAutoFit/>
+          </a:bodyPr>
+          <a:lstStyle/>
+          <a:p>
+            <a:r>
+              <a:rPr lang="en-US" sz="2000" i="1">
+                <a:solidFill>
+                  <a:schemeClr val="accent1">
+                    <a:lumMod val="75000"/>
+                  </a:schemeClr>
+                </a:solidFill>
+                <a:latin typeface="Helvetica" panose="020B0604020202020204" pitchFamily="34" charset="0"/>
+                <a:cs typeface="Helvetica" panose="020B0604020202020204" pitchFamily="34" charset="0"/>
+              </a:rPr>
+              <a:t>G</a:t>
+            </a:r>
+            <a:endParaRPr lang="en-US" sz="2000" i="1" baseline="-25000">
+              <a:solidFill>
+                <a:schemeClr val="accent1">
+                  <a:lumMod val="75000"/>
+                </a:schemeClr>
+              </a:solidFill>
+              <a:latin typeface="Helvetica" panose="020B0604020202020204" pitchFamily="34" charset="0"/>
+              <a:cs typeface="Helvetica" panose="020B0604020202020204" pitchFamily="34" charset="0"/>
+            </a:endParaRPr>
+          </a:p>
+        </p:txBody>
+      </p:sp>
+      <p:sp>
+        <p:nvSpPr>
+          <p:cNvPr id="53" name="Ovale 50">
+            <a:extLst>
+              <a:ext uri="{FF2B5EF4-FFF2-40B4-BE49-F238E27FC236}">
+                <a16:creationId xmlns:a16="http://schemas.microsoft.com/office/drawing/2014/main" id="{EC29A28E-695A-4DD9-BC04-833516FFF05E}"/>
+              </a:ext>
+            </a:extLst>
+          </p:cNvPr>
+          <p:cNvSpPr/>
+          <p:nvPr/>
+        </p:nvSpPr>
+        <p:spPr>
+          <a:xfrm>
+            <a:off x="20994996" y="22489904"/>
+            <a:ext cx="137160" cy="137160"/>
+          </a:xfrm>
+          <a:prstGeom prst="ellipse">
+            <a:avLst/>
+          </a:prstGeom>
+          <a:solidFill>
+            <a:srgbClr val="FF0000"/>
+          </a:solidFill>
+        </p:spPr>
+        <p:style>
+          <a:lnRef idx="0">
+            <a:schemeClr val="accent2"/>
+          </a:lnRef>
+          <a:fillRef idx="3">
+            <a:schemeClr val="accent2"/>
+          </a:fillRef>
+          <a:effectRef idx="3">
+            <a:schemeClr val="accent2"/>
+          </a:effectRef>
+          <a:fontRef idx="minor">
+            <a:schemeClr val="lt1"/>
+          </a:fontRef>
+        </p:style>
+        <p:txBody>
+          <a:bodyPr rtlCol="0" anchor="ctr"/>
+          <a:lstStyle/>
+          <a:p>
+            <a:pPr algn="ctr"/>
+            <a:endParaRPr lang="en-US" sz="1400" i="1">
+              <a:solidFill>
+                <a:schemeClr val="tx1"/>
+              </a:solidFill>
+              <a:latin typeface="Helvetica" panose="020B0604020202020204" pitchFamily="34" charset="0"/>
+              <a:cs typeface="Helvetica" panose="020B0604020202020204" pitchFamily="34" charset="0"/>
+            </a:endParaRPr>
+          </a:p>
+        </p:txBody>
+      </p:sp>
+      <p:sp>
+        <p:nvSpPr>
+          <p:cNvPr id="54" name="Ovale 50">
+            <a:extLst>
+              <a:ext uri="{FF2B5EF4-FFF2-40B4-BE49-F238E27FC236}">
+                <a16:creationId xmlns:a16="http://schemas.microsoft.com/office/drawing/2014/main" id="{937EF02B-DE7B-46D6-83CA-ABAA83A474DD}"/>
+              </a:ext>
+            </a:extLst>
+          </p:cNvPr>
+          <p:cNvSpPr/>
+          <p:nvPr/>
+        </p:nvSpPr>
+        <p:spPr>
+          <a:xfrm>
+            <a:off x="20773114" y="22853205"/>
+            <a:ext cx="137160" cy="137160"/>
+          </a:xfrm>
+          <a:prstGeom prst="ellipse">
+            <a:avLst/>
+          </a:prstGeom>
+          <a:solidFill>
+            <a:srgbClr val="FF0000"/>
+          </a:solidFill>
+        </p:spPr>
+        <p:style>
+          <a:lnRef idx="0">
+            <a:schemeClr val="accent2"/>
+          </a:lnRef>
+          <a:fillRef idx="3">
+            <a:schemeClr val="accent2"/>
+          </a:fillRef>
+          <a:effectRef idx="3">
+            <a:schemeClr val="accent2"/>
+          </a:effectRef>
+          <a:fontRef idx="minor">
+            <a:schemeClr val="lt1"/>
+          </a:fontRef>
+        </p:style>
+        <p:txBody>
+          <a:bodyPr rtlCol="0" anchor="ctr"/>
+          <a:lstStyle/>
+          <a:p>
+            <a:pPr algn="ctr"/>
+            <a:endParaRPr lang="en-US" sz="1400" i="1">
+              <a:solidFill>
+                <a:schemeClr val="tx1"/>
+              </a:solidFill>
+              <a:latin typeface="Helvetica" panose="020B0604020202020204" pitchFamily="34" charset="0"/>
+              <a:cs typeface="Helvetica" panose="020B0604020202020204" pitchFamily="34" charset="0"/>
+            </a:endParaRPr>
+          </a:p>
+        </p:txBody>
+      </p:sp>
+      <p:sp>
+        <p:nvSpPr>
+          <p:cNvPr id="55" name="Ovale 50">
+            <a:extLst>
+              <a:ext uri="{FF2B5EF4-FFF2-40B4-BE49-F238E27FC236}">
+                <a16:creationId xmlns:a16="http://schemas.microsoft.com/office/drawing/2014/main" id="{BF6B3DE8-9604-4BCC-AD96-687950C02155}"/>
+              </a:ext>
+            </a:extLst>
+          </p:cNvPr>
+          <p:cNvSpPr/>
+          <p:nvPr/>
+        </p:nvSpPr>
+        <p:spPr>
+          <a:xfrm>
+            <a:off x="21275831" y="23008187"/>
+            <a:ext cx="137160" cy="137160"/>
+          </a:xfrm>
+          <a:prstGeom prst="ellipse">
+            <a:avLst/>
+          </a:prstGeom>
+          <a:solidFill>
+            <a:srgbClr val="FF0000"/>
+          </a:solidFill>
+        </p:spPr>
+        <p:style>
+          <a:lnRef idx="0">
+            <a:schemeClr val="accent2"/>
+          </a:lnRef>
+          <a:fillRef idx="3">
+            <a:schemeClr val="accent2"/>
+          </a:fillRef>
+          <a:effectRef idx="3">
+            <a:schemeClr val="accent2"/>
+          </a:effectRef>
+          <a:fontRef idx="minor">
+            <a:schemeClr val="lt1"/>
+          </a:fontRef>
+        </p:style>
+        <p:txBody>
+          <a:bodyPr rtlCol="0" anchor="ctr"/>
+          <a:lstStyle/>
+          <a:p>
+            <a:pPr algn="ctr"/>
+            <a:endParaRPr lang="en-US" sz="1400" i="1">
+              <a:solidFill>
+                <a:schemeClr val="tx1"/>
+              </a:solidFill>
+              <a:latin typeface="Helvetica" panose="020B0604020202020204" pitchFamily="34" charset="0"/>
+              <a:cs typeface="Helvetica" panose="020B0604020202020204" pitchFamily="34" charset="0"/>
+            </a:endParaRPr>
+          </a:p>
+        </p:txBody>
+      </p:sp>
+      <p:sp>
+        <p:nvSpPr>
+          <p:cNvPr id="56" name="Ovale 50">
+            <a:extLst>
+              <a:ext uri="{FF2B5EF4-FFF2-40B4-BE49-F238E27FC236}">
+                <a16:creationId xmlns:a16="http://schemas.microsoft.com/office/drawing/2014/main" id="{FBB68D3C-28B9-4DB2-BBD3-D40F8331862E}"/>
+              </a:ext>
+            </a:extLst>
+          </p:cNvPr>
+          <p:cNvSpPr/>
+          <p:nvPr/>
+        </p:nvSpPr>
+        <p:spPr>
+          <a:xfrm>
+            <a:off x="20520077" y="22408945"/>
+            <a:ext cx="137160" cy="137160"/>
+          </a:xfrm>
+          <a:prstGeom prst="ellipse">
+            <a:avLst/>
+          </a:prstGeom>
+          <a:solidFill>
+            <a:srgbClr val="FF0000"/>
+          </a:solidFill>
+        </p:spPr>
+        <p:style>
+          <a:lnRef idx="0">
+            <a:schemeClr val="accent2"/>
+          </a:lnRef>
+          <a:fillRef idx="3">
+            <a:schemeClr val="accent2"/>
+          </a:fillRef>
+          <a:effectRef idx="3">
+            <a:schemeClr val="accent2"/>
+          </a:effectRef>
+          <a:fontRef idx="minor">
+            <a:schemeClr val="lt1"/>
+          </a:fontRef>
+        </p:style>
+        <p:txBody>
+          <a:bodyPr rtlCol="0" anchor="ctr"/>
+          <a:lstStyle/>
+          <a:p>
+            <a:pPr algn="ctr"/>
+            <a:endParaRPr lang="en-US" sz="1400" i="1">
+              <a:solidFill>
+                <a:schemeClr val="tx1"/>
+              </a:solidFill>
+              <a:latin typeface="Helvetica" panose="020B0604020202020204" pitchFamily="34" charset="0"/>
+              <a:cs typeface="Helvetica" panose="020B0604020202020204" pitchFamily="34" charset="0"/>
+            </a:endParaRPr>
+          </a:p>
+        </p:txBody>
+      </p:sp>
+      <p:sp>
+        <p:nvSpPr>
+          <p:cNvPr id="57" name="Ovale 50">
+            <a:extLst>
+              <a:ext uri="{FF2B5EF4-FFF2-40B4-BE49-F238E27FC236}">
+                <a16:creationId xmlns:a16="http://schemas.microsoft.com/office/drawing/2014/main" id="{9E77DBC7-11B6-454F-97AB-2018DDF13BF3}"/>
+              </a:ext>
+            </a:extLst>
+          </p:cNvPr>
+          <p:cNvSpPr/>
+          <p:nvPr/>
+        </p:nvSpPr>
+        <p:spPr>
+          <a:xfrm>
+            <a:off x="21656756" y="22800692"/>
+            <a:ext cx="137160" cy="137160"/>
+          </a:xfrm>
+          <a:prstGeom prst="ellipse">
+            <a:avLst/>
+          </a:prstGeom>
+          <a:pattFill prst="pct50">
+            <a:fgClr>
+              <a:srgbClr val="FF0000"/>
+            </a:fgClr>
+            <a:bgClr>
+              <a:schemeClr val="bg1"/>
+            </a:bgClr>
+          </a:pattFill>
+        </p:spPr>
+        <p:style>
+          <a:lnRef idx="0">
+            <a:schemeClr val="accent2"/>
+          </a:lnRef>
+          <a:fillRef idx="3">
+            <a:schemeClr val="accent2"/>
+          </a:fillRef>
+          <a:effectRef idx="3">
+            <a:schemeClr val="accent2"/>
+          </a:effectRef>
+          <a:fontRef idx="minor">
+            <a:schemeClr val="lt1"/>
+          </a:fontRef>
+        </p:style>
+        <p:txBody>
+          <a:bodyPr rtlCol="0" anchor="ctr"/>
+          <a:lstStyle/>
+          <a:p>
+            <a:pPr algn="ctr"/>
+            <a:endParaRPr lang="en-US" sz="1400" i="1">
+              <a:solidFill>
+                <a:schemeClr val="tx1"/>
+              </a:solidFill>
+              <a:latin typeface="Helvetica" panose="020B0604020202020204" pitchFamily="34" charset="0"/>
+              <a:cs typeface="Helvetica" panose="020B0604020202020204" pitchFamily="34" charset="0"/>
+            </a:endParaRPr>
+          </a:p>
+        </p:txBody>
+      </p:sp>
+      <p:sp>
+        <p:nvSpPr>
+          <p:cNvPr id="58" name="Ovale 50">
+            <a:extLst>
+              <a:ext uri="{FF2B5EF4-FFF2-40B4-BE49-F238E27FC236}">
+                <a16:creationId xmlns:a16="http://schemas.microsoft.com/office/drawing/2014/main" id="{64FFFB85-7FCE-4458-BC96-4091AA3A7AB6}"/>
+              </a:ext>
+            </a:extLst>
+          </p:cNvPr>
+          <p:cNvSpPr/>
+          <p:nvPr/>
+        </p:nvSpPr>
+        <p:spPr>
+          <a:xfrm>
+            <a:off x="22418064" y="21121641"/>
+            <a:ext cx="137160" cy="137160"/>
+          </a:xfrm>
+          <a:prstGeom prst="ellipse">
+            <a:avLst/>
+          </a:prstGeom>
+          <a:solidFill>
+            <a:srgbClr val="FF0000"/>
+          </a:solidFill>
+        </p:spPr>
+        <p:style>
+          <a:lnRef idx="0">
+            <a:schemeClr val="accent2"/>
+          </a:lnRef>
+          <a:fillRef idx="3">
+            <a:schemeClr val="accent2"/>
+          </a:fillRef>
+          <a:effectRef idx="3">
+            <a:schemeClr val="accent2"/>
+          </a:effectRef>
+          <a:fontRef idx="minor">
+            <a:schemeClr val="lt1"/>
+          </a:fontRef>
+        </p:style>
+        <p:txBody>
+          <a:bodyPr rtlCol="0" anchor="ctr"/>
+          <a:lstStyle/>
+          <a:p>
+            <a:pPr algn="ctr"/>
+            <a:endParaRPr lang="en-US" sz="1400" i="1">
+              <a:solidFill>
+                <a:schemeClr val="tx1"/>
+              </a:solidFill>
+              <a:latin typeface="Helvetica" panose="020B0604020202020204" pitchFamily="34" charset="0"/>
+              <a:cs typeface="Helvetica" panose="020B0604020202020204" pitchFamily="34" charset="0"/>
+            </a:endParaRPr>
+          </a:p>
+        </p:txBody>
+      </p:sp>
+      <p:sp>
+        <p:nvSpPr>
+          <p:cNvPr id="59" name="Ovale 50">
+            <a:extLst>
+              <a:ext uri="{FF2B5EF4-FFF2-40B4-BE49-F238E27FC236}">
+                <a16:creationId xmlns:a16="http://schemas.microsoft.com/office/drawing/2014/main" id="{011B63A7-90F6-4EA1-B935-FBF0E20B9DB2}"/>
+              </a:ext>
+            </a:extLst>
+          </p:cNvPr>
+          <p:cNvSpPr/>
+          <p:nvPr/>
+        </p:nvSpPr>
+        <p:spPr>
+          <a:xfrm>
+            <a:off x="22634124" y="20740689"/>
+            <a:ext cx="137160" cy="137160"/>
+          </a:xfrm>
+          <a:prstGeom prst="ellipse">
+            <a:avLst/>
+          </a:prstGeom>
+          <a:solidFill>
+            <a:srgbClr val="FF0000"/>
+          </a:solidFill>
+        </p:spPr>
+        <p:style>
+          <a:lnRef idx="0">
+            <a:schemeClr val="accent2"/>
+          </a:lnRef>
+          <a:fillRef idx="3">
+            <a:schemeClr val="accent2"/>
+          </a:fillRef>
+          <a:effectRef idx="3">
+            <a:schemeClr val="accent2"/>
+          </a:effectRef>
+          <a:fontRef idx="minor">
+            <a:schemeClr val="lt1"/>
+          </a:fontRef>
+        </p:style>
+        <p:txBody>
+          <a:bodyPr rtlCol="0" anchor="ctr"/>
+          <a:lstStyle/>
+          <a:p>
+            <a:pPr algn="ctr"/>
+            <a:endParaRPr lang="en-US" sz="1400" i="1">
+              <a:solidFill>
+                <a:schemeClr val="tx1"/>
+              </a:solidFill>
+              <a:latin typeface="Helvetica" panose="020B0604020202020204" pitchFamily="34" charset="0"/>
+              <a:cs typeface="Helvetica" panose="020B0604020202020204" pitchFamily="34" charset="0"/>
+            </a:endParaRPr>
+          </a:p>
+        </p:txBody>
+      </p:sp>
+      <p:sp>
+        <p:nvSpPr>
+          <p:cNvPr id="60" name="Ovale 50">
+            <a:extLst>
+              <a:ext uri="{FF2B5EF4-FFF2-40B4-BE49-F238E27FC236}">
+                <a16:creationId xmlns:a16="http://schemas.microsoft.com/office/drawing/2014/main" id="{DFD5B6AA-3A5A-4A40-AF11-11F28F033F98}"/>
+              </a:ext>
+            </a:extLst>
+          </p:cNvPr>
+          <p:cNvSpPr/>
+          <p:nvPr/>
+        </p:nvSpPr>
+        <p:spPr>
+          <a:xfrm>
+            <a:off x="21979513" y="20741542"/>
+            <a:ext cx="137160" cy="137160"/>
+          </a:xfrm>
+          <a:prstGeom prst="ellipse">
+            <a:avLst/>
+          </a:prstGeom>
+          <a:solidFill>
+            <a:srgbClr val="FF0000"/>
+          </a:solidFill>
+        </p:spPr>
+        <p:style>
+          <a:lnRef idx="0">
+            <a:schemeClr val="accent2"/>
+          </a:lnRef>
+          <a:fillRef idx="3">
+            <a:schemeClr val="accent2"/>
+          </a:fillRef>
+          <a:effectRef idx="3">
+            <a:schemeClr val="accent2"/>
+          </a:effectRef>
+          <a:fontRef idx="minor">
+            <a:schemeClr val="lt1"/>
+          </a:fontRef>
+        </p:style>
+        <p:txBody>
+          <a:bodyPr rtlCol="0" anchor="ctr"/>
+          <a:lstStyle/>
+          <a:p>
+            <a:pPr algn="ctr"/>
+            <a:endParaRPr lang="en-US" sz="1400" i="1">
+              <a:solidFill>
+                <a:schemeClr val="tx1"/>
+              </a:solidFill>
+              <a:latin typeface="Helvetica" panose="020B0604020202020204" pitchFamily="34" charset="0"/>
+              <a:cs typeface="Helvetica" panose="020B0604020202020204" pitchFamily="34" charset="0"/>
+            </a:endParaRPr>
+          </a:p>
+        </p:txBody>
+      </p:sp>
+      <p:sp>
+        <p:nvSpPr>
+          <p:cNvPr id="61" name="Ovale 50">
+            <a:extLst>
+              <a:ext uri="{FF2B5EF4-FFF2-40B4-BE49-F238E27FC236}">
+                <a16:creationId xmlns:a16="http://schemas.microsoft.com/office/drawing/2014/main" id="{CDA6D76B-8C0E-4C3C-BB01-8F8E00280C23}"/>
+              </a:ext>
+            </a:extLst>
+          </p:cNvPr>
+          <p:cNvSpPr/>
+          <p:nvPr/>
+        </p:nvSpPr>
+        <p:spPr>
+          <a:xfrm>
+            <a:off x="21627137" y="20509856"/>
+            <a:ext cx="137160" cy="137160"/>
+          </a:xfrm>
+          <a:prstGeom prst="ellipse">
+            <a:avLst/>
+          </a:prstGeom>
+          <a:solidFill>
+            <a:srgbClr val="FF0000"/>
+          </a:solidFill>
+        </p:spPr>
+        <p:style>
+          <a:lnRef idx="0">
+            <a:schemeClr val="accent2"/>
+          </a:lnRef>
+          <a:fillRef idx="3">
+            <a:schemeClr val="accent2"/>
+          </a:fillRef>
+          <a:effectRef idx="3">
+            <a:schemeClr val="accent2"/>
+          </a:effectRef>
+          <a:fontRef idx="minor">
+            <a:schemeClr val="lt1"/>
+          </a:fontRef>
+        </p:style>
+        <p:txBody>
+          <a:bodyPr rtlCol="0" anchor="ctr"/>
+          <a:lstStyle/>
+          <a:p>
+            <a:pPr algn="ctr"/>
+            <a:endParaRPr lang="en-US" sz="1400" i="1">
+              <a:solidFill>
+                <a:schemeClr val="tx1"/>
+              </a:solidFill>
+              <a:latin typeface="Helvetica" panose="020B0604020202020204" pitchFamily="34" charset="0"/>
+              <a:cs typeface="Helvetica" panose="020B0604020202020204" pitchFamily="34" charset="0"/>
+            </a:endParaRPr>
+          </a:p>
+        </p:txBody>
+      </p:sp>
+      <p:sp>
+        <p:nvSpPr>
+          <p:cNvPr id="62" name="Ovale 31">
+            <a:extLst>
+              <a:ext uri="{FF2B5EF4-FFF2-40B4-BE49-F238E27FC236}">
+                <a16:creationId xmlns:a16="http://schemas.microsoft.com/office/drawing/2014/main" id="{9A873B1D-57C2-4EDF-96C8-C176352AA82B}"/>
+              </a:ext>
+            </a:extLst>
+          </p:cNvPr>
+          <p:cNvSpPr/>
+          <p:nvPr/>
+        </p:nvSpPr>
+        <p:spPr>
+          <a:xfrm>
+            <a:off x="21056766" y="22837968"/>
+            <a:ext cx="137160" cy="137160"/>
+          </a:xfrm>
+          <a:prstGeom prst="ellipse">
+            <a:avLst/>
+          </a:prstGeom>
+          <a:solidFill>
+            <a:srgbClr val="002060"/>
+          </a:solidFill>
+        </p:spPr>
+        <p:style>
+          <a:lnRef idx="0">
+            <a:schemeClr val="accent2"/>
+          </a:lnRef>
+          <a:fillRef idx="3">
+            <a:schemeClr val="accent2"/>
+          </a:fillRef>
+          <a:effectRef idx="3">
+            <a:schemeClr val="accent2"/>
+          </a:effectRef>
+          <a:fontRef idx="minor">
+            <a:schemeClr val="lt1"/>
+          </a:fontRef>
+        </p:style>
+        <p:txBody>
+          <a:bodyPr rtlCol="0" anchor="ctr"/>
+          <a:lstStyle/>
+          <a:p>
+            <a:pPr algn="ctr"/>
+            <a:endParaRPr lang="en-US" sz="1400" i="1">
+              <a:solidFill>
+                <a:schemeClr val="tx1"/>
+              </a:solidFill>
+              <a:latin typeface="Helvetica" panose="020B0604020202020204" pitchFamily="34" charset="0"/>
+              <a:cs typeface="Helvetica" panose="020B0604020202020204" pitchFamily="34" charset="0"/>
+            </a:endParaRPr>
+          </a:p>
+        </p:txBody>
+      </p:sp>
+      <p:sp>
+        <p:nvSpPr>
+          <p:cNvPr id="63" name="Ovale 31">
+            <a:extLst>
+              <a:ext uri="{FF2B5EF4-FFF2-40B4-BE49-F238E27FC236}">
+                <a16:creationId xmlns:a16="http://schemas.microsoft.com/office/drawing/2014/main" id="{7B812969-1CD3-4BB8-9E43-FC159F18B783}"/>
+              </a:ext>
+            </a:extLst>
+          </p:cNvPr>
+          <p:cNvSpPr/>
+          <p:nvPr/>
+        </p:nvSpPr>
+        <p:spPr>
+          <a:xfrm>
+            <a:off x="21552856" y="22598426"/>
+            <a:ext cx="137160" cy="137160"/>
+          </a:xfrm>
+          <a:prstGeom prst="ellipse">
+            <a:avLst/>
+          </a:prstGeom>
+          <a:solidFill>
+            <a:srgbClr val="002060"/>
+          </a:solidFill>
+        </p:spPr>
+        <p:style>
+          <a:lnRef idx="0">
+            <a:schemeClr val="accent2"/>
+          </a:lnRef>
+          <a:fillRef idx="3">
+            <a:schemeClr val="accent2"/>
+          </a:fillRef>
+          <a:effectRef idx="3">
+            <a:schemeClr val="accent2"/>
+          </a:effectRef>
+          <a:fontRef idx="minor">
+            <a:schemeClr val="lt1"/>
+          </a:fontRef>
+        </p:style>
+        <p:txBody>
+          <a:bodyPr rtlCol="0" anchor="ctr"/>
+          <a:lstStyle/>
+          <a:p>
+            <a:pPr algn="ctr"/>
+            <a:endParaRPr lang="en-US" sz="1400" i="1">
+              <a:solidFill>
+                <a:schemeClr val="tx1"/>
+              </a:solidFill>
+              <a:latin typeface="Helvetica" panose="020B0604020202020204" pitchFamily="34" charset="0"/>
+              <a:cs typeface="Helvetica" panose="020B0604020202020204" pitchFamily="34" charset="0"/>
+            </a:endParaRPr>
+          </a:p>
+        </p:txBody>
+      </p:sp>
+      <p:sp>
+        <p:nvSpPr>
+          <p:cNvPr id="64" name="Ovale 31">
+            <a:extLst>
+              <a:ext uri="{FF2B5EF4-FFF2-40B4-BE49-F238E27FC236}">
+                <a16:creationId xmlns:a16="http://schemas.microsoft.com/office/drawing/2014/main" id="{96A25DCC-9310-43B3-B1D9-FEF77D791A5E}"/>
+              </a:ext>
+            </a:extLst>
+          </p:cNvPr>
+          <p:cNvSpPr/>
+          <p:nvPr/>
+        </p:nvSpPr>
+        <p:spPr>
+          <a:xfrm>
+            <a:off x="22246947" y="21050243"/>
+            <a:ext cx="137160" cy="137160"/>
+          </a:xfrm>
+          <a:prstGeom prst="ellipse">
+            <a:avLst/>
+          </a:prstGeom>
+          <a:solidFill>
+            <a:srgbClr val="002060"/>
+          </a:solidFill>
+        </p:spPr>
+        <p:style>
+          <a:lnRef idx="0">
+            <a:schemeClr val="accent2"/>
+          </a:lnRef>
+          <a:fillRef idx="3">
+            <a:schemeClr val="accent2"/>
+          </a:fillRef>
+          <a:effectRef idx="3">
+            <a:schemeClr val="accent2"/>
+          </a:effectRef>
+          <a:fontRef idx="minor">
+            <a:schemeClr val="lt1"/>
+          </a:fontRef>
+        </p:style>
+        <p:txBody>
+          <a:bodyPr rtlCol="0" anchor="ctr"/>
+          <a:lstStyle/>
+          <a:p>
+            <a:pPr algn="ctr"/>
+            <a:endParaRPr lang="en-US" sz="1400" i="1">
+              <a:solidFill>
+                <a:schemeClr val="tx1"/>
+              </a:solidFill>
+              <a:latin typeface="Helvetica" panose="020B0604020202020204" pitchFamily="34" charset="0"/>
+              <a:cs typeface="Helvetica" panose="020B0604020202020204" pitchFamily="34" charset="0"/>
+            </a:endParaRPr>
+          </a:p>
+        </p:txBody>
+      </p:sp>
+      <p:sp>
+        <p:nvSpPr>
+          <p:cNvPr id="65" name="Ovale 31">
+            <a:extLst>
+              <a:ext uri="{FF2B5EF4-FFF2-40B4-BE49-F238E27FC236}">
+                <a16:creationId xmlns:a16="http://schemas.microsoft.com/office/drawing/2014/main" id="{54091D89-0034-4AB2-885A-C5A82061A52B}"/>
+              </a:ext>
+            </a:extLst>
+          </p:cNvPr>
+          <p:cNvSpPr/>
+          <p:nvPr/>
+        </p:nvSpPr>
+        <p:spPr>
+          <a:xfrm>
+            <a:off x="22519885" y="20556223"/>
+            <a:ext cx="137160" cy="137160"/>
+          </a:xfrm>
+          <a:prstGeom prst="ellipse">
+            <a:avLst/>
+          </a:prstGeom>
+          <a:pattFill prst="pct50">
+            <a:fgClr>
+              <a:srgbClr val="002060"/>
+            </a:fgClr>
+            <a:bgClr>
+              <a:schemeClr val="bg1"/>
+            </a:bgClr>
+          </a:pattFill>
+        </p:spPr>
+        <p:style>
+          <a:lnRef idx="0">
+            <a:schemeClr val="accent2"/>
+          </a:lnRef>
+          <a:fillRef idx="3">
+            <a:schemeClr val="accent2"/>
+          </a:fillRef>
+          <a:effectRef idx="3">
+            <a:schemeClr val="accent2"/>
+          </a:effectRef>
+          <a:fontRef idx="minor">
+            <a:schemeClr val="lt1"/>
+          </a:fontRef>
+        </p:style>
+        <p:txBody>
+          <a:bodyPr rtlCol="0" anchor="ctr"/>
+          <a:lstStyle/>
+          <a:p>
+            <a:pPr algn="ctr"/>
+            <a:endParaRPr lang="en-US" sz="1400" i="1">
+              <a:solidFill>
+                <a:schemeClr val="tx1"/>
+              </a:solidFill>
+              <a:latin typeface="Helvetica" panose="020B0604020202020204" pitchFamily="34" charset="0"/>
+              <a:cs typeface="Helvetica" panose="020B0604020202020204" pitchFamily="34" charset="0"/>
+            </a:endParaRPr>
+          </a:p>
+        </p:txBody>
+      </p:sp>
+      <p:sp>
+        <p:nvSpPr>
+          <p:cNvPr id="66" name="Ovale 31">
+            <a:extLst>
+              <a:ext uri="{FF2B5EF4-FFF2-40B4-BE49-F238E27FC236}">
+                <a16:creationId xmlns:a16="http://schemas.microsoft.com/office/drawing/2014/main" id="{AF75A7FB-4407-4706-8975-92875732502E}"/>
+              </a:ext>
+            </a:extLst>
+          </p:cNvPr>
+          <p:cNvSpPr/>
+          <p:nvPr/>
+        </p:nvSpPr>
+        <p:spPr>
+          <a:xfrm>
+            <a:off x="22096235" y="20568446"/>
+            <a:ext cx="182880" cy="182880"/>
+          </a:xfrm>
+          <a:prstGeom prst="ellipse">
+            <a:avLst/>
+          </a:prstGeom>
+          <a:solidFill>
+            <a:srgbClr val="002060"/>
+          </a:solidFill>
+        </p:spPr>
+        <p:style>
+          <a:lnRef idx="0">
+            <a:schemeClr val="accent2"/>
+          </a:lnRef>
+          <a:fillRef idx="3">
+            <a:schemeClr val="accent2"/>
+          </a:fillRef>
+          <a:effectRef idx="3">
+            <a:schemeClr val="accent2"/>
+          </a:effectRef>
+          <a:fontRef idx="minor">
+            <a:schemeClr val="lt1"/>
+          </a:fontRef>
+        </p:style>
+        <p:txBody>
+          <a:bodyPr rtlCol="0" anchor="ctr"/>
+          <a:lstStyle/>
+          <a:p>
+            <a:pPr algn="ctr"/>
+            <a:endParaRPr lang="en-US" sz="1400" i="1">
+              <a:solidFill>
+                <a:schemeClr val="tx1"/>
+              </a:solidFill>
+              <a:latin typeface="Helvetica" panose="020B0604020202020204" pitchFamily="34" charset="0"/>
+              <a:cs typeface="Helvetica" panose="020B0604020202020204" pitchFamily="34" charset="0"/>
+            </a:endParaRPr>
+          </a:p>
+        </p:txBody>
+      </p:sp>
+      <p:sp>
+        <p:nvSpPr>
+          <p:cNvPr id="67" name="Ovale 31">
+            <a:extLst>
+              <a:ext uri="{FF2B5EF4-FFF2-40B4-BE49-F238E27FC236}">
+                <a16:creationId xmlns:a16="http://schemas.microsoft.com/office/drawing/2014/main" id="{ED6A6D7D-7ED5-4B0D-9570-B8F185C53634}"/>
+              </a:ext>
+            </a:extLst>
+          </p:cNvPr>
+          <p:cNvSpPr/>
+          <p:nvPr/>
+        </p:nvSpPr>
+        <p:spPr>
+          <a:xfrm>
+            <a:off x="21910933" y="20362124"/>
+            <a:ext cx="137160" cy="137160"/>
+          </a:xfrm>
+          <a:prstGeom prst="ellipse">
+            <a:avLst/>
+          </a:prstGeom>
+          <a:solidFill>
+            <a:srgbClr val="002060"/>
+          </a:solidFill>
+        </p:spPr>
+        <p:style>
+          <a:lnRef idx="0">
+            <a:schemeClr val="accent2"/>
+          </a:lnRef>
+          <a:fillRef idx="3">
+            <a:schemeClr val="accent2"/>
+          </a:fillRef>
+          <a:effectRef idx="3">
+            <a:schemeClr val="accent2"/>
+          </a:effectRef>
+          <a:fontRef idx="minor">
+            <a:schemeClr val="lt1"/>
+          </a:fontRef>
+        </p:style>
+        <p:txBody>
+          <a:bodyPr rtlCol="0" anchor="ctr"/>
+          <a:lstStyle/>
+          <a:p>
+            <a:pPr algn="ctr"/>
+            <a:endParaRPr lang="en-US" sz="1400" i="1">
+              <a:solidFill>
+                <a:schemeClr val="tx1"/>
+              </a:solidFill>
+              <a:latin typeface="Helvetica" panose="020B0604020202020204" pitchFamily="34" charset="0"/>
+              <a:cs typeface="Helvetica" panose="020B0604020202020204" pitchFamily="34" charset="0"/>
+            </a:endParaRPr>
+          </a:p>
+        </p:txBody>
+      </p:sp>
+      <p:cxnSp>
+        <p:nvCxnSpPr>
+          <p:cNvPr id="68" name="Straight Connector 67">
+            <a:extLst>
+              <a:ext uri="{FF2B5EF4-FFF2-40B4-BE49-F238E27FC236}">
+                <a16:creationId xmlns:a16="http://schemas.microsoft.com/office/drawing/2014/main" id="{C443A6CB-B9D3-4A78-857D-E39BCD85EDD0}"/>
+              </a:ext>
+            </a:extLst>
+          </p:cNvPr>
+          <p:cNvCxnSpPr>
+            <a:cxnSpLocks/>
+            <a:stCxn id="63" idx="3"/>
+            <a:endCxn id="62" idx="6"/>
+          </p:cNvCxnSpPr>
+          <p:nvPr/>
+        </p:nvCxnSpPr>
+        <p:spPr>
+          <a:xfrm flipH="1">
+            <a:off x="21193926" y="22715499"/>
+            <a:ext cx="379017" cy="191049"/>
+          </a:xfrm>
+          <a:prstGeom prst="line">
+            <a:avLst/>
+          </a:prstGeom>
+          <a:ln w="28575">
+            <a:solidFill>
+              <a:schemeClr val="accent1">
+                <a:lumMod val="75000"/>
+              </a:schemeClr>
+            </a:solidFill>
+            <a:prstDash val="sysDot"/>
+          </a:ln>
+        </p:spPr>
+        <p:style>
+          <a:lnRef idx="1">
+            <a:schemeClr val="accent1"/>
+          </a:lnRef>
+          <a:fillRef idx="0">
+            <a:schemeClr val="accent1"/>
+          </a:fillRef>
+          <a:effectRef idx="0">
+            <a:schemeClr val="accent1"/>
+          </a:effectRef>
+          <a:fontRef idx="minor">
+            <a:schemeClr val="tx1"/>
+          </a:fontRef>
+        </p:style>
+      </p:cxnSp>
+      <p:cxnSp>
+        <p:nvCxnSpPr>
+          <p:cNvPr id="69" name="Straight Connector 68">
+            <a:extLst>
+              <a:ext uri="{FF2B5EF4-FFF2-40B4-BE49-F238E27FC236}">
+                <a16:creationId xmlns:a16="http://schemas.microsoft.com/office/drawing/2014/main" id="{FA2E73D7-F4FB-4838-A251-760D0B1FE539}"/>
+              </a:ext>
+            </a:extLst>
+          </p:cNvPr>
+          <p:cNvCxnSpPr>
+            <a:cxnSpLocks/>
+            <a:stCxn id="80" idx="3"/>
+            <a:endCxn id="64" idx="7"/>
+          </p:cNvCxnSpPr>
+          <p:nvPr/>
+        </p:nvCxnSpPr>
+        <p:spPr>
+          <a:xfrm flipH="1">
+            <a:off x="22364020" y="20898403"/>
+            <a:ext cx="60438" cy="171927"/>
+          </a:xfrm>
+          <a:prstGeom prst="line">
+            <a:avLst/>
+          </a:prstGeom>
+          <a:ln w="28575">
+            <a:solidFill>
+              <a:schemeClr val="accent1">
+                <a:lumMod val="75000"/>
+              </a:schemeClr>
+            </a:solidFill>
+            <a:prstDash val="sysDot"/>
+          </a:ln>
+        </p:spPr>
+        <p:style>
+          <a:lnRef idx="1">
+            <a:schemeClr val="accent1"/>
+          </a:lnRef>
+          <a:fillRef idx="0">
+            <a:schemeClr val="accent1"/>
+          </a:fillRef>
+          <a:effectRef idx="0">
+            <a:schemeClr val="accent1"/>
+          </a:effectRef>
+          <a:fontRef idx="minor">
+            <a:schemeClr val="tx1"/>
+          </a:fontRef>
+        </p:style>
+      </p:cxnSp>
+      <p:cxnSp>
+        <p:nvCxnSpPr>
+          <p:cNvPr id="70" name="Straight Connector 69">
+            <a:extLst>
+              <a:ext uri="{FF2B5EF4-FFF2-40B4-BE49-F238E27FC236}">
+                <a16:creationId xmlns:a16="http://schemas.microsoft.com/office/drawing/2014/main" id="{43D720E2-F4DE-43AA-A984-6C84D29CB7FF}"/>
+              </a:ext>
+            </a:extLst>
+          </p:cNvPr>
+          <p:cNvCxnSpPr>
+            <a:cxnSpLocks/>
+            <a:stCxn id="65" idx="4"/>
+            <a:endCxn id="80" idx="7"/>
+          </p:cNvCxnSpPr>
+          <p:nvPr/>
+        </p:nvCxnSpPr>
+        <p:spPr>
+          <a:xfrm flipH="1">
+            <a:off x="22521444" y="20693383"/>
+            <a:ext cx="67021" cy="108034"/>
+          </a:xfrm>
+          <a:prstGeom prst="line">
+            <a:avLst/>
+          </a:prstGeom>
+          <a:ln w="28575">
+            <a:solidFill>
+              <a:schemeClr val="accent1">
+                <a:lumMod val="75000"/>
+              </a:schemeClr>
+            </a:solidFill>
+            <a:prstDash val="sysDot"/>
+          </a:ln>
+        </p:spPr>
+        <p:style>
+          <a:lnRef idx="1">
+            <a:schemeClr val="accent1"/>
+          </a:lnRef>
+          <a:fillRef idx="0">
+            <a:schemeClr val="accent1"/>
+          </a:fillRef>
+          <a:effectRef idx="0">
+            <a:schemeClr val="accent1"/>
+          </a:effectRef>
+          <a:fontRef idx="minor">
+            <a:schemeClr val="tx1"/>
+          </a:fontRef>
+        </p:style>
+      </p:cxnSp>
+      <p:cxnSp>
+        <p:nvCxnSpPr>
+          <p:cNvPr id="71" name="Straight Connector 70">
+            <a:extLst>
+              <a:ext uri="{FF2B5EF4-FFF2-40B4-BE49-F238E27FC236}">
+                <a16:creationId xmlns:a16="http://schemas.microsoft.com/office/drawing/2014/main" id="{CA193333-384C-4A5B-AEB9-2B4732A814B6}"/>
+              </a:ext>
+            </a:extLst>
+          </p:cNvPr>
+          <p:cNvCxnSpPr>
+            <a:cxnSpLocks/>
+            <a:stCxn id="66" idx="6"/>
+            <a:endCxn id="65" idx="2"/>
+          </p:cNvCxnSpPr>
+          <p:nvPr/>
+        </p:nvCxnSpPr>
+        <p:spPr>
+          <a:xfrm flipV="1">
+            <a:off x="22279115" y="20624803"/>
+            <a:ext cx="240770" cy="35083"/>
+          </a:xfrm>
+          <a:prstGeom prst="line">
+            <a:avLst/>
+          </a:prstGeom>
+          <a:ln w="28575">
+            <a:solidFill>
+              <a:schemeClr val="accent1">
+                <a:lumMod val="75000"/>
+              </a:schemeClr>
+            </a:solidFill>
+            <a:prstDash val="sysDot"/>
+          </a:ln>
+        </p:spPr>
+        <p:style>
+          <a:lnRef idx="1">
+            <a:schemeClr val="accent1"/>
+          </a:lnRef>
+          <a:fillRef idx="0">
+            <a:schemeClr val="accent1"/>
+          </a:fillRef>
+          <a:effectRef idx="0">
+            <a:schemeClr val="accent1"/>
+          </a:effectRef>
+          <a:fontRef idx="minor">
+            <a:schemeClr val="tx1"/>
+          </a:fontRef>
+        </p:style>
+      </p:cxnSp>
+      <p:cxnSp>
+        <p:nvCxnSpPr>
+          <p:cNvPr id="72" name="Straight Connector 71">
+            <a:extLst>
+              <a:ext uri="{FF2B5EF4-FFF2-40B4-BE49-F238E27FC236}">
+                <a16:creationId xmlns:a16="http://schemas.microsoft.com/office/drawing/2014/main" id="{5DBEAE08-6EF1-4296-ADF7-57A2CBA67BAD}"/>
+              </a:ext>
+            </a:extLst>
+          </p:cNvPr>
+          <p:cNvCxnSpPr>
+            <a:cxnSpLocks/>
+            <a:stCxn id="67" idx="4"/>
+            <a:endCxn id="66" idx="2"/>
+          </p:cNvCxnSpPr>
+          <p:nvPr/>
+        </p:nvCxnSpPr>
+        <p:spPr>
+          <a:xfrm>
+            <a:off x="21979513" y="20499284"/>
+            <a:ext cx="116722" cy="160602"/>
+          </a:xfrm>
+          <a:prstGeom prst="line">
+            <a:avLst/>
+          </a:prstGeom>
+          <a:ln w="28575">
+            <a:solidFill>
+              <a:schemeClr val="accent1">
+                <a:lumMod val="75000"/>
+              </a:schemeClr>
+            </a:solidFill>
+            <a:prstDash val="sysDot"/>
+          </a:ln>
+        </p:spPr>
+        <p:style>
+          <a:lnRef idx="1">
+            <a:schemeClr val="accent1"/>
+          </a:lnRef>
+          <a:fillRef idx="0">
+            <a:schemeClr val="accent1"/>
+          </a:fillRef>
+          <a:effectRef idx="0">
+            <a:schemeClr val="accent1"/>
+          </a:effectRef>
+          <a:fontRef idx="minor">
+            <a:schemeClr val="tx1"/>
+          </a:fontRef>
+        </p:style>
+      </p:cxnSp>
+      <p:cxnSp>
+        <p:nvCxnSpPr>
+          <p:cNvPr id="73" name="Straight Connector 72">
+            <a:extLst>
+              <a:ext uri="{FF2B5EF4-FFF2-40B4-BE49-F238E27FC236}">
+                <a16:creationId xmlns:a16="http://schemas.microsoft.com/office/drawing/2014/main" id="{8C499BFE-FD7C-47C1-B696-FEA8F73941EF}"/>
+              </a:ext>
+            </a:extLst>
+          </p:cNvPr>
+          <p:cNvCxnSpPr>
+            <a:cxnSpLocks/>
+            <a:stCxn id="53" idx="3"/>
+            <a:endCxn id="54" idx="7"/>
+          </p:cNvCxnSpPr>
+          <p:nvPr/>
+        </p:nvCxnSpPr>
+        <p:spPr>
+          <a:xfrm flipH="1">
+            <a:off x="20890187" y="22606977"/>
+            <a:ext cx="124896" cy="266315"/>
+          </a:xfrm>
+          <a:prstGeom prst="line">
+            <a:avLst/>
+          </a:prstGeom>
+          <a:ln w="28575">
+            <a:solidFill>
+              <a:srgbClr val="FF0000"/>
+            </a:solidFill>
+            <a:prstDash val="sysDot"/>
+          </a:ln>
+        </p:spPr>
+        <p:style>
+          <a:lnRef idx="1">
+            <a:schemeClr val="accent1"/>
+          </a:lnRef>
+          <a:fillRef idx="0">
+            <a:schemeClr val="accent1"/>
+          </a:fillRef>
+          <a:effectRef idx="0">
+            <a:schemeClr val="accent1"/>
+          </a:effectRef>
+          <a:fontRef idx="minor">
+            <a:schemeClr val="tx1"/>
+          </a:fontRef>
+        </p:style>
+      </p:cxnSp>
+      <p:cxnSp>
+        <p:nvCxnSpPr>
+          <p:cNvPr id="74" name="Straight Connector 73">
+            <a:extLst>
+              <a:ext uri="{FF2B5EF4-FFF2-40B4-BE49-F238E27FC236}">
+                <a16:creationId xmlns:a16="http://schemas.microsoft.com/office/drawing/2014/main" id="{710AEAF9-0A2D-4CAF-8E5E-82B1DB0DDDCC}"/>
+              </a:ext>
+            </a:extLst>
+          </p:cNvPr>
+          <p:cNvCxnSpPr>
+            <a:cxnSpLocks/>
+            <a:stCxn id="97" idx="2"/>
+            <a:endCxn id="56" idx="6"/>
+          </p:cNvCxnSpPr>
+          <p:nvPr/>
+        </p:nvCxnSpPr>
+        <p:spPr>
+          <a:xfrm flipH="1" flipV="1">
+            <a:off x="20657237" y="22477525"/>
+            <a:ext cx="341846" cy="108178"/>
+          </a:xfrm>
+          <a:prstGeom prst="line">
+            <a:avLst/>
+          </a:prstGeom>
+          <a:ln w="28575">
+            <a:solidFill>
+              <a:srgbClr val="FF0000"/>
+            </a:solidFill>
+            <a:prstDash val="sysDot"/>
+          </a:ln>
+        </p:spPr>
+        <p:style>
+          <a:lnRef idx="1">
+            <a:schemeClr val="accent1"/>
+          </a:lnRef>
+          <a:fillRef idx="0">
+            <a:schemeClr val="accent1"/>
+          </a:fillRef>
+          <a:effectRef idx="0">
+            <a:schemeClr val="accent1"/>
+          </a:effectRef>
+          <a:fontRef idx="minor">
+            <a:schemeClr val="tx1"/>
+          </a:fontRef>
+        </p:style>
+      </p:cxnSp>
+      <p:cxnSp>
+        <p:nvCxnSpPr>
+          <p:cNvPr id="75" name="Straight Connector 74">
+            <a:extLst>
+              <a:ext uri="{FF2B5EF4-FFF2-40B4-BE49-F238E27FC236}">
+                <a16:creationId xmlns:a16="http://schemas.microsoft.com/office/drawing/2014/main" id="{4169402C-5E5C-4F40-9F25-8A2D1E9ACB12}"/>
+              </a:ext>
+            </a:extLst>
+          </p:cNvPr>
+          <p:cNvCxnSpPr>
+            <a:cxnSpLocks/>
+            <a:stCxn id="55" idx="2"/>
+            <a:endCxn id="54" idx="4"/>
+          </p:cNvCxnSpPr>
+          <p:nvPr/>
+        </p:nvCxnSpPr>
+        <p:spPr>
+          <a:xfrm flipH="1" flipV="1">
+            <a:off x="20841694" y="22990365"/>
+            <a:ext cx="434137" cy="86402"/>
+          </a:xfrm>
+          <a:prstGeom prst="line">
+            <a:avLst/>
+          </a:prstGeom>
+          <a:ln w="28575">
+            <a:solidFill>
+              <a:srgbClr val="FF0000"/>
+            </a:solidFill>
+            <a:prstDash val="sysDot"/>
+          </a:ln>
+        </p:spPr>
+        <p:style>
+          <a:lnRef idx="1">
+            <a:schemeClr val="accent1"/>
+          </a:lnRef>
+          <a:fillRef idx="0">
+            <a:schemeClr val="accent1"/>
+          </a:fillRef>
+          <a:effectRef idx="0">
+            <a:schemeClr val="accent1"/>
+          </a:effectRef>
+          <a:fontRef idx="minor">
+            <a:schemeClr val="tx1"/>
+          </a:fontRef>
+        </p:style>
+      </p:cxnSp>
+      <p:cxnSp>
+        <p:nvCxnSpPr>
+          <p:cNvPr id="76" name="Straight Connector 75">
+            <a:extLst>
+              <a:ext uri="{FF2B5EF4-FFF2-40B4-BE49-F238E27FC236}">
+                <a16:creationId xmlns:a16="http://schemas.microsoft.com/office/drawing/2014/main" id="{1F97F3A3-BC4B-493A-99A1-64B3EBF367F4}"/>
+              </a:ext>
+            </a:extLst>
+          </p:cNvPr>
+          <p:cNvCxnSpPr>
+            <a:cxnSpLocks/>
+            <a:stCxn id="57" idx="3"/>
+            <a:endCxn id="55" idx="6"/>
+          </p:cNvCxnSpPr>
+          <p:nvPr/>
+        </p:nvCxnSpPr>
+        <p:spPr>
+          <a:xfrm flipH="1">
+            <a:off x="21412991" y="22917765"/>
+            <a:ext cx="263852" cy="159002"/>
+          </a:xfrm>
+          <a:prstGeom prst="line">
+            <a:avLst/>
+          </a:prstGeom>
+          <a:ln w="28575">
+            <a:solidFill>
+              <a:srgbClr val="FF0000"/>
+            </a:solidFill>
+            <a:prstDash val="sysDot"/>
+          </a:ln>
+        </p:spPr>
+        <p:style>
+          <a:lnRef idx="1">
+            <a:schemeClr val="accent1"/>
+          </a:lnRef>
+          <a:fillRef idx="0">
+            <a:schemeClr val="accent1"/>
+          </a:fillRef>
+          <a:effectRef idx="0">
+            <a:schemeClr val="accent1"/>
+          </a:effectRef>
+          <a:fontRef idx="minor">
+            <a:schemeClr val="tx1"/>
+          </a:fontRef>
+        </p:style>
+      </p:cxnSp>
+      <p:cxnSp>
+        <p:nvCxnSpPr>
+          <p:cNvPr id="77" name="Straight Connector 76">
+            <a:extLst>
+              <a:ext uri="{FF2B5EF4-FFF2-40B4-BE49-F238E27FC236}">
+                <a16:creationId xmlns:a16="http://schemas.microsoft.com/office/drawing/2014/main" id="{5B736A77-AF19-4140-8662-C94BFA20D33A}"/>
+              </a:ext>
+            </a:extLst>
+          </p:cNvPr>
+          <p:cNvCxnSpPr>
+            <a:cxnSpLocks/>
+            <a:stCxn id="59" idx="3"/>
+            <a:endCxn id="102" idx="1"/>
+          </p:cNvCxnSpPr>
+          <p:nvPr/>
+        </p:nvCxnSpPr>
+        <p:spPr>
+          <a:xfrm flipH="1">
+            <a:off x="22447628" y="20857762"/>
+            <a:ext cx="206583" cy="382884"/>
+          </a:xfrm>
+          <a:prstGeom prst="line">
+            <a:avLst/>
+          </a:prstGeom>
+          <a:ln w="28575">
+            <a:solidFill>
+              <a:srgbClr val="FF0000"/>
+            </a:solidFill>
+            <a:prstDash val="sysDot"/>
+          </a:ln>
+        </p:spPr>
+        <p:style>
+          <a:lnRef idx="1">
+            <a:schemeClr val="accent1"/>
+          </a:lnRef>
+          <a:fillRef idx="0">
+            <a:schemeClr val="accent1"/>
+          </a:fillRef>
+          <a:effectRef idx="0">
+            <a:schemeClr val="accent1"/>
+          </a:effectRef>
+          <a:fontRef idx="minor">
+            <a:schemeClr val="tx1"/>
+          </a:fontRef>
+        </p:style>
+      </p:cxnSp>
+      <p:cxnSp>
+        <p:nvCxnSpPr>
+          <p:cNvPr id="78" name="Straight Connector 77">
+            <a:extLst>
+              <a:ext uri="{FF2B5EF4-FFF2-40B4-BE49-F238E27FC236}">
+                <a16:creationId xmlns:a16="http://schemas.microsoft.com/office/drawing/2014/main" id="{CB135DC5-0185-44D8-8712-DB2034CFEBDE}"/>
+              </a:ext>
+            </a:extLst>
+          </p:cNvPr>
+          <p:cNvCxnSpPr>
+            <a:cxnSpLocks/>
+            <a:stCxn id="60" idx="6"/>
+            <a:endCxn id="59" idx="2"/>
+          </p:cNvCxnSpPr>
+          <p:nvPr/>
+        </p:nvCxnSpPr>
+        <p:spPr>
+          <a:xfrm flipV="1">
+            <a:off x="22116673" y="20809269"/>
+            <a:ext cx="517451" cy="853"/>
+          </a:xfrm>
+          <a:prstGeom prst="line">
+            <a:avLst/>
+          </a:prstGeom>
+          <a:ln w="28575">
+            <a:solidFill>
+              <a:srgbClr val="FF0000"/>
+            </a:solidFill>
+            <a:prstDash val="sysDot"/>
+          </a:ln>
+        </p:spPr>
+        <p:style>
+          <a:lnRef idx="1">
+            <a:schemeClr val="accent1"/>
+          </a:lnRef>
+          <a:fillRef idx="0">
+            <a:schemeClr val="accent1"/>
+          </a:fillRef>
+          <a:effectRef idx="0">
+            <a:schemeClr val="accent1"/>
+          </a:effectRef>
+          <a:fontRef idx="minor">
+            <a:schemeClr val="tx1"/>
+          </a:fontRef>
+        </p:style>
+      </p:cxnSp>
+      <p:cxnSp>
+        <p:nvCxnSpPr>
+          <p:cNvPr id="79" name="Straight Connector 78">
+            <a:extLst>
+              <a:ext uri="{FF2B5EF4-FFF2-40B4-BE49-F238E27FC236}">
+                <a16:creationId xmlns:a16="http://schemas.microsoft.com/office/drawing/2014/main" id="{C7A50002-1B4C-4A07-B844-7A81A6A7176D}"/>
+              </a:ext>
+            </a:extLst>
+          </p:cNvPr>
+          <p:cNvCxnSpPr>
+            <a:cxnSpLocks/>
+            <a:stCxn id="61" idx="5"/>
+            <a:endCxn id="60" idx="2"/>
+          </p:cNvCxnSpPr>
+          <p:nvPr/>
+        </p:nvCxnSpPr>
+        <p:spPr>
+          <a:xfrm>
+            <a:off x="21744210" y="20626929"/>
+            <a:ext cx="235303" cy="183193"/>
+          </a:xfrm>
+          <a:prstGeom prst="line">
+            <a:avLst/>
+          </a:prstGeom>
+          <a:ln w="28575">
+            <a:solidFill>
+              <a:srgbClr val="FF0000"/>
+            </a:solidFill>
+            <a:prstDash val="sysDot"/>
+          </a:ln>
+        </p:spPr>
+        <p:style>
+          <a:lnRef idx="1">
+            <a:schemeClr val="accent1"/>
+          </a:lnRef>
+          <a:fillRef idx="0">
+            <a:schemeClr val="accent1"/>
+          </a:fillRef>
+          <a:effectRef idx="0">
+            <a:schemeClr val="accent1"/>
+          </a:effectRef>
+          <a:fontRef idx="minor">
+            <a:schemeClr val="tx1"/>
+          </a:fontRef>
+        </p:style>
+      </p:cxnSp>
+      <p:sp>
+        <p:nvSpPr>
+          <p:cNvPr id="80" name="Ovale 31">
+            <a:extLst>
+              <a:ext uri="{FF2B5EF4-FFF2-40B4-BE49-F238E27FC236}">
+                <a16:creationId xmlns:a16="http://schemas.microsoft.com/office/drawing/2014/main" id="{60E27940-5379-4DE6-9765-FDE4010FC1D6}"/>
+              </a:ext>
+            </a:extLst>
+          </p:cNvPr>
+          <p:cNvSpPr/>
+          <p:nvPr/>
+        </p:nvSpPr>
+        <p:spPr>
+          <a:xfrm>
+            <a:off x="22404371" y="20781330"/>
+            <a:ext cx="137160" cy="137160"/>
+          </a:xfrm>
+          <a:prstGeom prst="ellipse">
+            <a:avLst/>
+          </a:prstGeom>
+          <a:solidFill>
+            <a:srgbClr val="002060"/>
+          </a:solidFill>
+        </p:spPr>
+        <p:style>
+          <a:lnRef idx="0">
+            <a:schemeClr val="accent2"/>
+          </a:lnRef>
+          <a:fillRef idx="3">
+            <a:schemeClr val="accent2"/>
+          </a:fillRef>
+          <a:effectRef idx="3">
+            <a:schemeClr val="accent2"/>
+          </a:effectRef>
+          <a:fontRef idx="minor">
+            <a:schemeClr val="lt1"/>
+          </a:fontRef>
+        </p:style>
+        <p:txBody>
+          <a:bodyPr rtlCol="0" anchor="ctr"/>
+          <a:lstStyle/>
+          <a:p>
+            <a:pPr algn="ctr"/>
+            <a:endParaRPr lang="en-US" sz="1400" i="1">
+              <a:solidFill>
+                <a:schemeClr val="tx1"/>
+              </a:solidFill>
+              <a:latin typeface="Helvetica" panose="020B0604020202020204" pitchFamily="34" charset="0"/>
+              <a:cs typeface="Helvetica" panose="020B0604020202020204" pitchFamily="34" charset="0"/>
+            </a:endParaRPr>
+          </a:p>
+        </p:txBody>
+      </p:sp>
+      <p:sp>
+        <p:nvSpPr>
+          <p:cNvPr id="81" name="CasellaDiTesto 44">
+            <a:extLst>
+              <a:ext uri="{FF2B5EF4-FFF2-40B4-BE49-F238E27FC236}">
+                <a16:creationId xmlns:a16="http://schemas.microsoft.com/office/drawing/2014/main" id="{A37A6696-A783-448B-952B-2633BA6E0504}"/>
+              </a:ext>
+            </a:extLst>
+          </p:cNvPr>
+          <p:cNvSpPr txBox="1"/>
+          <p:nvPr/>
+        </p:nvSpPr>
+        <p:spPr>
+          <a:xfrm>
+            <a:off x="20230452" y="22146046"/>
+            <a:ext cx="274434" cy="400110"/>
+          </a:xfrm>
+          <a:prstGeom prst="rect">
+            <a:avLst/>
+          </a:prstGeom>
+          <a:noFill/>
+        </p:spPr>
+        <p:txBody>
+          <a:bodyPr wrap="square" rtlCol="0">
+            <a:spAutoFit/>
+          </a:bodyPr>
+          <a:lstStyle/>
+          <a:p>
+            <a:r>
+              <a:rPr lang="en-US" sz="2000" i="1">
+                <a:solidFill>
+                  <a:schemeClr val="accent1">
+                    <a:lumMod val="75000"/>
+                  </a:schemeClr>
+                </a:solidFill>
+                <a:latin typeface="Helvetica" panose="020B0604020202020204" pitchFamily="34" charset="0"/>
+                <a:cs typeface="Helvetica" panose="020B0604020202020204" pitchFamily="34" charset="0"/>
+              </a:rPr>
+              <a:t>X</a:t>
+            </a:r>
+            <a:endParaRPr lang="en-US" sz="2000" i="1" baseline="-25000">
+              <a:solidFill>
+                <a:schemeClr val="accent1">
+                  <a:lumMod val="75000"/>
+                </a:schemeClr>
+              </a:solidFill>
+              <a:latin typeface="Helvetica" panose="020B0604020202020204" pitchFamily="34" charset="0"/>
+              <a:cs typeface="Helvetica" panose="020B0604020202020204" pitchFamily="34" charset="0"/>
+            </a:endParaRPr>
+          </a:p>
+        </p:txBody>
+      </p:sp>
+      <p:sp>
+        <p:nvSpPr>
+          <p:cNvPr id="82" name="Ovale 31">
+            <a:extLst>
+              <a:ext uri="{FF2B5EF4-FFF2-40B4-BE49-F238E27FC236}">
+                <a16:creationId xmlns:a16="http://schemas.microsoft.com/office/drawing/2014/main" id="{D02F93DF-3421-48C6-A542-FCF4CD00DCBB}"/>
+              </a:ext>
+            </a:extLst>
+          </p:cNvPr>
+          <p:cNvSpPr/>
+          <p:nvPr/>
+        </p:nvSpPr>
+        <p:spPr>
+          <a:xfrm>
+            <a:off x="21125346" y="22605925"/>
+            <a:ext cx="137160" cy="137160"/>
+          </a:xfrm>
+          <a:prstGeom prst="ellipse">
+            <a:avLst/>
+          </a:prstGeom>
+          <a:solidFill>
+            <a:srgbClr val="002060"/>
+          </a:solidFill>
+        </p:spPr>
+        <p:style>
+          <a:lnRef idx="0">
+            <a:schemeClr val="accent2"/>
+          </a:lnRef>
+          <a:fillRef idx="3">
+            <a:schemeClr val="accent2"/>
+          </a:fillRef>
+          <a:effectRef idx="3">
+            <a:schemeClr val="accent2"/>
+          </a:effectRef>
+          <a:fontRef idx="minor">
+            <a:schemeClr val="lt1"/>
+          </a:fontRef>
+        </p:style>
+        <p:txBody>
+          <a:bodyPr rtlCol="0" anchor="ctr"/>
+          <a:lstStyle/>
+          <a:p>
+            <a:pPr algn="ctr"/>
+            <a:endParaRPr lang="en-US" sz="1400" i="1">
+              <a:solidFill>
+                <a:schemeClr val="tx1"/>
+              </a:solidFill>
+              <a:latin typeface="Helvetica" panose="020B0604020202020204" pitchFamily="34" charset="0"/>
+              <a:cs typeface="Helvetica" panose="020B0604020202020204" pitchFamily="34" charset="0"/>
+            </a:endParaRPr>
+          </a:p>
+        </p:txBody>
+      </p:sp>
+      <p:cxnSp>
+        <p:nvCxnSpPr>
+          <p:cNvPr id="83" name="Straight Connector 82">
+            <a:extLst>
+              <a:ext uri="{FF2B5EF4-FFF2-40B4-BE49-F238E27FC236}">
+                <a16:creationId xmlns:a16="http://schemas.microsoft.com/office/drawing/2014/main" id="{DA033E98-41C3-46AF-B808-A960ACB556F7}"/>
+              </a:ext>
+            </a:extLst>
+          </p:cNvPr>
+          <p:cNvCxnSpPr>
+            <a:cxnSpLocks/>
+            <a:stCxn id="62" idx="0"/>
+            <a:endCxn id="82" idx="4"/>
+          </p:cNvCxnSpPr>
+          <p:nvPr/>
+        </p:nvCxnSpPr>
+        <p:spPr>
+          <a:xfrm flipV="1">
+            <a:off x="21125346" y="22743085"/>
+            <a:ext cx="68580" cy="94883"/>
+          </a:xfrm>
+          <a:prstGeom prst="line">
+            <a:avLst/>
+          </a:prstGeom>
+          <a:ln w="28575">
+            <a:solidFill>
+              <a:schemeClr val="accent1">
+                <a:lumMod val="75000"/>
+              </a:schemeClr>
+            </a:solidFill>
+            <a:prstDash val="sysDot"/>
+          </a:ln>
+        </p:spPr>
+        <p:style>
+          <a:lnRef idx="1">
+            <a:schemeClr val="accent1"/>
+          </a:lnRef>
+          <a:fillRef idx="0">
+            <a:schemeClr val="accent1"/>
+          </a:fillRef>
+          <a:effectRef idx="0">
+            <a:schemeClr val="accent1"/>
+          </a:effectRef>
+          <a:fontRef idx="minor">
+            <a:schemeClr val="tx1"/>
+          </a:fontRef>
+        </p:style>
+      </p:cxnSp>
+      <p:sp>
+        <p:nvSpPr>
+          <p:cNvPr id="84" name="CasellaDiTesto 242">
+            <a:extLst>
+              <a:ext uri="{FF2B5EF4-FFF2-40B4-BE49-F238E27FC236}">
+                <a16:creationId xmlns:a16="http://schemas.microsoft.com/office/drawing/2014/main" id="{C758CFF4-0D25-4339-91ED-156D16643EB9}"/>
+              </a:ext>
+            </a:extLst>
+          </p:cNvPr>
+          <p:cNvSpPr txBox="1"/>
+          <p:nvPr/>
+        </p:nvSpPr>
+        <p:spPr>
+          <a:xfrm>
+            <a:off x="18668469" y="31554580"/>
+            <a:ext cx="6021200" cy="1692771"/>
+          </a:xfrm>
+          <a:prstGeom prst="rect">
+            <a:avLst/>
+          </a:prstGeom>
+          <a:noFill/>
+        </p:spPr>
+        <p:txBody>
+          <a:bodyPr wrap="none" tIns="0" bIns="0" rtlCol="0">
+            <a:spAutoFit/>
+          </a:bodyPr>
+          <a:lstStyle/>
+          <a:p>
+            <a:r>
+              <a:rPr lang="en-US" sz="5500">
+                <a:latin typeface="Times New Roman" panose="02020603050405020304" pitchFamily="18" charset="0"/>
+                <a:cs typeface="Times New Roman" panose="02020603050405020304" pitchFamily="18" charset="0"/>
+              </a:rPr>
+              <a:t>I = {T</a:t>
+            </a:r>
+            <a:r>
+              <a:rPr lang="en-US" sz="5500" baseline="-25000">
+                <a:latin typeface="Times New Roman" panose="02020603050405020304" pitchFamily="18" charset="0"/>
+                <a:cs typeface="Times New Roman" panose="02020603050405020304" pitchFamily="18" charset="0"/>
+              </a:rPr>
+              <a:t>R</a:t>
+            </a:r>
+            <a:r>
+              <a:rPr lang="en-US" sz="5500">
+                <a:latin typeface="Times New Roman" panose="02020603050405020304" pitchFamily="18" charset="0"/>
+                <a:cs typeface="Times New Roman" panose="02020603050405020304" pitchFamily="18" charset="0"/>
+              </a:rPr>
+              <a:t>, T</a:t>
+            </a:r>
+            <a:r>
+              <a:rPr lang="en-US" sz="5500" baseline="-25000">
+                <a:latin typeface="Times New Roman" panose="02020603050405020304" pitchFamily="18" charset="0"/>
+                <a:cs typeface="Times New Roman" panose="02020603050405020304" pitchFamily="18" charset="0"/>
+              </a:rPr>
+              <a:t>B</a:t>
+            </a:r>
+            <a:r>
+              <a:rPr lang="en-US" sz="5500">
+                <a:latin typeface="Times New Roman" panose="02020603050405020304" pitchFamily="18" charset="0"/>
+                <a:cs typeface="Times New Roman" panose="02020603050405020304" pitchFamily="18" charset="0"/>
+              </a:rPr>
+              <a:t>}</a:t>
+            </a:r>
+          </a:p>
+          <a:p>
+            <a:r>
+              <a:rPr lang="en-US" sz="5500">
+                <a:latin typeface="Times New Roman" panose="02020603050405020304" pitchFamily="18" charset="0"/>
+                <a:cs typeface="Times New Roman" panose="02020603050405020304" pitchFamily="18" charset="0"/>
+              </a:rPr>
+              <a:t>sup(I) = {A,B,…,G}</a:t>
+            </a:r>
+          </a:p>
+        </p:txBody>
+      </p:sp>
+      <p:cxnSp>
+        <p:nvCxnSpPr>
+          <p:cNvPr id="85" name="Straight Connector 84">
+            <a:extLst>
+              <a:ext uri="{FF2B5EF4-FFF2-40B4-BE49-F238E27FC236}">
+                <a16:creationId xmlns:a16="http://schemas.microsoft.com/office/drawing/2014/main" id="{DBA1CA91-F764-4447-AA01-0A3B3FC9808D}"/>
+              </a:ext>
+            </a:extLst>
+          </p:cNvPr>
+          <p:cNvCxnSpPr>
+            <a:cxnSpLocks/>
+          </p:cNvCxnSpPr>
+          <p:nvPr/>
+        </p:nvCxnSpPr>
+        <p:spPr>
+          <a:xfrm flipH="1">
+            <a:off x="24236775" y="35874756"/>
+            <a:ext cx="569422" cy="784725"/>
+          </a:xfrm>
+          <a:prstGeom prst="line">
+            <a:avLst/>
+          </a:prstGeom>
+          <a:ln w="38100">
+            <a:headEnd type="oval" w="med" len="med"/>
+            <a:tailEnd type="oval" w="med" len="med"/>
+          </a:ln>
+        </p:spPr>
+        <p:style>
+          <a:lnRef idx="1">
+            <a:schemeClr val="accent1"/>
+          </a:lnRef>
+          <a:fillRef idx="0">
+            <a:schemeClr val="accent1"/>
+          </a:fillRef>
+          <a:effectRef idx="0">
+            <a:schemeClr val="accent1"/>
+          </a:effectRef>
+          <a:fontRef idx="minor">
+            <a:schemeClr val="tx1"/>
+          </a:fontRef>
+        </p:style>
+      </p:cxnSp>
+      <p:sp>
+        <p:nvSpPr>
+          <p:cNvPr id="86" name="CasellaDiTesto 44">
+            <a:extLst>
+              <a:ext uri="{FF2B5EF4-FFF2-40B4-BE49-F238E27FC236}">
+                <a16:creationId xmlns:a16="http://schemas.microsoft.com/office/drawing/2014/main" id="{54FED05B-F712-4D97-A311-EA56675AF644}"/>
+              </a:ext>
+            </a:extLst>
+          </p:cNvPr>
+          <p:cNvSpPr txBox="1"/>
+          <p:nvPr/>
+        </p:nvSpPr>
+        <p:spPr>
+          <a:xfrm>
+            <a:off x="24231120" y="35567364"/>
+            <a:ext cx="274434" cy="461665"/>
+          </a:xfrm>
+          <a:prstGeom prst="rect">
+            <a:avLst/>
+          </a:prstGeom>
+          <a:noFill/>
+        </p:spPr>
+        <p:txBody>
+          <a:bodyPr wrap="square" rtlCol="0">
+            <a:spAutoFit/>
+          </a:bodyPr>
+          <a:lstStyle/>
+          <a:p>
+            <a:r>
+              <a:rPr lang="en-US" sz="2400" i="1">
+                <a:solidFill>
+                  <a:schemeClr val="accent1">
+                    <a:lumMod val="75000"/>
+                  </a:schemeClr>
+                </a:solidFill>
+                <a:latin typeface="Helvetica" panose="020B0604020202020204" pitchFamily="34" charset="0"/>
+                <a:cs typeface="Helvetica" panose="020B0604020202020204" pitchFamily="34" charset="0"/>
+              </a:rPr>
+              <a:t>A</a:t>
+            </a:r>
+            <a:endParaRPr lang="en-US" sz="2400" i="1" baseline="-25000">
+              <a:solidFill>
+                <a:schemeClr val="accent1">
+                  <a:lumMod val="75000"/>
+                </a:schemeClr>
+              </a:solidFill>
+              <a:latin typeface="Helvetica" panose="020B0604020202020204" pitchFamily="34" charset="0"/>
+              <a:cs typeface="Helvetica" panose="020B0604020202020204" pitchFamily="34" charset="0"/>
+            </a:endParaRPr>
+          </a:p>
+        </p:txBody>
+      </p:sp>
+      <p:sp>
+        <p:nvSpPr>
+          <p:cNvPr id="87" name="CasellaDiTesto 45">
+            <a:extLst>
+              <a:ext uri="{FF2B5EF4-FFF2-40B4-BE49-F238E27FC236}">
+                <a16:creationId xmlns:a16="http://schemas.microsoft.com/office/drawing/2014/main" id="{F2D925F2-5C22-4C4E-AC00-12555959C6E9}"/>
+              </a:ext>
+            </a:extLst>
+          </p:cNvPr>
+          <p:cNvSpPr txBox="1"/>
+          <p:nvPr/>
+        </p:nvSpPr>
+        <p:spPr>
+          <a:xfrm>
+            <a:off x="23617742" y="36306280"/>
+            <a:ext cx="274434" cy="461665"/>
+          </a:xfrm>
+          <a:prstGeom prst="rect">
+            <a:avLst/>
+          </a:prstGeom>
+          <a:noFill/>
+        </p:spPr>
+        <p:txBody>
+          <a:bodyPr wrap="square" rtlCol="0">
+            <a:spAutoFit/>
+          </a:bodyPr>
+          <a:lstStyle/>
+          <a:p>
+            <a:r>
+              <a:rPr lang="en-US" sz="2400" i="1">
+                <a:solidFill>
+                  <a:schemeClr val="accent1">
+                    <a:lumMod val="75000"/>
+                  </a:schemeClr>
+                </a:solidFill>
+                <a:latin typeface="Helvetica" panose="020B0604020202020204" pitchFamily="34" charset="0"/>
+                <a:cs typeface="Helvetica" panose="020B0604020202020204" pitchFamily="34" charset="0"/>
+              </a:rPr>
+              <a:t>B</a:t>
+            </a:r>
+            <a:endParaRPr lang="en-US" sz="2400" i="1" baseline="-25000">
+              <a:solidFill>
+                <a:schemeClr val="accent1">
+                  <a:lumMod val="75000"/>
+                </a:schemeClr>
+              </a:solidFill>
+              <a:latin typeface="Helvetica" panose="020B0604020202020204" pitchFamily="34" charset="0"/>
+              <a:cs typeface="Helvetica" panose="020B0604020202020204" pitchFamily="34" charset="0"/>
+            </a:endParaRPr>
+          </a:p>
+        </p:txBody>
+      </p:sp>
+      <p:sp>
+        <p:nvSpPr>
+          <p:cNvPr id="88" name="CasellaDiTesto 46">
+            <a:extLst>
+              <a:ext uri="{FF2B5EF4-FFF2-40B4-BE49-F238E27FC236}">
+                <a16:creationId xmlns:a16="http://schemas.microsoft.com/office/drawing/2014/main" id="{8F756608-509F-41E0-BCC2-486C760C41DA}"/>
+              </a:ext>
+            </a:extLst>
+          </p:cNvPr>
+          <p:cNvSpPr txBox="1"/>
+          <p:nvPr/>
+        </p:nvSpPr>
+        <p:spPr>
+          <a:xfrm>
+            <a:off x="25106807" y="36780643"/>
+            <a:ext cx="264816" cy="461665"/>
+          </a:xfrm>
+          <a:prstGeom prst="rect">
+            <a:avLst/>
+          </a:prstGeom>
+          <a:noFill/>
+        </p:spPr>
+        <p:txBody>
+          <a:bodyPr wrap="square" rtlCol="0">
+            <a:spAutoFit/>
+          </a:bodyPr>
+          <a:lstStyle/>
+          <a:p>
+            <a:r>
+              <a:rPr lang="en-US" sz="2400" i="1">
+                <a:solidFill>
+                  <a:schemeClr val="accent1">
+                    <a:lumMod val="75000"/>
+                  </a:schemeClr>
+                </a:solidFill>
+                <a:latin typeface="Helvetica" panose="020B0604020202020204" pitchFamily="34" charset="0"/>
+                <a:cs typeface="Helvetica" panose="020B0604020202020204" pitchFamily="34" charset="0"/>
+              </a:rPr>
+              <a:t>C</a:t>
+            </a:r>
+            <a:endParaRPr lang="en-US" sz="2400" i="1" baseline="-25000">
+              <a:solidFill>
+                <a:schemeClr val="accent1">
+                  <a:lumMod val="75000"/>
+                </a:schemeClr>
+              </a:solidFill>
+              <a:latin typeface="Helvetica" panose="020B0604020202020204" pitchFamily="34" charset="0"/>
+              <a:cs typeface="Helvetica" panose="020B0604020202020204" pitchFamily="34" charset="0"/>
+            </a:endParaRPr>
+          </a:p>
+        </p:txBody>
+      </p:sp>
+      <p:sp>
+        <p:nvSpPr>
+          <p:cNvPr id="89" name="CasellaDiTesto 44">
+            <a:extLst>
+              <a:ext uri="{FF2B5EF4-FFF2-40B4-BE49-F238E27FC236}">
+                <a16:creationId xmlns:a16="http://schemas.microsoft.com/office/drawing/2014/main" id="{EE20B5AB-8DA3-4B63-8A79-E0879CEBF7A5}"/>
+              </a:ext>
+            </a:extLst>
+          </p:cNvPr>
+          <p:cNvSpPr txBox="1"/>
+          <p:nvPr/>
+        </p:nvSpPr>
+        <p:spPr>
+          <a:xfrm>
+            <a:off x="25132289" y="33568253"/>
+            <a:ext cx="274434" cy="461665"/>
+          </a:xfrm>
+          <a:prstGeom prst="rect">
+            <a:avLst/>
+          </a:prstGeom>
+          <a:noFill/>
+        </p:spPr>
+        <p:txBody>
+          <a:bodyPr wrap="square" rtlCol="0">
+            <a:spAutoFit/>
+          </a:bodyPr>
+          <a:lstStyle/>
+          <a:p>
+            <a:r>
+              <a:rPr lang="en-US" sz="2400" i="1">
+                <a:solidFill>
+                  <a:schemeClr val="accent1">
+                    <a:lumMod val="75000"/>
+                  </a:schemeClr>
+                </a:solidFill>
+                <a:latin typeface="Helvetica" panose="020B0604020202020204" pitchFamily="34" charset="0"/>
+                <a:cs typeface="Helvetica" panose="020B0604020202020204" pitchFamily="34" charset="0"/>
+              </a:rPr>
+              <a:t>F</a:t>
+            </a:r>
+            <a:endParaRPr lang="en-US" sz="2400" i="1" baseline="-25000">
+              <a:solidFill>
+                <a:schemeClr val="accent1">
+                  <a:lumMod val="75000"/>
+                </a:schemeClr>
+              </a:solidFill>
+              <a:latin typeface="Helvetica" panose="020B0604020202020204" pitchFamily="34" charset="0"/>
+              <a:cs typeface="Helvetica" panose="020B0604020202020204" pitchFamily="34" charset="0"/>
+            </a:endParaRPr>
+          </a:p>
+        </p:txBody>
+      </p:sp>
+      <p:sp>
+        <p:nvSpPr>
+          <p:cNvPr id="90" name="CasellaDiTesto 45">
+            <a:extLst>
+              <a:ext uri="{FF2B5EF4-FFF2-40B4-BE49-F238E27FC236}">
+                <a16:creationId xmlns:a16="http://schemas.microsoft.com/office/drawing/2014/main" id="{5AADFD5B-2290-4E90-8F20-32CCD77E3DD4}"/>
+              </a:ext>
+            </a:extLst>
+          </p:cNvPr>
+          <p:cNvSpPr txBox="1"/>
+          <p:nvPr/>
+        </p:nvSpPr>
+        <p:spPr>
+          <a:xfrm>
+            <a:off x="27401878" y="32939219"/>
+            <a:ext cx="274434" cy="461665"/>
+          </a:xfrm>
+          <a:prstGeom prst="rect">
+            <a:avLst/>
+          </a:prstGeom>
+          <a:noFill/>
+        </p:spPr>
+        <p:txBody>
+          <a:bodyPr wrap="square" rtlCol="0">
+            <a:spAutoFit/>
+          </a:bodyPr>
+          <a:lstStyle/>
+          <a:p>
+            <a:r>
+              <a:rPr lang="en-US" sz="2400" i="1">
+                <a:solidFill>
+                  <a:schemeClr val="accent1">
+                    <a:lumMod val="75000"/>
+                  </a:schemeClr>
+                </a:solidFill>
+                <a:latin typeface="Helvetica" panose="020B0604020202020204" pitchFamily="34" charset="0"/>
+                <a:cs typeface="Helvetica" panose="020B0604020202020204" pitchFamily="34" charset="0"/>
+              </a:rPr>
+              <a:t>E</a:t>
+            </a:r>
+            <a:endParaRPr lang="en-US" sz="2400" i="1" baseline="-25000">
+              <a:solidFill>
+                <a:schemeClr val="accent1">
+                  <a:lumMod val="75000"/>
+                </a:schemeClr>
+              </a:solidFill>
+              <a:latin typeface="Helvetica" panose="020B0604020202020204" pitchFamily="34" charset="0"/>
+              <a:cs typeface="Helvetica" panose="020B0604020202020204" pitchFamily="34" charset="0"/>
+            </a:endParaRPr>
+          </a:p>
+        </p:txBody>
+      </p:sp>
+      <p:sp>
+        <p:nvSpPr>
+          <p:cNvPr id="91" name="CasellaDiTesto 46">
+            <a:extLst>
+              <a:ext uri="{FF2B5EF4-FFF2-40B4-BE49-F238E27FC236}">
+                <a16:creationId xmlns:a16="http://schemas.microsoft.com/office/drawing/2014/main" id="{3138D2D6-C1B0-41E4-987E-FCD9040A5C3A}"/>
+              </a:ext>
+            </a:extLst>
+          </p:cNvPr>
+          <p:cNvSpPr txBox="1"/>
+          <p:nvPr/>
+        </p:nvSpPr>
+        <p:spPr>
+          <a:xfrm>
+            <a:off x="26979461" y="34124584"/>
+            <a:ext cx="264816" cy="461665"/>
+          </a:xfrm>
+          <a:prstGeom prst="rect">
+            <a:avLst/>
+          </a:prstGeom>
+          <a:noFill/>
+        </p:spPr>
+        <p:txBody>
+          <a:bodyPr wrap="square" rtlCol="0">
+            <a:spAutoFit/>
+          </a:bodyPr>
+          <a:lstStyle/>
+          <a:p>
+            <a:r>
+              <a:rPr lang="en-US" sz="2400" i="1">
+                <a:solidFill>
+                  <a:schemeClr val="accent1">
+                    <a:lumMod val="75000"/>
+                  </a:schemeClr>
+                </a:solidFill>
+                <a:latin typeface="Helvetica" panose="020B0604020202020204" pitchFamily="34" charset="0"/>
+                <a:cs typeface="Helvetica" panose="020B0604020202020204" pitchFamily="34" charset="0"/>
+              </a:rPr>
+              <a:t>D</a:t>
+            </a:r>
+            <a:endParaRPr lang="en-US" sz="2400" i="1" baseline="-25000">
+              <a:solidFill>
+                <a:schemeClr val="accent1">
+                  <a:lumMod val="75000"/>
+                </a:schemeClr>
+              </a:solidFill>
+              <a:latin typeface="Helvetica" panose="020B0604020202020204" pitchFamily="34" charset="0"/>
+              <a:cs typeface="Helvetica" panose="020B0604020202020204" pitchFamily="34" charset="0"/>
+            </a:endParaRPr>
+          </a:p>
+        </p:txBody>
+      </p:sp>
+      <p:sp>
+        <p:nvSpPr>
+          <p:cNvPr id="92" name="CasellaDiTesto 44">
+            <a:extLst>
+              <a:ext uri="{FF2B5EF4-FFF2-40B4-BE49-F238E27FC236}">
+                <a16:creationId xmlns:a16="http://schemas.microsoft.com/office/drawing/2014/main" id="{ADF60E67-A181-4D68-85C3-D108CDD69C5B}"/>
+              </a:ext>
+            </a:extLst>
+          </p:cNvPr>
+          <p:cNvSpPr txBox="1"/>
+          <p:nvPr/>
+        </p:nvSpPr>
+        <p:spPr>
+          <a:xfrm>
+            <a:off x="25597204" y="32457103"/>
+            <a:ext cx="274434" cy="461665"/>
+          </a:xfrm>
+          <a:prstGeom prst="rect">
+            <a:avLst/>
+          </a:prstGeom>
+          <a:noFill/>
+        </p:spPr>
+        <p:txBody>
+          <a:bodyPr wrap="square" rtlCol="0">
+            <a:spAutoFit/>
+          </a:bodyPr>
+          <a:lstStyle/>
+          <a:p>
+            <a:r>
+              <a:rPr lang="en-US" sz="2400" i="1">
+                <a:solidFill>
+                  <a:schemeClr val="accent1">
+                    <a:lumMod val="75000"/>
+                  </a:schemeClr>
+                </a:solidFill>
+                <a:latin typeface="Helvetica" panose="020B0604020202020204" pitchFamily="34" charset="0"/>
+                <a:cs typeface="Helvetica" panose="020B0604020202020204" pitchFamily="34" charset="0"/>
+              </a:rPr>
+              <a:t>G</a:t>
+            </a:r>
+            <a:endParaRPr lang="en-US" sz="2400" i="1" baseline="-25000">
+              <a:solidFill>
+                <a:schemeClr val="accent1">
+                  <a:lumMod val="75000"/>
+                </a:schemeClr>
+              </a:solidFill>
+              <a:latin typeface="Helvetica" panose="020B0604020202020204" pitchFamily="34" charset="0"/>
+              <a:cs typeface="Helvetica" panose="020B0604020202020204" pitchFamily="34" charset="0"/>
+            </a:endParaRPr>
+          </a:p>
+        </p:txBody>
+      </p:sp>
+    </p:spTree>
+    <p:extLst>
+      <p:ext uri="{BB962C8B-B14F-4D97-AF65-F5344CB8AC3E}">
+        <p14:creationId xmlns:p14="http://schemas.microsoft.com/office/powerpoint/2010/main" val="3738676152"/>
+      </p:ext>
+    </p:extLst>
+  </p:cSld>
+  <p:clrMapOvr>
+    <a:masterClrMapping/>
+  </p:clrMapOvr>
+</p:sld>
+</file>
+
 <file path=ppt/theme/theme1.xml><?xml version="1.0" encoding="utf-8"?>
 <a:theme xmlns:a="http://schemas.openxmlformats.org/drawingml/2006/main" name="Office Theme">
   <a:themeElements>
